--- a/윤리와철학/6주%28플라톤 데카르트 매트릭스%29.pptx
+++ b/윤리와철학/6주%28플라톤 데카르트 매트릭스%29.pptx
@@ -135,6 +135,22 @@
       </a:defRPr>
     </a:lvl9pPr>
   </p:defaultTextStyle>
+  <p:extLst>
+    <p:ext uri="{EFAFB233-063F-42B5-8137-9DF3F51BA10A}">
+      <p15:sldGuideLst xmlns:p15="http://schemas.microsoft.com/office/powerpoint/2012/main">
+        <p15:guide id="1" orient="horz" pos="2160">
+          <p15:clr>
+            <a:srgbClr val="A4A3A4"/>
+          </p15:clr>
+        </p15:guide>
+        <p15:guide id="2" pos="2880">
+          <p15:clr>
+            <a:srgbClr val="A4A3A4"/>
+          </p15:clr>
+        </p15:guide>
+      </p15:sldGuideLst>
+    </p:ext>
+  </p:extLst>
 </p:presentation>
 </file>
 
@@ -221,7 +237,7 @@
             <a:fld id="{1C885000-15BD-479A-A859-8D5B63139DE8}" type="datetimeFigureOut">
               <a:rPr lang="ko-KR" altLang="en-US" smtClean="0"/>
               <a:pPr/>
-              <a:t>2017-11-01</a:t>
+              <a:t>2018-04-06</a:t>
             </a:fld>
             <a:endParaRPr lang="ko-KR" altLang="en-US"/>
           </a:p>
@@ -287,38 +303,37 @@
           <a:p>
             <a:pPr lvl="0"/>
             <a:r>
-              <a:rPr lang="ko-KR" altLang="en-US" smtClean="0"/>
+              <a:rPr lang="ko-KR" altLang="en-US"/>
               <a:t>마스터 텍스트 스타일을 편집합니다</a:t>
             </a:r>
           </a:p>
           <a:p>
             <a:pPr lvl="1"/>
             <a:r>
-              <a:rPr lang="ko-KR" altLang="en-US" smtClean="0"/>
+              <a:rPr lang="ko-KR" altLang="en-US"/>
               <a:t>둘째 수준</a:t>
             </a:r>
           </a:p>
           <a:p>
             <a:pPr lvl="2"/>
             <a:r>
-              <a:rPr lang="ko-KR" altLang="en-US" smtClean="0"/>
+              <a:rPr lang="ko-KR" altLang="en-US"/>
               <a:t>셋째 수준</a:t>
             </a:r>
           </a:p>
           <a:p>
             <a:pPr lvl="3"/>
             <a:r>
-              <a:rPr lang="ko-KR" altLang="en-US" smtClean="0"/>
+              <a:rPr lang="ko-KR" altLang="en-US"/>
               <a:t>넷째 수준</a:t>
             </a:r>
           </a:p>
           <a:p>
             <a:pPr lvl="4"/>
             <a:r>
-              <a:rPr lang="ko-KR" altLang="en-US" smtClean="0"/>
+              <a:rPr lang="ko-KR" altLang="en-US"/>
               <a:t>다섯째 수준</a:t>
             </a:r>
-            <a:endParaRPr lang="ko-KR" altLang="en-US"/>
           </a:p>
         </p:txBody>
       </p:sp>
@@ -567,9 +582,7 @@
         </p:style>
         <p:txBody>
           <a:bodyPr anchor="ctr"/>
-          <a:lstStyle>
-            <a:extLst/>
-          </a:lstStyle>
+          <a:lstStyle/>
           <a:p>
             <a:pPr algn="ctr" eaLnBrk="1" latinLnBrk="0" hangingPunct="1"/>
             <a:endParaRPr kumimoji="0" lang="en-US"/>
@@ -622,7 +635,7 @@
           </a:lstStyle>
           <a:p>
             <a:r>
-              <a:rPr kumimoji="0" lang="ko-KR" altLang="en-US" smtClean="0"/>
+              <a:rPr kumimoji="0" lang="ko-KR" altLang="en-US"/>
               <a:t>마스터 제목 스타일 편집</a:t>
             </a:r>
             <a:endParaRPr kumimoji="0" lang="en-US"/>
@@ -684,7 +697,7 @@
           </a:lstStyle>
           <a:p>
             <a:r>
-              <a:rPr kumimoji="0" lang="ko-KR" altLang="en-US" smtClean="0"/>
+              <a:rPr kumimoji="0" lang="ko-KR" altLang="en-US"/>
               <a:t>마스터 부제목 스타일 편집</a:t>
             </a:r>
             <a:endParaRPr kumimoji="0" lang="en-US"/>
@@ -782,9 +795,7 @@
           </p:spPr>
           <p:txBody>
             <a:bodyPr vert="horz" wrap="square" lIns="91440" tIns="45720" rIns="91440" bIns="45720" anchor="t" compatLnSpc="1"/>
-            <a:lstStyle>
-              <a:extLst/>
-            </a:lstStyle>
+            <a:lstStyle/>
             <a:p>
               <a:endParaRPr kumimoji="0" lang="en-US"/>
             </a:p>
@@ -864,9 +875,7 @@
           </p:spPr>
           <p:txBody>
             <a:bodyPr vert="horz" wrap="square" lIns="91440" tIns="45720" rIns="91440" bIns="45720" anchor="t" compatLnSpc="1"/>
-            <a:lstStyle>
-              <a:extLst/>
-            </a:lstStyle>
+            <a:lstStyle/>
             <a:p>
               <a:endParaRPr kumimoji="0" lang="en-US"/>
             </a:p>
@@ -1023,9 +1032,7 @@
           </p:style>
           <p:txBody>
             <a:bodyPr vert="horz" wrap="square" lIns="91440" tIns="45720" rIns="91440" bIns="45720" anchor="ctr" compatLnSpc="1"/>
-            <a:lstStyle>
-              <a:extLst/>
-            </a:lstStyle>
+            <a:lstStyle/>
             <a:p>
               <a:pPr algn="ctr" eaLnBrk="1" latinLnBrk="0" hangingPunct="1"/>
               <a:endParaRPr kumimoji="0" lang="en-US"/>
@@ -1113,7 +1120,7 @@
             <a:fld id="{9B5DD853-9EB0-4B86-B059-915FAC920841}" type="datetimeFigureOut">
               <a:rPr lang="ko-KR" altLang="en-US" smtClean="0"/>
               <a:pPr/>
-              <a:t>2017-11-01</a:t>
+              <a:t>2018-04-06</a:t>
             </a:fld>
             <a:endParaRPr lang="ko-KR" altLang="en-US"/>
           </a:p>
@@ -1220,12 +1227,10 @@
         <p:spPr/>
         <p:txBody>
           <a:bodyPr/>
-          <a:lstStyle>
-            <a:extLst/>
-          </a:lstStyle>
-          <a:p>
-            <a:r>
-              <a:rPr kumimoji="0" lang="ko-KR" altLang="en-US" smtClean="0"/>
+          <a:lstStyle/>
+          <a:p>
+            <a:r>
+              <a:rPr kumimoji="0" lang="ko-KR" altLang="en-US"/>
               <a:t>마스터 제목 스타일 편집</a:t>
             </a:r>
             <a:endParaRPr kumimoji="0" lang="en-US"/>
@@ -1250,41 +1255,39 @@
         </p:spPr>
         <p:txBody>
           <a:bodyPr vert="eaVert"/>
-          <a:lstStyle>
-            <a:extLst/>
-          </a:lstStyle>
+          <a:lstStyle/>
           <a:p>
             <a:pPr lvl="0" eaLnBrk="1" latinLnBrk="0" hangingPunct="1"/>
             <a:r>
-              <a:rPr lang="ko-KR" altLang="en-US" smtClean="0"/>
+              <a:rPr lang="ko-KR" altLang="en-US"/>
               <a:t>마스터 텍스트 스타일을 편집합니다</a:t>
             </a:r>
           </a:p>
           <a:p>
             <a:pPr lvl="1" eaLnBrk="1" latinLnBrk="0" hangingPunct="1"/>
             <a:r>
-              <a:rPr lang="ko-KR" altLang="en-US" smtClean="0"/>
+              <a:rPr lang="ko-KR" altLang="en-US"/>
               <a:t>둘째 수준</a:t>
             </a:r>
           </a:p>
           <a:p>
             <a:pPr lvl="2" eaLnBrk="1" latinLnBrk="0" hangingPunct="1"/>
             <a:r>
-              <a:rPr lang="ko-KR" altLang="en-US" smtClean="0"/>
+              <a:rPr lang="ko-KR" altLang="en-US"/>
               <a:t>셋째 수준</a:t>
             </a:r>
           </a:p>
           <a:p>
             <a:pPr lvl="3" eaLnBrk="1" latinLnBrk="0" hangingPunct="1"/>
             <a:r>
-              <a:rPr lang="ko-KR" altLang="en-US" smtClean="0"/>
+              <a:rPr lang="ko-KR" altLang="en-US"/>
               <a:t>넷째 수준</a:t>
             </a:r>
           </a:p>
           <a:p>
             <a:pPr lvl="4" eaLnBrk="1" latinLnBrk="0" hangingPunct="1"/>
             <a:r>
-              <a:rPr lang="ko-KR" altLang="en-US" smtClean="0"/>
+              <a:rPr lang="ko-KR" altLang="en-US"/>
               <a:t>다섯째 수준</a:t>
             </a:r>
             <a:endParaRPr kumimoji="0" lang="en-US"/>
@@ -1304,14 +1307,12 @@
         <p:spPr/>
         <p:txBody>
           <a:bodyPr/>
-          <a:lstStyle>
-            <a:extLst/>
-          </a:lstStyle>
+          <a:lstStyle/>
           <a:p>
             <a:fld id="{9B5DD853-9EB0-4B86-B059-915FAC920841}" type="datetimeFigureOut">
               <a:rPr lang="ko-KR" altLang="en-US" smtClean="0"/>
               <a:pPr/>
-              <a:t>2017-11-01</a:t>
+              <a:t>2018-04-06</a:t>
             </a:fld>
             <a:endParaRPr lang="ko-KR" altLang="en-US"/>
           </a:p>
@@ -1330,9 +1331,7 @@
         <p:spPr/>
         <p:txBody>
           <a:bodyPr/>
-          <a:lstStyle>
-            <a:extLst/>
-          </a:lstStyle>
+          <a:lstStyle/>
           <a:p>
             <a:endParaRPr lang="ko-KR" altLang="en-US"/>
           </a:p>
@@ -1351,9 +1350,7 @@
         <p:spPr/>
         <p:txBody>
           <a:bodyPr/>
-          <a:lstStyle>
-            <a:extLst/>
-          </a:lstStyle>
+          <a:lstStyle/>
           <a:p>
             <a:fld id="{3307A8CC-CF4A-44DB-8BB7-1430DCB4B0BE}" type="slidenum">
               <a:rPr lang="ko-KR" altLang="en-US" smtClean="0"/>
@@ -1407,12 +1404,10 @@
         </p:spPr>
         <p:txBody>
           <a:bodyPr vert="eaVert"/>
-          <a:lstStyle>
-            <a:extLst/>
-          </a:lstStyle>
-          <a:p>
-            <a:r>
-              <a:rPr kumimoji="0" lang="ko-KR" altLang="en-US" smtClean="0"/>
+          <a:lstStyle/>
+          <a:p>
+            <a:r>
+              <a:rPr kumimoji="0" lang="ko-KR" altLang="en-US"/>
               <a:t>마스터 제목 스타일 편집</a:t>
             </a:r>
             <a:endParaRPr kumimoji="0" lang="en-US"/>
@@ -1437,41 +1432,39 @@
         </p:spPr>
         <p:txBody>
           <a:bodyPr vert="eaVert"/>
-          <a:lstStyle>
-            <a:extLst/>
-          </a:lstStyle>
+          <a:lstStyle/>
           <a:p>
             <a:pPr lvl="0" eaLnBrk="1" latinLnBrk="0" hangingPunct="1"/>
             <a:r>
-              <a:rPr lang="ko-KR" altLang="en-US" smtClean="0"/>
+              <a:rPr lang="ko-KR" altLang="en-US"/>
               <a:t>마스터 텍스트 스타일을 편집합니다</a:t>
             </a:r>
           </a:p>
           <a:p>
             <a:pPr lvl="1" eaLnBrk="1" latinLnBrk="0" hangingPunct="1"/>
             <a:r>
-              <a:rPr lang="ko-KR" altLang="en-US" smtClean="0"/>
+              <a:rPr lang="ko-KR" altLang="en-US"/>
               <a:t>둘째 수준</a:t>
             </a:r>
           </a:p>
           <a:p>
             <a:pPr lvl="2" eaLnBrk="1" latinLnBrk="0" hangingPunct="1"/>
             <a:r>
-              <a:rPr lang="ko-KR" altLang="en-US" smtClean="0"/>
+              <a:rPr lang="ko-KR" altLang="en-US"/>
               <a:t>셋째 수준</a:t>
             </a:r>
           </a:p>
           <a:p>
             <a:pPr lvl="3" eaLnBrk="1" latinLnBrk="0" hangingPunct="1"/>
             <a:r>
-              <a:rPr lang="ko-KR" altLang="en-US" smtClean="0"/>
+              <a:rPr lang="ko-KR" altLang="en-US"/>
               <a:t>넷째 수준</a:t>
             </a:r>
           </a:p>
           <a:p>
             <a:pPr lvl="4" eaLnBrk="1" latinLnBrk="0" hangingPunct="1"/>
             <a:r>
-              <a:rPr lang="ko-KR" altLang="en-US" smtClean="0"/>
+              <a:rPr lang="ko-KR" altLang="en-US"/>
               <a:t>다섯째 수준</a:t>
             </a:r>
             <a:endParaRPr kumimoji="0" lang="en-US"/>
@@ -1491,14 +1484,12 @@
         <p:spPr/>
         <p:txBody>
           <a:bodyPr/>
-          <a:lstStyle>
-            <a:extLst/>
-          </a:lstStyle>
+          <a:lstStyle/>
           <a:p>
             <a:fld id="{9B5DD853-9EB0-4B86-B059-915FAC920841}" type="datetimeFigureOut">
               <a:rPr lang="ko-KR" altLang="en-US" smtClean="0"/>
               <a:pPr/>
-              <a:t>2017-11-01</a:t>
+              <a:t>2018-04-06</a:t>
             </a:fld>
             <a:endParaRPr lang="ko-KR" altLang="en-US"/>
           </a:p>
@@ -1517,9 +1508,7 @@
         <p:spPr/>
         <p:txBody>
           <a:bodyPr/>
-          <a:lstStyle>
-            <a:extLst/>
-          </a:lstStyle>
+          <a:lstStyle/>
           <a:p>
             <a:endParaRPr lang="ko-KR" altLang="en-US"/>
           </a:p>
@@ -1538,9 +1527,7 @@
         <p:spPr/>
         <p:txBody>
           <a:bodyPr/>
-          <a:lstStyle>
-            <a:extLst/>
-          </a:lstStyle>
+          <a:lstStyle/>
           <a:p>
             <a:fld id="{3307A8CC-CF4A-44DB-8BB7-1430DCB4B0BE}" type="slidenum">
               <a:rPr lang="ko-KR" altLang="en-US" smtClean="0"/>
@@ -1589,41 +1576,39 @@
         <p:spPr/>
         <p:txBody>
           <a:bodyPr/>
-          <a:lstStyle>
-            <a:extLst/>
-          </a:lstStyle>
+          <a:lstStyle/>
           <a:p>
             <a:pPr lvl="0" eaLnBrk="1" latinLnBrk="0" hangingPunct="1"/>
             <a:r>
-              <a:rPr lang="ko-KR" altLang="en-US" smtClean="0"/>
+              <a:rPr lang="ko-KR" altLang="en-US"/>
               <a:t>마스터 텍스트 스타일을 편집합니다</a:t>
             </a:r>
           </a:p>
           <a:p>
             <a:pPr lvl="1" eaLnBrk="1" latinLnBrk="0" hangingPunct="1"/>
             <a:r>
-              <a:rPr lang="ko-KR" altLang="en-US" smtClean="0"/>
+              <a:rPr lang="ko-KR" altLang="en-US"/>
               <a:t>둘째 수준</a:t>
             </a:r>
           </a:p>
           <a:p>
             <a:pPr lvl="2" eaLnBrk="1" latinLnBrk="0" hangingPunct="1"/>
             <a:r>
-              <a:rPr lang="ko-KR" altLang="en-US" smtClean="0"/>
+              <a:rPr lang="ko-KR" altLang="en-US"/>
               <a:t>셋째 수준</a:t>
             </a:r>
           </a:p>
           <a:p>
             <a:pPr lvl="3" eaLnBrk="1" latinLnBrk="0" hangingPunct="1"/>
             <a:r>
-              <a:rPr lang="ko-KR" altLang="en-US" smtClean="0"/>
+              <a:rPr lang="ko-KR" altLang="en-US"/>
               <a:t>넷째 수준</a:t>
             </a:r>
           </a:p>
           <a:p>
             <a:pPr lvl="4" eaLnBrk="1" latinLnBrk="0" hangingPunct="1"/>
             <a:r>
-              <a:rPr lang="ko-KR" altLang="en-US" smtClean="0"/>
+              <a:rPr lang="ko-KR" altLang="en-US"/>
               <a:t>다섯째 수준</a:t>
             </a:r>
             <a:endParaRPr kumimoji="0" lang="en-US"/>
@@ -1643,14 +1628,12 @@
         <p:spPr/>
         <p:txBody>
           <a:bodyPr/>
-          <a:lstStyle>
-            <a:extLst/>
-          </a:lstStyle>
+          <a:lstStyle/>
           <a:p>
             <a:fld id="{9B5DD853-9EB0-4B86-B059-915FAC920841}" type="datetimeFigureOut">
               <a:rPr lang="ko-KR" altLang="en-US" smtClean="0"/>
               <a:pPr/>
-              <a:t>2017-11-01</a:t>
+              <a:t>2018-04-06</a:t>
             </a:fld>
             <a:endParaRPr lang="ko-KR" altLang="en-US"/>
           </a:p>
@@ -1669,9 +1652,7 @@
         <p:spPr/>
         <p:txBody>
           <a:bodyPr/>
-          <a:lstStyle>
-            <a:extLst/>
-          </a:lstStyle>
+          <a:lstStyle/>
           <a:p>
             <a:endParaRPr lang="ko-KR" altLang="en-US"/>
           </a:p>
@@ -1690,9 +1671,7 @@
         <p:spPr/>
         <p:txBody>
           <a:bodyPr/>
-          <a:lstStyle>
-            <a:extLst/>
-          </a:lstStyle>
+          <a:lstStyle/>
           <a:p>
             <a:fld id="{3307A8CC-CF4A-44DB-8BB7-1430DCB4B0BE}" type="slidenum">
               <a:rPr lang="ko-KR" altLang="en-US" smtClean="0"/>
@@ -1716,12 +1695,10 @@
         <p:spPr/>
         <p:txBody>
           <a:bodyPr rtlCol="0"/>
-          <a:lstStyle>
-            <a:extLst/>
-          </a:lstStyle>
-          <a:p>
-            <a:r>
-              <a:rPr kumimoji="0" lang="ko-KR" altLang="en-US" smtClean="0"/>
+          <a:lstStyle/>
+          <a:p>
+            <a:r>
+              <a:rPr kumimoji="0" lang="ko-KR" altLang="en-US"/>
               <a:t>마스터 제목 스타일 편집</a:t>
             </a:r>
             <a:endParaRPr kumimoji="0" lang="en-US"/>
@@ -1802,7 +1779,7 @@
           </a:lstStyle>
           <a:p>
             <a:r>
-              <a:rPr kumimoji="0" lang="ko-KR" altLang="en-US" smtClean="0"/>
+              <a:rPr kumimoji="0" lang="ko-KR" altLang="en-US"/>
               <a:t>마스터 제목 스타일 편집</a:t>
             </a:r>
             <a:endParaRPr kumimoji="0" lang="en-US"/>
@@ -1881,7 +1858,7 @@
           <a:p>
             <a:pPr lvl="0" eaLnBrk="1" latinLnBrk="0" hangingPunct="1"/>
             <a:r>
-              <a:rPr kumimoji="0" lang="ko-KR" altLang="en-US" smtClean="0"/>
+              <a:rPr kumimoji="0" lang="ko-KR" altLang="en-US"/>
               <a:t>마스터 텍스트 스타일을 편집합니다</a:t>
             </a:r>
           </a:p>
@@ -1900,14 +1877,12 @@
         <p:spPr/>
         <p:txBody>
           <a:bodyPr/>
-          <a:lstStyle>
-            <a:extLst/>
-          </a:lstStyle>
+          <a:lstStyle/>
           <a:p>
             <a:fld id="{9B5DD853-9EB0-4B86-B059-915FAC920841}" type="datetimeFigureOut">
               <a:rPr lang="ko-KR" altLang="en-US" smtClean="0"/>
               <a:pPr/>
-              <a:t>2017-11-01</a:t>
+              <a:t>2018-04-06</a:t>
             </a:fld>
             <a:endParaRPr lang="ko-KR" altLang="en-US"/>
           </a:p>
@@ -1926,9 +1901,7 @@
         <p:spPr/>
         <p:txBody>
           <a:bodyPr/>
-          <a:lstStyle>
-            <a:extLst/>
-          </a:lstStyle>
+          <a:lstStyle/>
           <a:p>
             <a:endParaRPr lang="ko-KR" altLang="en-US"/>
           </a:p>
@@ -1947,9 +1920,7 @@
         <p:spPr/>
         <p:txBody>
           <a:bodyPr/>
-          <a:lstStyle>
-            <a:extLst/>
-          </a:lstStyle>
+          <a:lstStyle/>
           <a:p>
             <a:fld id="{3307A8CC-CF4A-44DB-8BB7-1430DCB4B0BE}" type="slidenum">
               <a:rPr lang="ko-KR" altLang="en-US" smtClean="0"/>
@@ -2031,9 +2002,7 @@
         </p:style>
         <p:txBody>
           <a:bodyPr anchor="ctr"/>
-          <a:lstStyle>
-            <a:extLst/>
-          </a:lstStyle>
+          <a:lstStyle/>
           <a:p>
             <a:pPr algn="l" eaLnBrk="1" latinLnBrk="0" hangingPunct="1"/>
             <a:endParaRPr kumimoji="0" lang="en-US"/>
@@ -2111,9 +2080,7 @@
         </p:style>
         <p:txBody>
           <a:bodyPr anchor="ctr"/>
-          <a:lstStyle>
-            <a:extLst/>
-          </a:lstStyle>
+          <a:lstStyle/>
           <a:p>
             <a:pPr algn="l" eaLnBrk="1" latinLnBrk="0" hangingPunct="1"/>
             <a:endParaRPr kumimoji="0" lang="en-US"/>
@@ -2189,35 +2156,35 @@
           <a:p>
             <a:pPr lvl="0" eaLnBrk="1" latinLnBrk="0" hangingPunct="1"/>
             <a:r>
-              <a:rPr lang="ko-KR" altLang="en-US" smtClean="0"/>
+              <a:rPr lang="ko-KR" altLang="en-US"/>
               <a:t>마스터 텍스트 스타일을 편집합니다</a:t>
             </a:r>
           </a:p>
           <a:p>
             <a:pPr lvl="1" eaLnBrk="1" latinLnBrk="0" hangingPunct="1"/>
             <a:r>
-              <a:rPr lang="ko-KR" altLang="en-US" smtClean="0"/>
+              <a:rPr lang="ko-KR" altLang="en-US"/>
               <a:t>둘째 수준</a:t>
             </a:r>
           </a:p>
           <a:p>
             <a:pPr lvl="2" eaLnBrk="1" latinLnBrk="0" hangingPunct="1"/>
             <a:r>
-              <a:rPr lang="ko-KR" altLang="en-US" smtClean="0"/>
+              <a:rPr lang="ko-KR" altLang="en-US"/>
               <a:t>셋째 수준</a:t>
             </a:r>
           </a:p>
           <a:p>
             <a:pPr lvl="3" eaLnBrk="1" latinLnBrk="0" hangingPunct="1"/>
             <a:r>
-              <a:rPr lang="ko-KR" altLang="en-US" smtClean="0"/>
+              <a:rPr lang="ko-KR" altLang="en-US"/>
               <a:t>넷째 수준</a:t>
             </a:r>
           </a:p>
           <a:p>
             <a:pPr lvl="4" eaLnBrk="1" latinLnBrk="0" hangingPunct="1"/>
             <a:r>
-              <a:rPr lang="ko-KR" altLang="en-US" smtClean="0"/>
+              <a:rPr lang="ko-KR" altLang="en-US"/>
               <a:t>다섯째 수준</a:t>
             </a:r>
             <a:endParaRPr kumimoji="0" lang="en-US"/>
@@ -2263,35 +2230,35 @@
           <a:p>
             <a:pPr lvl="0" eaLnBrk="1" latinLnBrk="0" hangingPunct="1"/>
             <a:r>
-              <a:rPr lang="ko-KR" altLang="en-US" smtClean="0"/>
+              <a:rPr lang="ko-KR" altLang="en-US"/>
               <a:t>마스터 텍스트 스타일을 편집합니다</a:t>
             </a:r>
           </a:p>
           <a:p>
             <a:pPr lvl="1" eaLnBrk="1" latinLnBrk="0" hangingPunct="1"/>
             <a:r>
-              <a:rPr lang="ko-KR" altLang="en-US" smtClean="0"/>
+              <a:rPr lang="ko-KR" altLang="en-US"/>
               <a:t>둘째 수준</a:t>
             </a:r>
           </a:p>
           <a:p>
             <a:pPr lvl="2" eaLnBrk="1" latinLnBrk="0" hangingPunct="1"/>
             <a:r>
-              <a:rPr lang="ko-KR" altLang="en-US" smtClean="0"/>
+              <a:rPr lang="ko-KR" altLang="en-US"/>
               <a:t>셋째 수준</a:t>
             </a:r>
           </a:p>
           <a:p>
             <a:pPr lvl="3" eaLnBrk="1" latinLnBrk="0" hangingPunct="1"/>
             <a:r>
-              <a:rPr lang="ko-KR" altLang="en-US" smtClean="0"/>
+              <a:rPr lang="ko-KR" altLang="en-US"/>
               <a:t>넷째 수준</a:t>
             </a:r>
           </a:p>
           <a:p>
             <a:pPr lvl="4" eaLnBrk="1" latinLnBrk="0" hangingPunct="1"/>
             <a:r>
-              <a:rPr lang="ko-KR" altLang="en-US" smtClean="0"/>
+              <a:rPr lang="ko-KR" altLang="en-US"/>
               <a:t>다섯째 수준</a:t>
             </a:r>
             <a:endParaRPr kumimoji="0" lang="en-US"/>
@@ -2311,14 +2278,12 @@
         <p:spPr/>
         <p:txBody>
           <a:bodyPr/>
-          <a:lstStyle>
-            <a:extLst/>
-          </a:lstStyle>
+          <a:lstStyle/>
           <a:p>
             <a:fld id="{9B5DD853-9EB0-4B86-B059-915FAC920841}" type="datetimeFigureOut">
               <a:rPr lang="ko-KR" altLang="en-US" smtClean="0"/>
               <a:pPr/>
-              <a:t>2017-11-01</a:t>
+              <a:t>2018-04-06</a:t>
             </a:fld>
             <a:endParaRPr lang="ko-KR" altLang="en-US"/>
           </a:p>
@@ -2337,9 +2302,7 @@
         <p:spPr/>
         <p:txBody>
           <a:bodyPr/>
-          <a:lstStyle>
-            <a:extLst/>
-          </a:lstStyle>
+          <a:lstStyle/>
           <a:p>
             <a:endParaRPr lang="ko-KR" altLang="en-US"/>
           </a:p>
@@ -2358,9 +2321,7 @@
         <p:spPr/>
         <p:txBody>
           <a:bodyPr/>
-          <a:lstStyle>
-            <a:extLst/>
-          </a:lstStyle>
+          <a:lstStyle/>
           <a:p>
             <a:fld id="{3307A8CC-CF4A-44DB-8BB7-1430DCB4B0BE}" type="slidenum">
               <a:rPr lang="ko-KR" altLang="en-US" smtClean="0"/>
@@ -2384,12 +2345,10 @@
         <p:spPr/>
         <p:txBody>
           <a:bodyPr rtlCol="0"/>
-          <a:lstStyle>
-            <a:extLst/>
-          </a:lstStyle>
-          <a:p>
-            <a:r>
-              <a:rPr kumimoji="0" lang="ko-KR" altLang="en-US" smtClean="0"/>
+          <a:lstStyle/>
+          <a:p>
+            <a:r>
+              <a:rPr kumimoji="0" lang="ko-KR" altLang="en-US"/>
               <a:t>마스터 제목 스타일 편집</a:t>
             </a:r>
             <a:endParaRPr kumimoji="0" lang="en-US"/>
@@ -2452,7 +2411,7 @@
           </a:lstStyle>
           <a:p>
             <a:r>
-              <a:rPr kumimoji="0" lang="ko-KR" altLang="en-US" smtClean="0"/>
+              <a:rPr kumimoji="0" lang="ko-KR" altLang="en-US"/>
               <a:t>마스터 제목 스타일 편집</a:t>
             </a:r>
             <a:endParaRPr kumimoji="0" lang="en-US"/>
@@ -2516,7 +2475,7 @@
           <a:p>
             <a:pPr lvl="0" eaLnBrk="1" latinLnBrk="0" hangingPunct="1"/>
             <a:r>
-              <a:rPr kumimoji="0" lang="ko-KR" altLang="en-US" smtClean="0"/>
+              <a:rPr kumimoji="0" lang="ko-KR" altLang="en-US"/>
               <a:t>마스터 텍스트 스타일을 편집합니다</a:t>
             </a:r>
           </a:p>
@@ -2579,7 +2538,7 @@
           <a:p>
             <a:pPr lvl="0" eaLnBrk="1" latinLnBrk="0" hangingPunct="1"/>
             <a:r>
-              <a:rPr kumimoji="0" lang="ko-KR" altLang="en-US" smtClean="0"/>
+              <a:rPr kumimoji="0" lang="ko-KR" altLang="en-US"/>
               <a:t>마스터 텍스트 스타일을 편집합니다</a:t>
             </a:r>
           </a:p>
@@ -2629,35 +2588,35 @@
           <a:p>
             <a:pPr lvl="0" eaLnBrk="1" latinLnBrk="0" hangingPunct="1"/>
             <a:r>
-              <a:rPr lang="ko-KR" altLang="en-US" smtClean="0"/>
+              <a:rPr lang="ko-KR" altLang="en-US"/>
               <a:t>마스터 텍스트 스타일을 편집합니다</a:t>
             </a:r>
           </a:p>
           <a:p>
             <a:pPr lvl="1" eaLnBrk="1" latinLnBrk="0" hangingPunct="1"/>
             <a:r>
-              <a:rPr lang="ko-KR" altLang="en-US" smtClean="0"/>
+              <a:rPr lang="ko-KR" altLang="en-US"/>
               <a:t>둘째 수준</a:t>
             </a:r>
           </a:p>
           <a:p>
             <a:pPr lvl="2" eaLnBrk="1" latinLnBrk="0" hangingPunct="1"/>
             <a:r>
-              <a:rPr lang="ko-KR" altLang="en-US" smtClean="0"/>
+              <a:rPr lang="ko-KR" altLang="en-US"/>
               <a:t>셋째 수준</a:t>
             </a:r>
           </a:p>
           <a:p>
             <a:pPr lvl="3" eaLnBrk="1" latinLnBrk="0" hangingPunct="1"/>
             <a:r>
-              <a:rPr lang="ko-KR" altLang="en-US" smtClean="0"/>
+              <a:rPr lang="ko-KR" altLang="en-US"/>
               <a:t>넷째 수준</a:t>
             </a:r>
           </a:p>
           <a:p>
             <a:pPr lvl="4" eaLnBrk="1" latinLnBrk="0" hangingPunct="1"/>
             <a:r>
-              <a:rPr lang="ko-KR" altLang="en-US" smtClean="0"/>
+              <a:rPr lang="ko-KR" altLang="en-US"/>
               <a:t>다섯째 수준</a:t>
             </a:r>
             <a:endParaRPr kumimoji="0" lang="en-US"/>
@@ -2711,35 +2670,35 @@
           <a:p>
             <a:pPr lvl="0" eaLnBrk="1" latinLnBrk="0" hangingPunct="1"/>
             <a:r>
-              <a:rPr lang="ko-KR" altLang="en-US" smtClean="0"/>
+              <a:rPr lang="ko-KR" altLang="en-US"/>
               <a:t>마스터 텍스트 스타일을 편집합니다</a:t>
             </a:r>
           </a:p>
           <a:p>
             <a:pPr lvl="1" eaLnBrk="1" latinLnBrk="0" hangingPunct="1"/>
             <a:r>
-              <a:rPr lang="ko-KR" altLang="en-US" smtClean="0"/>
+              <a:rPr lang="ko-KR" altLang="en-US"/>
               <a:t>둘째 수준</a:t>
             </a:r>
           </a:p>
           <a:p>
             <a:pPr lvl="2" eaLnBrk="1" latinLnBrk="0" hangingPunct="1"/>
             <a:r>
-              <a:rPr lang="ko-KR" altLang="en-US" smtClean="0"/>
+              <a:rPr lang="ko-KR" altLang="en-US"/>
               <a:t>셋째 수준</a:t>
             </a:r>
           </a:p>
           <a:p>
             <a:pPr lvl="3" eaLnBrk="1" latinLnBrk="0" hangingPunct="1"/>
             <a:r>
-              <a:rPr lang="ko-KR" altLang="en-US" smtClean="0"/>
+              <a:rPr lang="ko-KR" altLang="en-US"/>
               <a:t>넷째 수준</a:t>
             </a:r>
           </a:p>
           <a:p>
             <a:pPr lvl="4" eaLnBrk="1" latinLnBrk="0" hangingPunct="1"/>
             <a:r>
-              <a:rPr lang="ko-KR" altLang="en-US" smtClean="0"/>
+              <a:rPr lang="ko-KR" altLang="en-US"/>
               <a:t>다섯째 수준</a:t>
             </a:r>
             <a:endParaRPr kumimoji="0" lang="en-US"/>
@@ -2759,14 +2718,12 @@
         <p:spPr/>
         <p:txBody>
           <a:bodyPr/>
-          <a:lstStyle>
-            <a:extLst/>
-          </a:lstStyle>
+          <a:lstStyle/>
           <a:p>
             <a:fld id="{9B5DD853-9EB0-4B86-B059-915FAC920841}" type="datetimeFigureOut">
               <a:rPr lang="ko-KR" altLang="en-US" smtClean="0"/>
               <a:pPr/>
-              <a:t>2017-11-01</a:t>
+              <a:t>2018-04-06</a:t>
             </a:fld>
             <a:endParaRPr lang="ko-KR" altLang="en-US"/>
           </a:p>
@@ -2785,9 +2742,7 @@
         <p:spPr/>
         <p:txBody>
           <a:bodyPr/>
-          <a:lstStyle>
-            <a:extLst/>
-          </a:lstStyle>
+          <a:lstStyle/>
           <a:p>
             <a:endParaRPr lang="ko-KR" altLang="en-US"/>
           </a:p>
@@ -2806,9 +2761,7 @@
         <p:spPr/>
         <p:txBody>
           <a:bodyPr/>
-          <a:lstStyle>
-            <a:extLst/>
-          </a:lstStyle>
+          <a:lstStyle/>
           <a:p>
             <a:fld id="{3307A8CC-CF4A-44DB-8BB7-1430DCB4B0BE}" type="slidenum">
               <a:rPr lang="ko-KR" altLang="en-US" smtClean="0"/>
@@ -2862,14 +2815,12 @@
         <p:spPr/>
         <p:txBody>
           <a:bodyPr/>
-          <a:lstStyle>
-            <a:extLst/>
-          </a:lstStyle>
+          <a:lstStyle/>
           <a:p>
             <a:fld id="{9B5DD853-9EB0-4B86-B059-915FAC920841}" type="datetimeFigureOut">
               <a:rPr lang="ko-KR" altLang="en-US" smtClean="0"/>
               <a:pPr/>
-              <a:t>2017-11-01</a:t>
+              <a:t>2018-04-06</a:t>
             </a:fld>
             <a:endParaRPr lang="ko-KR" altLang="en-US"/>
           </a:p>
@@ -2888,9 +2839,7 @@
         <p:spPr/>
         <p:txBody>
           <a:bodyPr/>
-          <a:lstStyle>
-            <a:extLst/>
-          </a:lstStyle>
+          <a:lstStyle/>
           <a:p>
             <a:endParaRPr lang="ko-KR" altLang="en-US"/>
           </a:p>
@@ -2909,9 +2858,7 @@
         <p:spPr/>
         <p:txBody>
           <a:bodyPr/>
-          <a:lstStyle>
-            <a:extLst/>
-          </a:lstStyle>
+          <a:lstStyle/>
           <a:p>
             <a:fld id="{3307A8CC-CF4A-44DB-8BB7-1430DCB4B0BE}" type="slidenum">
               <a:rPr lang="ko-KR" altLang="en-US" smtClean="0"/>
@@ -2935,12 +2882,10 @@
         <p:spPr/>
         <p:txBody>
           <a:bodyPr rtlCol="0"/>
-          <a:lstStyle>
-            <a:extLst/>
-          </a:lstStyle>
-          <a:p>
-            <a:r>
-              <a:rPr kumimoji="0" lang="ko-KR" altLang="en-US" smtClean="0"/>
+          <a:lstStyle/>
+          <a:p>
+            <a:r>
+              <a:rPr kumimoji="0" lang="ko-KR" altLang="en-US"/>
               <a:t>마스터 제목 스타일 편집</a:t>
             </a:r>
             <a:endParaRPr kumimoji="0" lang="en-US"/>
@@ -2985,14 +2930,12 @@
         <p:spPr/>
         <p:txBody>
           <a:bodyPr/>
-          <a:lstStyle>
-            <a:extLst/>
-          </a:lstStyle>
+          <a:lstStyle/>
           <a:p>
             <a:fld id="{9B5DD853-9EB0-4B86-B059-915FAC920841}" type="datetimeFigureOut">
               <a:rPr lang="ko-KR" altLang="en-US" smtClean="0"/>
               <a:pPr/>
-              <a:t>2017-11-01</a:t>
+              <a:t>2018-04-06</a:t>
             </a:fld>
             <a:endParaRPr lang="ko-KR" altLang="en-US"/>
           </a:p>
@@ -3011,9 +2954,7 @@
         <p:spPr/>
         <p:txBody>
           <a:bodyPr/>
-          <a:lstStyle>
-            <a:extLst/>
-          </a:lstStyle>
+          <a:lstStyle/>
           <a:p>
             <a:endParaRPr lang="ko-KR" altLang="en-US"/>
           </a:p>
@@ -3032,9 +2973,7 @@
         <p:spPr/>
         <p:txBody>
           <a:bodyPr/>
-          <a:lstStyle>
-            <a:extLst/>
-          </a:lstStyle>
+          <a:lstStyle/>
           <a:p>
             <a:fld id="{3307A8CC-CF4A-44DB-8BB7-1430DCB4B0BE}" type="slidenum">
               <a:rPr lang="ko-KR" altLang="en-US" smtClean="0"/>
@@ -3112,7 +3051,7 @@
           </a:lstStyle>
           <a:p>
             <a:r>
-              <a:rPr kumimoji="0" lang="ko-KR" altLang="en-US" smtClean="0"/>
+              <a:rPr kumimoji="0" lang="ko-KR" altLang="en-US"/>
               <a:t>마스터 제목 스타일 편집</a:t>
             </a:r>
             <a:endParaRPr kumimoji="0" lang="en-US"/>
@@ -3163,7 +3102,7 @@
           <a:p>
             <a:pPr lvl="0" eaLnBrk="1" latinLnBrk="0" hangingPunct="1"/>
             <a:r>
-              <a:rPr kumimoji="0" lang="ko-KR" altLang="en-US" smtClean="0"/>
+              <a:rPr kumimoji="0" lang="ko-KR" altLang="en-US"/>
               <a:t>마스터 텍스트 스타일을 편집합니다</a:t>
             </a:r>
           </a:p>
@@ -3208,35 +3147,35 @@
           <a:p>
             <a:pPr lvl="0" eaLnBrk="1" latinLnBrk="0" hangingPunct="1"/>
             <a:r>
-              <a:rPr lang="ko-KR" altLang="en-US" smtClean="0"/>
+              <a:rPr lang="ko-KR" altLang="en-US"/>
               <a:t>마스터 텍스트 스타일을 편집합니다</a:t>
             </a:r>
           </a:p>
           <a:p>
             <a:pPr lvl="1" eaLnBrk="1" latinLnBrk="0" hangingPunct="1"/>
             <a:r>
-              <a:rPr lang="ko-KR" altLang="en-US" smtClean="0"/>
+              <a:rPr lang="ko-KR" altLang="en-US"/>
               <a:t>둘째 수준</a:t>
             </a:r>
           </a:p>
           <a:p>
             <a:pPr lvl="2" eaLnBrk="1" latinLnBrk="0" hangingPunct="1"/>
             <a:r>
-              <a:rPr lang="ko-KR" altLang="en-US" smtClean="0"/>
+              <a:rPr lang="ko-KR" altLang="en-US"/>
               <a:t>셋째 수준</a:t>
             </a:r>
           </a:p>
           <a:p>
             <a:pPr lvl="3" eaLnBrk="1" latinLnBrk="0" hangingPunct="1"/>
             <a:r>
-              <a:rPr lang="ko-KR" altLang="en-US" smtClean="0"/>
+              <a:rPr lang="ko-KR" altLang="en-US"/>
               <a:t>넷째 수준</a:t>
             </a:r>
           </a:p>
           <a:p>
             <a:pPr lvl="4" eaLnBrk="1" latinLnBrk="0" hangingPunct="1"/>
             <a:r>
-              <a:rPr lang="ko-KR" altLang="en-US" smtClean="0"/>
+              <a:rPr lang="ko-KR" altLang="en-US"/>
               <a:t>다섯째 수준</a:t>
             </a:r>
             <a:endParaRPr kumimoji="0" lang="en-US"/>
@@ -3261,14 +3200,12 @@
         </p:spPr>
         <p:txBody>
           <a:bodyPr/>
-          <a:lstStyle>
-            <a:extLst/>
-          </a:lstStyle>
+          <a:lstStyle/>
           <a:p>
             <a:fld id="{9B5DD853-9EB0-4B86-B059-915FAC920841}" type="datetimeFigureOut">
               <a:rPr lang="ko-KR" altLang="en-US" smtClean="0"/>
               <a:pPr/>
-              <a:t>2017-11-01</a:t>
+              <a:t>2018-04-06</a:t>
             </a:fld>
             <a:endParaRPr lang="ko-KR" altLang="en-US"/>
           </a:p>
@@ -3287,9 +3224,7 @@
         <p:spPr/>
         <p:txBody>
           <a:bodyPr/>
-          <a:lstStyle>
-            <a:extLst/>
-          </a:lstStyle>
+          <a:lstStyle/>
           <a:p>
             <a:endParaRPr lang="ko-KR" altLang="en-US"/>
           </a:p>
@@ -3308,9 +3243,7 @@
         <p:spPr/>
         <p:txBody>
           <a:bodyPr/>
-          <a:lstStyle>
-            <a:extLst/>
-          </a:lstStyle>
+          <a:lstStyle/>
           <a:p>
             <a:fld id="{3307A8CC-CF4A-44DB-8BB7-1430DCB4B0BE}" type="slidenum">
               <a:rPr lang="ko-KR" altLang="en-US" smtClean="0"/>
@@ -3392,7 +3325,7 @@
           <a:p>
             <a:pPr lvl="0" eaLnBrk="1" latinLnBrk="0" hangingPunct="1"/>
             <a:r>
-              <a:rPr kumimoji="0" lang="ko-KR" altLang="en-US" smtClean="0"/>
+              <a:rPr kumimoji="0" lang="ko-KR" altLang="en-US"/>
               <a:t>마스터 텍스트 스타일을 편집합니다</a:t>
             </a:r>
           </a:p>
@@ -3441,7 +3374,7 @@
           </a:lstStyle>
           <a:p>
             <a:r>
-              <a:rPr kumimoji="0" lang="ko-KR" altLang="en-US" smtClean="0"/>
+              <a:rPr kumimoji="0" lang="ko-KR" altLang="en-US"/>
               <a:t>그림을 추가하려면 아이콘을 클릭하십시오</a:t>
             </a:r>
             <a:endParaRPr kumimoji="0" lang="en-US" dirty="0"/>
@@ -3475,7 +3408,7 @@
             <a:fld id="{9B5DD853-9EB0-4B86-B059-915FAC920841}" type="datetimeFigureOut">
               <a:rPr lang="ko-KR" altLang="en-US" smtClean="0"/>
               <a:pPr/>
-              <a:t>2017-11-01</a:t>
+              <a:t>2018-04-06</a:t>
             </a:fld>
             <a:endParaRPr lang="ko-KR" altLang="en-US"/>
           </a:p>
@@ -3588,7 +3521,7 @@
           </a:lstStyle>
           <a:p>
             <a:r>
-              <a:rPr kumimoji="0" lang="ko-KR" altLang="en-US" smtClean="0"/>
+              <a:rPr kumimoji="0" lang="ko-KR" altLang="en-US"/>
               <a:t>마스터 제목 스타일 편집</a:t>
             </a:r>
             <a:endParaRPr kumimoji="0" lang="en-US"/>
@@ -3671,9 +3604,7 @@
         </p:spPr>
         <p:txBody>
           <a:bodyPr vert="horz" wrap="square" lIns="91440" tIns="45720" rIns="91440" bIns="45720" anchor="t" compatLnSpc="1"/>
-          <a:lstStyle>
-            <a:extLst/>
-          </a:lstStyle>
+          <a:lstStyle/>
           <a:p>
             <a:endParaRPr kumimoji="0" lang="en-US"/>
           </a:p>
@@ -3753,9 +3684,7 @@
         </p:spPr>
         <p:txBody>
           <a:bodyPr vert="horz" wrap="square" lIns="91440" tIns="45720" rIns="91440" bIns="45720" anchor="t" compatLnSpc="1"/>
-          <a:lstStyle>
-            <a:extLst/>
-          </a:lstStyle>
+          <a:lstStyle/>
           <a:p>
             <a:endParaRPr kumimoji="0" lang="en-US"/>
           </a:p>
@@ -3863,9 +3792,7 @@
         </p:style>
         <p:txBody>
           <a:bodyPr vert="horz" wrap="square" lIns="91440" tIns="45720" rIns="91440" bIns="45720" anchor="ctr" compatLnSpc="1"/>
-          <a:lstStyle>
-            <a:extLst/>
-          </a:lstStyle>
+          <a:lstStyle/>
           <a:p>
             <a:pPr algn="ctr" eaLnBrk="1" latinLnBrk="0" hangingPunct="1"/>
             <a:endParaRPr kumimoji="0" lang="en-US"/>
@@ -3996,9 +3923,7 @@
         </p:style>
         <p:txBody>
           <a:bodyPr anchor="ctr"/>
-          <a:lstStyle>
-            <a:extLst/>
-          </a:lstStyle>
+          <a:lstStyle/>
           <a:p>
             <a:pPr algn="l" eaLnBrk="1" latinLnBrk="0" hangingPunct="1"/>
             <a:endParaRPr kumimoji="0" lang="en-US"/>
@@ -4076,9 +4001,7 @@
         </p:style>
         <p:txBody>
           <a:bodyPr anchor="ctr"/>
-          <a:lstStyle>
-            <a:extLst/>
-          </a:lstStyle>
+          <a:lstStyle/>
           <a:p>
             <a:pPr algn="l" eaLnBrk="1" latinLnBrk="0" hangingPunct="1"/>
             <a:endParaRPr kumimoji="0" lang="en-US"/>
@@ -4191,9 +4114,7 @@
         </p:spPr>
         <p:txBody>
           <a:bodyPr vert="horz" wrap="square" lIns="91440" tIns="45720" rIns="91440" bIns="45720" anchor="t" compatLnSpc="1"/>
-          <a:lstStyle>
-            <a:extLst/>
-          </a:lstStyle>
+          <a:lstStyle/>
           <a:p>
             <a:endParaRPr kumimoji="0" lang="en-US"/>
           </a:p>
@@ -4273,9 +4194,7 @@
         </p:spPr>
         <p:txBody>
           <a:bodyPr vert="horz" wrap="square" lIns="91440" tIns="45720" rIns="91440" bIns="45720" anchor="t" compatLnSpc="1"/>
-          <a:lstStyle>
-            <a:extLst/>
-          </a:lstStyle>
+          <a:lstStyle/>
           <a:p>
             <a:endParaRPr kumimoji="0" lang="en-US"/>
           </a:p>
@@ -4383,9 +4302,7 @@
         </p:style>
         <p:txBody>
           <a:bodyPr vert="horz" wrap="square" lIns="91440" tIns="45720" rIns="91440" bIns="45720" anchor="ctr" compatLnSpc="1"/>
-          <a:lstStyle>
-            <a:extLst/>
-          </a:lstStyle>
+          <a:lstStyle/>
           <a:p>
             <a:pPr algn="ctr" eaLnBrk="1" latinLnBrk="0" hangingPunct="1"/>
             <a:endParaRPr kumimoji="0" lang="en-US"/>
@@ -4475,12 +4392,10 @@
               <a:bevelT w="25400" h="25400"/>
             </a:sp3d>
           </a:bodyPr>
-          <a:lstStyle>
-            <a:extLst/>
-          </a:lstStyle>
-          <a:p>
-            <a:r>
-              <a:rPr kumimoji="0" lang="ko-KR" altLang="en-US" smtClean="0"/>
+          <a:lstStyle/>
+          <a:p>
+            <a:r>
+              <a:rPr kumimoji="0" lang="ko-KR" altLang="en-US"/>
               <a:t>마스터 제목 스타일 편집</a:t>
             </a:r>
             <a:endParaRPr kumimoji="0" lang="en-US"/>
@@ -4510,41 +4425,39 @@
           <a:bodyPr vert="horz">
             <a:normAutofit/>
           </a:bodyPr>
-          <a:lstStyle>
-            <a:extLst/>
-          </a:lstStyle>
+          <a:lstStyle/>
           <a:p>
             <a:pPr lvl="0" eaLnBrk="1" latinLnBrk="0" hangingPunct="1"/>
             <a:r>
-              <a:rPr kumimoji="0" lang="ko-KR" altLang="en-US" smtClean="0"/>
+              <a:rPr kumimoji="0" lang="ko-KR" altLang="en-US"/>
               <a:t>마스터 텍스트 스타일을 편집합니다</a:t>
             </a:r>
           </a:p>
           <a:p>
             <a:pPr lvl="1" eaLnBrk="1" latinLnBrk="0" hangingPunct="1"/>
             <a:r>
-              <a:rPr kumimoji="0" lang="ko-KR" altLang="en-US" smtClean="0"/>
+              <a:rPr kumimoji="0" lang="ko-KR" altLang="en-US"/>
               <a:t>둘째 수준</a:t>
             </a:r>
           </a:p>
           <a:p>
             <a:pPr lvl="2" eaLnBrk="1" latinLnBrk="0" hangingPunct="1"/>
             <a:r>
-              <a:rPr kumimoji="0" lang="ko-KR" altLang="en-US" smtClean="0"/>
+              <a:rPr kumimoji="0" lang="ko-KR" altLang="en-US"/>
               <a:t>셋째 수준</a:t>
             </a:r>
           </a:p>
           <a:p>
             <a:pPr lvl="3" eaLnBrk="1" latinLnBrk="0" hangingPunct="1"/>
             <a:r>
-              <a:rPr kumimoji="0" lang="ko-KR" altLang="en-US" smtClean="0"/>
+              <a:rPr kumimoji="0" lang="ko-KR" altLang="en-US"/>
               <a:t>넷째 수준</a:t>
             </a:r>
           </a:p>
           <a:p>
             <a:pPr lvl="4" eaLnBrk="1" latinLnBrk="0" hangingPunct="1"/>
             <a:r>
-              <a:rPr kumimoji="0" lang="ko-KR" altLang="en-US" smtClean="0"/>
+              <a:rPr kumimoji="0" lang="ko-KR" altLang="en-US"/>
               <a:t>다섯째 수준</a:t>
             </a:r>
             <a:endParaRPr kumimoji="0" lang="en-US"/>
@@ -4586,7 +4499,7 @@
             <a:fld id="{9B5DD853-9EB0-4B86-B059-915FAC920841}" type="datetimeFigureOut">
               <a:rPr lang="ko-KR" altLang="en-US" smtClean="0"/>
               <a:pPr/>
-              <a:t>2017-11-01</a:t>
+              <a:t>2018-04-06</a:t>
             </a:fld>
             <a:endParaRPr lang="ko-KR" altLang="en-US"/>
           </a:p>
@@ -5010,42 +4923,42 @@
           <a:lstStyle/>
           <a:p>
             <a:r>
-              <a:rPr lang="ko-KR" altLang="en-US" sz="5400" dirty="0" smtClean="0">
+              <a:rPr lang="ko-KR" altLang="en-US" sz="5400" dirty="0">
                 <a:latin typeface="나눔고딕" pitchFamily="50" charset="-127"/>
                 <a:ea typeface="나눔고딕" pitchFamily="50" charset="-127"/>
               </a:rPr>
               <a:t>인간</a:t>
             </a:r>
             <a:r>
-              <a:rPr lang="en-US" altLang="ko-KR" sz="5400" dirty="0" smtClean="0">
+              <a:rPr lang="en-US" altLang="ko-KR" sz="5400" dirty="0">
                 <a:latin typeface="나눔고딕" pitchFamily="50" charset="-127"/>
                 <a:ea typeface="나눔고딕" pitchFamily="50" charset="-127"/>
               </a:rPr>
               <a:t>, </a:t>
             </a:r>
             <a:r>
-              <a:rPr lang="ko-KR" altLang="en-US" sz="5400" dirty="0" smtClean="0">
+              <a:rPr lang="ko-KR" altLang="en-US" sz="5400" dirty="0">
                 <a:latin typeface="나눔고딕" pitchFamily="50" charset="-127"/>
                 <a:ea typeface="나눔고딕" pitchFamily="50" charset="-127"/>
               </a:rPr>
               <a:t>동물</a:t>
             </a:r>
             <a:r>
-              <a:rPr lang="en-US" altLang="ko-KR" sz="5400" dirty="0" smtClean="0">
+              <a:rPr lang="en-US" altLang="ko-KR" sz="5400" dirty="0">
                 <a:latin typeface="나눔고딕" pitchFamily="50" charset="-127"/>
                 <a:ea typeface="나눔고딕" pitchFamily="50" charset="-127"/>
               </a:rPr>
               <a:t>, </a:t>
             </a:r>
             <a:r>
-              <a:rPr lang="ko-KR" altLang="en-US" sz="5400" dirty="0" smtClean="0">
+              <a:rPr lang="ko-KR" altLang="en-US" sz="5400" dirty="0">
                 <a:latin typeface="나눔고딕" pitchFamily="50" charset="-127"/>
                 <a:ea typeface="나눔고딕" pitchFamily="50" charset="-127"/>
               </a:rPr>
               <a:t>기계</a:t>
             </a:r>
             <a:r>
-              <a:rPr lang="en-US" altLang="ko-KR" sz="5400" dirty="0" smtClean="0">
+              <a:rPr lang="en-US" altLang="ko-KR" sz="5400" dirty="0">
                 <a:latin typeface="나눔고딕" pitchFamily="50" charset="-127"/>
                 <a:ea typeface="나눔고딕" pitchFamily="50" charset="-127"/>
               </a:rPr>
@@ -5076,44 +4989,40 @@
           <a:lstStyle/>
           <a:p>
             <a:r>
-              <a:rPr lang="ko-KR" altLang="en-US" b="1" dirty="0" smtClean="0">
+              <a:rPr lang="ko-KR" altLang="en-US" b="1" dirty="0">
                 <a:latin typeface="나눔고딕" pitchFamily="50" charset="-127"/>
                 <a:ea typeface="나눔고딕" pitchFamily="50" charset="-127"/>
               </a:rPr>
               <a:t>플라톤</a:t>
             </a:r>
             <a:r>
-              <a:rPr lang="en-US" altLang="ko-KR" b="1" dirty="0" smtClean="0">
+              <a:rPr lang="en-US" altLang="ko-KR" b="1" dirty="0">
                 <a:latin typeface="나눔고딕" pitchFamily="50" charset="-127"/>
                 <a:ea typeface="나눔고딕" pitchFamily="50" charset="-127"/>
               </a:rPr>
               <a:t>, </a:t>
             </a:r>
             <a:r>
-              <a:rPr lang="ko-KR" altLang="en-US" b="1" dirty="0" smtClean="0">
+              <a:rPr lang="ko-KR" altLang="en-US" b="1" dirty="0">
                 <a:latin typeface="나눔고딕" pitchFamily="50" charset="-127"/>
                 <a:ea typeface="나눔고딕" pitchFamily="50" charset="-127"/>
               </a:rPr>
               <a:t>데카르트</a:t>
             </a:r>
             <a:r>
-              <a:rPr lang="en-US" altLang="ko-KR" b="1" dirty="0" smtClean="0">
+              <a:rPr lang="en-US" altLang="ko-KR" b="1" dirty="0">
                 <a:latin typeface="나눔고딕" pitchFamily="50" charset="-127"/>
                 <a:ea typeface="나눔고딕" pitchFamily="50" charset="-127"/>
               </a:rPr>
               <a:t>, </a:t>
             </a:r>
             <a:r>
-              <a:rPr lang="ko-KR" altLang="en-US" b="1" dirty="0" smtClean="0">
+              <a:rPr lang="ko-KR" altLang="en-US" b="1" dirty="0">
                 <a:latin typeface="나눔고딕" pitchFamily="50" charset="-127"/>
                 <a:ea typeface="나눔고딕" pitchFamily="50" charset="-127"/>
               </a:rPr>
               <a:t>매트릭스</a:t>
             </a:r>
-            <a:endParaRPr lang="ko-KR" altLang="en-US" b="1" dirty="0">
-              <a:latin typeface="나눔고딕" pitchFamily="50" charset="-127"/>
-              <a:ea typeface="나눔고딕" pitchFamily="50" charset="-127"/>
-            </a:endParaRPr>
           </a:p>
         </p:txBody>
       </p:sp>
@@ -5160,14 +5069,14 @@
             <a:pPr>
               <a:buNone/>
             </a:pPr>
-            <a:endParaRPr lang="en-US" altLang="ko-KR" dirty="0" smtClean="0"/>
+            <a:endParaRPr lang="en-US" altLang="ko-KR" dirty="0"/>
           </a:p>
           <a:p>
             <a:pPr>
               <a:buNone/>
             </a:pPr>
             <a:r>
-              <a:rPr lang="en-US" altLang="ko-KR" dirty="0" smtClean="0"/>
+              <a:rPr lang="en-US" altLang="ko-KR" dirty="0"/>
               <a:t> </a:t>
             </a:r>
             <a:endParaRPr lang="ko-KR" altLang="en-US" dirty="0"/>
@@ -5190,30 +5099,26 @@
           <a:lstStyle/>
           <a:p>
             <a:r>
-              <a:rPr lang="ko-KR" altLang="en-US" dirty="0" smtClean="0">
+              <a:rPr lang="ko-KR" altLang="en-US" dirty="0">
                 <a:latin typeface="나눔고딕" pitchFamily="50" charset="-127"/>
                 <a:ea typeface="나눔고딕" pitchFamily="50" charset="-127"/>
               </a:rPr>
               <a:t>플라톤과 매트릭스</a:t>
             </a:r>
             <a:r>
-              <a:rPr lang="en-US" altLang="ko-KR" dirty="0" smtClean="0">
+              <a:rPr lang="en-US" altLang="ko-KR" dirty="0">
                 <a:latin typeface="나눔고딕" pitchFamily="50" charset="-127"/>
                 <a:ea typeface="나눔고딕" pitchFamily="50" charset="-127"/>
               </a:rPr>
               <a:t>: </a:t>
             </a:r>
             <a:r>
-              <a:rPr lang="ko-KR" altLang="en-US" dirty="0" smtClean="0">
+              <a:rPr lang="ko-KR" altLang="en-US" dirty="0">
                 <a:latin typeface="나눔고딕" pitchFamily="50" charset="-127"/>
                 <a:ea typeface="나눔고딕" pitchFamily="50" charset="-127"/>
               </a:rPr>
               <a:t>유사점</a:t>
             </a:r>
-            <a:endParaRPr lang="ko-KR" altLang="en-US" dirty="0">
-              <a:latin typeface="나눔고딕" pitchFamily="50" charset="-127"/>
-              <a:ea typeface="나눔고딕" pitchFamily="50" charset="-127"/>
-            </a:endParaRPr>
           </a:p>
         </p:txBody>
       </p:sp>
@@ -5236,8 +5141,20 @@
                 <a:tableStyleId>{5C22544A-7EE6-4342-B048-85BDC9FD1C3A}</a:tableStyleId>
               </a:tblPr>
               <a:tblGrid>
-                <a:gridCol w="3228020"/>
-                <a:gridCol w="3228020"/>
+                <a:gridCol w="3228020">
+                  <a:extLst>
+                    <a:ext uri="{9D8B030D-6E8A-4147-A177-3AD203B41FA5}">
+                      <a16:colId xmlns:a16="http://schemas.microsoft.com/office/drawing/2014/main" val="20000"/>
+                    </a:ext>
+                  </a:extLst>
+                </a:gridCol>
+                <a:gridCol w="3228020">
+                  <a:extLst>
+                    <a:ext uri="{9D8B030D-6E8A-4147-A177-3AD203B41FA5}">
+                      <a16:colId xmlns:a16="http://schemas.microsoft.com/office/drawing/2014/main" val="20001"/>
+                    </a:ext>
+                  </a:extLst>
+                </a:gridCol>
               </a:tblGrid>
               <a:tr h="469820">
                 <a:tc>
@@ -5247,16 +5164,12 @@
                     <a:p>
                       <a:pPr latinLnBrk="1"/>
                       <a:r>
-                        <a:rPr lang="ko-KR" altLang="en-US" sz="2000" b="1" dirty="0" smtClean="0">
+                        <a:rPr lang="ko-KR" altLang="en-US" sz="2000" b="1" dirty="0">
                           <a:latin typeface="나눔고딕" pitchFamily="50" charset="-127"/>
                           <a:ea typeface="나눔고딕" pitchFamily="50" charset="-127"/>
                         </a:rPr>
                         <a:t>동굴의 비유</a:t>
                       </a:r>
-                      <a:endParaRPr lang="ko-KR" altLang="en-US" sz="2000" b="1" dirty="0">
-                        <a:latin typeface="나눔고딕" pitchFamily="50" charset="-127"/>
-                        <a:ea typeface="나눔고딕" pitchFamily="50" charset="-127"/>
-                      </a:endParaRPr>
                     </a:p>
                   </a:txBody>
                   <a:tcPr/>
@@ -5268,20 +5181,21 @@
                     <a:p>
                       <a:pPr latinLnBrk="1"/>
                       <a:r>
-                        <a:rPr lang="ko-KR" altLang="en-US" sz="2000" b="1" dirty="0" smtClean="0">
+                        <a:rPr lang="ko-KR" altLang="en-US" sz="2000" b="1" dirty="0">
                           <a:latin typeface="나눔고딕" pitchFamily="50" charset="-127"/>
                           <a:ea typeface="나눔고딕" pitchFamily="50" charset="-127"/>
                         </a:rPr>
                         <a:t>매트릭스</a:t>
                       </a:r>
-                      <a:endParaRPr lang="ko-KR" altLang="en-US" sz="2000" b="1" dirty="0">
-                        <a:latin typeface="나눔고딕" pitchFamily="50" charset="-127"/>
-                        <a:ea typeface="나눔고딕" pitchFamily="50" charset="-127"/>
-                      </a:endParaRPr>
                     </a:p>
                   </a:txBody>
                   <a:tcPr/>
                 </a:tc>
+                <a:extLst>
+                  <a:ext uri="{0D108BD9-81ED-4DB2-BD59-A6C34878D82A}">
+                    <a16:rowId xmlns:a16="http://schemas.microsoft.com/office/drawing/2014/main" val="10000"/>
+                  </a:ext>
+                </a:extLst>
               </a:tr>
               <a:tr h="469820">
                 <a:tc>
@@ -5291,16 +5205,12 @@
                     <a:p>
                       <a:pPr latinLnBrk="1"/>
                       <a:r>
-                        <a:rPr lang="ko-KR" altLang="en-US" sz="2000" b="1" dirty="0" smtClean="0">
+                        <a:rPr lang="ko-KR" altLang="en-US" sz="2000" b="1" dirty="0">
                           <a:latin typeface="나눔고딕" pitchFamily="50" charset="-127"/>
                           <a:ea typeface="나눔고딕" pitchFamily="50" charset="-127"/>
                         </a:rPr>
                         <a:t>묶여 있는 수인</a:t>
                       </a:r>
-                      <a:endParaRPr lang="ko-KR" altLang="en-US" sz="2000" b="1" dirty="0">
-                        <a:latin typeface="나눔고딕" pitchFamily="50" charset="-127"/>
-                        <a:ea typeface="나눔고딕" pitchFamily="50" charset="-127"/>
-                      </a:endParaRPr>
                     </a:p>
                   </a:txBody>
                   <a:tcPr/>
@@ -5312,20 +5222,21 @@
                     <a:p>
                       <a:pPr latinLnBrk="1"/>
                       <a:r>
-                        <a:rPr lang="ko-KR" altLang="en-US" sz="2000" b="1" dirty="0" smtClean="0">
+                        <a:rPr lang="ko-KR" altLang="en-US" sz="2000" b="1" dirty="0">
                           <a:latin typeface="나눔고딕" pitchFamily="50" charset="-127"/>
                           <a:ea typeface="나눔고딕" pitchFamily="50" charset="-127"/>
                         </a:rPr>
                         <a:t>기계에 의해 재배되는 인간</a:t>
                       </a:r>
-                      <a:endParaRPr lang="ko-KR" altLang="en-US" sz="2000" b="1" dirty="0">
-                        <a:latin typeface="나눔고딕" pitchFamily="50" charset="-127"/>
-                        <a:ea typeface="나눔고딕" pitchFamily="50" charset="-127"/>
-                      </a:endParaRPr>
                     </a:p>
                   </a:txBody>
                   <a:tcPr/>
                 </a:tc>
+                <a:extLst>
+                  <a:ext uri="{0D108BD9-81ED-4DB2-BD59-A6C34878D82A}">
+                    <a16:rowId xmlns:a16="http://schemas.microsoft.com/office/drawing/2014/main" val="10001"/>
+                  </a:ext>
+                </a:extLst>
               </a:tr>
               <a:tr h="469820">
                 <a:tc>
@@ -5335,30 +5246,12 @@
                     <a:p>
                       <a:pPr latinLnBrk="1"/>
                       <a:r>
-                        <a:rPr lang="ko-KR" altLang="en-US" sz="2000" b="1" dirty="0" smtClean="0">
+                        <a:rPr lang="ko-KR" altLang="en-US" sz="2000" b="1" dirty="0">
                           <a:latin typeface="나눔고딕" pitchFamily="50" charset="-127"/>
                           <a:ea typeface="나눔고딕" pitchFamily="50" charset="-127"/>
                         </a:rPr>
-                        <a:t>동굴 </a:t>
+                        <a:t>동굴 벽에 비친 그림자</a:t>
                       </a:r>
-                      <a:r>
-                        <a:rPr lang="ko-KR" altLang="en-US" sz="2000" b="1" dirty="0" smtClean="0">
-                          <a:latin typeface="나눔고딕" pitchFamily="50" charset="-127"/>
-                          <a:ea typeface="나눔고딕" pitchFamily="50" charset="-127"/>
-                        </a:rPr>
-                        <a:t>벽에 </a:t>
-                      </a:r>
-                      <a:r>
-                        <a:rPr lang="ko-KR" altLang="en-US" sz="2000" b="1" dirty="0" smtClean="0">
-                          <a:latin typeface="나눔고딕" pitchFamily="50" charset="-127"/>
-                          <a:ea typeface="나눔고딕" pitchFamily="50" charset="-127"/>
-                        </a:rPr>
-                        <a:t>비친 그림자</a:t>
-                      </a:r>
-                      <a:endParaRPr lang="ko-KR" altLang="en-US" sz="2000" b="1" dirty="0">
-                        <a:latin typeface="나눔고딕" pitchFamily="50" charset="-127"/>
-                        <a:ea typeface="나눔고딕" pitchFamily="50" charset="-127"/>
-                      </a:endParaRPr>
                     </a:p>
                   </a:txBody>
                   <a:tcPr/>
@@ -5370,20 +5263,21 @@
                     <a:p>
                       <a:pPr latinLnBrk="1"/>
                       <a:r>
-                        <a:rPr lang="ko-KR" altLang="en-US" sz="2000" b="1" dirty="0" smtClean="0">
+                        <a:rPr lang="ko-KR" altLang="en-US" sz="2000" b="1" dirty="0">
                           <a:latin typeface="나눔고딕" pitchFamily="50" charset="-127"/>
                           <a:ea typeface="나눔고딕" pitchFamily="50" charset="-127"/>
                         </a:rPr>
                         <a:t>기계가 주입한 꿈</a:t>
                       </a:r>
-                      <a:endParaRPr lang="ko-KR" altLang="en-US" sz="2000" b="1" dirty="0">
-                        <a:latin typeface="나눔고딕" pitchFamily="50" charset="-127"/>
-                        <a:ea typeface="나눔고딕" pitchFamily="50" charset="-127"/>
-                      </a:endParaRPr>
                     </a:p>
                   </a:txBody>
                   <a:tcPr/>
                 </a:tc>
+                <a:extLst>
+                  <a:ext uri="{0D108BD9-81ED-4DB2-BD59-A6C34878D82A}">
+                    <a16:rowId xmlns:a16="http://schemas.microsoft.com/office/drawing/2014/main" val="10002"/>
+                  </a:ext>
+                </a:extLst>
               </a:tr>
               <a:tr h="469820">
                 <a:tc>
@@ -5393,16 +5287,12 @@
                     <a:p>
                       <a:pPr latinLnBrk="1"/>
                       <a:r>
-                        <a:rPr lang="ko-KR" altLang="en-US" sz="2000" b="1" dirty="0" smtClean="0">
+                        <a:rPr lang="ko-KR" altLang="en-US" sz="2000" b="1" dirty="0">
                           <a:latin typeface="나눔고딕" pitchFamily="50" charset="-127"/>
                           <a:ea typeface="나눔고딕" pitchFamily="50" charset="-127"/>
                         </a:rPr>
                         <a:t>탈출한 수인</a:t>
                       </a:r>
-                      <a:endParaRPr lang="ko-KR" altLang="en-US" sz="2000" b="1" dirty="0">
-                        <a:latin typeface="나눔고딕" pitchFamily="50" charset="-127"/>
-                        <a:ea typeface="나눔고딕" pitchFamily="50" charset="-127"/>
-                      </a:endParaRPr>
                     </a:p>
                   </a:txBody>
                   <a:tcPr/>
@@ -5414,20 +5304,21 @@
                     <a:p>
                       <a:pPr latinLnBrk="1"/>
                       <a:r>
-                        <a:rPr lang="ko-KR" altLang="en-US" sz="2000" b="1" dirty="0" smtClean="0">
+                        <a:rPr lang="ko-KR" altLang="en-US" sz="2000" b="1" dirty="0">
                           <a:latin typeface="나눔고딕" pitchFamily="50" charset="-127"/>
                           <a:ea typeface="나눔고딕" pitchFamily="50" charset="-127"/>
                         </a:rPr>
                         <a:t>꿈에서 깨어난 인간</a:t>
                       </a:r>
-                      <a:endParaRPr lang="ko-KR" altLang="en-US" sz="2000" b="1" dirty="0">
-                        <a:latin typeface="나눔고딕" pitchFamily="50" charset="-127"/>
-                        <a:ea typeface="나눔고딕" pitchFamily="50" charset="-127"/>
-                      </a:endParaRPr>
                     </a:p>
                   </a:txBody>
                   <a:tcPr/>
                 </a:tc>
+                <a:extLst>
+                  <a:ext uri="{0D108BD9-81ED-4DB2-BD59-A6C34878D82A}">
+                    <a16:rowId xmlns:a16="http://schemas.microsoft.com/office/drawing/2014/main" val="10003"/>
+                  </a:ext>
+                </a:extLst>
               </a:tr>
               <a:tr h="439704">
                 <a:tc>
@@ -5452,6 +5343,11 @@
                   </a:txBody>
                   <a:tcPr/>
                 </a:tc>
+                <a:extLst>
+                  <a:ext uri="{0D108BD9-81ED-4DB2-BD59-A6C34878D82A}">
+                    <a16:rowId xmlns:a16="http://schemas.microsoft.com/office/drawing/2014/main" val="10004"/>
+                  </a:ext>
+                </a:extLst>
               </a:tr>
               <a:tr h="439704">
                 <a:tc>
@@ -5476,6 +5372,11 @@
                   </a:txBody>
                   <a:tcPr/>
                 </a:tc>
+                <a:extLst>
+                  <a:ext uri="{0D108BD9-81ED-4DB2-BD59-A6C34878D82A}">
+                    <a16:rowId xmlns:a16="http://schemas.microsoft.com/office/drawing/2014/main" val="10005"/>
+                  </a:ext>
+                </a:extLst>
               </a:tr>
             </a:tbl>
           </a:graphicData>
@@ -5527,8 +5428,20 @@
                 <a:tableStyleId>{5C22544A-7EE6-4342-B048-85BDC9FD1C3A}</a:tableStyleId>
               </a:tblPr>
               <a:tblGrid>
-                <a:gridCol w="3168352"/>
-                <a:gridCol w="3168352"/>
+                <a:gridCol w="3168352">
+                  <a:extLst>
+                    <a:ext uri="{9D8B030D-6E8A-4147-A177-3AD203B41FA5}">
+                      <a16:colId xmlns:a16="http://schemas.microsoft.com/office/drawing/2014/main" val="20000"/>
+                    </a:ext>
+                  </a:extLst>
+                </a:gridCol>
+                <a:gridCol w="3168352">
+                  <a:extLst>
+                    <a:ext uri="{9D8B030D-6E8A-4147-A177-3AD203B41FA5}">
+                      <a16:colId xmlns:a16="http://schemas.microsoft.com/office/drawing/2014/main" val="20001"/>
+                    </a:ext>
+                  </a:extLst>
+                </a:gridCol>
               </a:tblGrid>
               <a:tr h="550510">
                 <a:tc>
@@ -5542,16 +5455,12 @@
                         </a:lnSpc>
                       </a:pPr>
                       <a:r>
-                        <a:rPr lang="ko-KR" altLang="en-US" sz="2000" b="1" dirty="0" smtClean="0">
+                        <a:rPr lang="ko-KR" altLang="en-US" sz="2000" b="1" dirty="0">
                           <a:latin typeface="나눔고딕" pitchFamily="50" charset="-127"/>
                           <a:ea typeface="나눔고딕" pitchFamily="50" charset="-127"/>
                         </a:rPr>
                         <a:t>동굴의 비유</a:t>
                       </a:r>
-                      <a:endParaRPr lang="ko-KR" altLang="en-US" sz="2000" b="1" dirty="0">
-                        <a:latin typeface="나눔고딕" pitchFamily="50" charset="-127"/>
-                        <a:ea typeface="나눔고딕" pitchFamily="50" charset="-127"/>
-                      </a:endParaRPr>
                     </a:p>
                   </a:txBody>
                   <a:tcPr/>
@@ -5567,20 +5476,21 @@
                         </a:lnSpc>
                       </a:pPr>
                       <a:r>
-                        <a:rPr lang="ko-KR" altLang="en-US" sz="2000" b="1" dirty="0" smtClean="0">
+                        <a:rPr lang="ko-KR" altLang="en-US" sz="2000" b="1" dirty="0">
                           <a:latin typeface="나눔고딕" pitchFamily="50" charset="-127"/>
                           <a:ea typeface="나눔고딕" pitchFamily="50" charset="-127"/>
                         </a:rPr>
                         <a:t>매트릭스</a:t>
                       </a:r>
-                      <a:endParaRPr lang="ko-KR" altLang="en-US" sz="2000" b="1" dirty="0">
-                        <a:latin typeface="나눔고딕" pitchFamily="50" charset="-127"/>
-                        <a:ea typeface="나눔고딕" pitchFamily="50" charset="-127"/>
-                      </a:endParaRPr>
                     </a:p>
                   </a:txBody>
                   <a:tcPr/>
                 </a:tc>
+                <a:extLst>
+                  <a:ext uri="{0D108BD9-81ED-4DB2-BD59-A6C34878D82A}">
+                    <a16:rowId xmlns:a16="http://schemas.microsoft.com/office/drawing/2014/main" val="10000"/>
+                  </a:ext>
+                </a:extLst>
               </a:tr>
               <a:tr h="1058672">
                 <a:tc>
@@ -5594,14 +5504,14 @@
                         </a:lnSpc>
                       </a:pPr>
                       <a:r>
-                        <a:rPr lang="ko-KR" altLang="en-US" sz="2000" b="1" dirty="0" smtClean="0">
+                        <a:rPr lang="ko-KR" altLang="en-US" sz="2000" b="1" dirty="0">
                           <a:latin typeface="나눔고딕" pitchFamily="50" charset="-127"/>
                           <a:ea typeface="나눔고딕" pitchFamily="50" charset="-127"/>
                         </a:rPr>
                         <a:t>동굴 벽의 그림자는 이데아의 </a:t>
                       </a:r>
                       <a:r>
-                        <a:rPr lang="ko-KR" altLang="en-US" sz="2000" b="1" dirty="0" err="1" smtClean="0">
+                        <a:rPr lang="ko-KR" altLang="en-US" sz="2000" b="1" dirty="0" err="1">
                           <a:latin typeface="나눔고딕" pitchFamily="50" charset="-127"/>
                           <a:ea typeface="나눔고딕" pitchFamily="50" charset="-127"/>
                         </a:rPr>
@@ -5626,20 +5536,21 @@
                         </a:lnSpc>
                       </a:pPr>
                       <a:r>
-                        <a:rPr lang="ko-KR" altLang="en-US" sz="2000" b="1" dirty="0" smtClean="0">
+                        <a:rPr lang="ko-KR" altLang="en-US" sz="2000" b="1" dirty="0">
                           <a:latin typeface="나눔고딕" pitchFamily="50" charset="-127"/>
                           <a:ea typeface="나눔고딕" pitchFamily="50" charset="-127"/>
                         </a:rPr>
                         <a:t>인간의 꿈은 기계가 집어넣은 것</a:t>
                       </a:r>
-                      <a:endParaRPr lang="ko-KR" altLang="en-US" sz="2000" b="1" dirty="0">
-                        <a:latin typeface="나눔고딕" pitchFamily="50" charset="-127"/>
-                        <a:ea typeface="나눔고딕" pitchFamily="50" charset="-127"/>
-                      </a:endParaRPr>
                     </a:p>
                   </a:txBody>
                   <a:tcPr/>
                 </a:tc>
+                <a:extLst>
+                  <a:ext uri="{0D108BD9-81ED-4DB2-BD59-A6C34878D82A}">
+                    <a16:rowId xmlns:a16="http://schemas.microsoft.com/office/drawing/2014/main" val="10001"/>
+                  </a:ext>
+                </a:extLst>
               </a:tr>
               <a:tr h="1058672">
                 <a:tc>
@@ -5653,72 +5564,68 @@
                         </a:lnSpc>
                       </a:pPr>
                       <a:r>
-                        <a:rPr lang="ko-KR" altLang="en-US" sz="2000" b="1" dirty="0" smtClean="0">
+                        <a:rPr lang="ko-KR" altLang="en-US" sz="2000" b="1" dirty="0">
                           <a:latin typeface="나눔고딕" pitchFamily="50" charset="-127"/>
                           <a:ea typeface="나눔고딕" pitchFamily="50" charset="-127"/>
                         </a:rPr>
                         <a:t>그림자</a:t>
                       </a:r>
                       <a:r>
-                        <a:rPr lang="en-US" altLang="ko-KR" sz="2000" b="1" dirty="0" smtClean="0">
+                        <a:rPr lang="en-US" altLang="ko-KR" sz="2000" b="1" dirty="0">
                           <a:latin typeface="나눔고딕" pitchFamily="50" charset="-127"/>
                           <a:ea typeface="나눔고딕" pitchFamily="50" charset="-127"/>
                         </a:rPr>
                         <a:t>(</a:t>
                       </a:r>
                       <a:r>
-                        <a:rPr lang="ko-KR" altLang="en-US" sz="2000" b="1" dirty="0" smtClean="0">
+                        <a:rPr lang="ko-KR" altLang="en-US" sz="2000" b="1" dirty="0">
                           <a:latin typeface="나눔고딕" pitchFamily="50" charset="-127"/>
                           <a:ea typeface="나눔고딕" pitchFamily="50" charset="-127"/>
                         </a:rPr>
                         <a:t>가짜 존재</a:t>
                       </a:r>
                       <a:r>
-                        <a:rPr lang="en-US" altLang="ko-KR" sz="2000" b="1" dirty="0" smtClean="0">
+                        <a:rPr lang="en-US" altLang="ko-KR" sz="2000" b="1" dirty="0">
                           <a:latin typeface="나눔고딕" pitchFamily="50" charset="-127"/>
                           <a:ea typeface="나눔고딕" pitchFamily="50" charset="-127"/>
                         </a:rPr>
                         <a:t>)</a:t>
                       </a:r>
                       <a:r>
-                        <a:rPr lang="ko-KR" altLang="en-US" sz="2000" b="1" dirty="0" smtClean="0">
+                        <a:rPr lang="ko-KR" altLang="en-US" sz="2000" b="1" dirty="0">
                           <a:latin typeface="나눔고딕" pitchFamily="50" charset="-127"/>
                           <a:ea typeface="나눔고딕" pitchFamily="50" charset="-127"/>
                         </a:rPr>
                         <a:t>는 이데아</a:t>
                       </a:r>
                       <a:r>
-                        <a:rPr lang="en-US" altLang="ko-KR" sz="2000" b="1" dirty="0" smtClean="0">
+                        <a:rPr lang="en-US" altLang="ko-KR" sz="2000" b="1" dirty="0">
                           <a:latin typeface="나눔고딕" pitchFamily="50" charset="-127"/>
                           <a:ea typeface="나눔고딕" pitchFamily="50" charset="-127"/>
                         </a:rPr>
                         <a:t>(</a:t>
                       </a:r>
                       <a:r>
-                        <a:rPr lang="ko-KR" altLang="en-US" sz="2000" b="1" dirty="0" smtClean="0">
+                        <a:rPr lang="ko-KR" altLang="en-US" sz="2000" b="1" dirty="0">
                           <a:latin typeface="나눔고딕" pitchFamily="50" charset="-127"/>
                           <a:ea typeface="나눔고딕" pitchFamily="50" charset="-127"/>
                         </a:rPr>
                         <a:t>진짜 존재</a:t>
                       </a:r>
                       <a:r>
-                        <a:rPr lang="en-US" altLang="ko-KR" sz="2000" b="1" dirty="0" smtClean="0">
+                        <a:rPr lang="en-US" altLang="ko-KR" sz="2000" b="1" dirty="0">
                           <a:latin typeface="나눔고딕" pitchFamily="50" charset="-127"/>
                           <a:ea typeface="나눔고딕" pitchFamily="50" charset="-127"/>
                         </a:rPr>
                         <a:t>)</a:t>
                       </a:r>
                       <a:r>
-                        <a:rPr lang="ko-KR" altLang="en-US" sz="2000" b="1" dirty="0" smtClean="0">
+                        <a:rPr lang="ko-KR" altLang="en-US" sz="2000" b="1" dirty="0">
                           <a:latin typeface="나눔고딕" pitchFamily="50" charset="-127"/>
                           <a:ea typeface="나눔고딕" pitchFamily="50" charset="-127"/>
                         </a:rPr>
                         <a:t>를 닮음</a:t>
                       </a:r>
-                      <a:endParaRPr lang="ko-KR" altLang="en-US" sz="2000" b="1" dirty="0">
-                        <a:latin typeface="나눔고딕" pitchFamily="50" charset="-127"/>
-                        <a:ea typeface="나눔고딕" pitchFamily="50" charset="-127"/>
-                      </a:endParaRPr>
                     </a:p>
                   </a:txBody>
                   <a:tcPr/>
@@ -5734,48 +5641,49 @@
                         </a:lnSpc>
                       </a:pPr>
                       <a:r>
-                        <a:rPr lang="ko-KR" altLang="en-US" sz="2000" b="1" dirty="0" smtClean="0">
+                        <a:rPr lang="ko-KR" altLang="en-US" sz="2000" b="1" dirty="0">
                           <a:latin typeface="나눔고딕" pitchFamily="50" charset="-127"/>
                           <a:ea typeface="나눔고딕" pitchFamily="50" charset="-127"/>
                         </a:rPr>
                         <a:t>가상현실</a:t>
                       </a:r>
                       <a:r>
-                        <a:rPr lang="en-US" altLang="ko-KR" sz="2000" b="1" dirty="0" smtClean="0">
+                        <a:rPr lang="en-US" altLang="ko-KR" sz="2000" b="1" dirty="0">
                           <a:latin typeface="나눔고딕" pitchFamily="50" charset="-127"/>
                           <a:ea typeface="나눔고딕" pitchFamily="50" charset="-127"/>
                         </a:rPr>
                         <a:t>(</a:t>
                       </a:r>
                       <a:r>
-                        <a:rPr lang="ko-KR" altLang="en-US" sz="2000" b="1" dirty="0" smtClean="0">
+                        <a:rPr lang="ko-KR" altLang="en-US" sz="2000" b="1" dirty="0">
                           <a:latin typeface="나눔고딕" pitchFamily="50" charset="-127"/>
                           <a:ea typeface="나눔고딕" pitchFamily="50" charset="-127"/>
                         </a:rPr>
                         <a:t>가짜 현실</a:t>
                       </a:r>
                       <a:r>
-                        <a:rPr lang="en-US" altLang="ko-KR" sz="2000" b="1" dirty="0" smtClean="0">
+                        <a:rPr lang="en-US" altLang="ko-KR" sz="2000" b="1" dirty="0">
                           <a:latin typeface="나눔고딕" pitchFamily="50" charset="-127"/>
                           <a:ea typeface="나눔고딕" pitchFamily="50" charset="-127"/>
                         </a:rPr>
                         <a:t>)</a:t>
                       </a:r>
                       <a:r>
-                        <a:rPr lang="ko-KR" altLang="en-US" sz="2000" b="1" dirty="0" smtClean="0">
+                        <a:rPr lang="ko-KR" altLang="en-US" sz="2000" b="1" dirty="0">
                           <a:latin typeface="나눔고딕" pitchFamily="50" charset="-127"/>
                           <a:ea typeface="나눔고딕" pitchFamily="50" charset="-127"/>
                         </a:rPr>
                         <a:t>은 진짜 현실과 전혀 다름</a:t>
                       </a:r>
-                      <a:endParaRPr lang="ko-KR" altLang="en-US" sz="2000" b="1" dirty="0">
-                        <a:latin typeface="나눔고딕" pitchFamily="50" charset="-127"/>
-                        <a:ea typeface="나눔고딕" pitchFamily="50" charset="-127"/>
-                      </a:endParaRPr>
                     </a:p>
                   </a:txBody>
                   <a:tcPr/>
                 </a:tc>
+                <a:extLst>
+                  <a:ext uri="{0D108BD9-81ED-4DB2-BD59-A6C34878D82A}">
+                    <a16:rowId xmlns:a16="http://schemas.microsoft.com/office/drawing/2014/main" val="10002"/>
+                  </a:ext>
+                </a:extLst>
               </a:tr>
               <a:tr h="500498">
                 <a:tc>
@@ -5800,6 +5708,11 @@
                   </a:txBody>
                   <a:tcPr/>
                 </a:tc>
+                <a:extLst>
+                  <a:ext uri="{0D108BD9-81ED-4DB2-BD59-A6C34878D82A}">
+                    <a16:rowId xmlns:a16="http://schemas.microsoft.com/office/drawing/2014/main" val="10003"/>
+                  </a:ext>
+                </a:extLst>
               </a:tr>
             </a:tbl>
           </a:graphicData>
@@ -5821,21 +5734,21 @@
           <a:lstStyle/>
           <a:p>
             <a:r>
-              <a:rPr lang="ko-KR" altLang="en-US" dirty="0" smtClean="0">
+              <a:rPr lang="ko-KR" altLang="en-US" dirty="0">
                 <a:latin typeface="나눔고딕" pitchFamily="50" charset="-127"/>
                 <a:ea typeface="나눔고딕" pitchFamily="50" charset="-127"/>
               </a:rPr>
               <a:t>플라톤과 매트릭스</a:t>
             </a:r>
             <a:r>
-              <a:rPr lang="en-US" altLang="ko-KR" dirty="0" smtClean="0">
+              <a:rPr lang="en-US" altLang="ko-KR" dirty="0">
                 <a:latin typeface="나눔고딕" pitchFamily="50" charset="-127"/>
                 <a:ea typeface="나눔고딕" pitchFamily="50" charset="-127"/>
               </a:rPr>
               <a:t>: </a:t>
             </a:r>
             <a:r>
-              <a:rPr lang="ko-KR" altLang="en-US" dirty="0" err="1" smtClean="0">
+              <a:rPr lang="ko-KR" altLang="en-US" dirty="0" err="1">
                 <a:latin typeface="나눔고딕" pitchFamily="50" charset="-127"/>
                 <a:ea typeface="나눔고딕" pitchFamily="50" charset="-127"/>
               </a:rPr>
@@ -5909,16 +5822,12 @@
           <a:lstStyle/>
           <a:p>
             <a:r>
-              <a:rPr lang="ko-KR" altLang="en-US" dirty="0" smtClean="0">
+              <a:rPr lang="ko-KR" altLang="en-US" dirty="0">
                 <a:latin typeface="나눔고딕" pitchFamily="50" charset="-127"/>
                 <a:ea typeface="나눔고딕" pitchFamily="50" charset="-127"/>
               </a:rPr>
               <a:t>데카르트</a:t>
             </a:r>
-            <a:endParaRPr lang="ko-KR" altLang="en-US" dirty="0">
-              <a:latin typeface="나눔고딕" pitchFamily="50" charset="-127"/>
-              <a:ea typeface="나눔고딕" pitchFamily="50" charset="-127"/>
-            </a:endParaRPr>
           </a:p>
         </p:txBody>
       </p:sp>
@@ -5951,13 +5860,6 @@
   <p:clrMapOvr>
     <a:masterClrMapping/>
   </p:clrMapOvr>
-  <p:timing>
-    <p:tnLst>
-      <p:par>
-        <p:cTn id="1" dur="indefinite" restart="never" nodeType="tmRoot"/>
-      </p:par>
-    </p:tnLst>
-  </p:timing>
 </p:sld>
 </file>
 
@@ -6001,14 +5903,14 @@
               </a:lnSpc>
             </a:pPr>
             <a:r>
-              <a:rPr lang="ko-KR" altLang="en-US" b="1" dirty="0" smtClean="0">
+              <a:rPr lang="ko-KR" altLang="en-US" b="1" dirty="0">
                 <a:latin typeface="나눔고딕" pitchFamily="50" charset="-127"/>
                 <a:ea typeface="나눔고딕" pitchFamily="50" charset="-127"/>
               </a:rPr>
               <a:t>의심하는 자</a:t>
             </a:r>
             <a:r>
-              <a:rPr lang="en-US" altLang="ko-KR" b="1" dirty="0" smtClean="0">
+              <a:rPr lang="en-US" altLang="ko-KR" b="1" dirty="0">
                 <a:latin typeface="나눔고딕" pitchFamily="50" charset="-127"/>
                 <a:ea typeface="나눔고딕" pitchFamily="50" charset="-127"/>
               </a:rPr>
@@ -6022,84 +5924,84 @@
               </a:lnSpc>
             </a:pPr>
             <a:r>
-              <a:rPr lang="ko-KR" altLang="en-US" b="1" dirty="0" smtClean="0">
+              <a:rPr lang="ko-KR" altLang="en-US" b="1" dirty="0">
                 <a:latin typeface="나눔고딕" pitchFamily="50" charset="-127"/>
                 <a:ea typeface="나눔고딕" pitchFamily="50" charset="-127"/>
               </a:rPr>
               <a:t>내가 눈으로 보고</a:t>
             </a:r>
             <a:r>
-              <a:rPr lang="en-US" altLang="ko-KR" b="1" dirty="0" smtClean="0">
+              <a:rPr lang="en-US" altLang="ko-KR" b="1" dirty="0">
                 <a:latin typeface="나눔고딕" pitchFamily="50" charset="-127"/>
                 <a:ea typeface="나눔고딕" pitchFamily="50" charset="-127"/>
               </a:rPr>
               <a:t>, </a:t>
             </a:r>
             <a:r>
-              <a:rPr lang="ko-KR" altLang="en-US" b="1" dirty="0" smtClean="0">
+              <a:rPr lang="ko-KR" altLang="en-US" b="1" dirty="0">
                 <a:latin typeface="나눔고딕" pitchFamily="50" charset="-127"/>
                 <a:ea typeface="나눔고딕" pitchFamily="50" charset="-127"/>
               </a:rPr>
               <a:t>코로 냄새 맡고</a:t>
             </a:r>
             <a:r>
-              <a:rPr lang="en-US" altLang="ko-KR" b="1" dirty="0" smtClean="0">
+              <a:rPr lang="en-US" altLang="ko-KR" b="1" dirty="0">
                 <a:latin typeface="나눔고딕" pitchFamily="50" charset="-127"/>
                 <a:ea typeface="나눔고딕" pitchFamily="50" charset="-127"/>
               </a:rPr>
               <a:t>, </a:t>
             </a:r>
             <a:r>
-              <a:rPr lang="ko-KR" altLang="en-US" b="1" dirty="0" smtClean="0">
+              <a:rPr lang="ko-KR" altLang="en-US" b="1" dirty="0">
                 <a:latin typeface="나눔고딕" pitchFamily="50" charset="-127"/>
                 <a:ea typeface="나눔고딕" pitchFamily="50" charset="-127"/>
               </a:rPr>
               <a:t>손으로 만지는 </a:t>
             </a:r>
             <a:r>
-              <a:rPr lang="en-US" altLang="ko-KR" b="1" dirty="0" smtClean="0">
+              <a:rPr lang="en-US" altLang="ko-KR" b="1" dirty="0">
                 <a:latin typeface="나눔고딕" pitchFamily="50" charset="-127"/>
                 <a:ea typeface="나눔고딕" pitchFamily="50" charset="-127"/>
               </a:rPr>
               <a:t>(</a:t>
             </a:r>
             <a:r>
-              <a:rPr lang="ko-KR" altLang="en-US" b="1" dirty="0" smtClean="0">
+              <a:rPr lang="ko-KR" altLang="en-US" b="1" dirty="0">
                 <a:latin typeface="나눔고딕" pitchFamily="50" charset="-127"/>
                 <a:ea typeface="나눔고딕" pitchFamily="50" charset="-127"/>
               </a:rPr>
               <a:t>감각하는</a:t>
             </a:r>
             <a:r>
-              <a:rPr lang="en-US" altLang="ko-KR" b="1" dirty="0" smtClean="0">
+              <a:rPr lang="en-US" altLang="ko-KR" b="1" dirty="0">
                 <a:latin typeface="나눔고딕" pitchFamily="50" charset="-127"/>
                 <a:ea typeface="나눔고딕" pitchFamily="50" charset="-127"/>
               </a:rPr>
               <a:t>) </a:t>
             </a:r>
             <a:r>
-              <a:rPr lang="ko-KR" altLang="en-US" b="1" dirty="0" smtClean="0">
+              <a:rPr lang="ko-KR" altLang="en-US" b="1" dirty="0">
                 <a:latin typeface="나눔고딕" pitchFamily="50" charset="-127"/>
                 <a:ea typeface="나눔고딕" pitchFamily="50" charset="-127"/>
               </a:rPr>
               <a:t>현실이 정말 내가 감각하는 대로 존재하는지 의심함</a:t>
             </a:r>
             <a:r>
-              <a:rPr lang="en-US" altLang="ko-KR" b="1" dirty="0" smtClean="0">
+              <a:rPr lang="en-US" altLang="ko-KR" b="1" dirty="0">
                 <a:latin typeface="나눔고딕" pitchFamily="50" charset="-127"/>
                 <a:ea typeface="나눔고딕" pitchFamily="50" charset="-127"/>
               </a:rPr>
               <a:t>: </a:t>
             </a:r>
             <a:r>
-              <a:rPr lang="ko-KR" altLang="en-US" b="1" dirty="0" smtClean="0">
+              <a:rPr lang="ko-KR" altLang="en-US" b="1" dirty="0">
                 <a:latin typeface="나눔고딕" pitchFamily="50" charset="-127"/>
                 <a:ea typeface="나눔고딕" pitchFamily="50" charset="-127"/>
               </a:rPr>
               <a:t>현실은 감각이 가르쳐주는 것과 </a:t>
             </a:r>
             <a:r>
-              <a:rPr lang="ko-KR" altLang="en-US" b="1" dirty="0" smtClean="0">
+              <a:rPr lang="ko-KR" altLang="en-US" b="1" dirty="0">
                 <a:solidFill>
                   <a:srgbClr val="FF0000"/>
                 </a:solidFill>
@@ -6109,7 +6011,7 @@
               <a:t>같은가</a:t>
             </a:r>
             <a:r>
-              <a:rPr lang="en-US" altLang="ko-KR" b="1" dirty="0" smtClean="0">
+              <a:rPr lang="en-US" altLang="ko-KR" b="1" dirty="0">
                 <a:latin typeface="나눔고딕" pitchFamily="50" charset="-127"/>
                 <a:ea typeface="나눔고딕" pitchFamily="50" charset="-127"/>
               </a:rPr>
@@ -6123,42 +6025,42 @@
               </a:lnSpc>
             </a:pPr>
             <a:r>
-              <a:rPr lang="ko-KR" altLang="en-US" b="1" dirty="0" smtClean="0">
+              <a:rPr lang="ko-KR" altLang="en-US" b="1" dirty="0">
                 <a:latin typeface="나눔고딕" pitchFamily="50" charset="-127"/>
                 <a:ea typeface="나눔고딕" pitchFamily="50" charset="-127"/>
               </a:rPr>
               <a:t>우리의 현실이 진짜로 존재하는지</a:t>
             </a:r>
             <a:r>
-              <a:rPr lang="en-US" altLang="ko-KR" b="1" dirty="0" smtClean="0">
+              <a:rPr lang="en-US" altLang="ko-KR" b="1" dirty="0">
                 <a:latin typeface="나눔고딕" pitchFamily="50" charset="-127"/>
                 <a:ea typeface="나눔고딕" pitchFamily="50" charset="-127"/>
               </a:rPr>
               <a:t> </a:t>
             </a:r>
             <a:r>
-              <a:rPr lang="ko-KR" altLang="en-US" b="1" dirty="0" smtClean="0">
+              <a:rPr lang="ko-KR" altLang="en-US" b="1" dirty="0">
                 <a:latin typeface="나눔고딕" pitchFamily="50" charset="-127"/>
                 <a:ea typeface="나눔고딕" pitchFamily="50" charset="-127"/>
               </a:rPr>
               <a:t>의심함</a:t>
             </a:r>
             <a:r>
-              <a:rPr lang="en-US" altLang="ko-KR" b="1" dirty="0" smtClean="0">
+              <a:rPr lang="en-US" altLang="ko-KR" b="1" dirty="0">
                 <a:latin typeface="나눔고딕" pitchFamily="50" charset="-127"/>
                 <a:ea typeface="나눔고딕" pitchFamily="50" charset="-127"/>
               </a:rPr>
               <a:t>: </a:t>
             </a:r>
             <a:r>
-              <a:rPr lang="ko-KR" altLang="en-US" b="1" dirty="0" smtClean="0">
+              <a:rPr lang="ko-KR" altLang="en-US" b="1" dirty="0">
                 <a:latin typeface="나눔고딕" pitchFamily="50" charset="-127"/>
                 <a:ea typeface="나눔고딕" pitchFamily="50" charset="-127"/>
               </a:rPr>
               <a:t>우리가 감각하는 현실은 </a:t>
             </a:r>
             <a:r>
-              <a:rPr lang="ko-KR" altLang="en-US" b="1" dirty="0" smtClean="0">
+              <a:rPr lang="ko-KR" altLang="en-US" b="1" dirty="0">
                 <a:solidFill>
                   <a:srgbClr val="FF0000"/>
                 </a:solidFill>
@@ -6168,14 +6070,14 @@
               <a:t>존재</a:t>
             </a:r>
             <a:r>
-              <a:rPr lang="ko-KR" altLang="en-US" b="1" dirty="0" smtClean="0">
+              <a:rPr lang="ko-KR" altLang="en-US" b="1" dirty="0">
                 <a:latin typeface="나눔고딕" pitchFamily="50" charset="-127"/>
                 <a:ea typeface="나눔고딕" pitchFamily="50" charset="-127"/>
               </a:rPr>
               <a:t>하는가</a:t>
             </a:r>
             <a:r>
-              <a:rPr lang="en-US" altLang="ko-KR" b="1" dirty="0" smtClean="0">
+              <a:rPr lang="en-US" altLang="ko-KR" b="1" dirty="0">
                 <a:latin typeface="나눔고딕" pitchFamily="50" charset="-127"/>
                 <a:ea typeface="나눔고딕" pitchFamily="50" charset="-127"/>
               </a:rPr>
@@ -6189,21 +6091,21 @@
               </a:lnSpc>
             </a:pPr>
             <a:r>
-              <a:rPr lang="en-US" altLang="ko-KR" b="1" dirty="0" smtClean="0">
+              <a:rPr lang="en-US" altLang="ko-KR" b="1" dirty="0">
                 <a:latin typeface="나눔고딕" pitchFamily="50" charset="-127"/>
                 <a:ea typeface="나눔고딕" pitchFamily="50" charset="-127"/>
               </a:rPr>
               <a:t> </a:t>
             </a:r>
             <a:r>
-              <a:rPr lang="ko-KR" altLang="en-US" b="1" dirty="0" smtClean="0">
+              <a:rPr lang="ko-KR" altLang="en-US" b="1" dirty="0">
                 <a:latin typeface="나눔고딕" pitchFamily="50" charset="-127"/>
                 <a:ea typeface="나눔고딕" pitchFamily="50" charset="-127"/>
               </a:rPr>
               <a:t>확실한 것은 무엇인가</a:t>
             </a:r>
             <a:r>
-              <a:rPr lang="en-US" altLang="ko-KR" b="1" dirty="0" smtClean="0">
+              <a:rPr lang="en-US" altLang="ko-KR" b="1" dirty="0">
                 <a:latin typeface="나눔고딕" pitchFamily="50" charset="-127"/>
                 <a:ea typeface="나눔고딕" pitchFamily="50" charset="-127"/>
               </a:rPr>
@@ -6217,14 +6119,14 @@
               </a:lnSpc>
             </a:pPr>
             <a:r>
-              <a:rPr lang="en-US" altLang="ko-KR" b="1" dirty="0" smtClean="0">
+              <a:rPr lang="en-US" altLang="ko-KR" b="1" dirty="0">
                 <a:latin typeface="나눔고딕" pitchFamily="50" charset="-127"/>
                 <a:ea typeface="나눔고딕" pitchFamily="50" charset="-127"/>
               </a:rPr>
               <a:t> </a:t>
             </a:r>
             <a:r>
-              <a:rPr lang="ko-KR" altLang="en-US" b="1" dirty="0" smtClean="0">
+              <a:rPr lang="ko-KR" altLang="en-US" b="1" dirty="0">
                 <a:solidFill>
                   <a:srgbClr val="FF0000"/>
                 </a:solidFill>
@@ -6234,21 +6136,21 @@
               <a:t>감각</a:t>
             </a:r>
             <a:r>
-              <a:rPr lang="ko-KR" altLang="en-US" b="1" dirty="0" smtClean="0">
+              <a:rPr lang="ko-KR" altLang="en-US" b="1" dirty="0">
                 <a:latin typeface="나눔고딕" pitchFamily="50" charset="-127"/>
                 <a:ea typeface="나눔고딕" pitchFamily="50" charset="-127"/>
               </a:rPr>
               <a:t>이 아니라</a:t>
             </a:r>
             <a:r>
-              <a:rPr lang="en-US" altLang="ko-KR" b="1" dirty="0" smtClean="0">
+              <a:rPr lang="en-US" altLang="ko-KR" b="1" dirty="0">
                 <a:latin typeface="나눔고딕" pitchFamily="50" charset="-127"/>
                 <a:ea typeface="나눔고딕" pitchFamily="50" charset="-127"/>
               </a:rPr>
               <a:t>, </a:t>
             </a:r>
             <a:r>
-              <a:rPr lang="ko-KR" altLang="en-US" b="1" dirty="0" smtClean="0">
+              <a:rPr lang="ko-KR" altLang="en-US" b="1" dirty="0">
                 <a:solidFill>
                   <a:srgbClr val="FF0000"/>
                 </a:solidFill>
@@ -6258,14 +6160,14 @@
               <a:t>이성</a:t>
             </a:r>
             <a:r>
-              <a:rPr lang="ko-KR" altLang="en-US" b="1" dirty="0" smtClean="0">
+              <a:rPr lang="ko-KR" altLang="en-US" b="1" dirty="0">
                 <a:latin typeface="나눔고딕" pitchFamily="50" charset="-127"/>
                 <a:ea typeface="나눔고딕" pitchFamily="50" charset="-127"/>
               </a:rPr>
               <a:t>을 통해 </a:t>
             </a:r>
             <a:r>
-              <a:rPr lang="ko-KR" altLang="en-US" b="1" dirty="0" smtClean="0">
+              <a:rPr lang="ko-KR" altLang="en-US" b="1" dirty="0">
                 <a:solidFill>
                   <a:srgbClr val="FF0000"/>
                 </a:solidFill>
@@ -6275,21 +6177,21 @@
               <a:t>확실한 </a:t>
             </a:r>
             <a:r>
-              <a:rPr lang="ko-KR" altLang="en-US" b="1" dirty="0" smtClean="0">
+              <a:rPr lang="ko-KR" altLang="en-US" b="1" dirty="0">
                 <a:latin typeface="나눔고딕" pitchFamily="50" charset="-127"/>
                 <a:ea typeface="나눔고딕" pitchFamily="50" charset="-127"/>
               </a:rPr>
               <a:t>것</a:t>
             </a:r>
             <a:r>
-              <a:rPr lang="en-US" altLang="ko-KR" b="1" dirty="0" smtClean="0">
+              <a:rPr lang="en-US" altLang="ko-KR" b="1" dirty="0">
                 <a:latin typeface="나눔고딕" pitchFamily="50" charset="-127"/>
                 <a:ea typeface="나눔고딕" pitchFamily="50" charset="-127"/>
               </a:rPr>
               <a:t>, </a:t>
             </a:r>
             <a:r>
-              <a:rPr lang="ko-KR" altLang="en-US" b="1" dirty="0" smtClean="0">
+              <a:rPr lang="ko-KR" altLang="en-US" b="1" dirty="0">
                 <a:solidFill>
                   <a:srgbClr val="FF0000"/>
                 </a:solidFill>
@@ -6299,16 +6201,12 @@
               <a:t>의심의 여지가 없는 </a:t>
             </a:r>
             <a:r>
-              <a:rPr lang="ko-KR" altLang="en-US" b="1" dirty="0" smtClean="0">
+              <a:rPr lang="ko-KR" altLang="en-US" b="1" dirty="0">
                 <a:latin typeface="나눔고딕" pitchFamily="50" charset="-127"/>
                 <a:ea typeface="나눔고딕" pitchFamily="50" charset="-127"/>
               </a:rPr>
               <a:t>것을 찾음</a:t>
             </a:r>
-            <a:endParaRPr lang="ko-KR" altLang="en-US" b="1" dirty="0">
-              <a:latin typeface="나눔고딕" pitchFamily="50" charset="-127"/>
-              <a:ea typeface="나눔고딕" pitchFamily="50" charset="-127"/>
-            </a:endParaRPr>
           </a:p>
         </p:txBody>
       </p:sp>
@@ -6328,16 +6226,12 @@
           <a:lstStyle/>
           <a:p>
             <a:r>
-              <a:rPr lang="ko-KR" altLang="en-US" dirty="0" smtClean="0">
+              <a:rPr lang="ko-KR" altLang="en-US" dirty="0">
                 <a:latin typeface="나눔고딕" pitchFamily="50" charset="-127"/>
                 <a:ea typeface="나눔고딕" pitchFamily="50" charset="-127"/>
               </a:rPr>
               <a:t>데카르트</a:t>
             </a:r>
-            <a:endParaRPr lang="ko-KR" altLang="en-US" dirty="0">
-              <a:latin typeface="나눔고딕" pitchFamily="50" charset="-127"/>
-              <a:ea typeface="나눔고딕" pitchFamily="50" charset="-127"/>
-            </a:endParaRPr>
           </a:p>
         </p:txBody>
       </p:sp>
@@ -6387,35 +6281,35 @@
               </a:lnSpc>
             </a:pPr>
             <a:r>
-              <a:rPr lang="en-US" altLang="ko-KR" b="1" dirty="0" smtClean="0">
+              <a:rPr lang="en-US" altLang="ko-KR" b="1" dirty="0">
                 <a:latin typeface="나눔고딕" pitchFamily="50" charset="-127"/>
                 <a:ea typeface="나눔고딕" pitchFamily="50" charset="-127"/>
               </a:rPr>
               <a:t> “</a:t>
             </a:r>
             <a:r>
-              <a:rPr lang="ko-KR" altLang="en-US" b="1" dirty="0" smtClean="0">
+              <a:rPr lang="ko-KR" altLang="en-US" b="1" dirty="0">
                 <a:latin typeface="나눔고딕" pitchFamily="50" charset="-127"/>
                 <a:ea typeface="나눔고딕" pitchFamily="50" charset="-127"/>
               </a:rPr>
               <a:t>나는 생각한다</a:t>
             </a:r>
             <a:r>
-              <a:rPr lang="en-US" altLang="ko-KR" b="1" dirty="0" smtClean="0">
+              <a:rPr lang="en-US" altLang="ko-KR" b="1" dirty="0">
                 <a:latin typeface="나눔고딕" pitchFamily="50" charset="-127"/>
                 <a:ea typeface="나눔고딕" pitchFamily="50" charset="-127"/>
               </a:rPr>
               <a:t>, </a:t>
             </a:r>
             <a:r>
-              <a:rPr lang="ko-KR" altLang="en-US" b="1" dirty="0" smtClean="0">
+              <a:rPr lang="ko-KR" altLang="en-US" b="1" dirty="0">
                 <a:latin typeface="나눔고딕" pitchFamily="50" charset="-127"/>
                 <a:ea typeface="나눔고딕" pitchFamily="50" charset="-127"/>
               </a:rPr>
               <a:t>그러므로 나는 존재한다</a:t>
             </a:r>
             <a:r>
-              <a:rPr lang="en-US" altLang="ko-KR" b="1" dirty="0" smtClean="0">
+              <a:rPr lang="en-US" altLang="ko-KR" b="1" dirty="0">
                 <a:latin typeface="나눔고딕" pitchFamily="50" charset="-127"/>
                 <a:ea typeface="나눔고딕" pitchFamily="50" charset="-127"/>
               </a:rPr>
@@ -6429,37 +6323,33 @@
               </a:lnSpc>
             </a:pPr>
             <a:r>
-              <a:rPr lang="en-US" altLang="ko-KR" b="1" dirty="0" smtClean="0">
+              <a:rPr lang="en-US" altLang="ko-KR" b="1" dirty="0">
                 <a:latin typeface="나눔고딕" pitchFamily="50" charset="-127"/>
                 <a:ea typeface="나눔고딕" pitchFamily="50" charset="-127"/>
               </a:rPr>
               <a:t> </a:t>
             </a:r>
             <a:r>
-              <a:rPr lang="ko-KR" altLang="en-US" b="1" dirty="0" smtClean="0">
+              <a:rPr lang="ko-KR" altLang="en-US" b="1" dirty="0">
                 <a:latin typeface="나눔고딕" pitchFamily="50" charset="-127"/>
                 <a:ea typeface="나눔고딕" pitchFamily="50" charset="-127"/>
               </a:rPr>
               <a:t>생각하는 영혼</a:t>
             </a:r>
             <a:r>
-              <a:rPr lang="en-US" altLang="ko-KR" b="1" dirty="0" smtClean="0">
+              <a:rPr lang="en-US" altLang="ko-KR" b="1" dirty="0">
                 <a:latin typeface="나눔고딕" pitchFamily="50" charset="-127"/>
                 <a:ea typeface="나눔고딕" pitchFamily="50" charset="-127"/>
               </a:rPr>
               <a:t>: </a:t>
             </a:r>
             <a:r>
-              <a:rPr lang="ko-KR" altLang="en-US" b="1" dirty="0" smtClean="0">
+              <a:rPr lang="ko-KR" altLang="en-US" b="1" dirty="0">
                 <a:latin typeface="나눔고딕" pitchFamily="50" charset="-127"/>
                 <a:ea typeface="나눔고딕" pitchFamily="50" charset="-127"/>
               </a:rPr>
               <a:t>인간의 정체성을 이룸</a:t>
             </a:r>
-            <a:endParaRPr lang="ko-KR" altLang="en-US" b="1" dirty="0">
-              <a:latin typeface="나눔고딕" pitchFamily="50" charset="-127"/>
-              <a:ea typeface="나눔고딕" pitchFamily="50" charset="-127"/>
-            </a:endParaRPr>
           </a:p>
         </p:txBody>
       </p:sp>
@@ -6479,10 +6369,9 @@
           <a:lstStyle/>
           <a:p>
             <a:r>
-              <a:rPr lang="ko-KR" altLang="en-US" dirty="0" smtClean="0"/>
+              <a:rPr lang="ko-KR" altLang="en-US" dirty="0"/>
               <a:t>데카르트</a:t>
             </a:r>
-            <a:endParaRPr lang="ko-KR" altLang="en-US" dirty="0"/>
           </a:p>
         </p:txBody>
       </p:sp>
@@ -6515,13 +6404,6 @@
   <p:clrMapOvr>
     <a:masterClrMapping/>
   </p:clrMapOvr>
-  <p:timing>
-    <p:tnLst>
-      <p:par>
-        <p:cTn id="1" dur="indefinite" restart="never" nodeType="tmRoot"/>
-      </p:par>
-    </p:tnLst>
-  </p:timing>
 </p:sld>
 </file>
 
@@ -6565,98 +6447,98 @@
               </a:lnSpc>
             </a:pPr>
             <a:r>
-              <a:rPr lang="en-US" altLang="ko-KR" b="1" dirty="0" smtClean="0">
+              <a:rPr lang="en-US" altLang="ko-KR" b="1" dirty="0">
                 <a:latin typeface="나눔고딕" pitchFamily="50" charset="-127"/>
                 <a:ea typeface="나눔고딕" pitchFamily="50" charset="-127"/>
               </a:rPr>
               <a:t>“</a:t>
             </a:r>
             <a:r>
-              <a:rPr lang="ko-KR" altLang="en-US" b="1" dirty="0" smtClean="0">
+              <a:rPr lang="ko-KR" altLang="en-US" b="1" dirty="0">
                 <a:latin typeface="나눔고딕" pitchFamily="50" charset="-127"/>
                 <a:ea typeface="나눔고딕" pitchFamily="50" charset="-127"/>
               </a:rPr>
               <a:t>양식</a:t>
             </a:r>
             <a:r>
-              <a:rPr lang="en-US" altLang="ko-KR" b="1" dirty="0" smtClean="0">
+              <a:rPr lang="en-US" altLang="ko-KR" b="1" dirty="0">
                 <a:latin typeface="나눔고딕" pitchFamily="50" charset="-127"/>
                 <a:ea typeface="나눔고딕" pitchFamily="50" charset="-127"/>
               </a:rPr>
               <a:t>(</a:t>
             </a:r>
             <a:r>
-              <a:rPr lang="en-US" altLang="ko-KR" b="1" dirty="0" err="1" smtClean="0">
+              <a:rPr lang="en-US" altLang="ko-KR" b="1" dirty="0" err="1">
                 <a:latin typeface="나눔고딕" pitchFamily="50" charset="-127"/>
                 <a:ea typeface="나눔고딕" pitchFamily="50" charset="-127"/>
               </a:rPr>
               <a:t>bons</a:t>
             </a:r>
             <a:r>
-              <a:rPr lang="en-US" altLang="ko-KR" b="1" dirty="0" smtClean="0">
+              <a:rPr lang="en-US" altLang="ko-KR" b="1" dirty="0">
                 <a:latin typeface="나눔고딕" pitchFamily="50" charset="-127"/>
                 <a:ea typeface="나눔고딕" pitchFamily="50" charset="-127"/>
               </a:rPr>
               <a:t> </a:t>
             </a:r>
             <a:r>
-              <a:rPr lang="en-US" altLang="ko-KR" b="1" dirty="0" err="1" smtClean="0">
+              <a:rPr lang="en-US" altLang="ko-KR" b="1" dirty="0" err="1">
                 <a:latin typeface="나눔고딕" pitchFamily="50" charset="-127"/>
                 <a:ea typeface="나눔고딕" pitchFamily="50" charset="-127"/>
               </a:rPr>
               <a:t>sens</a:t>
             </a:r>
             <a:r>
-              <a:rPr lang="en-US" altLang="ko-KR" b="1" dirty="0" smtClean="0">
+              <a:rPr lang="en-US" altLang="ko-KR" b="1" dirty="0">
                 <a:latin typeface="나눔고딕" pitchFamily="50" charset="-127"/>
                 <a:ea typeface="나눔고딕" pitchFamily="50" charset="-127"/>
               </a:rPr>
               <a:t>)</a:t>
             </a:r>
             <a:r>
-              <a:rPr lang="ko-KR" altLang="en-US" b="1" dirty="0" smtClean="0">
+              <a:rPr lang="ko-KR" altLang="en-US" b="1" dirty="0">
                 <a:latin typeface="나눔고딕" pitchFamily="50" charset="-127"/>
                 <a:ea typeface="나눔고딕" pitchFamily="50" charset="-127"/>
               </a:rPr>
               <a:t>은 이 세상에서 </a:t>
             </a:r>
             <a:r>
-              <a:rPr lang="en-US" altLang="ko-KR" b="1" dirty="0" smtClean="0">
+              <a:rPr lang="en-US" altLang="ko-KR" b="1" dirty="0">
                 <a:latin typeface="나눔고딕" pitchFamily="50" charset="-127"/>
                 <a:ea typeface="나눔고딕" pitchFamily="50" charset="-127"/>
               </a:rPr>
               <a:t>[</a:t>
             </a:r>
             <a:r>
-              <a:rPr lang="ko-KR" altLang="en-US" b="1" dirty="0" smtClean="0">
+              <a:rPr lang="ko-KR" altLang="en-US" b="1" dirty="0">
                 <a:latin typeface="나눔고딕" pitchFamily="50" charset="-127"/>
                 <a:ea typeface="나눔고딕" pitchFamily="50" charset="-127"/>
               </a:rPr>
               <a:t>인간에게</a:t>
             </a:r>
             <a:r>
-              <a:rPr lang="en-US" altLang="ko-KR" b="1" dirty="0" smtClean="0">
+              <a:rPr lang="en-US" altLang="ko-KR" b="1" dirty="0">
                 <a:latin typeface="나눔고딕" pitchFamily="50" charset="-127"/>
                 <a:ea typeface="나눔고딕" pitchFamily="50" charset="-127"/>
               </a:rPr>
               <a:t>] </a:t>
             </a:r>
             <a:r>
-              <a:rPr lang="ko-KR" altLang="en-US" b="1" dirty="0" smtClean="0">
+              <a:rPr lang="ko-KR" altLang="en-US" b="1" dirty="0">
                 <a:latin typeface="나눔고딕" pitchFamily="50" charset="-127"/>
                 <a:ea typeface="나눔고딕" pitchFamily="50" charset="-127"/>
               </a:rPr>
               <a:t>가장 공평하게 분배된 것이다</a:t>
             </a:r>
             <a:r>
-              <a:rPr lang="en-US" altLang="ko-KR" b="1" dirty="0" smtClean="0">
+              <a:rPr lang="en-US" altLang="ko-KR" b="1" dirty="0">
                 <a:latin typeface="나눔고딕" pitchFamily="50" charset="-127"/>
                 <a:ea typeface="나눔고딕" pitchFamily="50" charset="-127"/>
               </a:rPr>
               <a:t>. … </a:t>
             </a:r>
             <a:r>
-              <a:rPr lang="ko-KR" altLang="en-US" b="1" dirty="0" smtClean="0">
+              <a:rPr lang="ko-KR" altLang="en-US" b="1" dirty="0">
                 <a:solidFill>
                   <a:srgbClr val="FF0000"/>
                 </a:solidFill>
@@ -6666,14 +6548,14 @@
               <a:t>이성</a:t>
             </a:r>
             <a:r>
-              <a:rPr lang="ko-KR" altLang="en-US" b="1" dirty="0" smtClean="0">
+              <a:rPr lang="ko-KR" altLang="en-US" b="1" dirty="0">
                 <a:latin typeface="나눔고딕" pitchFamily="50" charset="-127"/>
                 <a:ea typeface="나눔고딕" pitchFamily="50" charset="-127"/>
               </a:rPr>
               <a:t> 혹은 </a:t>
             </a:r>
             <a:r>
-              <a:rPr lang="ko-KR" altLang="en-US" b="1" dirty="0" smtClean="0">
+              <a:rPr lang="ko-KR" altLang="en-US" b="1" dirty="0">
                 <a:solidFill>
                   <a:srgbClr val="FF0000"/>
                 </a:solidFill>
@@ -6683,14 +6565,14 @@
               <a:t>양식</a:t>
             </a:r>
             <a:r>
-              <a:rPr lang="ko-KR" altLang="en-US" b="1" dirty="0" smtClean="0">
+              <a:rPr lang="ko-KR" altLang="en-US" b="1" dirty="0">
                 <a:latin typeface="나눔고딕" pitchFamily="50" charset="-127"/>
                 <a:ea typeface="나눔고딕" pitchFamily="50" charset="-127"/>
               </a:rPr>
               <a:t>이 우리를 </a:t>
             </a:r>
             <a:r>
-              <a:rPr lang="ko-KR" altLang="en-US" b="1" dirty="0" smtClean="0">
+              <a:rPr lang="ko-KR" altLang="en-US" b="1" dirty="0">
                 <a:solidFill>
                   <a:srgbClr val="FF0000"/>
                 </a:solidFill>
@@ -6700,14 +6582,14 @@
               <a:t>인간</a:t>
             </a:r>
             <a:r>
-              <a:rPr lang="ko-KR" altLang="en-US" b="1" dirty="0" smtClean="0">
+              <a:rPr lang="ko-KR" altLang="en-US" b="1" dirty="0">
                 <a:latin typeface="나눔고딕" pitchFamily="50" charset="-127"/>
                 <a:ea typeface="나눔고딕" pitchFamily="50" charset="-127"/>
               </a:rPr>
               <a:t>으로 만들어 주고 </a:t>
             </a:r>
             <a:r>
-              <a:rPr lang="ko-KR" altLang="en-US" b="1" dirty="0" smtClean="0">
+              <a:rPr lang="ko-KR" altLang="en-US" b="1" dirty="0">
                 <a:solidFill>
                   <a:srgbClr val="FF0000"/>
                 </a:solidFill>
@@ -6717,28 +6599,28 @@
               <a:t>동물</a:t>
             </a:r>
             <a:r>
-              <a:rPr lang="ko-KR" altLang="en-US" b="1" dirty="0" smtClean="0">
+              <a:rPr lang="ko-KR" altLang="en-US" b="1" dirty="0">
                 <a:latin typeface="나눔고딕" pitchFamily="50" charset="-127"/>
                 <a:ea typeface="나눔고딕" pitchFamily="50" charset="-127"/>
               </a:rPr>
               <a:t>과 구별되게 해 주는 유일한 것이다</a:t>
             </a:r>
             <a:r>
-              <a:rPr lang="en-US" altLang="ko-KR" b="1" dirty="0" smtClean="0">
+              <a:rPr lang="en-US" altLang="ko-KR" b="1" dirty="0">
                 <a:latin typeface="나눔고딕" pitchFamily="50" charset="-127"/>
                 <a:ea typeface="나눔고딕" pitchFamily="50" charset="-127"/>
               </a:rPr>
               <a:t>” (『</a:t>
             </a:r>
             <a:r>
-              <a:rPr lang="ko-KR" altLang="en-US" b="1" dirty="0" smtClean="0">
+              <a:rPr lang="ko-KR" altLang="en-US" b="1" dirty="0">
                 <a:latin typeface="나눔고딕" pitchFamily="50" charset="-127"/>
                 <a:ea typeface="나눔고딕" pitchFamily="50" charset="-127"/>
               </a:rPr>
               <a:t>방법서설</a:t>
             </a:r>
             <a:r>
-              <a:rPr lang="en-US" altLang="ko-KR" b="1" dirty="0" smtClean="0">
+              <a:rPr lang="en-US" altLang="ko-KR" b="1" dirty="0">
                 <a:latin typeface="나눔고딕" pitchFamily="50" charset="-127"/>
                 <a:ea typeface="나눔고딕" pitchFamily="50" charset="-127"/>
               </a:rPr>
@@ -6752,35 +6634,35 @@
               </a:lnSpc>
             </a:pPr>
             <a:r>
-              <a:rPr lang="en-US" altLang="ko-KR" b="1" dirty="0" smtClean="0">
+              <a:rPr lang="en-US" altLang="ko-KR" b="1" dirty="0">
                 <a:latin typeface="나눔고딕" pitchFamily="50" charset="-127"/>
                 <a:ea typeface="나눔고딕" pitchFamily="50" charset="-127"/>
               </a:rPr>
               <a:t> “</a:t>
             </a:r>
             <a:r>
-              <a:rPr lang="ko-KR" altLang="en-US" b="1" dirty="0" smtClean="0">
+              <a:rPr lang="ko-KR" altLang="en-US" b="1" dirty="0">
                 <a:latin typeface="나눔고딕" pitchFamily="50" charset="-127"/>
                 <a:ea typeface="나눔고딕" pitchFamily="50" charset="-127"/>
               </a:rPr>
               <a:t>이성 혹은 양식</a:t>
             </a:r>
             <a:r>
-              <a:rPr lang="en-US" altLang="ko-KR" b="1" dirty="0" smtClean="0">
+              <a:rPr lang="en-US" altLang="ko-KR" b="1" dirty="0">
                 <a:latin typeface="나눔고딕" pitchFamily="50" charset="-127"/>
                 <a:ea typeface="나눔고딕" pitchFamily="50" charset="-127"/>
               </a:rPr>
               <a:t>”</a:t>
             </a:r>
             <a:r>
-              <a:rPr lang="ko-KR" altLang="en-US" b="1" dirty="0" smtClean="0">
+              <a:rPr lang="ko-KR" altLang="en-US" b="1" dirty="0">
                 <a:latin typeface="나눔고딕" pitchFamily="50" charset="-127"/>
                 <a:ea typeface="나눔고딕" pitchFamily="50" charset="-127"/>
                 <a:cs typeface="Times New Roman"/>
               </a:rPr>
               <a:t>을 통한 진리 탐구는 인간에게만 가능한 것</a:t>
             </a:r>
-            <a:endParaRPr lang="en-US" altLang="ko-KR" b="1" dirty="0" smtClean="0">
+            <a:endParaRPr lang="en-US" altLang="ko-KR" b="1" dirty="0">
               <a:latin typeface="나눔고딕" pitchFamily="50" charset="-127"/>
               <a:ea typeface="나눔고딕" pitchFamily="50" charset="-127"/>
               <a:cs typeface="Times New Roman"/>
@@ -6793,14 +6675,14 @@
               </a:lnSpc>
             </a:pPr>
             <a:r>
-              <a:rPr lang="en-US" altLang="ko-KR" b="1" dirty="0" smtClean="0">
+              <a:rPr lang="en-US" altLang="ko-KR" b="1" dirty="0">
                 <a:latin typeface="나눔고딕" pitchFamily="50" charset="-127"/>
                 <a:ea typeface="나눔고딕" pitchFamily="50" charset="-127"/>
               </a:rPr>
               <a:t> </a:t>
             </a:r>
             <a:r>
-              <a:rPr lang="ko-KR" altLang="en-US" b="1" dirty="0" smtClean="0">
+              <a:rPr lang="ko-KR" altLang="en-US" b="1" dirty="0">
                 <a:latin typeface="나눔고딕" pitchFamily="50" charset="-127"/>
                 <a:ea typeface="나눔고딕" pitchFamily="50" charset="-127"/>
                 <a:cs typeface="Times New Roman"/>
@@ -6808,7 +6690,7 @@
               <a:t>진리</a:t>
             </a:r>
             <a:r>
-              <a:rPr lang="en-US" altLang="ko-KR" b="1" dirty="0" smtClean="0">
+              <a:rPr lang="en-US" altLang="ko-KR" b="1" dirty="0">
                 <a:latin typeface="나눔고딕" pitchFamily="50" charset="-127"/>
                 <a:ea typeface="나눔고딕" pitchFamily="50" charset="-127"/>
                 <a:cs typeface="Times New Roman"/>
@@ -6816,7 +6698,7 @@
               <a:t>(</a:t>
             </a:r>
             <a:r>
-              <a:rPr lang="ko-KR" altLang="en-US" b="1" dirty="0" smtClean="0">
+              <a:rPr lang="ko-KR" altLang="en-US" b="1" dirty="0">
                 <a:latin typeface="나눔고딕" pitchFamily="50" charset="-127"/>
                 <a:ea typeface="나눔고딕" pitchFamily="50" charset="-127"/>
                 <a:cs typeface="Times New Roman"/>
@@ -6824,7 +6706,7 @@
               <a:t>참</a:t>
             </a:r>
             <a:r>
-              <a:rPr lang="en-US" altLang="ko-KR" b="1" dirty="0" smtClean="0">
+              <a:rPr lang="en-US" altLang="ko-KR" b="1" dirty="0">
                 <a:latin typeface="나눔고딕" pitchFamily="50" charset="-127"/>
                 <a:ea typeface="나눔고딕" pitchFamily="50" charset="-127"/>
                 <a:cs typeface="Times New Roman"/>
@@ -6832,7 +6714,7 @@
               <a:t>):</a:t>
             </a:r>
             <a:r>
-              <a:rPr lang="ko-KR" altLang="en-US" b="1" dirty="0" smtClean="0">
+              <a:rPr lang="ko-KR" altLang="en-US" b="1" dirty="0">
                 <a:latin typeface="나눔고딕" pitchFamily="50" charset="-127"/>
                 <a:ea typeface="나눔고딕" pitchFamily="50" charset="-127"/>
                 <a:cs typeface="Times New Roman"/>
@@ -6862,30 +6744,26 @@
           <a:lstStyle/>
           <a:p>
             <a:r>
-              <a:rPr lang="ko-KR" altLang="en-US" b="1" dirty="0" smtClean="0">
+              <a:rPr lang="ko-KR" altLang="en-US" b="1" dirty="0">
                 <a:latin typeface="나눔고딕" pitchFamily="50" charset="-127"/>
                 <a:ea typeface="나눔고딕" pitchFamily="50" charset="-127"/>
               </a:rPr>
               <a:t>데카르트</a:t>
             </a:r>
             <a:r>
-              <a:rPr lang="en-US" altLang="ko-KR" b="1" dirty="0" smtClean="0">
+              <a:rPr lang="en-US" altLang="ko-KR" b="1" dirty="0">
                 <a:latin typeface="나눔고딕" pitchFamily="50" charset="-127"/>
                 <a:ea typeface="나눔고딕" pitchFamily="50" charset="-127"/>
               </a:rPr>
               <a:t>: </a:t>
             </a:r>
             <a:r>
-              <a:rPr lang="ko-KR" altLang="en-US" b="1" dirty="0" smtClean="0">
+              <a:rPr lang="ko-KR" altLang="en-US" b="1" dirty="0">
                 <a:latin typeface="나눔고딕" pitchFamily="50" charset="-127"/>
                 <a:ea typeface="나눔고딕" pitchFamily="50" charset="-127"/>
               </a:rPr>
               <a:t>양식과 이성</a:t>
             </a:r>
-            <a:endParaRPr lang="ko-KR" altLang="en-US" b="1" dirty="0">
-              <a:latin typeface="나눔고딕" pitchFamily="50" charset="-127"/>
-              <a:ea typeface="나눔고딕" pitchFamily="50" charset="-127"/>
-            </a:endParaRPr>
           </a:p>
         </p:txBody>
       </p:sp>
@@ -6894,13 +6772,6 @@
   <p:clrMapOvr>
     <a:masterClrMapping/>
   </p:clrMapOvr>
-  <p:timing>
-    <p:tnLst>
-      <p:par>
-        <p:cTn id="1" dur="indefinite" restart="never" nodeType="tmRoot"/>
-      </p:par>
-    </p:tnLst>
-  </p:timing>
 </p:sld>
 </file>
 
@@ -6944,39 +6815,39 @@
               </a:lnSpc>
             </a:pPr>
             <a:r>
-              <a:rPr lang="en-US" altLang="ko-KR" b="1" dirty="0" smtClean="0"/>
+              <a:rPr lang="en-US" altLang="ko-KR" b="1" dirty="0"/>
               <a:t> </a:t>
             </a:r>
             <a:r>
-              <a:rPr lang="ko-KR" altLang="en-US" b="1" dirty="0" smtClean="0">
+              <a:rPr lang="ko-KR" altLang="en-US" b="1" dirty="0">
                 <a:latin typeface="나눔고딕" pitchFamily="50" charset="-127"/>
                 <a:ea typeface="나눔고딕" pitchFamily="50" charset="-127"/>
               </a:rPr>
               <a:t>의심을 위한 의심</a:t>
             </a:r>
             <a:r>
-              <a:rPr lang="en-US" altLang="ko-KR" b="1" dirty="0" smtClean="0">
+              <a:rPr lang="en-US" altLang="ko-KR" b="1" dirty="0">
                 <a:latin typeface="나눔고딕" pitchFamily="50" charset="-127"/>
                 <a:ea typeface="나눔고딕" pitchFamily="50" charset="-127"/>
               </a:rPr>
               <a:t>: ‘</a:t>
             </a:r>
             <a:r>
-              <a:rPr lang="ko-KR" altLang="en-US" b="1" dirty="0" smtClean="0">
+              <a:rPr lang="ko-KR" altLang="en-US" b="1" dirty="0">
                 <a:latin typeface="나눔고딕" pitchFamily="50" charset="-127"/>
                 <a:ea typeface="나눔고딕" pitchFamily="50" charset="-127"/>
               </a:rPr>
               <a:t>회의주의</a:t>
             </a:r>
             <a:r>
-              <a:rPr lang="en-US" altLang="ko-KR" b="1" dirty="0" smtClean="0">
+              <a:rPr lang="en-US" altLang="ko-KR" b="1" dirty="0">
                 <a:latin typeface="나눔고딕" pitchFamily="50" charset="-127"/>
                 <a:ea typeface="나눔고딕" pitchFamily="50" charset="-127"/>
               </a:rPr>
               <a:t>’ – </a:t>
             </a:r>
             <a:r>
-              <a:rPr lang="ko-KR" altLang="en-US" b="1" dirty="0" smtClean="0">
+              <a:rPr lang="ko-KR" altLang="en-US" b="1" dirty="0">
                 <a:solidFill>
                   <a:srgbClr val="FF0000"/>
                 </a:solidFill>
@@ -6985,7 +6856,7 @@
               </a:rPr>
               <a:t>진리는 없다</a:t>
             </a:r>
-            <a:endParaRPr lang="en-US" altLang="ko-KR" b="1" dirty="0" smtClean="0">
+            <a:endParaRPr lang="en-US" altLang="ko-KR" b="1" dirty="0">
               <a:solidFill>
                 <a:srgbClr val="FF0000"/>
               </a:solidFill>
@@ -7000,14 +6871,14 @@
               </a:lnSpc>
             </a:pPr>
             <a:r>
-              <a:rPr lang="en-US" altLang="ko-KR" b="1" dirty="0" smtClean="0">
+              <a:rPr lang="en-US" altLang="ko-KR" b="1" dirty="0">
                 <a:latin typeface="나눔고딕" pitchFamily="50" charset="-127"/>
                 <a:ea typeface="나눔고딕" pitchFamily="50" charset="-127"/>
               </a:rPr>
               <a:t> </a:t>
             </a:r>
             <a:r>
-              <a:rPr lang="ko-KR" altLang="en-US" b="1" dirty="0" smtClean="0">
+              <a:rPr lang="ko-KR" altLang="en-US" b="1" dirty="0">
                 <a:solidFill>
                   <a:srgbClr val="FF0000"/>
                 </a:solidFill>
@@ -7017,41 +6888,41 @@
               <a:t>진리를 발견하기 위한 </a:t>
             </a:r>
             <a:r>
-              <a:rPr lang="ko-KR" altLang="en-US" b="1" dirty="0" smtClean="0">
+              <a:rPr lang="ko-KR" altLang="en-US" b="1" dirty="0">
                 <a:latin typeface="나눔고딕" pitchFamily="50" charset="-127"/>
                 <a:ea typeface="나눔고딕" pitchFamily="50" charset="-127"/>
               </a:rPr>
               <a:t>의심</a:t>
             </a:r>
             <a:r>
-              <a:rPr lang="en-US" altLang="ko-KR" b="1" dirty="0" smtClean="0">
+              <a:rPr lang="en-US" altLang="ko-KR" b="1" dirty="0">
                 <a:latin typeface="나눔고딕" pitchFamily="50" charset="-127"/>
                 <a:ea typeface="나눔고딕" pitchFamily="50" charset="-127"/>
               </a:rPr>
               <a:t>: </a:t>
             </a:r>
             <a:r>
-              <a:rPr lang="ko-KR" altLang="en-US" b="1" dirty="0" smtClean="0">
+              <a:rPr lang="ko-KR" altLang="en-US" b="1" dirty="0">
                 <a:latin typeface="나눔고딕" pitchFamily="50" charset="-127"/>
                 <a:ea typeface="나눔고딕" pitchFamily="50" charset="-127"/>
               </a:rPr>
               <a:t>방법적 의심 </a:t>
             </a:r>
             <a:r>
-              <a:rPr lang="en-US" altLang="ko-KR" b="1" dirty="0" smtClean="0">
+              <a:rPr lang="en-US" altLang="ko-KR" b="1" dirty="0">
                 <a:latin typeface="나눔고딕" pitchFamily="50" charset="-127"/>
                 <a:ea typeface="나눔고딕" pitchFamily="50" charset="-127"/>
               </a:rPr>
               <a:t>– </a:t>
             </a:r>
             <a:r>
-              <a:rPr lang="ko-KR" altLang="en-US" b="1" dirty="0" smtClean="0">
+              <a:rPr lang="ko-KR" altLang="en-US" b="1" dirty="0">
                 <a:latin typeface="나눔고딕" pitchFamily="50" charset="-127"/>
                 <a:ea typeface="나눔고딕" pitchFamily="50" charset="-127"/>
               </a:rPr>
               <a:t>나의 이성에게 조금이라도 의심의 여지가 있는 것은 참되지 않은 것으로 멀리함</a:t>
             </a:r>
-            <a:endParaRPr lang="en-US" altLang="ko-KR" b="1" dirty="0" smtClean="0">
+            <a:endParaRPr lang="en-US" altLang="ko-KR" b="1" dirty="0">
               <a:latin typeface="나눔고딕" pitchFamily="50" charset="-127"/>
               <a:ea typeface="나눔고딕" pitchFamily="50" charset="-127"/>
             </a:endParaRPr>
@@ -7062,7 +6933,7 @@
                 <a:spcPct val="150000"/>
               </a:lnSpc>
             </a:pPr>
-            <a:endParaRPr lang="en-US" altLang="ko-KR" b="1" dirty="0" smtClean="0">
+            <a:endParaRPr lang="en-US" altLang="ko-KR" b="1" dirty="0">
               <a:latin typeface="나눔고딕" pitchFamily="50" charset="-127"/>
               <a:ea typeface="나눔고딕" pitchFamily="50" charset="-127"/>
             </a:endParaRPr>
@@ -7074,7 +6945,7 @@
               </a:lnSpc>
               <a:buNone/>
             </a:pPr>
-            <a:endParaRPr lang="en-US" altLang="ko-KR" b="1" dirty="0" smtClean="0">
+            <a:endParaRPr lang="en-US" altLang="ko-KR" b="1" dirty="0">
               <a:latin typeface="나눔고딕" pitchFamily="50" charset="-127"/>
               <a:ea typeface="나눔고딕" pitchFamily="50" charset="-127"/>
             </a:endParaRPr>
@@ -7097,16 +6968,12 @@
           <a:lstStyle/>
           <a:p>
             <a:r>
-              <a:rPr lang="ko-KR" altLang="en-US" b="1" dirty="0" smtClean="0">
+              <a:rPr lang="ko-KR" altLang="en-US" b="1" dirty="0">
                 <a:latin typeface="나눔고딕" pitchFamily="50" charset="-127"/>
                 <a:ea typeface="나눔고딕" pitchFamily="50" charset="-127"/>
               </a:rPr>
               <a:t>방법적 의심</a:t>
             </a:r>
-            <a:endParaRPr lang="ko-KR" altLang="en-US" b="1" dirty="0">
-              <a:latin typeface="나눔고딕" pitchFamily="50" charset="-127"/>
-              <a:ea typeface="나눔고딕" pitchFamily="50" charset="-127"/>
-            </a:endParaRPr>
           </a:p>
         </p:txBody>
       </p:sp>
@@ -7115,13 +6982,6 @@
   <p:clrMapOvr>
     <a:masterClrMapping/>
   </p:clrMapOvr>
-  <p:timing>
-    <p:tnLst>
-      <p:par>
-        <p:cTn id="1" dur="indefinite" restart="never" nodeType="tmRoot"/>
-      </p:par>
-    </p:tnLst>
-  </p:timing>
 </p:sld>
 </file>
 
@@ -7165,14 +7025,14 @@
               </a:lnSpc>
             </a:pPr>
             <a:r>
-              <a:rPr lang="en-US" altLang="ko-KR" b="1" dirty="0" smtClean="0">
+              <a:rPr lang="en-US" altLang="ko-KR" b="1" dirty="0">
                 <a:latin typeface="나눔고딕" pitchFamily="50" charset="-127"/>
                 <a:ea typeface="나눔고딕" pitchFamily="50" charset="-127"/>
               </a:rPr>
               <a:t> </a:t>
             </a:r>
             <a:r>
-              <a:rPr lang="ko-KR" altLang="en-US" b="1" dirty="0" smtClean="0">
+              <a:rPr lang="ko-KR" altLang="en-US" b="1" dirty="0">
                 <a:latin typeface="나눔고딕" pitchFamily="50" charset="-127"/>
                 <a:ea typeface="나눔고딕" pitchFamily="50" charset="-127"/>
                 <a:cs typeface="Times New Roman"/>
@@ -7180,7 +7040,7 @@
               <a:t>참된 인식수단으로서</a:t>
             </a:r>
             <a:r>
-              <a:rPr lang="en-US" altLang="ko-KR" b="1" dirty="0" smtClean="0">
+              <a:rPr lang="en-US" altLang="ko-KR" b="1" dirty="0">
                 <a:latin typeface="나눔고딕" pitchFamily="50" charset="-127"/>
                 <a:ea typeface="나눔고딕" pitchFamily="50" charset="-127"/>
                 <a:cs typeface="Times New Roman"/>
@@ -7188,7 +7048,7 @@
               <a:t> </a:t>
             </a:r>
             <a:r>
-              <a:rPr lang="ko-KR" altLang="en-US" b="1" dirty="0" smtClean="0">
+              <a:rPr lang="ko-KR" altLang="en-US" b="1" dirty="0">
                 <a:solidFill>
                   <a:srgbClr val="FF0000"/>
                 </a:solidFill>
@@ -7199,14 +7059,14 @@
               <a:t>감각</a:t>
             </a:r>
             <a:r>
-              <a:rPr lang="ko-KR" altLang="en-US" b="1" dirty="0" smtClean="0">
+              <a:rPr lang="ko-KR" altLang="en-US" b="1" dirty="0">
                 <a:latin typeface="나눔고딕" pitchFamily="50" charset="-127"/>
                 <a:ea typeface="나눔고딕" pitchFamily="50" charset="-127"/>
                 <a:cs typeface="Times New Roman"/>
               </a:rPr>
               <a:t>에 대한 신뢰를 거둠</a:t>
             </a:r>
-            <a:endParaRPr lang="en-US" altLang="ko-KR" b="1" dirty="0" smtClean="0">
+            <a:endParaRPr lang="en-US" altLang="ko-KR" b="1" dirty="0">
               <a:latin typeface="나눔고딕" pitchFamily="50" charset="-127"/>
               <a:ea typeface="나눔고딕" pitchFamily="50" charset="-127"/>
             </a:endParaRPr>
@@ -7219,7 +7079,7 @@
               <a:buNone/>
             </a:pPr>
             <a:r>
-              <a:rPr lang="en-US" altLang="ko-KR" b="1" dirty="0" smtClean="0">
+              <a:rPr lang="en-US" altLang="ko-KR" b="1" dirty="0">
                 <a:latin typeface="Times New Roman"/>
                 <a:ea typeface="나눔고딕" pitchFamily="50" charset="-127"/>
                 <a:cs typeface="Times New Roman"/>
@@ -7227,42 +7087,42 @@
               <a:t>→ </a:t>
             </a:r>
             <a:r>
-              <a:rPr lang="ko-KR" altLang="en-US" b="1" dirty="0" smtClean="0">
+              <a:rPr lang="ko-KR" altLang="en-US" b="1" dirty="0">
                 <a:latin typeface="나눔고딕" pitchFamily="50" charset="-127"/>
                 <a:ea typeface="나눔고딕" pitchFamily="50" charset="-127"/>
               </a:rPr>
               <a:t>감각은</a:t>
             </a:r>
             <a:r>
-              <a:rPr lang="en-US" altLang="ko-KR" b="1" dirty="0" smtClean="0">
+              <a:rPr lang="en-US" altLang="ko-KR" b="1" dirty="0">
                 <a:latin typeface="나눔고딕" pitchFamily="50" charset="-127"/>
                 <a:ea typeface="나눔고딕" pitchFamily="50" charset="-127"/>
               </a:rPr>
               <a:t> </a:t>
             </a:r>
             <a:r>
-              <a:rPr lang="ko-KR" altLang="en-US" b="1" dirty="0" smtClean="0">
+              <a:rPr lang="ko-KR" altLang="en-US" b="1" dirty="0">
                 <a:latin typeface="나눔고딕" pitchFamily="50" charset="-127"/>
                 <a:ea typeface="나눔고딕" pitchFamily="50" charset="-127"/>
               </a:rPr>
               <a:t>외부대상에 대한 확실한 인식을 주지 않음</a:t>
             </a:r>
             <a:r>
-              <a:rPr lang="en-US" altLang="ko-KR" b="1" dirty="0" smtClean="0">
+              <a:rPr lang="en-US" altLang="ko-KR" b="1" dirty="0">
                 <a:latin typeface="나눔고딕" pitchFamily="50" charset="-127"/>
                 <a:ea typeface="나눔고딕" pitchFamily="50" charset="-127"/>
               </a:rPr>
               <a:t>: </a:t>
             </a:r>
             <a:r>
-              <a:rPr lang="ko-KR" altLang="en-US" b="1" dirty="0" smtClean="0">
+              <a:rPr lang="ko-KR" altLang="en-US" b="1" dirty="0">
                 <a:latin typeface="나눔고딕" pitchFamily="50" charset="-127"/>
                 <a:ea typeface="나눔고딕" pitchFamily="50" charset="-127"/>
               </a:rPr>
               <a:t>감각관념은 외부대상과 </a:t>
             </a:r>
             <a:r>
-              <a:rPr lang="ko-KR" altLang="en-US" b="1" dirty="0" smtClean="0">
+              <a:rPr lang="ko-KR" altLang="en-US" b="1" dirty="0">
                 <a:solidFill>
                   <a:srgbClr val="FF0000"/>
                 </a:solidFill>
@@ -7272,48 +7132,48 @@
               <a:t>일치</a:t>
             </a:r>
             <a:r>
-              <a:rPr lang="ko-KR" altLang="en-US" b="1" dirty="0" smtClean="0">
+              <a:rPr lang="ko-KR" altLang="en-US" b="1" dirty="0">
                 <a:latin typeface="나눔고딕" pitchFamily="50" charset="-127"/>
                 <a:ea typeface="나눔고딕" pitchFamily="50" charset="-127"/>
               </a:rPr>
               <a:t>하지 않음 </a:t>
             </a:r>
             <a:r>
-              <a:rPr lang="en-US" altLang="ko-KR" b="1" dirty="0" smtClean="0">
+              <a:rPr lang="en-US" altLang="ko-KR" b="1" dirty="0">
                 <a:latin typeface="나눔고딕" pitchFamily="50" charset="-127"/>
                 <a:ea typeface="나눔고딕" pitchFamily="50" charset="-127"/>
               </a:rPr>
               <a:t>(</a:t>
             </a:r>
             <a:r>
-              <a:rPr lang="ko-KR" altLang="en-US" b="1" dirty="0" smtClean="0">
+              <a:rPr lang="ko-KR" altLang="en-US" b="1" dirty="0">
                 <a:latin typeface="나눔고딕" pitchFamily="50" charset="-127"/>
                 <a:ea typeface="나눔고딕" pitchFamily="50" charset="-127"/>
               </a:rPr>
               <a:t>멀리 떨어져 있는 사람</a:t>
             </a:r>
             <a:r>
-              <a:rPr lang="en-US" altLang="ko-KR" b="1" dirty="0" smtClean="0">
+              <a:rPr lang="en-US" altLang="ko-KR" b="1" dirty="0">
                 <a:latin typeface="나눔고딕" pitchFamily="50" charset="-127"/>
                 <a:ea typeface="나눔고딕" pitchFamily="50" charset="-127"/>
               </a:rPr>
               <a:t>, </a:t>
             </a:r>
             <a:r>
-              <a:rPr lang="ko-KR" altLang="en-US" b="1" dirty="0" smtClean="0">
+              <a:rPr lang="ko-KR" altLang="en-US" b="1" dirty="0">
                 <a:latin typeface="나눔고딕" pitchFamily="50" charset="-127"/>
                 <a:ea typeface="나눔고딕" pitchFamily="50" charset="-127"/>
               </a:rPr>
               <a:t>태양의 크기</a:t>
             </a:r>
             <a:r>
-              <a:rPr lang="en-US" altLang="ko-KR" b="1" dirty="0" smtClean="0">
+              <a:rPr lang="en-US" altLang="ko-KR" b="1" dirty="0">
                 <a:latin typeface="나눔고딕" pitchFamily="50" charset="-127"/>
                 <a:ea typeface="나눔고딕" pitchFamily="50" charset="-127"/>
               </a:rPr>
               <a:t>) </a:t>
             </a:r>
-            <a:endParaRPr lang="en-US" altLang="ko-KR" b="1" dirty="0" smtClean="0">
+            <a:endParaRPr lang="en-US" altLang="ko-KR" b="1" dirty="0">
               <a:latin typeface="나눔고딕" pitchFamily="50" charset="-127"/>
               <a:ea typeface="나눔고딕" pitchFamily="50" charset="-127"/>
               <a:cs typeface="Times New Roman"/>
@@ -7327,7 +7187,7 @@
               <a:buNone/>
             </a:pPr>
             <a:r>
-              <a:rPr lang="ko-KR" altLang="en-US" b="1" dirty="0" smtClean="0">
+              <a:rPr lang="ko-KR" altLang="en-US" b="1" dirty="0">
                 <a:latin typeface="나눔고딕"/>
                 <a:ea typeface="나눔고딕"/>
                 <a:cs typeface="Times New Roman"/>
@@ -7335,7 +7195,7 @@
               <a:t>→ </a:t>
             </a:r>
             <a:r>
-              <a:rPr lang="ko-KR" altLang="en-US" b="1" dirty="0" smtClean="0">
+              <a:rPr lang="ko-KR" altLang="en-US" b="1" dirty="0">
                 <a:latin typeface="나눔고딕" pitchFamily="50" charset="-127"/>
                 <a:ea typeface="나눔고딕" pitchFamily="50" charset="-127"/>
                 <a:cs typeface="Times New Roman"/>
@@ -7343,7 +7203,7 @@
               <a:t>감각을 통해 갖게 된 </a:t>
             </a:r>
             <a:r>
-              <a:rPr lang="en-US" altLang="ko-KR" b="1" dirty="0" smtClean="0">
+              <a:rPr lang="en-US" altLang="ko-KR" b="1" dirty="0">
                 <a:latin typeface="나눔고딕" pitchFamily="50" charset="-127"/>
                 <a:ea typeface="나눔고딕" pitchFamily="50" charset="-127"/>
                 <a:cs typeface="Times New Roman"/>
@@ -7351,7 +7211,7 @@
               <a:t>‘</a:t>
             </a:r>
             <a:r>
-              <a:rPr lang="ko-KR" altLang="en-US" b="1" dirty="0" smtClean="0">
+              <a:rPr lang="ko-KR" altLang="en-US" b="1" dirty="0">
                 <a:latin typeface="나눔고딕" pitchFamily="50" charset="-127"/>
                 <a:ea typeface="나눔고딕" pitchFamily="50" charset="-127"/>
                 <a:cs typeface="Times New Roman"/>
@@ -7359,7 +7219,7 @@
               <a:t>어떤 </a:t>
             </a:r>
             <a:r>
-              <a:rPr lang="ko-KR" altLang="en-US" b="1" dirty="0" smtClean="0">
+              <a:rPr lang="ko-KR" altLang="en-US" b="1" dirty="0">
                 <a:solidFill>
                   <a:srgbClr val="FF0000"/>
                 </a:solidFill>
@@ -7370,7 +7230,7 @@
               <a:t>개별적인</a:t>
             </a:r>
             <a:r>
-              <a:rPr lang="ko-KR" altLang="en-US" b="1" dirty="0" smtClean="0">
+              <a:rPr lang="ko-KR" altLang="en-US" b="1" dirty="0">
                 <a:latin typeface="나눔고딕" pitchFamily="50" charset="-127"/>
                 <a:ea typeface="나눔고딕" pitchFamily="50" charset="-127"/>
                 <a:cs typeface="Times New Roman"/>
@@ -7378,7 +7238,7 @@
               <a:t> 외부대상이 </a:t>
             </a:r>
             <a:r>
-              <a:rPr lang="ko-KR" altLang="en-US" b="1" dirty="0" smtClean="0">
+              <a:rPr lang="ko-KR" altLang="en-US" b="1" dirty="0">
                 <a:solidFill>
                   <a:srgbClr val="FF0000"/>
                 </a:solidFill>
@@ -7389,7 +7249,7 @@
               <a:t>존재</a:t>
             </a:r>
             <a:r>
-              <a:rPr lang="ko-KR" altLang="en-US" b="1" dirty="0" smtClean="0">
+              <a:rPr lang="ko-KR" altLang="en-US" b="1" dirty="0">
                 <a:latin typeface="나눔고딕" pitchFamily="50" charset="-127"/>
                 <a:ea typeface="나눔고딕" pitchFamily="50" charset="-127"/>
                 <a:cs typeface="Times New Roman"/>
@@ -7397,7 +7257,7 @@
               <a:t>한다</a:t>
             </a:r>
             <a:r>
-              <a:rPr lang="en-US" altLang="ko-KR" b="1" dirty="0" smtClean="0">
+              <a:rPr lang="en-US" altLang="ko-KR" b="1" dirty="0">
                 <a:latin typeface="나눔고딕" pitchFamily="50" charset="-127"/>
                 <a:ea typeface="나눔고딕" pitchFamily="50" charset="-127"/>
                 <a:cs typeface="Times New Roman"/>
@@ -7405,7 +7265,7 @@
               <a:t>’</a:t>
             </a:r>
             <a:r>
-              <a:rPr lang="ko-KR" altLang="en-US" b="1" dirty="0" smtClean="0">
+              <a:rPr lang="ko-KR" altLang="en-US" b="1" dirty="0">
                 <a:latin typeface="나눔고딕" pitchFamily="50" charset="-127"/>
                 <a:ea typeface="나눔고딕" pitchFamily="50" charset="-127"/>
                 <a:cs typeface="Times New Roman"/>
@@ -7413,7 +7273,7 @@
               <a:t>는 믿음</a:t>
             </a:r>
             <a:r>
-              <a:rPr lang="en-US" altLang="ko-KR" b="1" dirty="0" smtClean="0">
+              <a:rPr lang="en-US" altLang="ko-KR" b="1" dirty="0">
                 <a:latin typeface="나눔고딕" pitchFamily="50" charset="-127"/>
                 <a:ea typeface="나눔고딕" pitchFamily="50" charset="-127"/>
                 <a:cs typeface="Times New Roman"/>
@@ -7421,7 +7281,7 @@
               <a:t>(‘</a:t>
             </a:r>
             <a:r>
-              <a:rPr lang="ko-KR" altLang="en-US" b="1" dirty="0" smtClean="0">
+              <a:rPr lang="ko-KR" altLang="en-US" b="1" dirty="0">
                 <a:latin typeface="나눔고딕" pitchFamily="50" charset="-127"/>
                 <a:ea typeface="나눔고딕" pitchFamily="50" charset="-127"/>
                 <a:cs typeface="Times New Roman"/>
@@ -7429,7 +7289,7 @@
               <a:t>내 눈 앞에 단풍나무가 있다</a:t>
             </a:r>
             <a:r>
-              <a:rPr lang="en-US" altLang="ko-KR" b="1" dirty="0" smtClean="0">
+              <a:rPr lang="en-US" altLang="ko-KR" b="1" dirty="0">
                 <a:latin typeface="나눔고딕" pitchFamily="50" charset="-127"/>
                 <a:ea typeface="나눔고딕" pitchFamily="50" charset="-127"/>
                 <a:cs typeface="Times New Roman"/>
@@ -7437,14 +7297,14 @@
               <a:t>’)</a:t>
             </a:r>
             <a:r>
-              <a:rPr lang="ko-KR" altLang="en-US" b="1" dirty="0" smtClean="0">
+              <a:rPr lang="ko-KR" altLang="en-US" b="1" dirty="0">
                 <a:latin typeface="나눔고딕" pitchFamily="50" charset="-127"/>
                 <a:ea typeface="나눔고딕" pitchFamily="50" charset="-127"/>
                 <a:cs typeface="Times New Roman"/>
               </a:rPr>
               <a:t>은 의심의 여지가 있음</a:t>
             </a:r>
-            <a:endParaRPr lang="en-US" altLang="ko-KR" b="1" dirty="0" smtClean="0">
+            <a:endParaRPr lang="en-US" altLang="ko-KR" b="1" dirty="0">
               <a:latin typeface="나눔고딕" pitchFamily="50" charset="-127"/>
               <a:ea typeface="나눔고딕" pitchFamily="50" charset="-127"/>
               <a:cs typeface="Times New Roman"/>
@@ -7458,7 +7318,7 @@
               <a:buNone/>
             </a:pPr>
             <a:r>
-              <a:rPr lang="en-US" altLang="ko-KR" b="1" dirty="0" smtClean="0">
+              <a:rPr lang="en-US" altLang="ko-KR" b="1" dirty="0">
                 <a:latin typeface="Times New Roman"/>
                 <a:ea typeface="나눔고딕" pitchFamily="50" charset="-127"/>
                 <a:cs typeface="Times New Roman"/>
@@ -7466,14 +7326,14 @@
               <a:t>→</a:t>
             </a:r>
             <a:r>
-              <a:rPr lang="en-US" altLang="ko-KR" b="1" dirty="0" smtClean="0">
+              <a:rPr lang="en-US" altLang="ko-KR" b="1" dirty="0">
                 <a:latin typeface="나눔고딕" pitchFamily="50" charset="-127"/>
                 <a:ea typeface="나눔고딕" pitchFamily="50" charset="-127"/>
               </a:rPr>
               <a:t> </a:t>
             </a:r>
             <a:r>
-              <a:rPr lang="ko-KR" altLang="en-US" b="1" dirty="0" smtClean="0">
+              <a:rPr lang="ko-KR" altLang="en-US" b="1" dirty="0">
                 <a:latin typeface="나눔고딕" pitchFamily="50" charset="-127"/>
                 <a:ea typeface="나눔고딕" pitchFamily="50" charset="-127"/>
                 <a:cs typeface="Times New Roman"/>
@@ -7481,7 +7341,7 @@
               <a:t>외부세계 </a:t>
             </a:r>
             <a:r>
-              <a:rPr lang="ko-KR" altLang="en-US" b="1" dirty="0" smtClean="0">
+              <a:rPr lang="ko-KR" altLang="en-US" b="1" dirty="0">
                 <a:solidFill>
                   <a:srgbClr val="FF0000"/>
                 </a:solidFill>
@@ -7492,7 +7352,7 @@
               <a:t>전체</a:t>
             </a:r>
             <a:r>
-              <a:rPr lang="en-US" altLang="ko-KR" b="1" dirty="0" smtClean="0">
+              <a:rPr lang="en-US" altLang="ko-KR" b="1" dirty="0">
                 <a:latin typeface="나눔고딕" pitchFamily="50" charset="-127"/>
                 <a:ea typeface="나눔고딕" pitchFamily="50" charset="-127"/>
                 <a:cs typeface="Times New Roman"/>
@@ -7500,7 +7360,7 @@
               <a:t>(=‘</a:t>
             </a:r>
             <a:r>
-              <a:rPr lang="ko-KR" altLang="en-US" b="1" dirty="0" smtClean="0">
+              <a:rPr lang="ko-KR" altLang="en-US" b="1" dirty="0">
                 <a:latin typeface="나눔고딕" pitchFamily="50" charset="-127"/>
                 <a:ea typeface="나눔고딕" pitchFamily="50" charset="-127"/>
                 <a:cs typeface="Times New Roman"/>
@@ -7508,7 +7368,7 @@
               <a:t>자연</a:t>
             </a:r>
             <a:r>
-              <a:rPr lang="en-US" altLang="ko-KR" b="1" dirty="0" smtClean="0">
+              <a:rPr lang="en-US" altLang="ko-KR" b="1" dirty="0">
                 <a:latin typeface="나눔고딕" pitchFamily="50" charset="-127"/>
                 <a:ea typeface="나눔고딕" pitchFamily="50" charset="-127"/>
                 <a:cs typeface="Times New Roman"/>
@@ -7516,7 +7376,7 @@
               <a:t>’)</a:t>
             </a:r>
             <a:r>
-              <a:rPr lang="ko-KR" altLang="en-US" b="1" dirty="0" smtClean="0">
+              <a:rPr lang="ko-KR" altLang="en-US" b="1" dirty="0">
                 <a:latin typeface="나눔고딕" pitchFamily="50" charset="-127"/>
                 <a:ea typeface="나눔고딕" pitchFamily="50" charset="-127"/>
                 <a:cs typeface="Times New Roman"/>
@@ -7524,7 +7384,7 @@
               <a:t>의 </a:t>
             </a:r>
             <a:r>
-              <a:rPr lang="ko-KR" altLang="en-US" b="1" dirty="0" smtClean="0">
+              <a:rPr lang="ko-KR" altLang="en-US" b="1" dirty="0">
                 <a:solidFill>
                   <a:srgbClr val="FF0000"/>
                 </a:solidFill>
@@ -7535,7 +7395,7 @@
               <a:t>존재</a:t>
             </a:r>
             <a:r>
-              <a:rPr lang="ko-KR" altLang="en-US" b="1" dirty="0" smtClean="0">
+              <a:rPr lang="ko-KR" altLang="en-US" b="1" dirty="0">
                 <a:latin typeface="나눔고딕" pitchFamily="50" charset="-127"/>
                 <a:ea typeface="나눔고딕" pitchFamily="50" charset="-127"/>
                 <a:cs typeface="Times New Roman"/>
@@ -7543,7 +7403,7 @@
               <a:t>에 대한 믿음의 중지</a:t>
             </a:r>
             <a:r>
-              <a:rPr lang="en-US" altLang="ko-KR" b="1" dirty="0" smtClean="0">
+              <a:rPr lang="en-US" altLang="ko-KR" b="1" dirty="0">
                 <a:latin typeface="나눔고딕" pitchFamily="50" charset="-127"/>
                 <a:ea typeface="나눔고딕" pitchFamily="50" charset="-127"/>
                 <a:cs typeface="Times New Roman"/>
@@ -7551,7 +7411,7 @@
               <a:t>(</a:t>
             </a:r>
             <a:r>
-              <a:rPr lang="ko-KR" altLang="en-US" b="1" dirty="0" smtClean="0">
+              <a:rPr lang="ko-KR" altLang="en-US" b="1" dirty="0">
                 <a:latin typeface="나눔고딕" pitchFamily="50" charset="-127"/>
                 <a:ea typeface="나눔고딕" pitchFamily="50" charset="-127"/>
                 <a:cs typeface="Times New Roman"/>
@@ -7559,7 +7419,7 @@
               <a:t>우리는 이 믿음을 감각으로부터 갖게 되었다</a:t>
             </a:r>
             <a:r>
-              <a:rPr lang="en-US" altLang="ko-KR" b="1" dirty="0" smtClean="0">
+              <a:rPr lang="en-US" altLang="ko-KR" b="1" dirty="0">
                 <a:latin typeface="나눔고딕" pitchFamily="50" charset="-127"/>
                 <a:ea typeface="나눔고딕" pitchFamily="50" charset="-127"/>
                 <a:cs typeface="Times New Roman"/>
@@ -7567,14 +7427,14 @@
               <a:t>)</a:t>
             </a:r>
             <a:r>
-              <a:rPr lang="ko-KR" altLang="en-US" b="1" dirty="0" smtClean="0">
+              <a:rPr lang="ko-KR" altLang="en-US" b="1" dirty="0">
                 <a:latin typeface="나눔고딕" pitchFamily="50" charset="-127"/>
                 <a:ea typeface="나눔고딕" pitchFamily="50" charset="-127"/>
                 <a:cs typeface="Times New Roman"/>
               </a:rPr>
               <a:t> </a:t>
             </a:r>
-            <a:endParaRPr lang="en-US" altLang="ko-KR" b="1" dirty="0" smtClean="0">
+            <a:endParaRPr lang="en-US" altLang="ko-KR" b="1" dirty="0">
               <a:latin typeface="나눔고딕" pitchFamily="50" charset="-127"/>
               <a:ea typeface="나눔고딕" pitchFamily="50" charset="-127"/>
               <a:cs typeface="Times New Roman"/>
@@ -7588,7 +7448,7 @@
               <a:buNone/>
             </a:pPr>
             <a:r>
-              <a:rPr lang="ko-KR" altLang="en-US" b="1" dirty="0" smtClean="0">
+              <a:rPr lang="ko-KR" altLang="en-US" b="1" dirty="0">
                 <a:latin typeface="Times New Roman"/>
                 <a:ea typeface="나눔고딕" pitchFamily="50" charset="-127"/>
                 <a:cs typeface="Times New Roman"/>
@@ -7596,7 +7456,7 @@
               <a:t>→ </a:t>
             </a:r>
             <a:r>
-              <a:rPr lang="ko-KR" altLang="en-US" b="1" dirty="0" smtClean="0">
+              <a:rPr lang="ko-KR" altLang="en-US" b="1" dirty="0">
                 <a:latin typeface="나눔고딕" pitchFamily="50" charset="-127"/>
                 <a:ea typeface="나눔고딕" pitchFamily="50" charset="-127"/>
                 <a:cs typeface="Times New Roman"/>
@@ -7604,7 +7464,7 @@
               <a:t>꿈을 통한 의심</a:t>
             </a:r>
             <a:r>
-              <a:rPr lang="en-US" altLang="ko-KR" b="1" dirty="0" smtClean="0">
+              <a:rPr lang="en-US" altLang="ko-KR" b="1" dirty="0">
                 <a:latin typeface="나눔고딕" pitchFamily="50" charset="-127"/>
                 <a:ea typeface="나눔고딕" pitchFamily="50" charset="-127"/>
                 <a:cs typeface="Times New Roman"/>
@@ -7612,7 +7472,7 @@
               <a:t>: </a:t>
             </a:r>
             <a:r>
-              <a:rPr lang="ko-KR" altLang="en-US" b="1" dirty="0" smtClean="0">
+              <a:rPr lang="ko-KR" altLang="en-US" b="1" dirty="0">
                 <a:latin typeface="나눔고딕" pitchFamily="50" charset="-127"/>
                 <a:ea typeface="나눔고딕" pitchFamily="50" charset="-127"/>
                 <a:cs typeface="Times New Roman"/>
@@ -7620,7 +7480,7 @@
               <a:t>내가 손</a:t>
             </a:r>
             <a:r>
-              <a:rPr lang="en-US" altLang="ko-KR" b="1" dirty="0" smtClean="0">
+              <a:rPr lang="en-US" altLang="ko-KR" b="1" dirty="0">
                 <a:latin typeface="나눔고딕" pitchFamily="50" charset="-127"/>
                 <a:ea typeface="나눔고딕" pitchFamily="50" charset="-127"/>
                 <a:cs typeface="Times New Roman"/>
@@ -7628,7 +7488,7 @@
               <a:t>, </a:t>
             </a:r>
             <a:r>
-              <a:rPr lang="ko-KR" altLang="en-US" b="1" dirty="0" smtClean="0">
+              <a:rPr lang="ko-KR" altLang="en-US" b="1" dirty="0">
                 <a:latin typeface="나눔고딕" pitchFamily="50" charset="-127"/>
                 <a:ea typeface="나눔고딕" pitchFamily="50" charset="-127"/>
                 <a:cs typeface="Times New Roman"/>
@@ -7636,7 +7496,7 @@
               <a:t>발</a:t>
             </a:r>
             <a:r>
-              <a:rPr lang="en-US" altLang="ko-KR" b="1" dirty="0" smtClean="0">
+              <a:rPr lang="en-US" altLang="ko-KR" b="1" dirty="0">
                 <a:latin typeface="나눔고딕" pitchFamily="50" charset="-127"/>
                 <a:ea typeface="나눔고딕" pitchFamily="50" charset="-127"/>
                 <a:cs typeface="Times New Roman"/>
@@ -7644,7 +7504,7 @@
               <a:t>, </a:t>
             </a:r>
             <a:r>
-              <a:rPr lang="ko-KR" altLang="en-US" b="1" dirty="0" smtClean="0">
+              <a:rPr lang="ko-KR" altLang="en-US" b="1" dirty="0">
                 <a:latin typeface="나눔고딕" pitchFamily="50" charset="-127"/>
                 <a:ea typeface="나눔고딕" pitchFamily="50" charset="-127"/>
                 <a:cs typeface="Times New Roman"/>
@@ -7652,7 +7512,7 @@
               <a:t>육체를 가지고 난롯가에 앉아 있는 꿈을 통해</a:t>
             </a:r>
             <a:r>
-              <a:rPr lang="ko-KR" altLang="en-US" b="1" dirty="0" smtClean="0">
+              <a:rPr lang="ko-KR" altLang="en-US" b="1" dirty="0">
                 <a:latin typeface="Times New Roman"/>
                 <a:ea typeface="나눔고딕" pitchFamily="50" charset="-127"/>
                 <a:cs typeface="Times New Roman"/>
@@ -7660,7 +7520,7 @@
               <a:t> 내가 </a:t>
             </a:r>
             <a:r>
-              <a:rPr lang="ko-KR" altLang="en-US" b="1" dirty="0" smtClean="0">
+              <a:rPr lang="ko-KR" altLang="en-US" b="1" dirty="0">
                 <a:solidFill>
                   <a:srgbClr val="FF0000"/>
                 </a:solidFill>
@@ -7671,7 +7531,7 @@
               <a:t>육체</a:t>
             </a:r>
             <a:r>
-              <a:rPr lang="ko-KR" altLang="en-US" b="1" dirty="0" smtClean="0">
+              <a:rPr lang="ko-KR" altLang="en-US" b="1" dirty="0">
                 <a:latin typeface="Times New Roman"/>
                 <a:ea typeface="나눔고딕" pitchFamily="50" charset="-127"/>
                 <a:cs typeface="Times New Roman"/>
@@ -7679,7 +7539,7 @@
               <a:t>를 가지고 있다는 믿음</a:t>
             </a:r>
             <a:r>
-              <a:rPr lang="en-US" altLang="ko-KR" b="1" dirty="0" smtClean="0">
+              <a:rPr lang="en-US" altLang="ko-KR" b="1" dirty="0">
                 <a:latin typeface="Times New Roman"/>
                 <a:ea typeface="나눔고딕" pitchFamily="50" charset="-127"/>
                 <a:cs typeface="Times New Roman"/>
@@ -7687,7 +7547,7 @@
               <a:t>(</a:t>
             </a:r>
             <a:r>
-              <a:rPr lang="ko-KR" altLang="en-US" b="1" dirty="0" smtClean="0">
+              <a:rPr lang="ko-KR" altLang="en-US" b="1" dirty="0">
                 <a:latin typeface="Times New Roman"/>
                 <a:ea typeface="나눔고딕" pitchFamily="50" charset="-127"/>
                 <a:cs typeface="Times New Roman"/>
@@ -7695,7 +7555,7 @@
               <a:t>나의 육체의 </a:t>
             </a:r>
             <a:r>
-              <a:rPr lang="ko-KR" altLang="en-US" b="1" dirty="0" smtClean="0">
+              <a:rPr lang="ko-KR" altLang="en-US" b="1" dirty="0">
                 <a:solidFill>
                   <a:srgbClr val="FF0000"/>
                 </a:solidFill>
@@ -7706,7 +7566,7 @@
               <a:t>존재</a:t>
             </a:r>
             <a:r>
-              <a:rPr lang="ko-KR" altLang="en-US" b="1" dirty="0" smtClean="0">
+              <a:rPr lang="ko-KR" altLang="en-US" b="1" dirty="0">
                 <a:latin typeface="Times New Roman"/>
                 <a:ea typeface="나눔고딕" pitchFamily="50" charset="-127"/>
                 <a:cs typeface="Times New Roman"/>
@@ -7714,7 +7574,7 @@
               <a:t>에 대한 믿음</a:t>
             </a:r>
             <a:r>
-              <a:rPr lang="en-US" altLang="ko-KR" b="1" dirty="0" smtClean="0">
+              <a:rPr lang="en-US" altLang="ko-KR" b="1" dirty="0">
                 <a:latin typeface="Times New Roman"/>
                 <a:ea typeface="나눔고딕" pitchFamily="50" charset="-127"/>
                 <a:cs typeface="Times New Roman"/>
@@ -7722,7 +7582,7 @@
               <a:t>)</a:t>
             </a:r>
             <a:r>
-              <a:rPr lang="ko-KR" altLang="en-US" b="1" dirty="0" smtClean="0">
+              <a:rPr lang="ko-KR" altLang="en-US" b="1" dirty="0">
                 <a:latin typeface="Times New Roman"/>
                 <a:ea typeface="나눔고딕" pitchFamily="50" charset="-127"/>
                 <a:cs typeface="Times New Roman"/>
@@ -7730,14 +7590,14 @@
               <a:t>도 중지 </a:t>
             </a:r>
             <a:r>
-              <a:rPr lang="ko-KR" altLang="en-US" b="1" dirty="0" smtClean="0">
+              <a:rPr lang="ko-KR" altLang="en-US" b="1" dirty="0">
                 <a:latin typeface="나눔고딕" pitchFamily="50" charset="-127"/>
                 <a:ea typeface="나눔고딕" pitchFamily="50" charset="-127"/>
                 <a:cs typeface="Times New Roman"/>
               </a:rPr>
               <a:t>  </a:t>
             </a:r>
-            <a:endParaRPr lang="en-US" altLang="ko-KR" b="1" dirty="0" smtClean="0">
+            <a:endParaRPr lang="en-US" altLang="ko-KR" b="1" dirty="0">
               <a:latin typeface="나눔고딕" pitchFamily="50" charset="-127"/>
               <a:ea typeface="나눔고딕" pitchFamily="50" charset="-127"/>
               <a:cs typeface="Times New Roman"/>
@@ -7764,21 +7624,21 @@
           <a:lstStyle/>
           <a:p>
             <a:r>
-              <a:rPr lang="ko-KR" altLang="en-US" dirty="0" smtClean="0">
+              <a:rPr lang="ko-KR" altLang="en-US" dirty="0">
                 <a:latin typeface="나눔고딕" pitchFamily="50" charset="-127"/>
                 <a:ea typeface="나눔고딕" pitchFamily="50" charset="-127"/>
               </a:rPr>
               <a:t>방법적 의심</a:t>
             </a:r>
             <a:r>
-              <a:rPr lang="en-US" altLang="ko-KR" dirty="0" smtClean="0">
+              <a:rPr lang="en-US" altLang="ko-KR" dirty="0">
                 <a:latin typeface="나눔고딕" pitchFamily="50" charset="-127"/>
                 <a:ea typeface="나눔고딕" pitchFamily="50" charset="-127"/>
               </a:rPr>
               <a:t>: </a:t>
             </a:r>
             <a:r>
-              <a:rPr lang="ko-KR" altLang="en-US" dirty="0" smtClean="0">
+              <a:rPr lang="ko-KR" altLang="en-US" dirty="0">
                 <a:latin typeface="나눔고딕" pitchFamily="50" charset="-127"/>
                 <a:ea typeface="나눔고딕" pitchFamily="50" charset="-127"/>
               </a:rPr>
@@ -7836,21 +7696,21 @@
               </a:lnSpc>
             </a:pPr>
             <a:r>
-              <a:rPr lang="en-US" altLang="ko-KR" sz="2400" b="1" dirty="0" smtClean="0">
+              <a:rPr lang="en-US" altLang="ko-KR" sz="2400" b="1" dirty="0">
                 <a:latin typeface="나눔고딕" pitchFamily="50" charset="-127"/>
                 <a:ea typeface="나눔고딕" pitchFamily="50" charset="-127"/>
               </a:rPr>
               <a:t> (1) </a:t>
             </a:r>
             <a:r>
-              <a:rPr lang="ko-KR" altLang="en-US" sz="2400" b="1" dirty="0" smtClean="0">
+              <a:rPr lang="ko-KR" altLang="en-US" sz="2400" b="1" dirty="0">
                 <a:latin typeface="나눔고딕" pitchFamily="50" charset="-127"/>
                 <a:ea typeface="나눔고딕" pitchFamily="50" charset="-127"/>
               </a:rPr>
               <a:t>외부 세계에 대한 나의 감각관념이 외부대상과 </a:t>
             </a:r>
             <a:r>
-              <a:rPr lang="ko-KR" altLang="en-US" sz="2400" b="1" dirty="0" smtClean="0">
+              <a:rPr lang="ko-KR" altLang="en-US" sz="2400" b="1" dirty="0">
                 <a:solidFill>
                   <a:srgbClr val="FF0000"/>
                 </a:solidFill>
@@ -7860,14 +7720,14 @@
               <a:t>일치</a:t>
             </a:r>
             <a:r>
-              <a:rPr lang="ko-KR" altLang="en-US" sz="2400" b="1" dirty="0" smtClean="0">
+              <a:rPr lang="ko-KR" altLang="en-US" sz="2400" b="1" dirty="0">
                 <a:latin typeface="나눔고딕" pitchFamily="50" charset="-127"/>
                 <a:ea typeface="나눔고딕" pitchFamily="50" charset="-127"/>
               </a:rPr>
               <a:t>한다는 믿음의 중지 </a:t>
             </a:r>
             <a:r>
-              <a:rPr lang="ko-KR" altLang="en-US" sz="2400" b="1" dirty="0" smtClean="0">
+              <a:rPr lang="ko-KR" altLang="en-US" sz="2400" b="1" dirty="0">
                 <a:latin typeface="Times New Roman"/>
                 <a:ea typeface="나눔고딕" pitchFamily="50" charset="-127"/>
                 <a:cs typeface="Times New Roman"/>
@@ -7875,14 +7735,14 @@
               <a:t>→ 감각관념이 </a:t>
             </a:r>
             <a:r>
-              <a:rPr lang="ko-KR" altLang="en-US" sz="2400" b="1" dirty="0" smtClean="0">
+              <a:rPr lang="ko-KR" altLang="en-US" sz="2400" b="1" dirty="0">
                 <a:latin typeface="나눔고딕" pitchFamily="50" charset="-127"/>
                 <a:ea typeface="나눔고딕" pitchFamily="50" charset="-127"/>
               </a:rPr>
               <a:t>외부 세계의 </a:t>
             </a:r>
             <a:r>
-              <a:rPr lang="ko-KR" altLang="en-US" sz="2400" b="1" dirty="0" smtClean="0">
+              <a:rPr lang="ko-KR" altLang="en-US" sz="2400" b="1" dirty="0">
                 <a:solidFill>
                   <a:srgbClr val="FF0000"/>
                 </a:solidFill>
@@ -7892,48 +7752,48 @@
               <a:t>반영</a:t>
             </a:r>
             <a:r>
-              <a:rPr lang="en-US" altLang="ko-KR" sz="2400" b="1" dirty="0" smtClean="0">
+              <a:rPr lang="en-US" altLang="ko-KR" sz="2400" b="1" dirty="0">
                 <a:latin typeface="나눔고딕" pitchFamily="50" charset="-127"/>
                 <a:ea typeface="나눔고딕" pitchFamily="50" charset="-127"/>
               </a:rPr>
               <a:t>(</a:t>
             </a:r>
             <a:r>
-              <a:rPr lang="ko-KR" altLang="en-US" sz="2400" b="1" dirty="0" smtClean="0">
+              <a:rPr lang="ko-KR" altLang="en-US" sz="2400" b="1" dirty="0">
                 <a:latin typeface="나눔고딕" pitchFamily="50" charset="-127"/>
                 <a:ea typeface="나눔고딕" pitchFamily="50" charset="-127"/>
               </a:rPr>
               <a:t>있는 그대로 보여줌</a:t>
             </a:r>
             <a:r>
-              <a:rPr lang="en-US" altLang="ko-KR" sz="2400" b="1" dirty="0" smtClean="0">
+              <a:rPr lang="en-US" altLang="ko-KR" sz="2400" b="1" dirty="0">
                 <a:latin typeface="나눔고딕" pitchFamily="50" charset="-127"/>
                 <a:ea typeface="나눔고딕" pitchFamily="50" charset="-127"/>
               </a:rPr>
               <a:t>)</a:t>
             </a:r>
             <a:r>
-              <a:rPr lang="ko-KR" altLang="en-US" sz="2400" b="1" dirty="0" smtClean="0">
+              <a:rPr lang="ko-KR" altLang="en-US" sz="2400" b="1" dirty="0">
                 <a:latin typeface="나눔고딕" pitchFamily="50" charset="-127"/>
                 <a:ea typeface="나눔고딕" pitchFamily="50" charset="-127"/>
               </a:rPr>
               <a:t>이라는 믿음 중지</a:t>
             </a:r>
             <a:r>
-              <a:rPr lang="en-US" altLang="ko-KR" sz="2400" b="1" dirty="0" smtClean="0">
+              <a:rPr lang="en-US" altLang="ko-KR" sz="2400" b="1" dirty="0">
                 <a:latin typeface="나눔고딕" pitchFamily="50" charset="-127"/>
                 <a:ea typeface="나눔고딕" pitchFamily="50" charset="-127"/>
               </a:rPr>
               <a:t>: </a:t>
             </a:r>
             <a:r>
-              <a:rPr lang="ko-KR" altLang="en-US" sz="2400" b="1" dirty="0" smtClean="0">
+              <a:rPr lang="ko-KR" altLang="en-US" sz="2400" b="1" dirty="0">
                 <a:latin typeface="나눔고딕" pitchFamily="50" charset="-127"/>
                 <a:ea typeface="나눔고딕" pitchFamily="50" charset="-127"/>
               </a:rPr>
               <a:t>감각관념은 외부 물체의 성질을 보여주지 않는다</a:t>
             </a:r>
-            <a:endParaRPr lang="en-US" altLang="ko-KR" sz="2400" b="1" dirty="0" smtClean="0">
+            <a:endParaRPr lang="en-US" altLang="ko-KR" sz="2400" b="1" dirty="0">
               <a:latin typeface="나눔고딕" pitchFamily="50" charset="-127"/>
               <a:ea typeface="나눔고딕" pitchFamily="50" charset="-127"/>
             </a:endParaRPr>
@@ -7945,21 +7805,21 @@
               </a:lnSpc>
             </a:pPr>
             <a:r>
-              <a:rPr lang="en-US" altLang="ko-KR" sz="2400" b="1" dirty="0" smtClean="0">
+              <a:rPr lang="en-US" altLang="ko-KR" sz="2400" b="1" dirty="0">
                 <a:latin typeface="나눔고딕" pitchFamily="50" charset="-127"/>
                 <a:ea typeface="나눔고딕" pitchFamily="50" charset="-127"/>
               </a:rPr>
               <a:t> (2) </a:t>
             </a:r>
             <a:r>
-              <a:rPr lang="ko-KR" altLang="en-US" sz="2400" b="1" dirty="0" smtClean="0">
+              <a:rPr lang="ko-KR" altLang="en-US" sz="2400" b="1" dirty="0">
                 <a:latin typeface="나눔고딕" pitchFamily="50" charset="-127"/>
                 <a:ea typeface="나눔고딕" pitchFamily="50" charset="-127"/>
               </a:rPr>
               <a:t>외부 세계에 대한 나의 감각적 관념이 외부대상으로부터 </a:t>
             </a:r>
             <a:r>
-              <a:rPr lang="ko-KR" altLang="en-US" sz="2400" b="1" dirty="0" smtClean="0">
+              <a:rPr lang="ko-KR" altLang="en-US" sz="2400" b="1" dirty="0">
                 <a:solidFill>
                   <a:srgbClr val="FF0000"/>
                 </a:solidFill>
@@ -7969,14 +7829,14 @@
               <a:t>유래</a:t>
             </a:r>
             <a:r>
-              <a:rPr lang="ko-KR" altLang="en-US" sz="2400" b="1" dirty="0" smtClean="0">
+              <a:rPr lang="ko-KR" altLang="en-US" sz="2400" b="1" dirty="0">
                 <a:latin typeface="나눔고딕" pitchFamily="50" charset="-127"/>
                 <a:ea typeface="나눔고딕" pitchFamily="50" charset="-127"/>
               </a:rPr>
               <a:t>했다는 믿음의 중지 </a:t>
             </a:r>
             <a:r>
-              <a:rPr lang="ko-KR" altLang="en-US" sz="2400" b="1" dirty="0" smtClean="0">
+              <a:rPr lang="ko-KR" altLang="en-US" sz="2400" b="1" dirty="0">
                 <a:latin typeface="Times New Roman"/>
                 <a:ea typeface="나눔고딕" pitchFamily="50" charset="-127"/>
                 <a:cs typeface="Times New Roman"/>
@@ -7984,7 +7844,7 @@
               <a:t>→ 감각관념의 원천으로서 외부 세계의 </a:t>
             </a:r>
             <a:r>
-              <a:rPr lang="ko-KR" altLang="en-US" sz="2400" b="1" dirty="0" smtClean="0">
+              <a:rPr lang="ko-KR" altLang="en-US" sz="2400" b="1" dirty="0">
                 <a:solidFill>
                   <a:srgbClr val="FF0000"/>
                 </a:solidFill>
@@ -7995,7 +7855,7 @@
               <a:t>존재</a:t>
             </a:r>
             <a:r>
-              <a:rPr lang="ko-KR" altLang="en-US" sz="2400" b="1" dirty="0" smtClean="0">
+              <a:rPr lang="ko-KR" altLang="en-US" sz="2400" b="1" dirty="0">
                 <a:latin typeface="Times New Roman"/>
                 <a:ea typeface="나눔고딕" pitchFamily="50" charset="-127"/>
                 <a:cs typeface="Times New Roman"/>
@@ -8029,32 +7889,25 @@
           <a:p>
             <a:pPr algn="ctr"/>
             <a:r>
-              <a:rPr lang="ko-KR" altLang="en-US" sz="2800" dirty="0" smtClean="0">
+              <a:rPr lang="ko-KR" altLang="en-US" sz="2800" dirty="0">
                 <a:latin typeface="나눔고딕" pitchFamily="50" charset="-127"/>
                 <a:ea typeface="나눔고딕" pitchFamily="50" charset="-127"/>
               </a:rPr>
               <a:t>감각에 대한 의심의 결과</a:t>
             </a:r>
             <a:r>
-              <a:rPr lang="en-US" altLang="ko-KR" sz="2800" dirty="0" smtClean="0">
+              <a:rPr lang="en-US" altLang="ko-KR" sz="2800" dirty="0">
                 <a:latin typeface="나눔고딕" pitchFamily="50" charset="-127"/>
                 <a:ea typeface="나눔고딕" pitchFamily="50" charset="-127"/>
               </a:rPr>
               <a:t>: </a:t>
             </a:r>
             <a:r>
-              <a:rPr lang="ko-KR" altLang="en-US" sz="2800" dirty="0" smtClean="0">
-                <a:latin typeface="나눔고딕" pitchFamily="50" charset="-127"/>
-                <a:ea typeface="나눔고딕" pitchFamily="50" charset="-127"/>
-              </a:rPr>
-              <a:t>외부 세계와의 </a:t>
-            </a:r>
-            <a:r>
               <a:rPr lang="ko-KR" altLang="en-US" sz="2800" dirty="0">
                 <a:latin typeface="나눔고딕" pitchFamily="50" charset="-127"/>
                 <a:ea typeface="나눔고딕" pitchFamily="50" charset="-127"/>
               </a:rPr>
-              <a:t>인식론적 단절</a:t>
+              <a:t>외부 세계와의 인식론적 단절</a:t>
             </a:r>
           </a:p>
         </p:txBody>
@@ -8064,13 +7917,6 @@
   <p:clrMapOvr>
     <a:masterClrMapping/>
   </p:clrMapOvr>
-  <p:timing>
-    <p:tnLst>
-      <p:par>
-        <p:cTn id="1" dur="indefinite" restart="never" nodeType="tmRoot"/>
-      </p:par>
-    </p:tnLst>
-  </p:timing>
 </p:sld>
 </file>
 
@@ -8114,62 +7960,62 @@
               </a:lnSpc>
             </a:pPr>
             <a:r>
-              <a:rPr lang="en-US" altLang="ko-KR" b="1" dirty="0" smtClean="0">
+              <a:rPr lang="en-US" altLang="ko-KR" b="1" dirty="0">
                 <a:latin typeface="나눔고딕" pitchFamily="50" charset="-127"/>
                 <a:ea typeface="나눔고딕" pitchFamily="50" charset="-127"/>
               </a:rPr>
               <a:t> </a:t>
             </a:r>
             <a:r>
-              <a:rPr lang="ko-KR" altLang="en-US" b="1" dirty="0" smtClean="0">
+              <a:rPr lang="ko-KR" altLang="en-US" b="1" dirty="0">
                 <a:latin typeface="나눔고딕" pitchFamily="50" charset="-127"/>
                 <a:ea typeface="나눔고딕" pitchFamily="50" charset="-127"/>
               </a:rPr>
               <a:t>감각 때문에 가지는 두 </a:t>
             </a:r>
             <a:r>
-              <a:rPr lang="en-US" altLang="ko-KR" b="1" dirty="0" smtClean="0">
+              <a:rPr lang="en-US" altLang="ko-KR" b="1" dirty="0">
                 <a:latin typeface="나눔고딕" pitchFamily="50" charset="-127"/>
                 <a:ea typeface="나눔고딕" pitchFamily="50" charset="-127"/>
               </a:rPr>
               <a:t>‘</a:t>
             </a:r>
             <a:r>
-              <a:rPr lang="ko-KR" altLang="en-US" b="1" dirty="0" smtClean="0">
+              <a:rPr lang="ko-KR" altLang="en-US" b="1" dirty="0">
                 <a:latin typeface="나눔고딕" pitchFamily="50" charset="-127"/>
                 <a:ea typeface="나눔고딕" pitchFamily="50" charset="-127"/>
               </a:rPr>
               <a:t>자연적 믿음</a:t>
             </a:r>
             <a:r>
-              <a:rPr lang="en-US" altLang="ko-KR" b="1" dirty="0" smtClean="0">
+              <a:rPr lang="en-US" altLang="ko-KR" b="1" dirty="0">
                 <a:latin typeface="나눔고딕" pitchFamily="50" charset="-127"/>
                 <a:ea typeface="나눔고딕" pitchFamily="50" charset="-127"/>
               </a:rPr>
               <a:t>’: (1) </a:t>
             </a:r>
             <a:r>
-              <a:rPr lang="ko-KR" altLang="en-US" b="1" dirty="0" smtClean="0">
+              <a:rPr lang="ko-KR" altLang="en-US" b="1" dirty="0">
                 <a:latin typeface="나눔고딕" pitchFamily="50" charset="-127"/>
                 <a:ea typeface="나눔고딕" pitchFamily="50" charset="-127"/>
               </a:rPr>
               <a:t>감각관념은 외부대상을 그대로 반영한다 </a:t>
             </a:r>
             <a:r>
-              <a:rPr lang="en-US" altLang="ko-KR" b="1" dirty="0" smtClean="0">
+              <a:rPr lang="en-US" altLang="ko-KR" b="1" dirty="0">
                 <a:latin typeface="나눔고딕" pitchFamily="50" charset="-127"/>
                 <a:ea typeface="나눔고딕" pitchFamily="50" charset="-127"/>
               </a:rPr>
               <a:t>(2) </a:t>
             </a:r>
             <a:r>
-              <a:rPr lang="ko-KR" altLang="en-US" b="1" dirty="0" smtClean="0">
+              <a:rPr lang="ko-KR" altLang="en-US" b="1" dirty="0">
                 <a:latin typeface="나눔고딕" pitchFamily="50" charset="-127"/>
                 <a:ea typeface="나눔고딕" pitchFamily="50" charset="-127"/>
               </a:rPr>
               <a:t>감각관념이 유래한 외부대상이 존재한다</a:t>
             </a:r>
-            <a:endParaRPr lang="en-US" altLang="ko-KR" b="1" dirty="0" smtClean="0">
+            <a:endParaRPr lang="en-US" altLang="ko-KR" b="1" dirty="0">
               <a:latin typeface="나눔고딕" pitchFamily="50" charset="-127"/>
               <a:ea typeface="나눔고딕" pitchFamily="50" charset="-127"/>
             </a:endParaRPr>
@@ -8181,35 +8027,35 @@
               </a:lnSpc>
             </a:pPr>
             <a:r>
-              <a:rPr lang="en-US" altLang="ko-KR" b="1" dirty="0" smtClean="0">
+              <a:rPr lang="en-US" altLang="ko-KR" b="1" dirty="0">
                 <a:latin typeface="나눔고딕" pitchFamily="50" charset="-127"/>
                 <a:ea typeface="나눔고딕" pitchFamily="50" charset="-127"/>
               </a:rPr>
               <a:t> </a:t>
             </a:r>
             <a:r>
-              <a:rPr lang="ko-KR" altLang="en-US" b="1" dirty="0" smtClean="0">
+              <a:rPr lang="ko-KR" altLang="en-US" b="1" dirty="0">
                 <a:latin typeface="나눔고딕" pitchFamily="50" charset="-127"/>
                 <a:ea typeface="나눔고딕" pitchFamily="50" charset="-127"/>
               </a:rPr>
               <a:t>이러한 믿음은 감각에 의해 인간의 유년기부터 뿌리깊게 자리잡고 있다</a:t>
             </a:r>
             <a:r>
-              <a:rPr lang="en-US" altLang="ko-KR" b="1" dirty="0" smtClean="0">
+              <a:rPr lang="en-US" altLang="ko-KR" b="1" dirty="0">
                 <a:latin typeface="나눔고딕" pitchFamily="50" charset="-127"/>
                 <a:ea typeface="나눔고딕" pitchFamily="50" charset="-127"/>
               </a:rPr>
               <a:t>.</a:t>
             </a:r>
             <a:r>
-              <a:rPr lang="ko-KR" altLang="en-US" b="1" dirty="0" smtClean="0">
+              <a:rPr lang="ko-KR" altLang="en-US" b="1" dirty="0">
                 <a:latin typeface="나눔고딕" pitchFamily="50" charset="-127"/>
                 <a:ea typeface="나눔고딕" pitchFamily="50" charset="-127"/>
                 <a:cs typeface="Times New Roman"/>
               </a:rPr>
               <a:t> </a:t>
             </a:r>
-            <a:endParaRPr lang="en-US" altLang="ko-KR" b="1" dirty="0" smtClean="0">
+            <a:endParaRPr lang="en-US" altLang="ko-KR" b="1" dirty="0">
               <a:latin typeface="나눔고딕" pitchFamily="50" charset="-127"/>
               <a:ea typeface="나눔고딕" pitchFamily="50" charset="-127"/>
               <a:cs typeface="Times New Roman"/>
@@ -8222,7 +8068,7 @@
               </a:lnSpc>
             </a:pPr>
             <a:r>
-              <a:rPr lang="en-US" altLang="ko-KR" b="1" dirty="0" smtClean="0">
+              <a:rPr lang="en-US" altLang="ko-KR" b="1" dirty="0">
                 <a:latin typeface="나눔고딕" pitchFamily="50" charset="-127"/>
                 <a:ea typeface="나눔고딕" pitchFamily="50" charset="-127"/>
                 <a:cs typeface="Times New Roman"/>
@@ -8230,7 +8076,7 @@
               <a:t> </a:t>
             </a:r>
             <a:r>
-              <a:rPr lang="ko-KR" altLang="en-US" b="1" dirty="0" smtClean="0">
+              <a:rPr lang="ko-KR" altLang="en-US" b="1" dirty="0">
                 <a:latin typeface="나눔고딕" pitchFamily="50" charset="-127"/>
                 <a:ea typeface="나눔고딕" pitchFamily="50" charset="-127"/>
                 <a:cs typeface="Times New Roman"/>
@@ -8238,7 +8084,7 @@
               <a:t>이러한 믿음을 교정하기 위한 수단으로서 악령의 가설 도입</a:t>
             </a:r>
             <a:r>
-              <a:rPr lang="en-US" altLang="ko-KR" b="1" dirty="0" smtClean="0">
+              <a:rPr lang="en-US" altLang="ko-KR" b="1" dirty="0">
                 <a:latin typeface="나눔고딕" pitchFamily="50" charset="-127"/>
                 <a:ea typeface="나눔고딕" pitchFamily="50" charset="-127"/>
                 <a:cs typeface="Times New Roman"/>
@@ -8246,7 +8092,7 @@
               <a:t>: </a:t>
             </a:r>
             <a:r>
-              <a:rPr lang="ko-KR" altLang="en-US" b="1" dirty="0" smtClean="0">
+              <a:rPr lang="ko-KR" altLang="en-US" b="1" dirty="0">
                 <a:latin typeface="나눔고딕" pitchFamily="50" charset="-127"/>
                 <a:ea typeface="나눔고딕" pitchFamily="50" charset="-127"/>
                 <a:cs typeface="Times New Roman"/>
@@ -8254,7 +8100,7 @@
               <a:t>악령의 가설은</a:t>
             </a:r>
             <a:r>
-              <a:rPr lang="en-US" altLang="ko-KR" b="1" dirty="0" smtClean="0">
+              <a:rPr lang="en-US" altLang="ko-KR" b="1" dirty="0">
                 <a:latin typeface="나눔고딕" pitchFamily="50" charset="-127"/>
                 <a:ea typeface="나눔고딕" pitchFamily="50" charset="-127"/>
                 <a:cs typeface="Times New Roman"/>
@@ -8262,7 +8108,7 @@
               <a:t> </a:t>
             </a:r>
             <a:r>
-              <a:rPr lang="ko-KR" altLang="en-US" b="1" dirty="0" smtClean="0">
+              <a:rPr lang="ko-KR" altLang="en-US" b="1" dirty="0">
                 <a:latin typeface="나눔고딕" pitchFamily="50" charset="-127"/>
                 <a:ea typeface="나눔고딕" pitchFamily="50" charset="-127"/>
                 <a:cs typeface="Times New Roman"/>
@@ -8292,7 +8138,7 @@
           <a:lstStyle/>
           <a:p>
             <a:r>
-              <a:rPr lang="ko-KR" altLang="en-US" dirty="0" smtClean="0">
+              <a:rPr lang="ko-KR" altLang="en-US" dirty="0">
                 <a:latin typeface="나눔고딕" pitchFamily="50" charset="-127"/>
                 <a:ea typeface="나눔고딕" pitchFamily="50" charset="-127"/>
               </a:rPr>
@@ -8350,21 +8196,21 @@
               </a:lnSpc>
             </a:pPr>
             <a:r>
-              <a:rPr lang="en-US" altLang="ko-KR" b="1" dirty="0" smtClean="0">
+              <a:rPr lang="en-US" altLang="ko-KR" b="1" dirty="0">
                 <a:latin typeface="나눔고딕" pitchFamily="50" charset="-127"/>
                 <a:ea typeface="나눔고딕" pitchFamily="50" charset="-127"/>
               </a:rPr>
               <a:t> </a:t>
             </a:r>
             <a:r>
-              <a:rPr lang="ko-KR" altLang="en-US" b="1" dirty="0" smtClean="0">
+              <a:rPr lang="ko-KR" altLang="en-US" b="1" dirty="0">
                 <a:latin typeface="나눔고딕" pitchFamily="50" charset="-127"/>
                 <a:ea typeface="나눔고딕" pitchFamily="50" charset="-127"/>
               </a:rPr>
               <a:t>철학은 자신의 정체성을 형성하면서 경쟁상대였던 예술과 자신을 구별하였다</a:t>
             </a:r>
             <a:r>
-              <a:rPr lang="en-US" altLang="ko-KR" b="1" dirty="0" smtClean="0">
+              <a:rPr lang="en-US" altLang="ko-KR" b="1" dirty="0">
                 <a:latin typeface="나눔고딕" pitchFamily="50" charset="-127"/>
                 <a:ea typeface="나눔고딕" pitchFamily="50" charset="-127"/>
               </a:rPr>
@@ -8379,28 +8225,28 @@
               <a:buNone/>
             </a:pPr>
             <a:r>
-              <a:rPr lang="ko-KR" altLang="en-US" b="1" dirty="0" smtClean="0">
+              <a:rPr lang="ko-KR" altLang="en-US" b="1" dirty="0">
                 <a:latin typeface="나눔고딕" pitchFamily="50" charset="-127"/>
                 <a:ea typeface="나눔고딕" pitchFamily="50" charset="-127"/>
               </a:rPr>
               <a:t>→ 철학의 본성</a:t>
             </a:r>
             <a:r>
-              <a:rPr lang="en-US" altLang="ko-KR" b="1" dirty="0" smtClean="0">
+              <a:rPr lang="en-US" altLang="ko-KR" b="1" dirty="0">
                 <a:latin typeface="나눔고딕" pitchFamily="50" charset="-127"/>
                 <a:ea typeface="나눔고딕" pitchFamily="50" charset="-127"/>
               </a:rPr>
               <a:t>(nature)</a:t>
             </a:r>
             <a:r>
-              <a:rPr lang="ko-KR" altLang="en-US" b="1" dirty="0" smtClean="0">
+              <a:rPr lang="ko-KR" altLang="en-US" b="1" dirty="0">
                 <a:latin typeface="나눔고딕" pitchFamily="50" charset="-127"/>
                 <a:ea typeface="나눔고딕" pitchFamily="50" charset="-127"/>
               </a:rPr>
               <a:t>은 철학이 아니면서 철학과 역사적으로 경쟁관계에 있었던 이웃인 예술과의 구별로 잘 드러나난다</a:t>
             </a:r>
             <a:r>
-              <a:rPr lang="en-US" altLang="ko-KR" b="1" dirty="0" smtClean="0">
+              <a:rPr lang="en-US" altLang="ko-KR" b="1" dirty="0">
                 <a:latin typeface="나눔고딕" pitchFamily="50" charset="-127"/>
                 <a:ea typeface="나눔고딕" pitchFamily="50" charset="-127"/>
               </a:rPr>
@@ -8428,10 +8274,9 @@
           <a:lstStyle/>
           <a:p>
             <a:r>
-              <a:rPr lang="ko-KR" altLang="en-US" b="1" dirty="0" smtClean="0"/>
+              <a:rPr lang="ko-KR" altLang="en-US" b="1" dirty="0"/>
               <a:t>철학과 예술의 구별</a:t>
             </a:r>
-            <a:endParaRPr lang="ko-KR" altLang="en-US" b="1" dirty="0"/>
           </a:p>
         </p:txBody>
       </p:sp>
@@ -8483,343 +8328,343 @@
               </a:lnSpc>
             </a:pPr>
             <a:r>
-              <a:rPr lang="en-US" altLang="ko-KR" b="1" dirty="0" smtClean="0">
+              <a:rPr lang="en-US" altLang="ko-KR" b="1" dirty="0">
                 <a:latin typeface="나눔고딕" pitchFamily="50" charset="-127"/>
                 <a:ea typeface="나눔고딕" pitchFamily="50" charset="-127"/>
               </a:rPr>
               <a:t> “</a:t>
             </a:r>
             <a:r>
-              <a:rPr lang="ko-KR" altLang="en-US" b="1" dirty="0" smtClean="0">
+              <a:rPr lang="ko-KR" altLang="en-US" b="1" dirty="0">
                 <a:latin typeface="나눔고딕" pitchFamily="50" charset="-127"/>
                 <a:ea typeface="나눔고딕" pitchFamily="50" charset="-127"/>
               </a:rPr>
               <a:t>나는 이제 </a:t>
             </a:r>
             <a:r>
-              <a:rPr lang="en-US" altLang="ko-KR" b="1" dirty="0" smtClean="0">
+              <a:rPr lang="en-US" altLang="ko-KR" b="1" dirty="0">
                 <a:latin typeface="나눔고딕" pitchFamily="50" charset="-127"/>
                 <a:ea typeface="나눔고딕" pitchFamily="50" charset="-127"/>
               </a:rPr>
               <a:t>… </a:t>
             </a:r>
             <a:r>
-              <a:rPr lang="ko-KR" altLang="en-US" b="1" dirty="0" smtClean="0">
+              <a:rPr lang="ko-KR" altLang="en-US" b="1" dirty="0">
                 <a:latin typeface="나눔고딕" pitchFamily="50" charset="-127"/>
                 <a:ea typeface="나눔고딕" pitchFamily="50" charset="-127"/>
               </a:rPr>
               <a:t>유능하고 교활한 악령이 온 힘을 다해 나를 속이려 하고 있다고 가정하겠다</a:t>
             </a:r>
             <a:r>
-              <a:rPr lang="en-US" altLang="ko-KR" b="1" dirty="0" smtClean="0">
+              <a:rPr lang="en-US" altLang="ko-KR" b="1" dirty="0">
                 <a:latin typeface="나눔고딕" pitchFamily="50" charset="-127"/>
                 <a:ea typeface="나눔고딕" pitchFamily="50" charset="-127"/>
               </a:rPr>
               <a:t>. </a:t>
             </a:r>
             <a:r>
-              <a:rPr lang="ko-KR" altLang="en-US" b="1" dirty="0" smtClean="0">
+              <a:rPr lang="ko-KR" altLang="en-US" b="1" dirty="0">
                 <a:latin typeface="나눔고딕" pitchFamily="50" charset="-127"/>
                 <a:ea typeface="나눔고딕" pitchFamily="50" charset="-127"/>
               </a:rPr>
               <a:t>또 하늘</a:t>
             </a:r>
             <a:r>
-              <a:rPr lang="en-US" altLang="ko-KR" b="1" dirty="0" smtClean="0">
+              <a:rPr lang="en-US" altLang="ko-KR" b="1" dirty="0">
                 <a:latin typeface="나눔고딕" pitchFamily="50" charset="-127"/>
                 <a:ea typeface="나눔고딕" pitchFamily="50" charset="-127"/>
               </a:rPr>
               <a:t>, </a:t>
             </a:r>
             <a:r>
-              <a:rPr lang="ko-KR" altLang="en-US" b="1" dirty="0" smtClean="0">
+              <a:rPr lang="ko-KR" altLang="en-US" b="1" dirty="0">
                 <a:latin typeface="나눔고딕" pitchFamily="50" charset="-127"/>
                 <a:ea typeface="나눔고딕" pitchFamily="50" charset="-127"/>
               </a:rPr>
               <a:t>공기</a:t>
             </a:r>
             <a:r>
-              <a:rPr lang="en-US" altLang="ko-KR" b="1" dirty="0" smtClean="0">
+              <a:rPr lang="en-US" altLang="ko-KR" b="1" dirty="0">
                 <a:latin typeface="나눔고딕" pitchFamily="50" charset="-127"/>
                 <a:ea typeface="나눔고딕" pitchFamily="50" charset="-127"/>
               </a:rPr>
               <a:t>, </a:t>
             </a:r>
             <a:r>
-              <a:rPr lang="ko-KR" altLang="en-US" b="1" dirty="0" smtClean="0">
+              <a:rPr lang="ko-KR" altLang="en-US" b="1" dirty="0">
                 <a:latin typeface="나눔고딕" pitchFamily="50" charset="-127"/>
                 <a:ea typeface="나눔고딕" pitchFamily="50" charset="-127"/>
               </a:rPr>
               <a:t>땅</a:t>
             </a:r>
             <a:r>
-              <a:rPr lang="en-US" altLang="ko-KR" b="1" dirty="0" smtClean="0">
+              <a:rPr lang="en-US" altLang="ko-KR" b="1" dirty="0">
                 <a:latin typeface="나눔고딕" pitchFamily="50" charset="-127"/>
                 <a:ea typeface="나눔고딕" pitchFamily="50" charset="-127"/>
               </a:rPr>
               <a:t>, </a:t>
             </a:r>
             <a:r>
-              <a:rPr lang="ko-KR" altLang="en-US" b="1" dirty="0" smtClean="0">
+              <a:rPr lang="ko-KR" altLang="en-US" b="1" dirty="0">
                 <a:latin typeface="나눔고딕" pitchFamily="50" charset="-127"/>
                 <a:ea typeface="나눔고딕" pitchFamily="50" charset="-127"/>
               </a:rPr>
               <a:t>빛깔</a:t>
             </a:r>
             <a:r>
-              <a:rPr lang="en-US" altLang="ko-KR" b="1" dirty="0" smtClean="0">
+              <a:rPr lang="en-US" altLang="ko-KR" b="1" dirty="0">
                 <a:latin typeface="나눔고딕" pitchFamily="50" charset="-127"/>
                 <a:ea typeface="나눔고딕" pitchFamily="50" charset="-127"/>
               </a:rPr>
               <a:t>, </a:t>
             </a:r>
             <a:r>
-              <a:rPr lang="ko-KR" altLang="en-US" b="1" dirty="0" smtClean="0">
+              <a:rPr lang="ko-KR" altLang="en-US" b="1" dirty="0">
                 <a:latin typeface="나눔고딕" pitchFamily="50" charset="-127"/>
                 <a:ea typeface="나눔고딕" pitchFamily="50" charset="-127"/>
               </a:rPr>
               <a:t>소리 및 모든 외적인 것은 섣불리 믿어 버리는 내 마음을 농락하기 위해 악마가 사용하는 꿈의 환상일 뿐이라고 가정하겠다</a:t>
             </a:r>
             <a:r>
-              <a:rPr lang="en-US" altLang="ko-KR" b="1" dirty="0" smtClean="0">
+              <a:rPr lang="en-US" altLang="ko-KR" b="1" dirty="0">
                 <a:latin typeface="나눔고딕" pitchFamily="50" charset="-127"/>
                 <a:ea typeface="나눔고딕" pitchFamily="50" charset="-127"/>
               </a:rPr>
               <a:t>. </a:t>
             </a:r>
             <a:r>
-              <a:rPr lang="ko-KR" altLang="en-US" b="1" dirty="0" smtClean="0">
+              <a:rPr lang="ko-KR" altLang="en-US" b="1" dirty="0">
                 <a:latin typeface="나눔고딕" pitchFamily="50" charset="-127"/>
                 <a:ea typeface="나눔고딕" pitchFamily="50" charset="-127"/>
               </a:rPr>
               <a:t>나는 또 손</a:t>
             </a:r>
             <a:r>
-              <a:rPr lang="en-US" altLang="ko-KR" b="1" dirty="0" smtClean="0">
+              <a:rPr lang="en-US" altLang="ko-KR" b="1" dirty="0">
                 <a:latin typeface="나눔고딕" pitchFamily="50" charset="-127"/>
                 <a:ea typeface="나눔고딕" pitchFamily="50" charset="-127"/>
               </a:rPr>
               <a:t>, </a:t>
             </a:r>
             <a:r>
-              <a:rPr lang="ko-KR" altLang="en-US" b="1" dirty="0" smtClean="0">
+              <a:rPr lang="ko-KR" altLang="en-US" b="1" dirty="0">
                 <a:latin typeface="나눔고딕" pitchFamily="50" charset="-127"/>
                 <a:ea typeface="나눔고딕" pitchFamily="50" charset="-127"/>
               </a:rPr>
               <a:t>눈</a:t>
             </a:r>
             <a:r>
-              <a:rPr lang="en-US" altLang="ko-KR" b="1" dirty="0" smtClean="0">
+              <a:rPr lang="en-US" altLang="ko-KR" b="1" dirty="0">
                 <a:latin typeface="나눔고딕" pitchFamily="50" charset="-127"/>
                 <a:ea typeface="나눔고딕" pitchFamily="50" charset="-127"/>
               </a:rPr>
               <a:t>, </a:t>
             </a:r>
             <a:r>
-              <a:rPr lang="ko-KR" altLang="en-US" b="1" dirty="0" smtClean="0">
+              <a:rPr lang="ko-KR" altLang="en-US" b="1" dirty="0">
                 <a:latin typeface="나눔고딕" pitchFamily="50" charset="-127"/>
                 <a:ea typeface="나눔고딕" pitchFamily="50" charset="-127"/>
               </a:rPr>
               <a:t>살</a:t>
             </a:r>
             <a:r>
-              <a:rPr lang="en-US" altLang="ko-KR" b="1" dirty="0" smtClean="0">
+              <a:rPr lang="en-US" altLang="ko-KR" b="1" dirty="0">
                 <a:latin typeface="나눔고딕" pitchFamily="50" charset="-127"/>
                 <a:ea typeface="나눔고딕" pitchFamily="50" charset="-127"/>
               </a:rPr>
               <a:t>, </a:t>
             </a:r>
             <a:r>
-              <a:rPr lang="ko-KR" altLang="en-US" b="1" dirty="0" smtClean="0">
+              <a:rPr lang="ko-KR" altLang="en-US" b="1" dirty="0">
                 <a:latin typeface="나눔고딕" pitchFamily="50" charset="-127"/>
                 <a:ea typeface="나눔고딕" pitchFamily="50" charset="-127"/>
               </a:rPr>
               <a:t>피</a:t>
             </a:r>
             <a:r>
-              <a:rPr lang="en-US" altLang="ko-KR" b="1" dirty="0" smtClean="0">
+              <a:rPr lang="en-US" altLang="ko-KR" b="1" dirty="0">
                 <a:latin typeface="나눔고딕" pitchFamily="50" charset="-127"/>
                 <a:ea typeface="나눔고딕" pitchFamily="50" charset="-127"/>
               </a:rPr>
               <a:t>, </a:t>
             </a:r>
             <a:r>
-              <a:rPr lang="ko-KR" altLang="en-US" b="1" dirty="0" smtClean="0">
+              <a:rPr lang="ko-KR" altLang="en-US" b="1" dirty="0">
                 <a:latin typeface="나눔고딕" pitchFamily="50" charset="-127"/>
                 <a:ea typeface="나눔고딕" pitchFamily="50" charset="-127"/>
               </a:rPr>
               <a:t>어떠한 </a:t>
             </a:r>
             <a:r>
-              <a:rPr lang="ko-KR" altLang="en-US" b="1" dirty="0" err="1" smtClean="0">
+              <a:rPr lang="ko-KR" altLang="en-US" b="1" dirty="0" err="1">
                 <a:latin typeface="나눔고딕" pitchFamily="50" charset="-127"/>
                 <a:ea typeface="나눔고딕" pitchFamily="50" charset="-127"/>
               </a:rPr>
               <a:t>감관도</a:t>
             </a:r>
             <a:r>
-              <a:rPr lang="ko-KR" altLang="en-US" b="1" dirty="0" smtClean="0">
+              <a:rPr lang="ko-KR" altLang="en-US" b="1" dirty="0">
                 <a:latin typeface="나눔고딕" pitchFamily="50" charset="-127"/>
                 <a:ea typeface="나눔고딕" pitchFamily="50" charset="-127"/>
               </a:rPr>
               <a:t> 없으며</a:t>
             </a:r>
             <a:r>
-              <a:rPr lang="en-US" altLang="ko-KR" b="1" dirty="0" smtClean="0">
+              <a:rPr lang="en-US" altLang="ko-KR" b="1" dirty="0">
                 <a:latin typeface="나눔고딕" pitchFamily="50" charset="-127"/>
                 <a:ea typeface="나눔고딕" pitchFamily="50" charset="-127"/>
               </a:rPr>
               <a:t>, </a:t>
             </a:r>
             <a:r>
-              <a:rPr lang="ko-KR" altLang="en-US" b="1" dirty="0" smtClean="0">
+              <a:rPr lang="ko-KR" altLang="en-US" b="1" dirty="0">
                 <a:latin typeface="나눔고딕" pitchFamily="50" charset="-127"/>
                 <a:ea typeface="나눔고딕" pitchFamily="50" charset="-127"/>
               </a:rPr>
               <a:t>단지 이런 것을 갖고 있다고 </a:t>
             </a:r>
             <a:r>
-              <a:rPr lang="en-US" altLang="ko-KR" b="1" dirty="0" smtClean="0">
+              <a:rPr lang="en-US" altLang="ko-KR" b="1" dirty="0">
                 <a:latin typeface="나눔고딕" pitchFamily="50" charset="-127"/>
                 <a:ea typeface="나눔고딕" pitchFamily="50" charset="-127"/>
               </a:rPr>
               <a:t>[</a:t>
             </a:r>
             <a:r>
-              <a:rPr lang="ko-KR" altLang="en-US" b="1" dirty="0" smtClean="0">
+              <a:rPr lang="ko-KR" altLang="en-US" b="1" dirty="0">
                 <a:latin typeface="나눔고딕" pitchFamily="50" charset="-127"/>
                 <a:ea typeface="나눔고딕" pitchFamily="50" charset="-127"/>
               </a:rPr>
               <a:t>악령에 의해</a:t>
             </a:r>
             <a:r>
-              <a:rPr lang="en-US" altLang="ko-KR" b="1" dirty="0" smtClean="0">
+              <a:rPr lang="en-US" altLang="ko-KR" b="1" dirty="0">
                 <a:latin typeface="나눔고딕" pitchFamily="50" charset="-127"/>
                 <a:ea typeface="나눔고딕" pitchFamily="50" charset="-127"/>
               </a:rPr>
               <a:t>] </a:t>
             </a:r>
             <a:r>
-              <a:rPr lang="ko-KR" altLang="en-US" b="1" dirty="0" smtClean="0">
+              <a:rPr lang="ko-KR" altLang="en-US" b="1" dirty="0">
                 <a:latin typeface="나눔고딕" pitchFamily="50" charset="-127"/>
                 <a:ea typeface="나눔고딕" pitchFamily="50" charset="-127"/>
               </a:rPr>
               <a:t>잘못 믿고 있을 뿐이라고 생각하겠다</a:t>
             </a:r>
             <a:r>
-              <a:rPr lang="en-US" altLang="ko-KR" b="1" dirty="0" smtClean="0">
+              <a:rPr lang="en-US" altLang="ko-KR" b="1" dirty="0">
                 <a:latin typeface="나눔고딕" pitchFamily="50" charset="-127"/>
                 <a:ea typeface="나눔고딕" pitchFamily="50" charset="-127"/>
               </a:rPr>
               <a:t>. </a:t>
             </a:r>
             <a:r>
-              <a:rPr lang="ko-KR" altLang="en-US" b="1" dirty="0" smtClean="0">
+              <a:rPr lang="ko-KR" altLang="en-US" b="1" dirty="0">
                 <a:latin typeface="나눔고딕" pitchFamily="50" charset="-127"/>
                 <a:ea typeface="나눔고딕" pitchFamily="50" charset="-127"/>
               </a:rPr>
               <a:t>나는 집요하게 이런 성찰을 견지하겠다</a:t>
             </a:r>
             <a:r>
-              <a:rPr lang="en-US" altLang="ko-KR" b="1" dirty="0" smtClean="0">
+              <a:rPr lang="en-US" altLang="ko-KR" b="1" dirty="0">
                 <a:latin typeface="나눔고딕" pitchFamily="50" charset="-127"/>
                 <a:ea typeface="나눔고딕" pitchFamily="50" charset="-127"/>
               </a:rPr>
               <a:t>. </a:t>
             </a:r>
             <a:r>
-              <a:rPr lang="ko-KR" altLang="en-US" b="1" dirty="0" smtClean="0">
+              <a:rPr lang="ko-KR" altLang="en-US" b="1" dirty="0">
                 <a:latin typeface="나눔고딕" pitchFamily="50" charset="-127"/>
                 <a:ea typeface="나눔고딕" pitchFamily="50" charset="-127"/>
               </a:rPr>
               <a:t>이렇게 하면 비록 어떤 참된 것을 인식할 수는 없을지라도</a:t>
             </a:r>
             <a:r>
-              <a:rPr lang="en-US" altLang="ko-KR" b="1" dirty="0" smtClean="0">
+              <a:rPr lang="en-US" altLang="ko-KR" b="1" dirty="0">
                 <a:latin typeface="나눔고딕" pitchFamily="50" charset="-127"/>
                 <a:ea typeface="나눔고딕" pitchFamily="50" charset="-127"/>
               </a:rPr>
               <a:t>, </a:t>
             </a:r>
             <a:r>
-              <a:rPr lang="ko-KR" altLang="en-US" b="1" dirty="0" smtClean="0">
+              <a:rPr lang="ko-KR" altLang="en-US" b="1" dirty="0">
                 <a:latin typeface="나눔고딕" pitchFamily="50" charset="-127"/>
                 <a:ea typeface="나눔고딕" pitchFamily="50" charset="-127"/>
               </a:rPr>
               <a:t>거짓된 것에 동의하지 않는 것</a:t>
             </a:r>
             <a:r>
-              <a:rPr lang="en-US" altLang="ko-KR" b="1" dirty="0" smtClean="0">
+              <a:rPr lang="en-US" altLang="ko-KR" b="1" dirty="0">
                 <a:latin typeface="나눔고딕" pitchFamily="50" charset="-127"/>
                 <a:ea typeface="나눔고딕" pitchFamily="50" charset="-127"/>
               </a:rPr>
               <a:t>, </a:t>
             </a:r>
             <a:r>
-              <a:rPr lang="ko-KR" altLang="en-US" b="1" dirty="0" smtClean="0">
+              <a:rPr lang="ko-KR" altLang="en-US" b="1" dirty="0">
                 <a:latin typeface="나눔고딕" pitchFamily="50" charset="-127"/>
                 <a:ea typeface="나눔고딕" pitchFamily="50" charset="-127"/>
               </a:rPr>
               <a:t>또 저 기만자가 아무리 유능하고 교활하더라도 내가 속임을 당하지 않도록 조심하는 것은 적어도 내가 확실히 할 수 있는 일이다</a:t>
             </a:r>
             <a:r>
-              <a:rPr lang="en-US" altLang="ko-KR" b="1" dirty="0" smtClean="0">
+              <a:rPr lang="en-US" altLang="ko-KR" b="1" dirty="0">
                 <a:latin typeface="나눔고딕" pitchFamily="50" charset="-127"/>
                 <a:ea typeface="나눔고딕" pitchFamily="50" charset="-127"/>
               </a:rPr>
               <a:t>.” (</a:t>
             </a:r>
             <a:r>
-              <a:rPr lang="ko-KR" altLang="en-US" b="1" dirty="0" smtClean="0">
+              <a:rPr lang="ko-KR" altLang="en-US" b="1" dirty="0">
                 <a:latin typeface="나눔고딕" pitchFamily="50" charset="-127"/>
                 <a:ea typeface="나눔고딕" pitchFamily="50" charset="-127"/>
               </a:rPr>
               <a:t>데카르트</a:t>
             </a:r>
             <a:r>
-              <a:rPr lang="en-US" altLang="ko-KR" b="1" dirty="0" smtClean="0">
+              <a:rPr lang="en-US" altLang="ko-KR" b="1" dirty="0">
                 <a:latin typeface="나눔고딕" pitchFamily="50" charset="-127"/>
                 <a:ea typeface="나눔고딕" pitchFamily="50" charset="-127"/>
               </a:rPr>
               <a:t>, 『</a:t>
             </a:r>
             <a:r>
-              <a:rPr lang="ko-KR" altLang="en-US" b="1" dirty="0" smtClean="0">
+              <a:rPr lang="ko-KR" altLang="en-US" b="1" dirty="0">
                 <a:latin typeface="나눔고딕" pitchFamily="50" charset="-127"/>
                 <a:ea typeface="나눔고딕" pitchFamily="50" charset="-127"/>
               </a:rPr>
               <a:t>성찰</a:t>
             </a:r>
             <a:r>
-              <a:rPr lang="en-US" altLang="ko-KR" b="1" dirty="0" smtClean="0">
+              <a:rPr lang="en-US" altLang="ko-KR" b="1" dirty="0">
                 <a:latin typeface="나눔고딕" pitchFamily="50" charset="-127"/>
                 <a:ea typeface="나눔고딕" pitchFamily="50" charset="-127"/>
               </a:rPr>
               <a:t>』, </a:t>
             </a:r>
             <a:r>
-              <a:rPr lang="ko-KR" altLang="en-US" b="1" dirty="0" smtClean="0">
+              <a:rPr lang="ko-KR" altLang="en-US" b="1" dirty="0">
                 <a:latin typeface="나눔고딕" pitchFamily="50" charset="-127"/>
                 <a:ea typeface="나눔고딕" pitchFamily="50" charset="-127"/>
               </a:rPr>
               <a:t>제 </a:t>
             </a:r>
             <a:r>
-              <a:rPr lang="en-US" altLang="ko-KR" b="1" dirty="0" smtClean="0">
+              <a:rPr lang="en-US" altLang="ko-KR" b="1" dirty="0">
                 <a:latin typeface="나눔고딕" pitchFamily="50" charset="-127"/>
                 <a:ea typeface="나눔고딕" pitchFamily="50" charset="-127"/>
               </a:rPr>
               <a:t>1</a:t>
             </a:r>
             <a:r>
-              <a:rPr lang="ko-KR" altLang="en-US" b="1" dirty="0" smtClean="0">
+              <a:rPr lang="ko-KR" altLang="en-US" b="1" dirty="0">
                 <a:latin typeface="나눔고딕" pitchFamily="50" charset="-127"/>
                 <a:ea typeface="나눔고딕" pitchFamily="50" charset="-127"/>
               </a:rPr>
               <a:t>성찰</a:t>
             </a:r>
             <a:r>
-              <a:rPr lang="en-US" altLang="ko-KR" b="1" dirty="0" smtClean="0">
+              <a:rPr lang="en-US" altLang="ko-KR" b="1" dirty="0">
                 <a:latin typeface="나눔고딕" pitchFamily="50" charset="-127"/>
                 <a:ea typeface="나눔고딕" pitchFamily="50" charset="-127"/>
               </a:rPr>
@@ -8848,16 +8693,12 @@
           <a:lstStyle/>
           <a:p>
             <a:r>
-              <a:rPr lang="ko-KR" altLang="en-US" dirty="0" smtClean="0">
+              <a:rPr lang="ko-KR" altLang="en-US" dirty="0">
                 <a:latin typeface="나눔고딕" pitchFamily="50" charset="-127"/>
                 <a:ea typeface="나눔고딕" pitchFamily="50" charset="-127"/>
               </a:rPr>
               <a:t>악령의 가설</a:t>
             </a:r>
-            <a:endParaRPr lang="ko-KR" altLang="en-US" dirty="0">
-              <a:latin typeface="나눔고딕" pitchFamily="50" charset="-127"/>
-              <a:ea typeface="나눔고딕" pitchFamily="50" charset="-127"/>
-            </a:endParaRPr>
           </a:p>
         </p:txBody>
       </p:sp>
@@ -8866,13 +8707,6 @@
   <p:clrMapOvr>
     <a:masterClrMapping/>
   </p:clrMapOvr>
-  <p:timing>
-    <p:tnLst>
-      <p:par>
-        <p:cTn id="1" dur="indefinite" restart="never" nodeType="tmRoot"/>
-      </p:par>
-    </p:tnLst>
-  </p:timing>
 </p:sld>
 </file>
 
@@ -8932,14 +8766,14 @@
           <a:lstStyle/>
           <a:p>
             <a:r>
-              <a:rPr lang="ko-KR" altLang="en-US" dirty="0" smtClean="0">
+              <a:rPr lang="ko-KR" altLang="en-US" dirty="0">
                 <a:latin typeface="나눔고딕" pitchFamily="50" charset="-127"/>
                 <a:ea typeface="나눔고딕" pitchFamily="50" charset="-127"/>
               </a:rPr>
               <a:t>통 속의 뇌</a:t>
             </a:r>
             <a:r>
-              <a:rPr lang="en-US" altLang="ko-KR" dirty="0" smtClean="0">
+              <a:rPr lang="en-US" altLang="ko-KR" dirty="0">
                 <a:latin typeface="나눔고딕" pitchFamily="50" charset="-127"/>
                 <a:ea typeface="나눔고딕" pitchFamily="50" charset="-127"/>
               </a:rPr>
@@ -8957,13 +8791,6 @@
   <p:clrMapOvr>
     <a:masterClrMapping/>
   </p:clrMapOvr>
-  <p:timing>
-    <p:tnLst>
-      <p:par>
-        <p:cTn id="1" dur="indefinite" restart="never" nodeType="tmRoot"/>
-      </p:par>
-    </p:tnLst>
-  </p:timing>
 </p:sld>
 </file>
 
@@ -9007,224 +8834,224 @@
               </a:lnSpc>
             </a:pPr>
             <a:r>
-              <a:rPr lang="en-US" altLang="ko-KR" b="1" dirty="0" smtClean="0">
+              <a:rPr lang="en-US" altLang="ko-KR" b="1" dirty="0">
                 <a:latin typeface="나눔고딕" pitchFamily="50" charset="-127"/>
                 <a:ea typeface="나눔고딕" pitchFamily="50" charset="-127"/>
               </a:rPr>
               <a:t>“</a:t>
             </a:r>
             <a:r>
-              <a:rPr lang="ko-KR" altLang="en-US" b="1" dirty="0" smtClean="0">
+              <a:rPr lang="ko-KR" altLang="en-US" b="1" dirty="0">
                 <a:latin typeface="나눔고딕" pitchFamily="50" charset="-127"/>
                 <a:ea typeface="나눔고딕" pitchFamily="50" charset="-127"/>
               </a:rPr>
               <a:t>그러나 누군지는 모르지만 아주 유능하고 교활한 기만자가 집요하게 나를 항상 속이고 있다고 치자</a:t>
             </a:r>
             <a:r>
-              <a:rPr lang="en-US" altLang="ko-KR" b="1" dirty="0" smtClean="0">
+              <a:rPr lang="en-US" altLang="ko-KR" b="1" dirty="0">
                 <a:latin typeface="나눔고딕" pitchFamily="50" charset="-127"/>
                 <a:ea typeface="나눔고딕" pitchFamily="50" charset="-127"/>
               </a:rPr>
               <a:t>. </a:t>
             </a:r>
             <a:r>
-              <a:rPr lang="ko-KR" altLang="en-US" b="1" u="sng" dirty="0" smtClean="0">
+              <a:rPr lang="ko-KR" altLang="en-US" b="1" u="sng" dirty="0">
                 <a:latin typeface="나눔고딕" pitchFamily="50" charset="-127"/>
                 <a:ea typeface="나눔고딕" pitchFamily="50" charset="-127"/>
               </a:rPr>
               <a:t>자 이제</a:t>
             </a:r>
             <a:r>
-              <a:rPr lang="en-US" altLang="ko-KR" b="1" u="sng" dirty="0" smtClean="0">
+              <a:rPr lang="en-US" altLang="ko-KR" b="1" u="sng" dirty="0">
                 <a:latin typeface="나눔고딕" pitchFamily="50" charset="-127"/>
                 <a:ea typeface="나눔고딕" pitchFamily="50" charset="-127"/>
               </a:rPr>
               <a:t>, </a:t>
             </a:r>
             <a:r>
-              <a:rPr lang="ko-KR" altLang="en-US" b="1" u="sng" dirty="0" smtClean="0">
+              <a:rPr lang="ko-KR" altLang="en-US" b="1" u="sng" dirty="0">
                 <a:latin typeface="나눔고딕" pitchFamily="50" charset="-127"/>
                 <a:ea typeface="나눔고딕" pitchFamily="50" charset="-127"/>
               </a:rPr>
               <a:t>그가 나를 속인다면</a:t>
             </a:r>
             <a:r>
-              <a:rPr lang="en-US" altLang="ko-KR" b="1" u="sng" dirty="0" smtClean="0">
+              <a:rPr lang="en-US" altLang="ko-KR" b="1" u="sng" dirty="0">
                 <a:latin typeface="나눔고딕" pitchFamily="50" charset="-127"/>
                 <a:ea typeface="나눔고딕" pitchFamily="50" charset="-127"/>
               </a:rPr>
               <a:t>, </a:t>
             </a:r>
             <a:r>
-              <a:rPr lang="ko-KR" altLang="en-US" b="1" u="sng" dirty="0" smtClean="0">
+              <a:rPr lang="ko-KR" altLang="en-US" b="1" u="sng" dirty="0">
                 <a:latin typeface="나눔고딕" pitchFamily="50" charset="-127"/>
                 <a:ea typeface="나눔고딕" pitchFamily="50" charset="-127"/>
               </a:rPr>
               <a:t>내가 있다는 것은 의심할 수 없다</a:t>
             </a:r>
             <a:r>
-              <a:rPr lang="en-US" altLang="ko-KR" b="1" u="sng" dirty="0" smtClean="0">
+              <a:rPr lang="en-US" altLang="ko-KR" b="1" u="sng" dirty="0">
                 <a:latin typeface="나눔고딕" pitchFamily="50" charset="-127"/>
                 <a:ea typeface="나눔고딕" pitchFamily="50" charset="-127"/>
               </a:rPr>
               <a:t>.</a:t>
             </a:r>
             <a:r>
-              <a:rPr lang="en-US" altLang="ko-KR" b="1" dirty="0" smtClean="0">
+              <a:rPr lang="en-US" altLang="ko-KR" b="1" dirty="0">
                 <a:latin typeface="나눔고딕" pitchFamily="50" charset="-127"/>
                 <a:ea typeface="나눔고딕" pitchFamily="50" charset="-127"/>
               </a:rPr>
               <a:t> </a:t>
             </a:r>
             <a:r>
-              <a:rPr lang="ko-KR" altLang="en-US" b="1" dirty="0" smtClean="0">
+              <a:rPr lang="ko-KR" altLang="en-US" b="1" dirty="0">
                 <a:latin typeface="나눔고딕" pitchFamily="50" charset="-127"/>
                 <a:ea typeface="나눔고딕" pitchFamily="50" charset="-127"/>
               </a:rPr>
               <a:t>그가 온 힘을 다해 나를  속인다고 치자</a:t>
             </a:r>
             <a:r>
-              <a:rPr lang="en-US" altLang="ko-KR" b="1" dirty="0" smtClean="0">
+              <a:rPr lang="en-US" altLang="ko-KR" b="1" dirty="0">
                 <a:latin typeface="나눔고딕" pitchFamily="50" charset="-127"/>
                 <a:ea typeface="나눔고딕" pitchFamily="50" charset="-127"/>
               </a:rPr>
               <a:t>. </a:t>
             </a:r>
             <a:r>
-              <a:rPr lang="ko-KR" altLang="en-US" b="1" dirty="0" smtClean="0">
+              <a:rPr lang="ko-KR" altLang="en-US" b="1" dirty="0">
                 <a:latin typeface="나눔고딕" pitchFamily="50" charset="-127"/>
                 <a:ea typeface="나눔고딕" pitchFamily="50" charset="-127"/>
               </a:rPr>
               <a:t>그러나 나는 내가 어떤 것이라고 생각하는 동안</a:t>
             </a:r>
             <a:r>
-              <a:rPr lang="en-US" altLang="ko-KR" b="1" dirty="0" smtClean="0">
+              <a:rPr lang="en-US" altLang="ko-KR" b="1" dirty="0">
                 <a:latin typeface="나눔고딕" pitchFamily="50" charset="-127"/>
                 <a:ea typeface="나눔고딕" pitchFamily="50" charset="-127"/>
               </a:rPr>
               <a:t>, </a:t>
             </a:r>
             <a:r>
-              <a:rPr lang="ko-KR" altLang="en-US" b="1" dirty="0" smtClean="0">
+              <a:rPr lang="ko-KR" altLang="en-US" b="1" dirty="0">
                 <a:latin typeface="나눔고딕" pitchFamily="50" charset="-127"/>
                 <a:ea typeface="나눔고딕" pitchFamily="50" charset="-127"/>
               </a:rPr>
               <a:t>그는 결코 내가 아무것도 </a:t>
             </a:r>
             <a:r>
-              <a:rPr lang="ko-KR" altLang="en-US" b="1" dirty="0" err="1" smtClean="0">
+              <a:rPr lang="ko-KR" altLang="en-US" b="1" dirty="0" err="1">
                 <a:latin typeface="나눔고딕" pitchFamily="50" charset="-127"/>
                 <a:ea typeface="나눔고딕" pitchFamily="50" charset="-127"/>
               </a:rPr>
               <a:t>아니게끔은</a:t>
             </a:r>
             <a:r>
-              <a:rPr lang="ko-KR" altLang="en-US" b="1" dirty="0" smtClean="0">
+              <a:rPr lang="ko-KR" altLang="en-US" b="1" dirty="0">
                 <a:latin typeface="나눔고딕" pitchFamily="50" charset="-127"/>
                 <a:ea typeface="나눔고딕" pitchFamily="50" charset="-127"/>
               </a:rPr>
               <a:t> 할 수 없을 것이다</a:t>
             </a:r>
             <a:r>
-              <a:rPr lang="en-US" altLang="ko-KR" b="1" dirty="0" smtClean="0">
+              <a:rPr lang="en-US" altLang="ko-KR" b="1" dirty="0">
                 <a:latin typeface="나눔고딕" pitchFamily="50" charset="-127"/>
                 <a:ea typeface="나눔고딕" pitchFamily="50" charset="-127"/>
               </a:rPr>
               <a:t>. </a:t>
             </a:r>
             <a:r>
-              <a:rPr lang="ko-KR" altLang="en-US" b="1" dirty="0" smtClean="0">
+              <a:rPr lang="ko-KR" altLang="en-US" b="1" dirty="0">
                 <a:latin typeface="나눔고딕" pitchFamily="50" charset="-127"/>
                 <a:ea typeface="나눔고딕" pitchFamily="50" charset="-127"/>
               </a:rPr>
               <a:t>이렇게 이 모든 것을 세심히 고찰해 본 결과</a:t>
             </a:r>
             <a:r>
-              <a:rPr lang="en-US" altLang="ko-KR" b="1" dirty="0" smtClean="0">
+              <a:rPr lang="en-US" altLang="ko-KR" b="1" dirty="0">
                 <a:latin typeface="나눔고딕" pitchFamily="50" charset="-127"/>
                 <a:ea typeface="나눔고딕" pitchFamily="50" charset="-127"/>
               </a:rPr>
               <a:t>, </a:t>
             </a:r>
             <a:r>
-              <a:rPr lang="ko-KR" altLang="en-US" b="1" dirty="0" smtClean="0">
+              <a:rPr lang="ko-KR" altLang="en-US" b="1" dirty="0">
                 <a:latin typeface="나눔고딕" pitchFamily="50" charset="-127"/>
                 <a:ea typeface="나눔고딕" pitchFamily="50" charset="-127"/>
               </a:rPr>
               <a:t>나는 있다</a:t>
             </a:r>
             <a:r>
-              <a:rPr lang="en-US" altLang="ko-KR" b="1" dirty="0" smtClean="0">
+              <a:rPr lang="en-US" altLang="ko-KR" b="1" dirty="0">
                 <a:latin typeface="나눔고딕" pitchFamily="50" charset="-127"/>
                 <a:ea typeface="나눔고딕" pitchFamily="50" charset="-127"/>
               </a:rPr>
               <a:t>, </a:t>
             </a:r>
             <a:r>
-              <a:rPr lang="ko-KR" altLang="en-US" b="1" dirty="0" smtClean="0">
+              <a:rPr lang="ko-KR" altLang="en-US" b="1" dirty="0">
                 <a:latin typeface="나눔고딕" pitchFamily="50" charset="-127"/>
                 <a:ea typeface="나눔고딕" pitchFamily="50" charset="-127"/>
               </a:rPr>
               <a:t>나는 존재한다는 명제는 내가 이것을 발언할 때마다 혹은 마음 속에 품을 때마다 필연적으로 참이라는 결론에 이르게 된다</a:t>
             </a:r>
             <a:r>
-              <a:rPr lang="en-US" altLang="ko-KR" b="1" dirty="0" smtClean="0">
+              <a:rPr lang="en-US" altLang="ko-KR" b="1" dirty="0">
                 <a:latin typeface="나눔고딕" pitchFamily="50" charset="-127"/>
                 <a:ea typeface="나눔고딕" pitchFamily="50" charset="-127"/>
               </a:rPr>
               <a:t>.” (</a:t>
             </a:r>
             <a:r>
-              <a:rPr lang="ko-KR" altLang="en-US" b="1" dirty="0" smtClean="0">
+              <a:rPr lang="ko-KR" altLang="en-US" b="1" dirty="0">
                 <a:latin typeface="나눔고딕" pitchFamily="50" charset="-127"/>
                 <a:ea typeface="나눔고딕" pitchFamily="50" charset="-127"/>
               </a:rPr>
               <a:t>데카르트</a:t>
             </a:r>
             <a:r>
-              <a:rPr lang="en-US" altLang="ko-KR" b="1" dirty="0" smtClean="0">
+              <a:rPr lang="en-US" altLang="ko-KR" b="1" dirty="0">
                 <a:latin typeface="나눔고딕" pitchFamily="50" charset="-127"/>
                 <a:ea typeface="나눔고딕" pitchFamily="50" charset="-127"/>
               </a:rPr>
               <a:t>, 『</a:t>
             </a:r>
             <a:r>
-              <a:rPr lang="ko-KR" altLang="en-US" b="1" dirty="0" smtClean="0">
+              <a:rPr lang="ko-KR" altLang="en-US" b="1" dirty="0">
                 <a:latin typeface="나눔고딕" pitchFamily="50" charset="-127"/>
                 <a:ea typeface="나눔고딕" pitchFamily="50" charset="-127"/>
               </a:rPr>
               <a:t>성찰</a:t>
             </a:r>
             <a:r>
-              <a:rPr lang="en-US" altLang="ko-KR" b="1" dirty="0" smtClean="0">
+              <a:rPr lang="en-US" altLang="ko-KR" b="1" dirty="0">
                 <a:latin typeface="나눔고딕" pitchFamily="50" charset="-127"/>
                 <a:ea typeface="나눔고딕" pitchFamily="50" charset="-127"/>
               </a:rPr>
               <a:t>』, </a:t>
             </a:r>
             <a:r>
-              <a:rPr lang="ko-KR" altLang="en-US" b="1" dirty="0" smtClean="0">
+              <a:rPr lang="ko-KR" altLang="en-US" b="1" dirty="0">
                 <a:latin typeface="나눔고딕" pitchFamily="50" charset="-127"/>
                 <a:ea typeface="나눔고딕" pitchFamily="50" charset="-127"/>
               </a:rPr>
               <a:t>제</a:t>
             </a:r>
             <a:r>
-              <a:rPr lang="en-US" altLang="ko-KR" b="1" dirty="0" smtClean="0">
+              <a:rPr lang="en-US" altLang="ko-KR" b="1" dirty="0">
                 <a:latin typeface="나눔고딕" pitchFamily="50" charset="-127"/>
                 <a:ea typeface="나눔고딕" pitchFamily="50" charset="-127"/>
               </a:rPr>
               <a:t>2</a:t>
             </a:r>
             <a:r>
-              <a:rPr lang="ko-KR" altLang="en-US" b="1" dirty="0" smtClean="0">
+              <a:rPr lang="ko-KR" altLang="en-US" b="1" dirty="0">
                 <a:latin typeface="나눔고딕" pitchFamily="50" charset="-127"/>
                 <a:ea typeface="나눔고딕" pitchFamily="50" charset="-127"/>
               </a:rPr>
               <a:t>성찰</a:t>
             </a:r>
             <a:r>
-              <a:rPr lang="en-US" altLang="ko-KR" b="1" dirty="0" smtClean="0">
+              <a:rPr lang="en-US" altLang="ko-KR" b="1" dirty="0">
                 <a:latin typeface="나눔고딕" pitchFamily="50" charset="-127"/>
                 <a:ea typeface="나눔고딕" pitchFamily="50" charset="-127"/>
               </a:rPr>
@@ -9251,7 +9078,7 @@
           <a:lstStyle/>
           <a:p>
             <a:r>
-              <a:rPr lang="ko-KR" altLang="en-US" sz="3600" dirty="0" smtClean="0">
+              <a:rPr lang="ko-KR" altLang="en-US" sz="3600" dirty="0">
                 <a:solidFill>
                   <a:srgbClr val="FF0000"/>
                 </a:solidFill>
@@ -9259,10 +9086,9 @@
               <a:t>속는</a:t>
             </a:r>
             <a:r>
-              <a:rPr lang="ko-KR" altLang="en-US" sz="3600" dirty="0" smtClean="0"/>
+              <a:rPr lang="ko-KR" altLang="en-US" sz="3600" dirty="0"/>
               <a:t> 나의 존재의 확실성</a:t>
             </a:r>
-            <a:endParaRPr lang="ko-KR" altLang="en-US" sz="3600" dirty="0"/>
           </a:p>
         </p:txBody>
       </p:sp>
@@ -9271,13 +9097,6 @@
   <p:clrMapOvr>
     <a:masterClrMapping/>
   </p:clrMapOvr>
-  <p:timing>
-    <p:tnLst>
-      <p:par>
-        <p:cTn id="1" dur="indefinite" restart="never" nodeType="tmRoot"/>
-      </p:par>
-    </p:tnLst>
-  </p:timing>
 </p:sld>
 </file>
 
@@ -9319,70 +9138,70 @@
               </a:lnSpc>
             </a:pPr>
             <a:r>
-              <a:rPr lang="ko-KR" altLang="en-US" b="1" dirty="0" smtClean="0">
+              <a:rPr lang="ko-KR" altLang="en-US" b="1" dirty="0">
                 <a:latin typeface="나눔고딕" pitchFamily="50" charset="-127"/>
                 <a:ea typeface="나눔고딕" pitchFamily="50" charset="-127"/>
               </a:rPr>
               <a:t>나의 관념에 대응하는 외부세계는 존재하지 않을지라도</a:t>
             </a:r>
             <a:r>
-              <a:rPr lang="en-US" altLang="ko-KR" b="1" dirty="0" smtClean="0">
+              <a:rPr lang="en-US" altLang="ko-KR" b="1" dirty="0">
                 <a:latin typeface="나눔고딕" pitchFamily="50" charset="-127"/>
                 <a:ea typeface="나눔고딕" pitchFamily="50" charset="-127"/>
               </a:rPr>
               <a:t>, </a:t>
             </a:r>
             <a:r>
-              <a:rPr lang="ko-KR" altLang="en-US" b="1" dirty="0" smtClean="0">
+              <a:rPr lang="ko-KR" altLang="en-US" b="1" dirty="0">
                 <a:latin typeface="나눔고딕" pitchFamily="50" charset="-127"/>
                 <a:ea typeface="나눔고딕" pitchFamily="50" charset="-127"/>
               </a:rPr>
               <a:t>악령에 의해 속는 나는</a:t>
             </a:r>
             <a:r>
-              <a:rPr lang="en-US" altLang="ko-KR" b="1" dirty="0" smtClean="0">
+              <a:rPr lang="en-US" altLang="ko-KR" b="1" dirty="0">
                 <a:latin typeface="나눔고딕" pitchFamily="50" charset="-127"/>
                 <a:ea typeface="나눔고딕" pitchFamily="50" charset="-127"/>
               </a:rPr>
               <a:t> </a:t>
             </a:r>
             <a:r>
-              <a:rPr lang="ko-KR" altLang="en-US" b="1" dirty="0" smtClean="0">
+              <a:rPr lang="ko-KR" altLang="en-US" b="1" dirty="0">
                 <a:latin typeface="나눔고딕" pitchFamily="50" charset="-127"/>
                 <a:ea typeface="나눔고딕" pitchFamily="50" charset="-127"/>
               </a:rPr>
               <a:t>존재한다</a:t>
             </a:r>
             <a:r>
-              <a:rPr lang="en-US" altLang="ko-KR" b="1" dirty="0" smtClean="0">
+              <a:rPr lang="en-US" altLang="ko-KR" b="1" dirty="0">
                 <a:latin typeface="나눔고딕" pitchFamily="50" charset="-127"/>
                 <a:ea typeface="나눔고딕" pitchFamily="50" charset="-127"/>
               </a:rPr>
               <a:t>. (</a:t>
             </a:r>
             <a:r>
-              <a:rPr lang="ko-KR" altLang="en-US" b="1" dirty="0" smtClean="0">
+              <a:rPr lang="ko-KR" altLang="en-US" b="1" dirty="0">
                 <a:latin typeface="나눔고딕" pitchFamily="50" charset="-127"/>
                 <a:ea typeface="나눔고딕" pitchFamily="50" charset="-127"/>
               </a:rPr>
               <a:t>속는 내가 존재하지 않는다면</a:t>
             </a:r>
             <a:r>
-              <a:rPr lang="en-US" altLang="ko-KR" b="1" dirty="0" smtClean="0">
+              <a:rPr lang="en-US" altLang="ko-KR" b="1" dirty="0">
                 <a:latin typeface="나눔고딕" pitchFamily="50" charset="-127"/>
                 <a:ea typeface="나눔고딕" pitchFamily="50" charset="-127"/>
               </a:rPr>
               <a:t>, </a:t>
             </a:r>
             <a:r>
-              <a:rPr lang="ko-KR" altLang="en-US" b="1" dirty="0" smtClean="0">
+              <a:rPr lang="ko-KR" altLang="en-US" b="1" dirty="0">
                 <a:latin typeface="나눔고딕" pitchFamily="50" charset="-127"/>
                 <a:ea typeface="나눔고딕" pitchFamily="50" charset="-127"/>
               </a:rPr>
               <a:t>악령이 속일 대상이 없을 것이다</a:t>
             </a:r>
             <a:r>
-              <a:rPr lang="en-US" altLang="ko-KR" b="1" dirty="0" smtClean="0">
+              <a:rPr lang="en-US" altLang="ko-KR" b="1" dirty="0">
                 <a:latin typeface="나눔고딕" pitchFamily="50" charset="-127"/>
                 <a:ea typeface="나눔고딕" pitchFamily="50" charset="-127"/>
               </a:rPr>
@@ -9396,49 +9215,49 @@
               </a:lnSpc>
             </a:pPr>
             <a:r>
-              <a:rPr lang="en-US" altLang="ko-KR" b="1" dirty="0" smtClean="0">
+              <a:rPr lang="en-US" altLang="ko-KR" b="1" dirty="0">
                 <a:latin typeface="나눔고딕" pitchFamily="50" charset="-127"/>
                 <a:ea typeface="나눔고딕" pitchFamily="50" charset="-127"/>
               </a:rPr>
               <a:t> ‘</a:t>
             </a:r>
             <a:r>
-              <a:rPr lang="ko-KR" altLang="en-US" b="1" dirty="0" smtClean="0">
+              <a:rPr lang="ko-KR" altLang="en-US" b="1" dirty="0">
                 <a:latin typeface="나눔고딕" pitchFamily="50" charset="-127"/>
                 <a:ea typeface="나눔고딕" pitchFamily="50" charset="-127"/>
               </a:rPr>
               <a:t>내가 태양이 비치고 있는 밖을 걷고 있다</a:t>
             </a:r>
             <a:r>
-              <a:rPr lang="en-US" altLang="ko-KR" b="1" dirty="0" smtClean="0">
+              <a:rPr lang="en-US" altLang="ko-KR" b="1" dirty="0">
                 <a:latin typeface="나눔고딕" pitchFamily="50" charset="-127"/>
                 <a:ea typeface="나눔고딕" pitchFamily="50" charset="-127"/>
               </a:rPr>
               <a:t>’</a:t>
             </a:r>
             <a:r>
-              <a:rPr lang="ko-KR" altLang="en-US" b="1" dirty="0" smtClean="0">
+              <a:rPr lang="ko-KR" altLang="en-US" b="1" dirty="0">
                 <a:latin typeface="나눔고딕" pitchFamily="50" charset="-127"/>
                 <a:ea typeface="나눔고딕" pitchFamily="50" charset="-127"/>
               </a:rPr>
               <a:t>는 것은 거짓이라고 하더라도</a:t>
             </a:r>
             <a:r>
-              <a:rPr lang="en-US" altLang="ko-KR" b="1" dirty="0" smtClean="0">
+              <a:rPr lang="en-US" altLang="ko-KR" b="1" dirty="0">
                 <a:latin typeface="나눔고딕" pitchFamily="50" charset="-127"/>
                 <a:ea typeface="나눔고딕" pitchFamily="50" charset="-127"/>
               </a:rPr>
               <a:t>, </a:t>
             </a:r>
             <a:r>
-              <a:rPr lang="ko-KR" altLang="en-US" b="1" dirty="0" smtClean="0">
+              <a:rPr lang="ko-KR" altLang="en-US" b="1" dirty="0">
                 <a:latin typeface="나눔고딕" pitchFamily="50" charset="-127"/>
                 <a:ea typeface="나눔고딕" pitchFamily="50" charset="-127"/>
               </a:rPr>
               <a:t>이렇게 생각하도록 속는 나는 확실히 존재한다</a:t>
             </a:r>
             <a:r>
-              <a:rPr lang="en-US" altLang="ko-KR" b="1" dirty="0" smtClean="0">
+              <a:rPr lang="en-US" altLang="ko-KR" b="1" dirty="0">
                 <a:latin typeface="나눔고딕" pitchFamily="50" charset="-127"/>
                 <a:ea typeface="나눔고딕" pitchFamily="50" charset="-127"/>
               </a:rPr>
@@ -9466,7 +9285,7 @@
           <a:lstStyle/>
           <a:p>
             <a:r>
-              <a:rPr lang="ko-KR" altLang="en-US" sz="4400" dirty="0" smtClean="0">
+              <a:rPr lang="ko-KR" altLang="en-US" sz="4400" dirty="0">
                 <a:solidFill>
                   <a:srgbClr val="FF0000"/>
                 </a:solidFill>
@@ -9474,7 +9293,7 @@
               <a:t>속는</a:t>
             </a:r>
             <a:r>
-              <a:rPr lang="ko-KR" altLang="en-US" sz="4400" dirty="0" smtClean="0"/>
+              <a:rPr lang="ko-KR" altLang="en-US" sz="4400" dirty="0"/>
               <a:t> 나의 존재의 확실성</a:t>
             </a:r>
             <a:endParaRPr lang="ko-KR" altLang="en-US" dirty="0"/>
@@ -9529,105 +9348,105 @@
               </a:lnSpc>
             </a:pPr>
             <a:r>
-              <a:rPr lang="en-US" altLang="ko-KR" b="1" dirty="0" smtClean="0">
+              <a:rPr lang="en-US" altLang="ko-KR" b="1" dirty="0">
                 <a:latin typeface="나눔고딕" pitchFamily="50" charset="-127"/>
                 <a:ea typeface="나눔고딕" pitchFamily="50" charset="-127"/>
               </a:rPr>
               <a:t> ‘</a:t>
             </a:r>
             <a:r>
-              <a:rPr lang="ko-KR" altLang="en-US" b="1" dirty="0" smtClean="0">
+              <a:rPr lang="ko-KR" altLang="en-US" b="1" dirty="0">
                 <a:latin typeface="나눔고딕" pitchFamily="50" charset="-127"/>
                 <a:ea typeface="나눔고딕" pitchFamily="50" charset="-127"/>
               </a:rPr>
               <a:t>나를 속이는 악령</a:t>
             </a:r>
             <a:r>
-              <a:rPr lang="en-US" altLang="ko-KR" b="1" dirty="0" smtClean="0">
+              <a:rPr lang="en-US" altLang="ko-KR" b="1" dirty="0">
                 <a:latin typeface="나눔고딕" pitchFamily="50" charset="-127"/>
                 <a:ea typeface="나눔고딕" pitchFamily="50" charset="-127"/>
               </a:rPr>
               <a:t>’</a:t>
             </a:r>
             <a:r>
-              <a:rPr lang="ko-KR" altLang="en-US" b="1" dirty="0" smtClean="0">
+              <a:rPr lang="ko-KR" altLang="en-US" b="1" dirty="0">
                 <a:latin typeface="나눔고딕" pitchFamily="50" charset="-127"/>
                 <a:ea typeface="나눔고딕" pitchFamily="50" charset="-127"/>
               </a:rPr>
               <a:t>은 </a:t>
             </a:r>
             <a:r>
-              <a:rPr lang="en-US" altLang="ko-KR" b="1" dirty="0" smtClean="0">
+              <a:rPr lang="en-US" altLang="ko-KR" b="1" dirty="0">
                 <a:latin typeface="나눔고딕" pitchFamily="50" charset="-127"/>
                 <a:ea typeface="나눔고딕" pitchFamily="50" charset="-127"/>
               </a:rPr>
               <a:t>‘</a:t>
             </a:r>
             <a:r>
-              <a:rPr lang="ko-KR" altLang="en-US" b="1" dirty="0" smtClean="0">
+              <a:rPr lang="ko-KR" altLang="en-US" b="1" dirty="0">
                 <a:latin typeface="나눔고딕" pitchFamily="50" charset="-127"/>
                 <a:ea typeface="나눔고딕" pitchFamily="50" charset="-127"/>
               </a:rPr>
               <a:t>확실하지 않은 것은 모두 의심하는 나</a:t>
             </a:r>
             <a:r>
-              <a:rPr lang="en-US" altLang="ko-KR" b="1" dirty="0" smtClean="0">
+              <a:rPr lang="en-US" altLang="ko-KR" b="1" dirty="0">
                 <a:latin typeface="나눔고딕" pitchFamily="50" charset="-127"/>
                 <a:ea typeface="나눔고딕" pitchFamily="50" charset="-127"/>
               </a:rPr>
               <a:t>’</a:t>
             </a:r>
             <a:r>
-              <a:rPr lang="ko-KR" altLang="en-US" b="1" dirty="0" smtClean="0">
+              <a:rPr lang="ko-KR" altLang="en-US" b="1" dirty="0">
                 <a:latin typeface="나눔고딕" pitchFamily="50" charset="-127"/>
                 <a:ea typeface="나눔고딕" pitchFamily="50" charset="-127"/>
               </a:rPr>
               <a:t>의 의인화 </a:t>
             </a:r>
             <a:r>
-              <a:rPr lang="en-US" altLang="ko-KR" b="1" dirty="0" smtClean="0">
+              <a:rPr lang="en-US" altLang="ko-KR" b="1" dirty="0">
                 <a:latin typeface="나눔고딕" pitchFamily="50" charset="-127"/>
                 <a:ea typeface="나눔고딕" pitchFamily="50" charset="-127"/>
               </a:rPr>
               <a:t>(“</a:t>
             </a:r>
             <a:r>
-              <a:rPr lang="ko-KR" altLang="en-US" b="1" dirty="0" smtClean="0">
+              <a:rPr lang="ko-KR" altLang="en-US" b="1" dirty="0">
                 <a:latin typeface="나눔고딕" pitchFamily="50" charset="-127"/>
                 <a:ea typeface="나눔고딕" pitchFamily="50" charset="-127"/>
               </a:rPr>
               <a:t>나는 이제 </a:t>
             </a:r>
             <a:r>
-              <a:rPr lang="en-US" altLang="ko-KR" b="1" dirty="0" smtClean="0">
+              <a:rPr lang="en-US" altLang="ko-KR" b="1" dirty="0">
                 <a:latin typeface="나눔고딕" pitchFamily="50" charset="-127"/>
                 <a:ea typeface="나눔고딕" pitchFamily="50" charset="-127"/>
               </a:rPr>
               <a:t>… </a:t>
             </a:r>
             <a:r>
-              <a:rPr lang="ko-KR" altLang="en-US" b="1" dirty="0" smtClean="0">
+              <a:rPr lang="ko-KR" altLang="en-US" b="1" dirty="0">
                 <a:latin typeface="나눔고딕" pitchFamily="50" charset="-127"/>
                 <a:ea typeface="나눔고딕" pitchFamily="50" charset="-127"/>
               </a:rPr>
               <a:t>유능하고 교활한 악령이 온 힘을 다해 나를 속이려 하고 있다고 가정하겠다</a:t>
             </a:r>
             <a:r>
-              <a:rPr lang="en-US" altLang="ko-KR" b="1" dirty="0" smtClean="0">
+              <a:rPr lang="en-US" altLang="ko-KR" b="1" dirty="0">
                 <a:latin typeface="나눔고딕" pitchFamily="50" charset="-127"/>
                 <a:ea typeface="나눔고딕" pitchFamily="50" charset="-127"/>
               </a:rPr>
               <a:t>” = ‘</a:t>
             </a:r>
             <a:r>
-              <a:rPr lang="ko-KR" altLang="en-US" b="1" dirty="0" smtClean="0">
+              <a:rPr lang="ko-KR" altLang="en-US" b="1" dirty="0">
                 <a:latin typeface="나눔고딕" pitchFamily="50" charset="-127"/>
                 <a:ea typeface="나눔고딕" pitchFamily="50" charset="-127"/>
               </a:rPr>
               <a:t>나는 이제 확실하지 않은 모든 것은 의심하겠다</a:t>
             </a:r>
             <a:r>
-              <a:rPr lang="en-US" altLang="ko-KR" b="1" dirty="0" smtClean="0">
+              <a:rPr lang="en-US" altLang="ko-KR" b="1" dirty="0">
                 <a:latin typeface="나눔고딕" pitchFamily="50" charset="-127"/>
                 <a:ea typeface="나눔고딕" pitchFamily="50" charset="-127"/>
               </a:rPr>
@@ -9641,34 +9460,34 @@
               </a:lnSpc>
             </a:pPr>
             <a:r>
-              <a:rPr lang="en-US" altLang="ko-KR" b="1" dirty="0" smtClean="0">
+              <a:rPr lang="en-US" altLang="ko-KR" b="1" dirty="0">
                 <a:latin typeface="나눔고딕" pitchFamily="50" charset="-127"/>
                 <a:ea typeface="나눔고딕" pitchFamily="50" charset="-127"/>
               </a:rPr>
               <a:t> </a:t>
             </a:r>
             <a:r>
-              <a:rPr lang="ko-KR" altLang="en-US" b="1" dirty="0" smtClean="0">
+              <a:rPr lang="ko-KR" altLang="en-US" b="1" dirty="0">
                 <a:latin typeface="나눔고딕" pitchFamily="50" charset="-127"/>
                 <a:ea typeface="나눔고딕" pitchFamily="50" charset="-127"/>
               </a:rPr>
               <a:t>악령에 의해 속는 나 </a:t>
             </a:r>
             <a:r>
-              <a:rPr lang="en-US" altLang="ko-KR" b="1" dirty="0" smtClean="0">
+              <a:rPr lang="en-US" altLang="ko-KR" b="1" dirty="0">
                 <a:latin typeface="나눔고딕" pitchFamily="50" charset="-127"/>
                 <a:ea typeface="나눔고딕" pitchFamily="50" charset="-127"/>
               </a:rPr>
               <a:t>= </a:t>
             </a:r>
             <a:r>
-              <a:rPr lang="ko-KR" altLang="en-US" b="1" dirty="0" smtClean="0">
+              <a:rPr lang="ko-KR" altLang="en-US" b="1" dirty="0">
                 <a:latin typeface="나눔고딕" pitchFamily="50" charset="-127"/>
                 <a:ea typeface="나눔고딕" pitchFamily="50" charset="-127"/>
               </a:rPr>
               <a:t>의심하는 나</a:t>
             </a:r>
-            <a:endParaRPr lang="en-US" altLang="ko-KR" b="1" dirty="0" smtClean="0">
+            <a:endParaRPr lang="en-US" altLang="ko-KR" b="1" dirty="0">
               <a:latin typeface="나눔고딕" pitchFamily="50" charset="-127"/>
               <a:ea typeface="나눔고딕" pitchFamily="50" charset="-127"/>
             </a:endParaRPr>
@@ -9680,105 +9499,105 @@
               </a:lnSpc>
             </a:pPr>
             <a:r>
-              <a:rPr lang="en-US" altLang="ko-KR" b="1" dirty="0" smtClean="0">
+              <a:rPr lang="en-US" altLang="ko-KR" b="1" dirty="0">
                 <a:latin typeface="나눔고딕" pitchFamily="50" charset="-127"/>
                 <a:ea typeface="나눔고딕" pitchFamily="50" charset="-127"/>
               </a:rPr>
               <a:t>‘</a:t>
             </a:r>
             <a:r>
-              <a:rPr lang="ko-KR" altLang="en-US" b="1" dirty="0" smtClean="0">
+              <a:rPr lang="ko-KR" altLang="en-US" b="1" dirty="0">
                 <a:latin typeface="나눔고딕" pitchFamily="50" charset="-127"/>
                 <a:ea typeface="나눔고딕" pitchFamily="50" charset="-127"/>
               </a:rPr>
               <a:t>속는 나의 존재</a:t>
             </a:r>
             <a:r>
-              <a:rPr lang="en-US" altLang="ko-KR" b="1" dirty="0" smtClean="0">
+              <a:rPr lang="en-US" altLang="ko-KR" b="1" dirty="0">
                 <a:latin typeface="나눔고딕" pitchFamily="50" charset="-127"/>
                 <a:ea typeface="나눔고딕" pitchFamily="50" charset="-127"/>
               </a:rPr>
               <a:t>’</a:t>
             </a:r>
             <a:r>
-              <a:rPr lang="ko-KR" altLang="en-US" b="1" dirty="0" smtClean="0">
+              <a:rPr lang="ko-KR" altLang="en-US" b="1" dirty="0">
                 <a:latin typeface="나눔고딕" pitchFamily="50" charset="-127"/>
                 <a:ea typeface="나눔고딕" pitchFamily="50" charset="-127"/>
               </a:rPr>
               <a:t>에서 </a:t>
             </a:r>
             <a:r>
-              <a:rPr lang="en-US" altLang="ko-KR" b="1" dirty="0" smtClean="0">
+              <a:rPr lang="en-US" altLang="ko-KR" b="1" dirty="0">
                 <a:latin typeface="나눔고딕" pitchFamily="50" charset="-127"/>
                 <a:ea typeface="나눔고딕" pitchFamily="50" charset="-127"/>
               </a:rPr>
               <a:t>‘</a:t>
             </a:r>
             <a:r>
-              <a:rPr lang="ko-KR" altLang="en-US" b="1" dirty="0" smtClean="0">
+              <a:rPr lang="ko-KR" altLang="en-US" b="1" dirty="0">
                 <a:latin typeface="나눔고딕" pitchFamily="50" charset="-127"/>
                 <a:ea typeface="나눔고딕" pitchFamily="50" charset="-127"/>
               </a:rPr>
               <a:t>의심하는 나의 존재</a:t>
             </a:r>
             <a:r>
-              <a:rPr lang="en-US" altLang="ko-KR" b="1" dirty="0" smtClean="0">
+              <a:rPr lang="en-US" altLang="ko-KR" b="1" dirty="0">
                 <a:latin typeface="나눔고딕" pitchFamily="50" charset="-127"/>
                 <a:ea typeface="나눔고딕" pitchFamily="50" charset="-127"/>
               </a:rPr>
               <a:t>’</a:t>
             </a:r>
             <a:r>
-              <a:rPr lang="ko-KR" altLang="en-US" b="1" dirty="0" smtClean="0">
+              <a:rPr lang="ko-KR" altLang="en-US" b="1" dirty="0">
                 <a:latin typeface="나눔고딕" pitchFamily="50" charset="-127"/>
                 <a:ea typeface="나눔고딕" pitchFamily="50" charset="-127"/>
               </a:rPr>
               <a:t>로</a:t>
             </a:r>
             <a:r>
-              <a:rPr lang="en-US" altLang="ko-KR" b="1" dirty="0" smtClean="0">
+              <a:rPr lang="en-US" altLang="ko-KR" b="1" dirty="0">
                 <a:latin typeface="나눔고딕" pitchFamily="50" charset="-127"/>
                 <a:ea typeface="나눔고딕" pitchFamily="50" charset="-127"/>
               </a:rPr>
               <a:t>: </a:t>
             </a:r>
             <a:r>
-              <a:rPr lang="ko-KR" altLang="en-US" b="1" dirty="0" smtClean="0">
+              <a:rPr lang="ko-KR" altLang="en-US" b="1" dirty="0">
                 <a:latin typeface="나눔고딕" pitchFamily="50" charset="-127"/>
                 <a:ea typeface="나눔고딕" pitchFamily="50" charset="-127"/>
               </a:rPr>
               <a:t>나의 관념에 대응하는 것이 외부세계에 존재하지 않을지라도</a:t>
             </a:r>
             <a:r>
-              <a:rPr lang="en-US" altLang="ko-KR" b="1" dirty="0" smtClean="0">
+              <a:rPr lang="en-US" altLang="ko-KR" b="1" dirty="0">
                 <a:latin typeface="나눔고딕" pitchFamily="50" charset="-127"/>
                 <a:ea typeface="나눔고딕" pitchFamily="50" charset="-127"/>
               </a:rPr>
               <a:t>, </a:t>
             </a:r>
             <a:r>
-              <a:rPr lang="ko-KR" altLang="en-US" b="1" dirty="0" smtClean="0">
+              <a:rPr lang="ko-KR" altLang="en-US" b="1" dirty="0">
                 <a:latin typeface="나눔고딕" pitchFamily="50" charset="-127"/>
                 <a:ea typeface="나눔고딕" pitchFamily="50" charset="-127"/>
               </a:rPr>
               <a:t>즉 외부세계에는 확실한 것이 없을지라도</a:t>
             </a:r>
             <a:r>
-              <a:rPr lang="en-US" altLang="ko-KR" b="1" dirty="0" smtClean="0">
+              <a:rPr lang="en-US" altLang="ko-KR" b="1" dirty="0">
                 <a:latin typeface="나눔고딕" pitchFamily="50" charset="-127"/>
                 <a:ea typeface="나눔고딕" pitchFamily="50" charset="-127"/>
               </a:rPr>
               <a:t>, </a:t>
             </a:r>
             <a:r>
-              <a:rPr lang="ko-KR" altLang="en-US" b="1" dirty="0" smtClean="0">
+              <a:rPr lang="ko-KR" altLang="en-US" b="1" dirty="0">
                 <a:latin typeface="나눔고딕" pitchFamily="50" charset="-127"/>
                 <a:ea typeface="나눔고딕" pitchFamily="50" charset="-127"/>
               </a:rPr>
               <a:t>확실한 것이 없다고 </a:t>
             </a:r>
             <a:r>
-              <a:rPr lang="ko-KR" altLang="en-US" b="1" dirty="0" smtClean="0">
+              <a:rPr lang="ko-KR" altLang="en-US" b="1" dirty="0">
                 <a:solidFill>
                   <a:srgbClr val="FF0000"/>
                 </a:solidFill>
@@ -9788,27 +9607,27 @@
               <a:t>의심하고</a:t>
             </a:r>
             <a:r>
-              <a:rPr lang="ko-KR" altLang="en-US" b="1" dirty="0" smtClean="0">
+              <a:rPr lang="ko-KR" altLang="en-US" b="1" dirty="0">
                 <a:latin typeface="나눔고딕" pitchFamily="50" charset="-127"/>
                 <a:ea typeface="나눔고딕" pitchFamily="50" charset="-127"/>
               </a:rPr>
               <a:t> 있는 내가 존재한다는 것은 확실하다</a:t>
             </a:r>
             <a:r>
-              <a:rPr lang="en-US" altLang="ko-KR" b="1" dirty="0" smtClean="0">
+              <a:rPr lang="en-US" altLang="ko-KR" b="1" dirty="0">
                 <a:latin typeface="나눔고딕" pitchFamily="50" charset="-127"/>
                 <a:ea typeface="나눔고딕" pitchFamily="50" charset="-127"/>
               </a:rPr>
               <a:t>. </a:t>
             </a:r>
             <a:r>
-              <a:rPr lang="ko-KR" altLang="en-US" b="1" dirty="0" smtClean="0">
+              <a:rPr lang="ko-KR" altLang="en-US" b="1" dirty="0">
                 <a:latin typeface="나눔고딕" pitchFamily="50" charset="-127"/>
                 <a:ea typeface="나눔고딕" pitchFamily="50" charset="-127"/>
               </a:rPr>
               <a:t> </a:t>
             </a:r>
-            <a:endParaRPr lang="en-US" altLang="ko-KR" b="1" dirty="0" smtClean="0">
+            <a:endParaRPr lang="en-US" altLang="ko-KR" b="1" dirty="0">
               <a:latin typeface="나눔고딕" pitchFamily="50" charset="-127"/>
               <a:ea typeface="나눔고딕" pitchFamily="50" charset="-127"/>
             </a:endParaRPr>
@@ -9834,7 +9653,7 @@
           <a:lstStyle/>
           <a:p>
             <a:r>
-              <a:rPr lang="ko-KR" altLang="en-US" dirty="0" smtClean="0">
+              <a:rPr lang="ko-KR" altLang="en-US" dirty="0">
                 <a:solidFill>
                   <a:srgbClr val="FF0000"/>
                 </a:solidFill>
@@ -9844,7 +9663,7 @@
               <a:t>의심하는</a:t>
             </a:r>
             <a:r>
-              <a:rPr lang="ko-KR" altLang="en-US" dirty="0" smtClean="0">
+              <a:rPr lang="ko-KR" altLang="en-US" dirty="0">
                 <a:latin typeface="나눔고딕" pitchFamily="50" charset="-127"/>
                 <a:ea typeface="나눔고딕" pitchFamily="50" charset="-127"/>
               </a:rPr>
@@ -9902,315 +9721,315 @@
               </a:lnSpc>
             </a:pPr>
             <a:r>
-              <a:rPr lang="en-US" altLang="ko-KR" dirty="0" smtClean="0">
+              <a:rPr lang="en-US" altLang="ko-KR" dirty="0">
                 <a:latin typeface="나눔고딕" pitchFamily="50" charset="-127"/>
                 <a:ea typeface="나눔고딕" pitchFamily="50" charset="-127"/>
               </a:rPr>
               <a:t>“</a:t>
             </a:r>
             <a:r>
-              <a:rPr lang="ko-KR" altLang="en-US" dirty="0" smtClean="0">
+              <a:rPr lang="ko-KR" altLang="en-US" dirty="0">
                 <a:latin typeface="나눔고딕" pitchFamily="50" charset="-127"/>
                 <a:ea typeface="나눔고딕" pitchFamily="50" charset="-127"/>
               </a:rPr>
               <a:t>그러나 누군지는 모르지만 아주 유능하고 교활한 기만자가 집요하게 나를 항상 속이고 있다고 치자</a:t>
             </a:r>
             <a:r>
-              <a:rPr lang="en-US" altLang="ko-KR" dirty="0" smtClean="0">
+              <a:rPr lang="en-US" altLang="ko-KR" dirty="0">
                 <a:latin typeface="나눔고딕" pitchFamily="50" charset="-127"/>
                 <a:ea typeface="나눔고딕" pitchFamily="50" charset="-127"/>
               </a:rPr>
               <a:t>. </a:t>
             </a:r>
             <a:r>
-              <a:rPr lang="ko-KR" altLang="en-US" dirty="0" smtClean="0">
+              <a:rPr lang="ko-KR" altLang="en-US" dirty="0">
                 <a:latin typeface="나눔고딕" pitchFamily="50" charset="-127"/>
                 <a:ea typeface="나눔고딕" pitchFamily="50" charset="-127"/>
               </a:rPr>
               <a:t>자 이제</a:t>
             </a:r>
             <a:r>
-              <a:rPr lang="en-US" altLang="ko-KR" dirty="0" smtClean="0">
+              <a:rPr lang="en-US" altLang="ko-KR" dirty="0">
                 <a:latin typeface="나눔고딕" pitchFamily="50" charset="-127"/>
                 <a:ea typeface="나눔고딕" pitchFamily="50" charset="-127"/>
               </a:rPr>
               <a:t>, </a:t>
             </a:r>
             <a:r>
-              <a:rPr lang="ko-KR" altLang="en-US" dirty="0" smtClean="0">
+              <a:rPr lang="ko-KR" altLang="en-US" dirty="0">
                 <a:latin typeface="나눔고딕" pitchFamily="50" charset="-127"/>
                 <a:ea typeface="나눔고딕" pitchFamily="50" charset="-127"/>
               </a:rPr>
               <a:t>그가 나를 속인다면</a:t>
             </a:r>
             <a:r>
-              <a:rPr lang="en-US" altLang="ko-KR" dirty="0" smtClean="0">
+              <a:rPr lang="en-US" altLang="ko-KR" dirty="0">
                 <a:latin typeface="나눔고딕" pitchFamily="50" charset="-127"/>
                 <a:ea typeface="나눔고딕" pitchFamily="50" charset="-127"/>
               </a:rPr>
               <a:t>, </a:t>
             </a:r>
             <a:r>
-              <a:rPr lang="ko-KR" altLang="en-US" dirty="0" smtClean="0">
+              <a:rPr lang="ko-KR" altLang="en-US" dirty="0">
                 <a:latin typeface="나눔고딕" pitchFamily="50" charset="-127"/>
                 <a:ea typeface="나눔고딕" pitchFamily="50" charset="-127"/>
               </a:rPr>
               <a:t>내가 있다는 것은 의심할 수 없다</a:t>
             </a:r>
             <a:r>
-              <a:rPr lang="en-US" altLang="ko-KR" dirty="0" smtClean="0">
+              <a:rPr lang="en-US" altLang="ko-KR" dirty="0">
                 <a:latin typeface="나눔고딕" pitchFamily="50" charset="-127"/>
                 <a:ea typeface="나눔고딕" pitchFamily="50" charset="-127"/>
               </a:rPr>
               <a:t>. </a:t>
             </a:r>
             <a:r>
-              <a:rPr lang="ko-KR" altLang="en-US" dirty="0" smtClean="0">
+              <a:rPr lang="ko-KR" altLang="en-US" dirty="0">
                 <a:latin typeface="나눔고딕" pitchFamily="50" charset="-127"/>
                 <a:ea typeface="나눔고딕" pitchFamily="50" charset="-127"/>
               </a:rPr>
               <a:t>그가 온 힘을 다해 나를  속인다고 치자</a:t>
             </a:r>
             <a:r>
-              <a:rPr lang="en-US" altLang="ko-KR" dirty="0" smtClean="0">
+              <a:rPr lang="en-US" altLang="ko-KR" dirty="0">
                 <a:latin typeface="나눔고딕" pitchFamily="50" charset="-127"/>
                 <a:ea typeface="나눔고딕" pitchFamily="50" charset="-127"/>
               </a:rPr>
               <a:t>. </a:t>
             </a:r>
             <a:r>
-              <a:rPr lang="ko-KR" altLang="en-US" b="1" dirty="0" smtClean="0">
+              <a:rPr lang="ko-KR" altLang="en-US" b="1" dirty="0">
                 <a:latin typeface="나눔고딕" pitchFamily="50" charset="-127"/>
                 <a:ea typeface="나눔고딕" pitchFamily="50" charset="-127"/>
               </a:rPr>
               <a:t>그러나 나는 내가 어떤 것이라고 생각하는 동안</a:t>
             </a:r>
             <a:r>
-              <a:rPr lang="en-US" altLang="ko-KR" b="1" dirty="0" smtClean="0">
+              <a:rPr lang="en-US" altLang="ko-KR" b="1" dirty="0">
                 <a:latin typeface="나눔고딕" pitchFamily="50" charset="-127"/>
                 <a:ea typeface="나눔고딕" pitchFamily="50" charset="-127"/>
               </a:rPr>
               <a:t>, </a:t>
             </a:r>
             <a:r>
-              <a:rPr lang="ko-KR" altLang="en-US" b="1" dirty="0" smtClean="0">
+              <a:rPr lang="ko-KR" altLang="en-US" b="1" dirty="0">
                 <a:latin typeface="나눔고딕" pitchFamily="50" charset="-127"/>
                 <a:ea typeface="나눔고딕" pitchFamily="50" charset="-127"/>
               </a:rPr>
               <a:t>그는 결코 내가 아무것도 </a:t>
             </a:r>
             <a:r>
-              <a:rPr lang="ko-KR" altLang="en-US" b="1" dirty="0" err="1" smtClean="0">
+              <a:rPr lang="ko-KR" altLang="en-US" b="1" dirty="0" err="1">
                 <a:latin typeface="나눔고딕" pitchFamily="50" charset="-127"/>
                 <a:ea typeface="나눔고딕" pitchFamily="50" charset="-127"/>
               </a:rPr>
               <a:t>아니게끔은</a:t>
             </a:r>
             <a:r>
-              <a:rPr lang="ko-KR" altLang="en-US" b="1" dirty="0" smtClean="0">
+              <a:rPr lang="ko-KR" altLang="en-US" b="1" dirty="0">
                 <a:latin typeface="나눔고딕" pitchFamily="50" charset="-127"/>
                 <a:ea typeface="나눔고딕" pitchFamily="50" charset="-127"/>
               </a:rPr>
               <a:t> 할 수 없을 것이다</a:t>
             </a:r>
             <a:r>
-              <a:rPr lang="en-US" altLang="ko-KR" b="1" dirty="0" smtClean="0">
+              <a:rPr lang="en-US" altLang="ko-KR" b="1" dirty="0">
                 <a:latin typeface="나눔고딕" pitchFamily="50" charset="-127"/>
                 <a:ea typeface="나눔고딕" pitchFamily="50" charset="-127"/>
               </a:rPr>
               <a:t>.</a:t>
             </a:r>
             <a:r>
-              <a:rPr lang="en-US" altLang="ko-KR" dirty="0" smtClean="0">
+              <a:rPr lang="en-US" altLang="ko-KR" dirty="0">
                 <a:latin typeface="나눔고딕" pitchFamily="50" charset="-127"/>
                 <a:ea typeface="나눔고딕" pitchFamily="50" charset="-127"/>
               </a:rPr>
               <a:t> </a:t>
             </a:r>
             <a:r>
-              <a:rPr lang="ko-KR" altLang="en-US" dirty="0" smtClean="0">
+              <a:rPr lang="ko-KR" altLang="en-US" dirty="0">
                 <a:latin typeface="나눔고딕" pitchFamily="50" charset="-127"/>
                 <a:ea typeface="나눔고딕" pitchFamily="50" charset="-127"/>
               </a:rPr>
               <a:t>이렇게 이 모든 것을 세심히 고찰해 본 결과</a:t>
             </a:r>
             <a:r>
-              <a:rPr lang="en-US" altLang="ko-KR" dirty="0" smtClean="0">
+              <a:rPr lang="en-US" altLang="ko-KR" dirty="0">
                 <a:latin typeface="나눔고딕" pitchFamily="50" charset="-127"/>
                 <a:ea typeface="나눔고딕" pitchFamily="50" charset="-127"/>
               </a:rPr>
               <a:t>, </a:t>
             </a:r>
             <a:r>
-              <a:rPr lang="ko-KR" altLang="en-US" b="1" dirty="0" smtClean="0">
+              <a:rPr lang="ko-KR" altLang="en-US" b="1" dirty="0">
                 <a:latin typeface="나눔고딕" pitchFamily="50" charset="-127"/>
                 <a:ea typeface="나눔고딕" pitchFamily="50" charset="-127"/>
               </a:rPr>
               <a:t>나는 있다</a:t>
             </a:r>
             <a:r>
-              <a:rPr lang="en-US" altLang="ko-KR" b="1" dirty="0" smtClean="0">
+              <a:rPr lang="en-US" altLang="ko-KR" b="1" dirty="0">
                 <a:latin typeface="나눔고딕" pitchFamily="50" charset="-127"/>
                 <a:ea typeface="나눔고딕" pitchFamily="50" charset="-127"/>
               </a:rPr>
               <a:t>, </a:t>
             </a:r>
             <a:r>
-              <a:rPr lang="ko-KR" altLang="en-US" b="1" dirty="0" smtClean="0">
+              <a:rPr lang="ko-KR" altLang="en-US" b="1" dirty="0">
                 <a:latin typeface="나눔고딕" pitchFamily="50" charset="-127"/>
                 <a:ea typeface="나눔고딕" pitchFamily="50" charset="-127"/>
               </a:rPr>
               <a:t>나는 존재한다는 명제는 내가 이것을 발언할 때마다 혹은 마음 속에 품을 때마다 필연적으로 참이라는 결론에 이르게 된다</a:t>
             </a:r>
             <a:r>
-              <a:rPr lang="en-US" altLang="ko-KR" b="1" dirty="0" smtClean="0">
+              <a:rPr lang="en-US" altLang="ko-KR" b="1" dirty="0">
                 <a:latin typeface="나눔고딕" pitchFamily="50" charset="-127"/>
                 <a:ea typeface="나눔고딕" pitchFamily="50" charset="-127"/>
               </a:rPr>
               <a:t>.</a:t>
             </a:r>
             <a:r>
-              <a:rPr lang="en-US" altLang="ko-KR" dirty="0" smtClean="0">
+              <a:rPr lang="en-US" altLang="ko-KR" dirty="0">
                 <a:latin typeface="나눔고딕" pitchFamily="50" charset="-127"/>
                 <a:ea typeface="나눔고딕" pitchFamily="50" charset="-127"/>
               </a:rPr>
               <a:t> … </a:t>
             </a:r>
             <a:r>
-              <a:rPr lang="ko-KR" altLang="en-US" b="1" dirty="0" smtClean="0">
+              <a:rPr lang="ko-KR" altLang="en-US" b="1" dirty="0">
                 <a:latin typeface="나눔고딕" pitchFamily="50" charset="-127"/>
                 <a:ea typeface="나눔고딕" pitchFamily="50" charset="-127"/>
               </a:rPr>
               <a:t>나는 있다</a:t>
             </a:r>
             <a:r>
-              <a:rPr lang="en-US" altLang="ko-KR" b="1" dirty="0" smtClean="0">
+              <a:rPr lang="en-US" altLang="ko-KR" b="1" dirty="0">
                 <a:latin typeface="나눔고딕" pitchFamily="50" charset="-127"/>
                 <a:ea typeface="나눔고딕" pitchFamily="50" charset="-127"/>
               </a:rPr>
               <a:t>, </a:t>
             </a:r>
             <a:r>
-              <a:rPr lang="ko-KR" altLang="en-US" b="1" dirty="0" smtClean="0">
+              <a:rPr lang="ko-KR" altLang="en-US" b="1" dirty="0">
                 <a:latin typeface="나눔고딕" pitchFamily="50" charset="-127"/>
                 <a:ea typeface="나눔고딕" pitchFamily="50" charset="-127"/>
               </a:rPr>
               <a:t>나는 존재한다</a:t>
             </a:r>
             <a:r>
-              <a:rPr lang="en-US" altLang="ko-KR" b="1" dirty="0" smtClean="0">
+              <a:rPr lang="en-US" altLang="ko-KR" b="1" dirty="0">
                 <a:latin typeface="나눔고딕" pitchFamily="50" charset="-127"/>
                 <a:ea typeface="나눔고딕" pitchFamily="50" charset="-127"/>
               </a:rPr>
               <a:t>, </a:t>
             </a:r>
             <a:r>
-              <a:rPr lang="ko-KR" altLang="en-US" b="1" dirty="0" smtClean="0">
+              <a:rPr lang="ko-KR" altLang="en-US" b="1" dirty="0">
                 <a:latin typeface="나눔고딕" pitchFamily="50" charset="-127"/>
                 <a:ea typeface="나눔고딕" pitchFamily="50" charset="-127"/>
               </a:rPr>
               <a:t>이것은 확실하다</a:t>
             </a:r>
             <a:r>
-              <a:rPr lang="en-US" altLang="ko-KR" b="1" dirty="0" smtClean="0">
+              <a:rPr lang="en-US" altLang="ko-KR" b="1" dirty="0">
                 <a:latin typeface="나눔고딕" pitchFamily="50" charset="-127"/>
                 <a:ea typeface="나눔고딕" pitchFamily="50" charset="-127"/>
               </a:rPr>
               <a:t>. </a:t>
             </a:r>
             <a:r>
-              <a:rPr lang="ko-KR" altLang="en-US" b="1" dirty="0" smtClean="0">
+              <a:rPr lang="ko-KR" altLang="en-US" b="1" dirty="0">
                 <a:latin typeface="나눔고딕" pitchFamily="50" charset="-127"/>
                 <a:ea typeface="나눔고딕" pitchFamily="50" charset="-127"/>
               </a:rPr>
               <a:t>그러나 얼마 동안</a:t>
             </a:r>
             <a:r>
-              <a:rPr lang="en-US" altLang="ko-KR" b="1" dirty="0" smtClean="0">
+              <a:rPr lang="en-US" altLang="ko-KR" b="1" dirty="0">
                 <a:latin typeface="나눔고딕" pitchFamily="50" charset="-127"/>
                 <a:ea typeface="나눔고딕" pitchFamily="50" charset="-127"/>
               </a:rPr>
               <a:t>? </a:t>
             </a:r>
             <a:r>
-              <a:rPr lang="ko-KR" altLang="en-US" b="1" dirty="0" smtClean="0">
+              <a:rPr lang="ko-KR" altLang="en-US" b="1" dirty="0">
                 <a:latin typeface="나눔고딕" pitchFamily="50" charset="-127"/>
                 <a:ea typeface="나눔고딕" pitchFamily="50" charset="-127"/>
               </a:rPr>
               <a:t>내가 생각하는 동안이다</a:t>
             </a:r>
             <a:r>
-              <a:rPr lang="en-US" altLang="ko-KR" b="1" dirty="0" smtClean="0">
+              <a:rPr lang="en-US" altLang="ko-KR" b="1" dirty="0">
                 <a:latin typeface="나눔고딕" pitchFamily="50" charset="-127"/>
                 <a:ea typeface="나눔고딕" pitchFamily="50" charset="-127"/>
               </a:rPr>
               <a:t>. </a:t>
             </a:r>
             <a:r>
-              <a:rPr lang="ko-KR" altLang="en-US" b="1" dirty="0" smtClean="0">
+              <a:rPr lang="ko-KR" altLang="en-US" b="1" dirty="0">
                 <a:latin typeface="나눔고딕" pitchFamily="50" charset="-127"/>
                 <a:ea typeface="나눔고딕" pitchFamily="50" charset="-127"/>
               </a:rPr>
               <a:t>왜냐하면 내가 생각하기를 멈추자마자 존재하는 것도 멈출 수 있기 때문이다</a:t>
             </a:r>
             <a:r>
-              <a:rPr lang="en-US" altLang="ko-KR" b="1" dirty="0" smtClean="0">
+              <a:rPr lang="en-US" altLang="ko-KR" b="1" dirty="0">
                 <a:latin typeface="나눔고딕" pitchFamily="50" charset="-127"/>
                 <a:ea typeface="나눔고딕" pitchFamily="50" charset="-127"/>
               </a:rPr>
               <a:t>.” (</a:t>
             </a:r>
             <a:r>
-              <a:rPr lang="ko-KR" altLang="en-US" b="1" dirty="0" smtClean="0">
+              <a:rPr lang="ko-KR" altLang="en-US" b="1" dirty="0">
                 <a:latin typeface="나눔고딕" pitchFamily="50" charset="-127"/>
                 <a:ea typeface="나눔고딕" pitchFamily="50" charset="-127"/>
               </a:rPr>
               <a:t>데카르트</a:t>
             </a:r>
             <a:r>
-              <a:rPr lang="en-US" altLang="ko-KR" b="1" dirty="0" smtClean="0">
+              <a:rPr lang="en-US" altLang="ko-KR" b="1" dirty="0">
                 <a:latin typeface="나눔고딕" pitchFamily="50" charset="-127"/>
                 <a:ea typeface="나눔고딕" pitchFamily="50" charset="-127"/>
               </a:rPr>
               <a:t>, 『</a:t>
             </a:r>
             <a:r>
-              <a:rPr lang="ko-KR" altLang="en-US" b="1" dirty="0" smtClean="0">
+              <a:rPr lang="ko-KR" altLang="en-US" b="1" dirty="0">
                 <a:latin typeface="나눔고딕" pitchFamily="50" charset="-127"/>
                 <a:ea typeface="나눔고딕" pitchFamily="50" charset="-127"/>
               </a:rPr>
               <a:t>성찰</a:t>
             </a:r>
             <a:r>
-              <a:rPr lang="en-US" altLang="ko-KR" b="1" dirty="0" smtClean="0">
+              <a:rPr lang="en-US" altLang="ko-KR" b="1" dirty="0">
                 <a:latin typeface="나눔고딕" pitchFamily="50" charset="-127"/>
                 <a:ea typeface="나눔고딕" pitchFamily="50" charset="-127"/>
               </a:rPr>
               <a:t>』, </a:t>
             </a:r>
             <a:r>
-              <a:rPr lang="ko-KR" altLang="en-US" b="1" dirty="0" smtClean="0">
+              <a:rPr lang="ko-KR" altLang="en-US" b="1" dirty="0">
                 <a:latin typeface="나눔고딕" pitchFamily="50" charset="-127"/>
                 <a:ea typeface="나눔고딕" pitchFamily="50" charset="-127"/>
               </a:rPr>
               <a:t>제</a:t>
             </a:r>
             <a:r>
-              <a:rPr lang="en-US" altLang="ko-KR" b="1" dirty="0" smtClean="0">
+              <a:rPr lang="en-US" altLang="ko-KR" b="1" dirty="0">
                 <a:latin typeface="나눔고딕" pitchFamily="50" charset="-127"/>
                 <a:ea typeface="나눔고딕" pitchFamily="50" charset="-127"/>
               </a:rPr>
               <a:t>2</a:t>
             </a:r>
             <a:r>
-              <a:rPr lang="ko-KR" altLang="en-US" b="1" dirty="0" smtClean="0">
+              <a:rPr lang="ko-KR" altLang="en-US" b="1" dirty="0">
                 <a:latin typeface="나눔고딕" pitchFamily="50" charset="-127"/>
                 <a:ea typeface="나눔고딕" pitchFamily="50" charset="-127"/>
               </a:rPr>
               <a:t>성찰</a:t>
             </a:r>
             <a:r>
-              <a:rPr lang="en-US" altLang="ko-KR" b="1" dirty="0" smtClean="0">
+              <a:rPr lang="en-US" altLang="ko-KR" b="1" dirty="0">
                 <a:latin typeface="나눔고딕" pitchFamily="50" charset="-127"/>
                 <a:ea typeface="나눔고딕" pitchFamily="50" charset="-127"/>
               </a:rPr>
@@ -10238,7 +10057,7 @@
           <a:lstStyle/>
           <a:p>
             <a:r>
-              <a:rPr lang="ko-KR" altLang="en-US" sz="4000" dirty="0" smtClean="0">
+              <a:rPr lang="ko-KR" altLang="en-US" sz="4000" dirty="0">
                 <a:solidFill>
                   <a:srgbClr val="FF0000"/>
                 </a:solidFill>
@@ -10248,7 +10067,7 @@
               <a:t>생각하는</a:t>
             </a:r>
             <a:r>
-              <a:rPr lang="ko-KR" altLang="en-US" sz="4000" dirty="0" smtClean="0">
+              <a:rPr lang="ko-KR" altLang="en-US" sz="4000" dirty="0">
                 <a:latin typeface="나눔고딕" pitchFamily="50" charset="-127"/>
                 <a:ea typeface="나눔고딕" pitchFamily="50" charset="-127"/>
               </a:rPr>
@@ -10306,35 +10125,35 @@
               </a:lnSpc>
             </a:pPr>
             <a:r>
-              <a:rPr lang="en-US" altLang="ko-KR" b="1" dirty="0" smtClean="0">
+              <a:rPr lang="en-US" altLang="ko-KR" b="1" dirty="0">
                 <a:latin typeface="나눔고딕" pitchFamily="50" charset="-127"/>
                 <a:ea typeface="나눔고딕" pitchFamily="50" charset="-127"/>
               </a:rPr>
               <a:t> </a:t>
             </a:r>
             <a:r>
-              <a:rPr lang="ko-KR" altLang="en-US" b="1" dirty="0" smtClean="0">
+              <a:rPr lang="ko-KR" altLang="en-US" b="1" dirty="0">
                 <a:latin typeface="나눔고딕" pitchFamily="50" charset="-127"/>
                 <a:ea typeface="나눔고딕" pitchFamily="50" charset="-127"/>
               </a:rPr>
               <a:t>속는 나</a:t>
             </a:r>
             <a:r>
-              <a:rPr lang="en-US" altLang="ko-KR" b="1" dirty="0" smtClean="0">
+              <a:rPr lang="en-US" altLang="ko-KR" b="1" dirty="0">
                 <a:latin typeface="나눔고딕" pitchFamily="50" charset="-127"/>
                 <a:ea typeface="나눔고딕" pitchFamily="50" charset="-127"/>
               </a:rPr>
               <a:t>, </a:t>
             </a:r>
             <a:r>
-              <a:rPr lang="ko-KR" altLang="en-US" b="1" dirty="0" smtClean="0">
+              <a:rPr lang="ko-KR" altLang="en-US" b="1" dirty="0">
                 <a:latin typeface="나눔고딕" pitchFamily="50" charset="-127"/>
                 <a:ea typeface="나눔고딕" pitchFamily="50" charset="-127"/>
               </a:rPr>
               <a:t>의심하는 나는 어떠한 존재인가</a:t>
             </a:r>
             <a:r>
-              <a:rPr lang="en-US" altLang="ko-KR" b="1" dirty="0" smtClean="0">
+              <a:rPr lang="en-US" altLang="ko-KR" b="1" dirty="0">
                 <a:latin typeface="나눔고딕" pitchFamily="50" charset="-127"/>
                 <a:ea typeface="나눔고딕" pitchFamily="50" charset="-127"/>
               </a:rPr>
@@ -10348,21 +10167,21 @@
               </a:lnSpc>
             </a:pPr>
             <a:r>
-              <a:rPr lang="en-US" altLang="ko-KR" b="1" dirty="0" smtClean="0">
+              <a:rPr lang="en-US" altLang="ko-KR" b="1" dirty="0">
                 <a:latin typeface="나눔고딕" pitchFamily="50" charset="-127"/>
                 <a:ea typeface="나눔고딕" pitchFamily="50" charset="-127"/>
               </a:rPr>
               <a:t>“</a:t>
             </a:r>
             <a:r>
-              <a:rPr lang="ko-KR" altLang="en-US" b="1" dirty="0" smtClean="0">
+              <a:rPr lang="ko-KR" altLang="en-US" b="1" dirty="0">
                 <a:latin typeface="나눔고딕" pitchFamily="50" charset="-127"/>
                 <a:ea typeface="나눔고딕" pitchFamily="50" charset="-127"/>
               </a:rPr>
               <a:t>그러나 나는 내가 어떤 것이라고 </a:t>
             </a:r>
             <a:r>
-              <a:rPr lang="ko-KR" altLang="en-US" b="1" dirty="0" smtClean="0">
+              <a:rPr lang="ko-KR" altLang="en-US" b="1" dirty="0">
                 <a:solidFill>
                   <a:srgbClr val="FF0000"/>
                 </a:solidFill>
@@ -10372,112 +10191,112 @@
               <a:t>생각하는</a:t>
             </a:r>
             <a:r>
-              <a:rPr lang="ko-KR" altLang="en-US" b="1" dirty="0" smtClean="0">
+              <a:rPr lang="ko-KR" altLang="en-US" b="1" dirty="0">
                 <a:latin typeface="나눔고딕" pitchFamily="50" charset="-127"/>
                 <a:ea typeface="나눔고딕" pitchFamily="50" charset="-127"/>
               </a:rPr>
               <a:t> 동안</a:t>
             </a:r>
             <a:r>
-              <a:rPr lang="en-US" altLang="ko-KR" b="1" dirty="0" smtClean="0">
+              <a:rPr lang="en-US" altLang="ko-KR" b="1" dirty="0">
                 <a:latin typeface="나눔고딕" pitchFamily="50" charset="-127"/>
                 <a:ea typeface="나눔고딕" pitchFamily="50" charset="-127"/>
               </a:rPr>
               <a:t>, </a:t>
             </a:r>
             <a:r>
-              <a:rPr lang="ko-KR" altLang="en-US" b="1" dirty="0" smtClean="0">
+              <a:rPr lang="ko-KR" altLang="en-US" b="1" dirty="0">
                 <a:latin typeface="나눔고딕" pitchFamily="50" charset="-127"/>
                 <a:ea typeface="나눔고딕" pitchFamily="50" charset="-127"/>
               </a:rPr>
               <a:t>그</a:t>
             </a:r>
             <a:r>
-              <a:rPr lang="en-US" altLang="ko-KR" b="1" dirty="0" smtClean="0">
+              <a:rPr lang="en-US" altLang="ko-KR" b="1" dirty="0">
                 <a:latin typeface="나눔고딕" pitchFamily="50" charset="-127"/>
                 <a:ea typeface="나눔고딕" pitchFamily="50" charset="-127"/>
               </a:rPr>
               <a:t>[=</a:t>
             </a:r>
             <a:r>
-              <a:rPr lang="ko-KR" altLang="en-US" b="1" dirty="0" smtClean="0">
+              <a:rPr lang="ko-KR" altLang="en-US" b="1" dirty="0">
                 <a:latin typeface="나눔고딕" pitchFamily="50" charset="-127"/>
                 <a:ea typeface="나눔고딕" pitchFamily="50" charset="-127"/>
               </a:rPr>
               <a:t>악령</a:t>
             </a:r>
             <a:r>
-              <a:rPr lang="en-US" altLang="ko-KR" b="1" dirty="0" smtClean="0">
+              <a:rPr lang="en-US" altLang="ko-KR" b="1" dirty="0">
                 <a:latin typeface="나눔고딕" pitchFamily="50" charset="-127"/>
                 <a:ea typeface="나눔고딕" pitchFamily="50" charset="-127"/>
               </a:rPr>
               <a:t>]</a:t>
             </a:r>
             <a:r>
-              <a:rPr lang="ko-KR" altLang="en-US" b="1" dirty="0" smtClean="0">
+              <a:rPr lang="ko-KR" altLang="en-US" b="1" dirty="0">
                 <a:latin typeface="나눔고딕" pitchFamily="50" charset="-127"/>
                 <a:ea typeface="나눔고딕" pitchFamily="50" charset="-127"/>
               </a:rPr>
               <a:t>는 결코 내가 아무것도 아니게끔은 할 수 없을 것이다</a:t>
             </a:r>
             <a:r>
-              <a:rPr lang="en-US" altLang="ko-KR" b="1" dirty="0" smtClean="0">
+              <a:rPr lang="en-US" altLang="ko-KR" b="1" dirty="0">
                 <a:latin typeface="나눔고딕" pitchFamily="50" charset="-127"/>
                 <a:ea typeface="나눔고딕" pitchFamily="50" charset="-127"/>
               </a:rPr>
               <a:t>”: </a:t>
             </a:r>
             <a:r>
-              <a:rPr lang="ko-KR" altLang="en-US" b="1" dirty="0" smtClean="0">
+              <a:rPr lang="ko-KR" altLang="en-US" b="1" dirty="0">
                 <a:latin typeface="나눔고딕" pitchFamily="50" charset="-127"/>
                 <a:ea typeface="나눔고딕" pitchFamily="50" charset="-127"/>
               </a:rPr>
               <a:t>내가 모든 것을 의심하더라도</a:t>
             </a:r>
             <a:r>
-              <a:rPr lang="en-US" altLang="ko-KR" b="1" dirty="0" smtClean="0">
+              <a:rPr lang="en-US" altLang="ko-KR" b="1" dirty="0">
                 <a:latin typeface="나눔고딕" pitchFamily="50" charset="-127"/>
                 <a:ea typeface="나눔고딕" pitchFamily="50" charset="-127"/>
               </a:rPr>
               <a:t>, </a:t>
             </a:r>
             <a:r>
-              <a:rPr lang="ko-KR" altLang="en-US" b="1" dirty="0" smtClean="0">
+              <a:rPr lang="ko-KR" altLang="en-US" b="1" dirty="0">
                 <a:latin typeface="나눔고딕" pitchFamily="50" charset="-127"/>
                 <a:ea typeface="나눔고딕" pitchFamily="50" charset="-127"/>
               </a:rPr>
               <a:t>내가 </a:t>
             </a:r>
             <a:r>
-              <a:rPr lang="en-US" altLang="ko-KR" b="1" dirty="0" smtClean="0">
+              <a:rPr lang="en-US" altLang="ko-KR" b="1" dirty="0">
                 <a:latin typeface="나눔고딕" pitchFamily="50" charset="-127"/>
                 <a:ea typeface="나눔고딕" pitchFamily="50" charset="-127"/>
               </a:rPr>
               <a:t>‘</a:t>
             </a:r>
             <a:r>
-              <a:rPr lang="ko-KR" altLang="en-US" b="1" dirty="0" smtClean="0">
+              <a:rPr lang="ko-KR" altLang="en-US" b="1" dirty="0">
                 <a:latin typeface="나눔고딕" pitchFamily="50" charset="-127"/>
                 <a:ea typeface="나눔고딕" pitchFamily="50" charset="-127"/>
               </a:rPr>
               <a:t>의심하는 나</a:t>
             </a:r>
             <a:r>
-              <a:rPr lang="en-US" altLang="ko-KR" b="1" dirty="0" smtClean="0">
+              <a:rPr lang="en-US" altLang="ko-KR" b="1" dirty="0">
                 <a:latin typeface="나눔고딕" pitchFamily="50" charset="-127"/>
                 <a:ea typeface="나눔고딕" pitchFamily="50" charset="-127"/>
               </a:rPr>
               <a:t>’</a:t>
             </a:r>
             <a:r>
-              <a:rPr lang="ko-KR" altLang="en-US" b="1" dirty="0" smtClean="0">
+              <a:rPr lang="ko-KR" altLang="en-US" b="1" dirty="0">
                 <a:latin typeface="나눔고딕" pitchFamily="50" charset="-127"/>
                 <a:ea typeface="나눔고딕" pitchFamily="50" charset="-127"/>
               </a:rPr>
               <a:t>라고 </a:t>
             </a:r>
             <a:r>
-              <a:rPr lang="ko-KR" altLang="en-US" b="1" dirty="0" smtClean="0">
+              <a:rPr lang="ko-KR" altLang="en-US" b="1" dirty="0">
                 <a:solidFill>
                   <a:srgbClr val="FF0000"/>
                 </a:solidFill>
@@ -10487,41 +10306,41 @@
               <a:t>생각하는</a:t>
             </a:r>
             <a:r>
-              <a:rPr lang="ko-KR" altLang="en-US" b="1" dirty="0" smtClean="0">
+              <a:rPr lang="ko-KR" altLang="en-US" b="1" dirty="0">
                 <a:latin typeface="나눔고딕" pitchFamily="50" charset="-127"/>
                 <a:ea typeface="나눔고딕" pitchFamily="50" charset="-127"/>
               </a:rPr>
               <a:t> 동안</a:t>
             </a:r>
             <a:r>
-              <a:rPr lang="en-US" altLang="ko-KR" b="1" dirty="0" smtClean="0">
+              <a:rPr lang="en-US" altLang="ko-KR" b="1" dirty="0">
                 <a:latin typeface="나눔고딕" pitchFamily="50" charset="-127"/>
                 <a:ea typeface="나눔고딕" pitchFamily="50" charset="-127"/>
               </a:rPr>
               <a:t>, </a:t>
             </a:r>
             <a:r>
-              <a:rPr lang="ko-KR" altLang="en-US" b="1" dirty="0" smtClean="0">
+              <a:rPr lang="ko-KR" altLang="en-US" b="1" dirty="0">
                 <a:latin typeface="나눔고딕" pitchFamily="50" charset="-127"/>
                 <a:ea typeface="나눔고딕" pitchFamily="50" charset="-127"/>
               </a:rPr>
               <a:t>나는 확실히 존재한다</a:t>
             </a:r>
             <a:r>
-              <a:rPr lang="en-US" altLang="ko-KR" b="1" dirty="0" smtClean="0">
+              <a:rPr lang="en-US" altLang="ko-KR" b="1" dirty="0">
                 <a:latin typeface="나눔고딕" pitchFamily="50" charset="-127"/>
                 <a:ea typeface="나눔고딕" pitchFamily="50" charset="-127"/>
               </a:rPr>
               <a:t>.</a:t>
             </a:r>
             <a:r>
-              <a:rPr lang="ko-KR" altLang="en-US" b="1" dirty="0" smtClean="0">
+              <a:rPr lang="ko-KR" altLang="en-US" b="1" dirty="0">
                 <a:latin typeface="나눔고딕" pitchFamily="50" charset="-127"/>
                 <a:ea typeface="나눔고딕" pitchFamily="50" charset="-127"/>
               </a:rPr>
               <a:t> </a:t>
             </a:r>
-            <a:endParaRPr lang="en-US" altLang="ko-KR" b="1" dirty="0" smtClean="0">
+            <a:endParaRPr lang="en-US" altLang="ko-KR" b="1" dirty="0">
               <a:latin typeface="나눔고딕" pitchFamily="50" charset="-127"/>
               <a:ea typeface="나눔고딕" pitchFamily="50" charset="-127"/>
             </a:endParaRPr>
@@ -10534,7 +10353,7 @@
               <a:buNone/>
             </a:pPr>
             <a:r>
-              <a:rPr lang="ko-KR" altLang="en-US" b="1" dirty="0" smtClean="0">
+              <a:rPr lang="ko-KR" altLang="en-US" b="1" dirty="0">
                 <a:latin typeface="Times New Roman"/>
                 <a:ea typeface="나눔고딕" pitchFamily="50" charset="-127"/>
                 <a:cs typeface="Times New Roman"/>
@@ -10542,7 +10361,7 @@
               <a:t>→ </a:t>
             </a:r>
             <a:r>
-              <a:rPr lang="ko-KR" altLang="en-US" b="1" dirty="0" smtClean="0">
+              <a:rPr lang="ko-KR" altLang="en-US" b="1" dirty="0">
                 <a:latin typeface="나눔고딕" pitchFamily="50" charset="-127"/>
                 <a:ea typeface="나눔고딕" pitchFamily="50" charset="-127"/>
               </a:rPr>
@@ -10570,7 +10389,7 @@
           <a:lstStyle/>
           <a:p>
             <a:r>
-              <a:rPr lang="ko-KR" altLang="en-US" sz="4400" dirty="0" smtClean="0">
+              <a:rPr lang="ko-KR" altLang="en-US" sz="4400" dirty="0">
                 <a:solidFill>
                   <a:srgbClr val="FF0000"/>
                 </a:solidFill>
@@ -10580,7 +10399,7 @@
               <a:t>생각하는</a:t>
             </a:r>
             <a:r>
-              <a:rPr lang="ko-KR" altLang="en-US" sz="4400" dirty="0" smtClean="0">
+              <a:rPr lang="ko-KR" altLang="en-US" sz="4400" dirty="0">
                 <a:latin typeface="나눔고딕" pitchFamily="50" charset="-127"/>
                 <a:ea typeface="나눔고딕" pitchFamily="50" charset="-127"/>
               </a:rPr>
@@ -10641,13 +10460,13 @@
               </a:lnSpc>
             </a:pPr>
             <a:r>
-              <a:rPr lang="ko-KR" altLang="en-US" b="1" dirty="0" smtClean="0">
+              <a:rPr lang="ko-KR" altLang="en-US" b="1" dirty="0">
                 <a:latin typeface="나눔고딕" pitchFamily="50" charset="-127"/>
                 <a:ea typeface="나눔고딕" pitchFamily="50" charset="-127"/>
               </a:rPr>
               <a:t>플라톤의 동굴의 비유</a:t>
             </a:r>
-            <a:endParaRPr lang="en-US" altLang="ko-KR" b="1" dirty="0" smtClean="0">
+            <a:endParaRPr lang="en-US" altLang="ko-KR" b="1" dirty="0">
               <a:latin typeface="나눔고딕" pitchFamily="50" charset="-127"/>
               <a:ea typeface="나눔고딕" pitchFamily="50" charset="-127"/>
             </a:endParaRPr>
@@ -10659,7 +10478,7 @@
               </a:lnSpc>
             </a:pPr>
             <a:r>
-              <a:rPr lang="ko-KR" altLang="en-US" b="1" dirty="0" smtClean="0">
+              <a:rPr lang="ko-KR" altLang="en-US" b="1" dirty="0">
                 <a:latin typeface="Times New Roman"/>
                 <a:ea typeface="나눔고딕" pitchFamily="50" charset="-127"/>
                 <a:cs typeface="Times New Roman"/>
@@ -10667,7 +10486,7 @@
               <a:t>우리 감각관념의 기원이 명확하다</a:t>
             </a:r>
             <a:r>
-              <a:rPr lang="en-US" altLang="ko-KR" b="1" dirty="0" smtClean="0">
+              <a:rPr lang="en-US" altLang="ko-KR" b="1" dirty="0">
                 <a:latin typeface="Times New Roman"/>
                 <a:ea typeface="나눔고딕" pitchFamily="50" charset="-127"/>
                 <a:cs typeface="Times New Roman"/>
@@ -10675,7 +10494,7 @@
               <a:t>:</a:t>
             </a:r>
             <a:r>
-              <a:rPr lang="ko-KR" altLang="en-US" b="1" dirty="0" err="1" smtClean="0">
+              <a:rPr lang="ko-KR" altLang="en-US" b="1" dirty="0" err="1">
                 <a:latin typeface="Times New Roman"/>
                 <a:ea typeface="나눔고딕" pitchFamily="50" charset="-127"/>
                 <a:cs typeface="Times New Roman"/>
@@ -10683,35 +10502,35 @@
               <a:t>동굴</a:t>
             </a:r>
             <a:r>
-              <a:rPr lang="ko-KR" altLang="en-US" b="1" dirty="0" err="1" smtClean="0">
+              <a:rPr lang="ko-KR" altLang="en-US" b="1" dirty="0" err="1">
                 <a:latin typeface="나눔고딕" pitchFamily="50" charset="-127"/>
                 <a:ea typeface="나눔고딕" pitchFamily="50" charset="-127"/>
               </a:rPr>
               <a:t>벽에</a:t>
             </a:r>
             <a:r>
-              <a:rPr lang="ko-KR" altLang="en-US" b="1" dirty="0" smtClean="0">
+              <a:rPr lang="ko-KR" altLang="en-US" b="1" dirty="0">
                 <a:latin typeface="나눔고딕" pitchFamily="50" charset="-127"/>
                 <a:ea typeface="나눔고딕" pitchFamily="50" charset="-127"/>
               </a:rPr>
               <a:t> 비친 그림자의 기원은 이데아 </a:t>
             </a:r>
             <a:r>
-              <a:rPr lang="ko-KR" altLang="en-US" b="1" dirty="0" smtClean="0">
+              <a:rPr lang="ko-KR" altLang="en-US" b="1" dirty="0">
                 <a:latin typeface="나눔고딕"/>
                 <a:ea typeface="나눔고딕"/>
               </a:rPr>
               <a:t>→ </a:t>
             </a:r>
             <a:r>
-              <a:rPr lang="ko-KR" altLang="en-US" b="1" dirty="0" smtClean="0">
+              <a:rPr lang="ko-KR" altLang="en-US" b="1" dirty="0">
                 <a:latin typeface="Times New Roman"/>
                 <a:ea typeface="나눔고딕" pitchFamily="50" charset="-127"/>
                 <a:cs typeface="Times New Roman"/>
               </a:rPr>
               <a:t>감각관념의 기원은 이데아</a:t>
             </a:r>
-            <a:endParaRPr lang="en-US" altLang="ko-KR" b="1" dirty="0" smtClean="0">
+            <a:endParaRPr lang="en-US" altLang="ko-KR" b="1" dirty="0">
               <a:latin typeface="Times New Roman"/>
               <a:ea typeface="나눔고딕" pitchFamily="50" charset="-127"/>
               <a:cs typeface="Times New Roman"/>
@@ -10724,7 +10543,7 @@
               </a:lnSpc>
             </a:pPr>
             <a:r>
-              <a:rPr lang="en-US" altLang="ko-KR" b="1" dirty="0" smtClean="0">
+              <a:rPr lang="en-US" altLang="ko-KR" b="1" dirty="0">
                 <a:latin typeface="Times New Roman"/>
                 <a:ea typeface="나눔고딕" pitchFamily="50" charset="-127"/>
                 <a:cs typeface="Times New Roman"/>
@@ -10732,7 +10551,7 @@
               <a:t> </a:t>
             </a:r>
             <a:r>
-              <a:rPr lang="ko-KR" altLang="en-US" b="1" dirty="0" smtClean="0">
+              <a:rPr lang="ko-KR" altLang="en-US" b="1" dirty="0">
                 <a:latin typeface="Times New Roman"/>
                 <a:ea typeface="나눔고딕" pitchFamily="50" charset="-127"/>
                 <a:cs typeface="Times New Roman"/>
@@ -10740,7 +10559,7 @@
               <a:t>이데아와 감각관념의 관계</a:t>
             </a:r>
             <a:r>
-              <a:rPr lang="en-US" altLang="ko-KR" b="1" dirty="0" smtClean="0">
+              <a:rPr lang="en-US" altLang="ko-KR" b="1" dirty="0">
                 <a:latin typeface="Times New Roman"/>
                 <a:ea typeface="나눔고딕" pitchFamily="50" charset="-127"/>
                 <a:cs typeface="Times New Roman"/>
@@ -10748,7 +10567,7 @@
               <a:t>: </a:t>
             </a:r>
             <a:r>
-              <a:rPr lang="ko-KR" altLang="en-US" b="1" dirty="0" smtClean="0">
+              <a:rPr lang="ko-KR" altLang="en-US" b="1" dirty="0">
                 <a:latin typeface="Times New Roman"/>
                 <a:ea typeface="나눔고딕" pitchFamily="50" charset="-127"/>
                 <a:cs typeface="Times New Roman"/>
@@ -10756,7 +10575,7 @@
               <a:t>모방의 관계</a:t>
             </a:r>
             <a:r>
-              <a:rPr lang="en-US" altLang="ko-KR" b="1" dirty="0" smtClean="0">
+              <a:rPr lang="en-US" altLang="ko-KR" b="1" dirty="0">
                 <a:latin typeface="Times New Roman"/>
                 <a:ea typeface="나눔고딕" pitchFamily="50" charset="-127"/>
                 <a:cs typeface="Times New Roman"/>
@@ -10764,7 +10583,7 @@
               <a:t>, </a:t>
             </a:r>
             <a:r>
-              <a:rPr lang="ko-KR" altLang="en-US" b="1" dirty="0" smtClean="0">
+              <a:rPr lang="ko-KR" altLang="en-US" b="1" dirty="0">
                 <a:latin typeface="Times New Roman"/>
                 <a:ea typeface="나눔고딕" pitchFamily="50" charset="-127"/>
                 <a:cs typeface="Times New Roman"/>
@@ -10772,7 +10591,7 @@
               <a:t>유사함의 관계</a:t>
             </a:r>
             <a:r>
-              <a:rPr lang="en-US" altLang="ko-KR" b="1" dirty="0" smtClean="0">
+              <a:rPr lang="en-US" altLang="ko-KR" b="1" dirty="0">
                 <a:latin typeface="Times New Roman"/>
                 <a:ea typeface="나눔고딕" pitchFamily="50" charset="-127"/>
                 <a:cs typeface="Times New Roman"/>
@@ -10789,14 +10608,14 @@
               <a:buChar char="-"/>
             </a:pPr>
             <a:r>
-              <a:rPr lang="ko-KR" altLang="en-US" b="1" dirty="0" smtClean="0">
+              <a:rPr lang="ko-KR" altLang="en-US" b="1" dirty="0">
                 <a:latin typeface="Times New Roman"/>
                 <a:ea typeface="나눔고딕" pitchFamily="50" charset="-127"/>
                 <a:cs typeface="Times New Roman"/>
               </a:rPr>
               <a:t>침대의 이데아를 모방 → 현실의 침대</a:t>
             </a:r>
-            <a:endParaRPr lang="en-US" altLang="ko-KR" b="1" dirty="0" smtClean="0">
+            <a:endParaRPr lang="en-US" altLang="ko-KR" b="1" dirty="0">
               <a:latin typeface="Times New Roman"/>
               <a:ea typeface="나눔고딕" pitchFamily="50" charset="-127"/>
               <a:cs typeface="Times New Roman"/>
@@ -10811,7 +10630,7 @@
               <a:buChar char="-"/>
             </a:pPr>
             <a:r>
-              <a:rPr lang="ko-KR" altLang="en-US" b="1" dirty="0" smtClean="0">
+              <a:rPr lang="ko-KR" altLang="en-US" b="1" dirty="0">
                 <a:latin typeface="Times New Roman"/>
                 <a:ea typeface="나눔고딕" pitchFamily="50" charset="-127"/>
                 <a:cs typeface="Times New Roman"/>
@@ -10819,7 +10638,7 @@
               <a:t>현실의 침대를 모방  → 침대의 관념</a:t>
             </a:r>
             <a:r>
-              <a:rPr lang="en-US" altLang="ko-KR" b="1" dirty="0" smtClean="0">
+              <a:rPr lang="en-US" altLang="ko-KR" b="1" dirty="0">
                 <a:latin typeface="Times New Roman"/>
                 <a:ea typeface="나눔고딕" pitchFamily="50" charset="-127"/>
                 <a:cs typeface="Times New Roman"/>
@@ -10827,7 +10646,7 @@
               <a:t>(</a:t>
             </a:r>
             <a:r>
-              <a:rPr lang="ko-KR" altLang="en-US" b="1" dirty="0" smtClean="0">
+              <a:rPr lang="ko-KR" altLang="en-US" b="1" dirty="0">
                 <a:latin typeface="Times New Roman"/>
                 <a:ea typeface="나눔고딕" pitchFamily="50" charset="-127"/>
                 <a:cs typeface="Times New Roman"/>
@@ -10835,14 +10654,14 @@
               <a:t>침대의 이미지</a:t>
             </a:r>
             <a:r>
-              <a:rPr lang="en-US" altLang="ko-KR" b="1" dirty="0" smtClean="0">
+              <a:rPr lang="en-US" altLang="ko-KR" b="1" dirty="0">
                 <a:latin typeface="Times New Roman"/>
                 <a:ea typeface="나눔고딕" pitchFamily="50" charset="-127"/>
                 <a:cs typeface="Times New Roman"/>
               </a:rPr>
               <a:t>)</a:t>
             </a:r>
-            <a:endParaRPr lang="en-US" altLang="ko-KR" b="1" dirty="0" smtClean="0">
+            <a:endParaRPr lang="en-US" altLang="ko-KR" b="1" dirty="0">
               <a:latin typeface="나눔고딕" pitchFamily="50" charset="-127"/>
               <a:ea typeface="나눔고딕" pitchFamily="50" charset="-127"/>
             </a:endParaRPr>
@@ -10876,30 +10695,26 @@
           <a:p>
             <a:pPr algn="ctr"/>
             <a:r>
-              <a:rPr lang="ko-KR" altLang="en-US" sz="3500" dirty="0" smtClean="0">
+              <a:rPr lang="ko-KR" altLang="en-US" sz="3500" dirty="0">
                 <a:latin typeface="나눔고딕" pitchFamily="50" charset="-127"/>
                 <a:ea typeface="나눔고딕" pitchFamily="50" charset="-127"/>
               </a:rPr>
               <a:t>관념의 기원의 문제</a:t>
             </a:r>
             <a:r>
-              <a:rPr lang="en-US" altLang="ko-KR" sz="3500" dirty="0" smtClean="0">
+              <a:rPr lang="en-US" altLang="ko-KR" sz="3500" dirty="0">
                 <a:latin typeface="나눔고딕" pitchFamily="50" charset="-127"/>
                 <a:ea typeface="나눔고딕" pitchFamily="50" charset="-127"/>
               </a:rPr>
               <a:t>(1): </a:t>
             </a:r>
             <a:r>
-              <a:rPr lang="ko-KR" altLang="en-US" sz="3500" dirty="0" smtClean="0">
+              <a:rPr lang="ko-KR" altLang="en-US" sz="3500" dirty="0">
                 <a:latin typeface="나눔고딕" pitchFamily="50" charset="-127"/>
                 <a:ea typeface="나눔고딕" pitchFamily="50" charset="-127"/>
               </a:rPr>
               <a:t>플라톤</a:t>
             </a:r>
-            <a:endParaRPr lang="ko-KR" altLang="en-US" sz="3500" dirty="0">
-              <a:latin typeface="나눔고딕" pitchFamily="50" charset="-127"/>
-              <a:ea typeface="나눔고딕" pitchFamily="50" charset="-127"/>
-            </a:endParaRPr>
           </a:p>
         </p:txBody>
       </p:sp>
@@ -10949,14 +10764,14 @@
               </a:lnSpc>
             </a:pPr>
             <a:r>
-              <a:rPr lang="ko-KR" altLang="en-US" b="1" dirty="0" smtClean="0">
+              <a:rPr lang="ko-KR" altLang="en-US" b="1" dirty="0">
                 <a:latin typeface="나눔고딕" pitchFamily="50" charset="-127"/>
                 <a:ea typeface="나눔고딕" pitchFamily="50" charset="-127"/>
               </a:rPr>
               <a:t>내 관념의 기원인 외부대상의 존재에 대한 믿음 중지 </a:t>
             </a:r>
             <a:r>
-              <a:rPr lang="ko-KR" altLang="en-US" b="1" dirty="0" smtClean="0">
+              <a:rPr lang="ko-KR" altLang="en-US" b="1" dirty="0">
                 <a:latin typeface="Times New Roman"/>
                 <a:ea typeface="나눔고딕" pitchFamily="50" charset="-127"/>
                 <a:cs typeface="Times New Roman"/>
@@ -10964,28 +10779,28 @@
               <a:t>→ </a:t>
             </a:r>
             <a:r>
-              <a:rPr lang="ko-KR" altLang="en-US" b="1" dirty="0" smtClean="0">
+              <a:rPr lang="ko-KR" altLang="en-US" b="1" dirty="0">
                 <a:latin typeface="나눔고딕" pitchFamily="50" charset="-127"/>
                 <a:ea typeface="나눔고딕" pitchFamily="50" charset="-127"/>
               </a:rPr>
               <a:t>내 관념의 기원은 불명확 </a:t>
             </a:r>
             <a:r>
-              <a:rPr lang="en-US" altLang="ko-KR" b="1" dirty="0" smtClean="0">
+              <a:rPr lang="en-US" altLang="ko-KR" b="1" dirty="0">
                 <a:latin typeface="나눔고딕" pitchFamily="50" charset="-127"/>
                 <a:ea typeface="나눔고딕" pitchFamily="50" charset="-127"/>
               </a:rPr>
               <a:t>→ </a:t>
             </a:r>
             <a:r>
-              <a:rPr lang="ko-KR" altLang="en-US" b="1" dirty="0" smtClean="0">
+              <a:rPr lang="ko-KR" altLang="en-US" b="1" dirty="0">
                 <a:latin typeface="나눔고딕" pitchFamily="50" charset="-127"/>
                 <a:ea typeface="나눔고딕" pitchFamily="50" charset="-127"/>
               </a:rPr>
               <a:t>악령이 내가 가진 모든 관념의 기원일 수도 있다</a:t>
             </a:r>
             <a:r>
-              <a:rPr lang="en-US" altLang="ko-KR" b="1" dirty="0" smtClean="0">
+              <a:rPr lang="en-US" altLang="ko-KR" b="1" dirty="0">
                 <a:latin typeface="나눔고딕" pitchFamily="50" charset="-127"/>
                 <a:ea typeface="나눔고딕" pitchFamily="50" charset="-127"/>
               </a:rPr>
@@ -10999,62 +10814,62 @@
               </a:lnSpc>
             </a:pPr>
             <a:r>
-              <a:rPr lang="en-US" altLang="ko-KR" b="1" dirty="0" smtClean="0">
+              <a:rPr lang="en-US" altLang="ko-KR" b="1" dirty="0">
                 <a:latin typeface="나눔고딕" pitchFamily="50" charset="-127"/>
                 <a:ea typeface="나눔고딕" pitchFamily="50" charset="-127"/>
               </a:rPr>
               <a:t> </a:t>
             </a:r>
             <a:r>
-              <a:rPr lang="ko-KR" altLang="en-US" b="1" dirty="0" smtClean="0">
+              <a:rPr lang="ko-KR" altLang="en-US" b="1" dirty="0">
                 <a:latin typeface="나눔고딕" pitchFamily="50" charset="-127"/>
                 <a:ea typeface="나눔고딕" pitchFamily="50" charset="-127"/>
               </a:rPr>
               <a:t>외부세계와 내 관념 간의 관계 단절</a:t>
             </a:r>
             <a:r>
-              <a:rPr lang="en-US" altLang="ko-KR" b="1" dirty="0" smtClean="0">
+              <a:rPr lang="en-US" altLang="ko-KR" b="1" dirty="0">
                 <a:latin typeface="나눔고딕" pitchFamily="50" charset="-127"/>
                 <a:ea typeface="나눔고딕" pitchFamily="50" charset="-127"/>
               </a:rPr>
               <a:t>: (1) </a:t>
             </a:r>
             <a:r>
-              <a:rPr lang="ko-KR" altLang="en-US" b="1" dirty="0" smtClean="0">
+              <a:rPr lang="ko-KR" altLang="en-US" b="1" dirty="0">
                 <a:latin typeface="나눔고딕" pitchFamily="50" charset="-127"/>
                 <a:ea typeface="나눔고딕" pitchFamily="50" charset="-127"/>
               </a:rPr>
               <a:t>모방의 관계도</a:t>
             </a:r>
             <a:r>
-              <a:rPr lang="en-US" altLang="ko-KR" b="1" dirty="0" smtClean="0">
+              <a:rPr lang="en-US" altLang="ko-KR" b="1" dirty="0">
                 <a:latin typeface="나눔고딕" pitchFamily="50" charset="-127"/>
                 <a:ea typeface="나눔고딕" pitchFamily="50" charset="-127"/>
               </a:rPr>
               <a:t>, </a:t>
             </a:r>
             <a:r>
-              <a:rPr lang="ko-KR" altLang="en-US" b="1" dirty="0" smtClean="0">
+              <a:rPr lang="ko-KR" altLang="en-US" b="1" dirty="0">
                 <a:latin typeface="나눔고딕" pitchFamily="50" charset="-127"/>
                 <a:ea typeface="나눔고딕" pitchFamily="50" charset="-127"/>
               </a:rPr>
               <a:t>유사성의 관계도 아님</a:t>
             </a:r>
             <a:r>
-              <a:rPr lang="en-US" altLang="ko-KR" b="1" dirty="0" smtClean="0">
+              <a:rPr lang="en-US" altLang="ko-KR" b="1" dirty="0">
                 <a:latin typeface="나눔고딕" pitchFamily="50" charset="-127"/>
                 <a:ea typeface="나눔고딕" pitchFamily="50" charset="-127"/>
               </a:rPr>
               <a:t>. (2) </a:t>
             </a:r>
             <a:r>
-              <a:rPr lang="ko-KR" altLang="en-US" b="1" dirty="0" smtClean="0">
+              <a:rPr lang="ko-KR" altLang="en-US" b="1" dirty="0">
                 <a:latin typeface="나눔고딕" pitchFamily="50" charset="-127"/>
                 <a:ea typeface="나눔고딕" pitchFamily="50" charset="-127"/>
               </a:rPr>
               <a:t>외부세계의 존재 자체가 불확실</a:t>
             </a:r>
-            <a:endParaRPr lang="en-US" altLang="ko-KR" b="1" dirty="0" smtClean="0">
+            <a:endParaRPr lang="en-US" altLang="ko-KR" b="1" dirty="0">
               <a:latin typeface="나눔고딕" pitchFamily="50" charset="-127"/>
               <a:ea typeface="나눔고딕" pitchFamily="50" charset="-127"/>
             </a:endParaRPr>
@@ -11067,7 +10882,7 @@
               <a:buNone/>
             </a:pPr>
             <a:r>
-              <a:rPr lang="en-US" altLang="ko-KR" b="1" dirty="0" smtClean="0">
+              <a:rPr lang="en-US" altLang="ko-KR" b="1" dirty="0">
                 <a:latin typeface="나눔고딕" pitchFamily="50" charset="-127"/>
                 <a:ea typeface="나눔고딕" pitchFamily="50" charset="-127"/>
               </a:rPr>
@@ -11097,21 +10912,21 @@
           <a:lstStyle/>
           <a:p>
             <a:r>
-              <a:rPr lang="ko-KR" altLang="en-US" sz="4000" dirty="0" smtClean="0">
+              <a:rPr lang="ko-KR" altLang="en-US" sz="4000" dirty="0">
                 <a:latin typeface="나눔고딕" pitchFamily="50" charset="-127"/>
                 <a:ea typeface="나눔고딕" pitchFamily="50" charset="-127"/>
               </a:rPr>
               <a:t>관념의 기원의 문제</a:t>
             </a:r>
             <a:r>
-              <a:rPr lang="en-US" altLang="ko-KR" sz="4000" dirty="0" smtClean="0">
+              <a:rPr lang="en-US" altLang="ko-KR" sz="4000" dirty="0">
                 <a:latin typeface="나눔고딕" pitchFamily="50" charset="-127"/>
                 <a:ea typeface="나눔고딕" pitchFamily="50" charset="-127"/>
               </a:rPr>
               <a:t>(2): </a:t>
             </a:r>
             <a:r>
-              <a:rPr lang="ko-KR" altLang="en-US" sz="4000" dirty="0" smtClean="0">
+              <a:rPr lang="ko-KR" altLang="en-US" sz="4000" dirty="0">
                 <a:latin typeface="나눔고딕" pitchFamily="50" charset="-127"/>
                 <a:ea typeface="나눔고딕" pitchFamily="50" charset="-127"/>
               </a:rPr>
@@ -11169,34 +10984,34 @@
               </a:lnSpc>
             </a:pPr>
             <a:r>
-              <a:rPr lang="en-US" altLang="ko-KR" b="1" dirty="0" smtClean="0">
+              <a:rPr lang="en-US" altLang="ko-KR" b="1" dirty="0">
                 <a:latin typeface="나눔고딕" pitchFamily="50" charset="-127"/>
                 <a:ea typeface="나눔고딕" pitchFamily="50" charset="-127"/>
               </a:rPr>
               <a:t> </a:t>
             </a:r>
             <a:r>
-              <a:rPr lang="ko-KR" altLang="en-US" b="1" dirty="0" smtClean="0">
+              <a:rPr lang="ko-KR" altLang="en-US" b="1" dirty="0">
                 <a:latin typeface="나눔고딕" pitchFamily="50" charset="-127"/>
                 <a:ea typeface="나눔고딕" pitchFamily="50" charset="-127"/>
               </a:rPr>
               <a:t>현실세계</a:t>
             </a:r>
             <a:r>
-              <a:rPr lang="en-US" altLang="ko-KR" b="1" dirty="0" smtClean="0">
+              <a:rPr lang="en-US" altLang="ko-KR" b="1" dirty="0">
                 <a:latin typeface="나눔고딕" pitchFamily="50" charset="-127"/>
                 <a:ea typeface="나눔고딕" pitchFamily="50" charset="-127"/>
               </a:rPr>
               <a:t>: </a:t>
             </a:r>
             <a:r>
-              <a:rPr lang="ko-KR" altLang="en-US" b="1" dirty="0" smtClean="0">
+              <a:rPr lang="ko-KR" altLang="en-US" b="1" dirty="0">
                 <a:latin typeface="나눔고딕" pitchFamily="50" charset="-127"/>
                 <a:ea typeface="나눔고딕" pitchFamily="50" charset="-127"/>
               </a:rPr>
               <a:t>매트릭스에 의해 인간 두뇌에 넣어진 환상</a:t>
             </a:r>
-            <a:endParaRPr lang="en-US" altLang="ko-KR" b="1" dirty="0" smtClean="0">
+            <a:endParaRPr lang="en-US" altLang="ko-KR" b="1" dirty="0">
               <a:latin typeface="나눔고딕" pitchFamily="50" charset="-127"/>
               <a:ea typeface="나눔고딕" pitchFamily="50" charset="-127"/>
             </a:endParaRPr>
@@ -11208,20 +11023,20 @@
               </a:lnSpc>
             </a:pPr>
             <a:r>
-              <a:rPr lang="en-US" altLang="ko-KR" b="1" dirty="0" smtClean="0">
+              <a:rPr lang="en-US" altLang="ko-KR" b="1" dirty="0">
                 <a:latin typeface="나눔고딕" pitchFamily="50" charset="-127"/>
                 <a:ea typeface="나눔고딕" pitchFamily="50" charset="-127"/>
               </a:rPr>
               <a:t> </a:t>
             </a:r>
             <a:r>
-              <a:rPr lang="ko-KR" altLang="en-US" b="1" dirty="0" smtClean="0">
+              <a:rPr lang="ko-KR" altLang="en-US" b="1" dirty="0">
                 <a:latin typeface="나눔고딕" pitchFamily="50" charset="-127"/>
                 <a:ea typeface="나눔고딕" pitchFamily="50" charset="-127"/>
               </a:rPr>
               <a:t>현실세계와 실재세계의 구분</a:t>
             </a:r>
-            <a:endParaRPr lang="en-US" altLang="ko-KR" b="1" dirty="0" smtClean="0">
+            <a:endParaRPr lang="en-US" altLang="ko-KR" b="1" dirty="0">
               <a:latin typeface="나눔고딕" pitchFamily="50" charset="-127"/>
               <a:ea typeface="나눔고딕" pitchFamily="50" charset="-127"/>
             </a:endParaRPr>
@@ -11233,90 +11048,90 @@
               </a:lnSpc>
             </a:pPr>
             <a:r>
-              <a:rPr lang="en-US" altLang="ko-KR" b="1" dirty="0" smtClean="0">
+              <a:rPr lang="en-US" altLang="ko-KR" b="1" dirty="0">
                 <a:latin typeface="나눔고딕" pitchFamily="50" charset="-127"/>
                 <a:ea typeface="나눔고딕" pitchFamily="50" charset="-127"/>
               </a:rPr>
               <a:t> </a:t>
             </a:r>
             <a:r>
-              <a:rPr lang="ko-KR" altLang="en-US" b="1" dirty="0" smtClean="0">
+              <a:rPr lang="ko-KR" altLang="en-US" b="1" dirty="0">
                 <a:latin typeface="나눔고딕" pitchFamily="50" charset="-127"/>
                 <a:ea typeface="나눔고딕" pitchFamily="50" charset="-127"/>
               </a:rPr>
               <a:t>플라톤의 </a:t>
             </a:r>
             <a:r>
-              <a:rPr lang="en-US" altLang="ko-KR" b="1" dirty="0" smtClean="0">
+              <a:rPr lang="en-US" altLang="ko-KR" b="1" dirty="0">
                 <a:latin typeface="나눔고딕" pitchFamily="50" charset="-127"/>
                 <a:ea typeface="나눔고딕" pitchFamily="50" charset="-127"/>
               </a:rPr>
               <a:t>‘</a:t>
             </a:r>
             <a:r>
-              <a:rPr lang="ko-KR" altLang="en-US" b="1" dirty="0" smtClean="0">
+              <a:rPr lang="ko-KR" altLang="en-US" b="1" dirty="0">
                 <a:latin typeface="나눔고딕" pitchFamily="50" charset="-127"/>
                 <a:ea typeface="나눔고딕" pitchFamily="50" charset="-127"/>
               </a:rPr>
               <a:t>이데아</a:t>
             </a:r>
             <a:r>
-              <a:rPr lang="en-US" altLang="ko-KR" b="1" dirty="0" smtClean="0">
+              <a:rPr lang="en-US" altLang="ko-KR" b="1" dirty="0">
                 <a:latin typeface="나눔고딕" pitchFamily="50" charset="-127"/>
                 <a:ea typeface="나눔고딕" pitchFamily="50" charset="-127"/>
               </a:rPr>
               <a:t>-</a:t>
             </a:r>
             <a:r>
-              <a:rPr lang="ko-KR" altLang="en-US" b="1" dirty="0" smtClean="0">
+              <a:rPr lang="ko-KR" altLang="en-US" b="1" dirty="0">
                 <a:latin typeface="나눔고딕" pitchFamily="50" charset="-127"/>
                 <a:ea typeface="나눔고딕" pitchFamily="50" charset="-127"/>
               </a:rPr>
               <a:t>현실의 이원론</a:t>
             </a:r>
             <a:r>
-              <a:rPr lang="en-US" altLang="ko-KR" b="1" dirty="0" smtClean="0">
+              <a:rPr lang="en-US" altLang="ko-KR" b="1" dirty="0">
                 <a:latin typeface="나눔고딕" pitchFamily="50" charset="-127"/>
                 <a:ea typeface="나눔고딕" pitchFamily="50" charset="-127"/>
               </a:rPr>
               <a:t>’</a:t>
             </a:r>
             <a:r>
-              <a:rPr lang="ko-KR" altLang="en-US" b="1" dirty="0" smtClean="0">
+              <a:rPr lang="ko-KR" altLang="en-US" b="1" dirty="0">
                 <a:latin typeface="나눔고딕" pitchFamily="50" charset="-127"/>
                 <a:ea typeface="나눔고딕" pitchFamily="50" charset="-127"/>
               </a:rPr>
               <a:t>에서 현실은 이데아를 </a:t>
             </a:r>
             <a:r>
-              <a:rPr lang="en-US" altLang="ko-KR" b="1" dirty="0" smtClean="0">
+              <a:rPr lang="en-US" altLang="ko-KR" b="1" dirty="0">
                 <a:latin typeface="나눔고딕" pitchFamily="50" charset="-127"/>
                 <a:ea typeface="나눔고딕" pitchFamily="50" charset="-127"/>
               </a:rPr>
               <a:t>(</a:t>
             </a:r>
             <a:r>
-              <a:rPr lang="ko-KR" altLang="en-US" b="1" dirty="0" smtClean="0">
+              <a:rPr lang="ko-KR" altLang="en-US" b="1" dirty="0">
                 <a:latin typeface="나눔고딕" pitchFamily="50" charset="-127"/>
                 <a:ea typeface="나눔고딕" pitchFamily="50" charset="-127"/>
               </a:rPr>
               <a:t>불완전하지만</a:t>
             </a:r>
             <a:r>
-              <a:rPr lang="en-US" altLang="ko-KR" b="1" dirty="0" smtClean="0">
+              <a:rPr lang="en-US" altLang="ko-KR" b="1" dirty="0">
                 <a:latin typeface="나눔고딕" pitchFamily="50" charset="-127"/>
                 <a:ea typeface="나눔고딕" pitchFamily="50" charset="-127"/>
               </a:rPr>
               <a:t>) </a:t>
             </a:r>
             <a:r>
-              <a:rPr lang="ko-KR" altLang="en-US" b="1" dirty="0" smtClean="0">
+              <a:rPr lang="ko-KR" altLang="en-US" b="1" dirty="0">
                 <a:latin typeface="나눔고딕" pitchFamily="50" charset="-127"/>
                 <a:ea typeface="나눔고딕" pitchFamily="50" charset="-127"/>
               </a:rPr>
               <a:t>충실히 모방하여 존재</a:t>
             </a:r>
-            <a:endParaRPr lang="en-US" altLang="ko-KR" b="1" dirty="0" smtClean="0">
+            <a:endParaRPr lang="en-US" altLang="ko-KR" b="1" dirty="0">
               <a:latin typeface="나눔고딕" pitchFamily="50" charset="-127"/>
               <a:ea typeface="나눔고딕" pitchFamily="50" charset="-127"/>
             </a:endParaRPr>
@@ -11328,7 +11143,7 @@
               </a:lnSpc>
             </a:pPr>
             <a:r>
-              <a:rPr lang="ko-KR" altLang="en-US" b="1" dirty="0" smtClean="0">
+              <a:rPr lang="ko-KR" altLang="en-US" b="1" dirty="0">
                 <a:latin typeface="나눔고딕" pitchFamily="50" charset="-127"/>
                 <a:ea typeface="나눔고딕" pitchFamily="50" charset="-127"/>
                 <a:cs typeface="Times New Roman"/>
@@ -11336,7 +11151,7 @@
               <a:t>매트릭스의 현실</a:t>
             </a:r>
             <a:r>
-              <a:rPr lang="en-US" altLang="ko-KR" b="1" dirty="0" smtClean="0">
+              <a:rPr lang="en-US" altLang="ko-KR" b="1" dirty="0">
                 <a:latin typeface="나눔고딕" pitchFamily="50" charset="-127"/>
                 <a:ea typeface="나눔고딕" pitchFamily="50" charset="-127"/>
                 <a:cs typeface="Times New Roman"/>
@@ -11344,7 +11159,7 @@
               <a:t>-</a:t>
             </a:r>
             <a:r>
-              <a:rPr lang="ko-KR" altLang="en-US" b="1" dirty="0" smtClean="0">
+              <a:rPr lang="ko-KR" altLang="en-US" b="1" dirty="0">
                 <a:latin typeface="나눔고딕" pitchFamily="50" charset="-127"/>
                 <a:ea typeface="나눔고딕" pitchFamily="50" charset="-127"/>
                 <a:cs typeface="Times New Roman"/>
@@ -11352,7 +11167,7 @@
               <a:t>실재 구분은 플라톤의 동굴의 비유가 아니라</a:t>
             </a:r>
             <a:r>
-              <a:rPr lang="en-US" altLang="ko-KR" b="1" dirty="0" smtClean="0">
+              <a:rPr lang="en-US" altLang="ko-KR" b="1" dirty="0">
                 <a:latin typeface="나눔고딕" pitchFamily="50" charset="-127"/>
                 <a:ea typeface="나눔고딕" pitchFamily="50" charset="-127"/>
                 <a:cs typeface="Times New Roman"/>
@@ -11360,7 +11175,7 @@
               <a:t>, </a:t>
             </a:r>
             <a:r>
-              <a:rPr lang="ko-KR" altLang="en-US" b="1" dirty="0" smtClean="0">
+              <a:rPr lang="ko-KR" altLang="en-US" b="1" dirty="0">
                 <a:latin typeface="나눔고딕" pitchFamily="50" charset="-127"/>
                 <a:ea typeface="나눔고딕" pitchFamily="50" charset="-127"/>
                 <a:cs typeface="Times New Roman"/>
@@ -11368,7 +11183,7 @@
               <a:t>데카르트의 악령의 가설에 가깝다</a:t>
             </a:r>
             <a:r>
-              <a:rPr lang="en-US" altLang="ko-KR" b="1" dirty="0" smtClean="0">
+              <a:rPr lang="en-US" altLang="ko-KR" b="1" dirty="0">
                 <a:latin typeface="나눔고딕" pitchFamily="50" charset="-127"/>
                 <a:ea typeface="나눔고딕" pitchFamily="50" charset="-127"/>
                 <a:cs typeface="Times New Roman"/>
@@ -11376,7 +11191,7 @@
               <a:t>: </a:t>
             </a:r>
             <a:r>
-              <a:rPr lang="ko-KR" altLang="en-US" b="1" dirty="0" smtClean="0">
+              <a:rPr lang="ko-KR" altLang="en-US" b="1" dirty="0">
                 <a:latin typeface="나눔고딕" pitchFamily="50" charset="-127"/>
                 <a:ea typeface="나눔고딕" pitchFamily="50" charset="-127"/>
                 <a:cs typeface="Times New Roman"/>
@@ -11384,7 +11199,7 @@
               <a:t>현실과 실재의 관계는 모방의 관계도</a:t>
             </a:r>
             <a:r>
-              <a:rPr lang="en-US" altLang="ko-KR" b="1" dirty="0" smtClean="0">
+              <a:rPr lang="en-US" altLang="ko-KR" b="1" dirty="0">
                 <a:latin typeface="나눔고딕" pitchFamily="50" charset="-127"/>
                 <a:ea typeface="나눔고딕" pitchFamily="50" charset="-127"/>
                 <a:cs typeface="Times New Roman"/>
@@ -11392,7 +11207,7 @@
               <a:t>, </a:t>
             </a:r>
             <a:r>
-              <a:rPr lang="ko-KR" altLang="en-US" b="1" dirty="0" smtClean="0">
+              <a:rPr lang="ko-KR" altLang="en-US" b="1" dirty="0">
                 <a:latin typeface="나눔고딕" pitchFamily="50" charset="-127"/>
                 <a:ea typeface="나눔고딕" pitchFamily="50" charset="-127"/>
                 <a:cs typeface="Times New Roman"/>
@@ -11400,14 +11215,14 @@
               <a:t>유사성의 관계도 아니다</a:t>
             </a:r>
             <a:r>
-              <a:rPr lang="en-US" altLang="ko-KR" b="1" dirty="0" smtClean="0">
+              <a:rPr lang="en-US" altLang="ko-KR" b="1" dirty="0">
                 <a:latin typeface="나눔고딕" pitchFamily="50" charset="-127"/>
                 <a:ea typeface="나눔고딕" pitchFamily="50" charset="-127"/>
                 <a:cs typeface="Times New Roman"/>
               </a:rPr>
               <a:t>.</a:t>
             </a:r>
-            <a:endParaRPr lang="en-US" altLang="ko-KR" b="1" dirty="0" smtClean="0">
+            <a:endParaRPr lang="en-US" altLang="ko-KR" b="1" dirty="0">
               <a:latin typeface="나눔고딕" pitchFamily="50" charset="-127"/>
               <a:ea typeface="나눔고딕" pitchFamily="50" charset="-127"/>
             </a:endParaRPr>
@@ -11433,21 +11248,21 @@
           <a:lstStyle/>
           <a:p>
             <a:r>
-              <a:rPr lang="ko-KR" altLang="en-US" sz="4000" dirty="0" smtClean="0">
+              <a:rPr lang="ko-KR" altLang="en-US" sz="4000" dirty="0">
                 <a:latin typeface="나눔고딕" pitchFamily="50" charset="-127"/>
                 <a:ea typeface="나눔고딕" pitchFamily="50" charset="-127"/>
               </a:rPr>
               <a:t>관념의 기원의 문제</a:t>
             </a:r>
             <a:r>
-              <a:rPr lang="en-US" altLang="ko-KR" sz="4000" dirty="0" smtClean="0">
+              <a:rPr lang="en-US" altLang="ko-KR" sz="4000" dirty="0">
                 <a:latin typeface="나눔고딕" pitchFamily="50" charset="-127"/>
                 <a:ea typeface="나눔고딕" pitchFamily="50" charset="-127"/>
               </a:rPr>
               <a:t>(3): </a:t>
             </a:r>
             <a:r>
-              <a:rPr lang="ko-KR" altLang="en-US" sz="4000" dirty="0" smtClean="0">
+              <a:rPr lang="ko-KR" altLang="en-US" sz="4000" dirty="0">
                 <a:latin typeface="나눔고딕" pitchFamily="50" charset="-127"/>
                 <a:ea typeface="나눔고딕" pitchFamily="50" charset="-127"/>
               </a:rPr>
@@ -11505,94 +11320,94 @@
               </a:lnSpc>
             </a:pPr>
             <a:r>
-              <a:rPr lang="en-US" altLang="ko-KR" dirty="0" smtClean="0"/>
+              <a:rPr lang="en-US" altLang="ko-KR" dirty="0"/>
               <a:t> </a:t>
             </a:r>
             <a:r>
-              <a:rPr lang="en-US" altLang="ko-KR" b="1" dirty="0" smtClean="0">
+              <a:rPr lang="en-US" altLang="ko-KR" b="1" dirty="0">
                 <a:latin typeface="나눔고딕" pitchFamily="50" charset="-127"/>
                 <a:ea typeface="나눔고딕" pitchFamily="50" charset="-127"/>
               </a:rPr>
               <a:t> </a:t>
             </a:r>
             <a:r>
-              <a:rPr lang="ko-KR" altLang="en-US" b="1" dirty="0" smtClean="0">
+              <a:rPr lang="ko-KR" altLang="en-US" b="1" dirty="0">
                 <a:latin typeface="나눔고딕" pitchFamily="50" charset="-127"/>
                 <a:ea typeface="나눔고딕" pitchFamily="50" charset="-127"/>
               </a:rPr>
               <a:t>인간 본성</a:t>
             </a:r>
             <a:r>
-              <a:rPr lang="en-US" altLang="ko-KR" b="1" dirty="0" smtClean="0">
+              <a:rPr lang="en-US" altLang="ko-KR" b="1" dirty="0">
                 <a:latin typeface="나눔고딕" pitchFamily="50" charset="-127"/>
                 <a:ea typeface="나눔고딕" pitchFamily="50" charset="-127"/>
               </a:rPr>
               <a:t>(nature)</a:t>
             </a:r>
             <a:r>
-              <a:rPr lang="ko-KR" altLang="en-US" b="1" dirty="0" smtClean="0">
+              <a:rPr lang="ko-KR" altLang="en-US" b="1" dirty="0">
                 <a:latin typeface="나눔고딕" pitchFamily="50" charset="-127"/>
                 <a:ea typeface="나눔고딕" pitchFamily="50" charset="-127"/>
               </a:rPr>
               <a:t>의 문제</a:t>
             </a:r>
             <a:r>
-              <a:rPr lang="en-US" altLang="ko-KR" b="1" dirty="0" smtClean="0">
+              <a:rPr lang="en-US" altLang="ko-KR" b="1" dirty="0">
                 <a:latin typeface="나눔고딕" pitchFamily="50" charset="-127"/>
                 <a:ea typeface="나눔고딕" pitchFamily="50" charset="-127"/>
               </a:rPr>
               <a:t>: ‘</a:t>
             </a:r>
             <a:r>
-              <a:rPr lang="ko-KR" altLang="en-US" b="1" dirty="0" smtClean="0">
+              <a:rPr lang="ko-KR" altLang="en-US" b="1" dirty="0">
                 <a:latin typeface="나눔고딕" pitchFamily="50" charset="-127"/>
                 <a:ea typeface="나눔고딕" pitchFamily="50" charset="-127"/>
               </a:rPr>
               <a:t>인간이란 무엇인가</a:t>
             </a:r>
             <a:r>
-              <a:rPr lang="en-US" altLang="ko-KR" b="1" dirty="0" smtClean="0">
+              <a:rPr lang="en-US" altLang="ko-KR" b="1" dirty="0">
                 <a:latin typeface="나눔고딕" pitchFamily="50" charset="-127"/>
                 <a:ea typeface="나눔고딕" pitchFamily="50" charset="-127"/>
               </a:rPr>
               <a:t>’</a:t>
             </a:r>
             <a:r>
-              <a:rPr lang="ko-KR" altLang="en-US" b="1" dirty="0" smtClean="0">
+              <a:rPr lang="ko-KR" altLang="en-US" b="1" dirty="0">
                 <a:latin typeface="나눔고딕" pitchFamily="50" charset="-127"/>
                 <a:ea typeface="나눔고딕" pitchFamily="50" charset="-127"/>
               </a:rPr>
               <a:t>는 인간이 아니면서 인간과 이웃해 있는 것</a:t>
             </a:r>
             <a:r>
-              <a:rPr lang="en-US" altLang="ko-KR" b="1" dirty="0" smtClean="0">
+              <a:rPr lang="en-US" altLang="ko-KR" b="1" dirty="0">
                 <a:latin typeface="나눔고딕" pitchFamily="50" charset="-127"/>
                 <a:ea typeface="나눔고딕" pitchFamily="50" charset="-127"/>
               </a:rPr>
               <a:t>, </a:t>
             </a:r>
             <a:r>
-              <a:rPr lang="ko-KR" altLang="en-US" b="1" dirty="0" smtClean="0">
+              <a:rPr lang="ko-KR" altLang="en-US" b="1" dirty="0">
                 <a:latin typeface="나눔고딕" pitchFamily="50" charset="-127"/>
                 <a:ea typeface="나눔고딕" pitchFamily="50" charset="-127"/>
               </a:rPr>
               <a:t>경계를 공유하고 있는 것과의 구별로 잘 드러난다</a:t>
             </a:r>
             <a:r>
-              <a:rPr lang="en-US" altLang="ko-KR" b="1" dirty="0" smtClean="0">
+              <a:rPr lang="en-US" altLang="ko-KR" b="1" dirty="0">
                 <a:latin typeface="나눔고딕" pitchFamily="50" charset="-127"/>
                 <a:ea typeface="나눔고딕" pitchFamily="50" charset="-127"/>
               </a:rPr>
               <a:t>.</a:t>
             </a:r>
             <a:r>
-              <a:rPr lang="ko-KR" altLang="en-US" b="1" dirty="0" smtClean="0">
+              <a:rPr lang="ko-KR" altLang="en-US" b="1" dirty="0">
                 <a:latin typeface="나눔고딕" pitchFamily="50" charset="-127"/>
                 <a:ea typeface="나눔고딕" pitchFamily="50" charset="-127"/>
               </a:rPr>
               <a:t> </a:t>
             </a:r>
-            <a:endParaRPr lang="en-US" altLang="ko-KR" b="1" dirty="0" smtClean="0">
+            <a:endParaRPr lang="en-US" altLang="ko-KR" b="1" dirty="0">
               <a:latin typeface="나눔고딕" pitchFamily="50" charset="-127"/>
               <a:ea typeface="나눔고딕" pitchFamily="50" charset="-127"/>
             </a:endParaRPr>
@@ -11605,13 +11420,13 @@
               <a:buNone/>
             </a:pPr>
             <a:r>
-              <a:rPr lang="ko-KR" altLang="en-US" b="1" dirty="0" smtClean="0">
+              <a:rPr lang="ko-KR" altLang="en-US" b="1" dirty="0">
                 <a:latin typeface="나눔고딕"/>
                 <a:ea typeface="나눔고딕"/>
               </a:rPr>
               <a:t>→ 인간과 동물의 구별은 인간의 본성적 측면을 정의할 때 필수적 요소</a:t>
             </a:r>
-            <a:endParaRPr lang="en-US" altLang="ko-KR" b="1" dirty="0" smtClean="0">
+            <a:endParaRPr lang="en-US" altLang="ko-KR" b="1" dirty="0">
               <a:latin typeface="나눔고딕" pitchFamily="50" charset="-127"/>
               <a:ea typeface="나눔고딕" pitchFamily="50" charset="-127"/>
             </a:endParaRPr>
@@ -11623,91 +11438,91 @@
               </a:lnSpc>
             </a:pPr>
             <a:r>
-              <a:rPr lang="en-US" altLang="ko-KR" b="1" dirty="0" smtClean="0">
+              <a:rPr lang="en-US" altLang="ko-KR" b="1" dirty="0">
                 <a:latin typeface="나눔고딕" pitchFamily="50" charset="-127"/>
                 <a:ea typeface="나눔고딕" pitchFamily="50" charset="-127"/>
               </a:rPr>
               <a:t> </a:t>
             </a:r>
             <a:r>
-              <a:rPr lang="ko-KR" altLang="en-US" b="1" dirty="0" smtClean="0">
+              <a:rPr lang="ko-KR" altLang="en-US" b="1" dirty="0">
                 <a:latin typeface="나눔고딕" pitchFamily="50" charset="-127"/>
                 <a:ea typeface="나눔고딕" pitchFamily="50" charset="-127"/>
               </a:rPr>
               <a:t>인간</a:t>
             </a:r>
             <a:r>
-              <a:rPr lang="en-US" altLang="ko-KR" b="1" dirty="0" smtClean="0">
+              <a:rPr lang="en-US" altLang="ko-KR" b="1" dirty="0">
                 <a:latin typeface="나눔고딕" pitchFamily="50" charset="-127"/>
                 <a:ea typeface="나눔고딕" pitchFamily="50" charset="-127"/>
               </a:rPr>
               <a:t>(</a:t>
             </a:r>
             <a:r>
-              <a:rPr lang="ko-KR" altLang="en-US" b="1" dirty="0" smtClean="0">
+              <a:rPr lang="ko-KR" altLang="en-US" b="1" dirty="0">
                 <a:latin typeface="나눔고딕" pitchFamily="50" charset="-127"/>
                 <a:ea typeface="나눔고딕" pitchFamily="50" charset="-127"/>
               </a:rPr>
               <a:t>의 정체성을 이루는 것</a:t>
             </a:r>
             <a:r>
-              <a:rPr lang="en-US" altLang="ko-KR" b="1" dirty="0" smtClean="0">
+              <a:rPr lang="en-US" altLang="ko-KR" b="1" dirty="0">
                 <a:latin typeface="나눔고딕" pitchFamily="50" charset="-127"/>
                 <a:ea typeface="나눔고딕" pitchFamily="50" charset="-127"/>
               </a:rPr>
               <a:t>)</a:t>
             </a:r>
             <a:r>
-              <a:rPr lang="ko-KR" altLang="en-US" b="1" dirty="0" smtClean="0">
+              <a:rPr lang="ko-KR" altLang="en-US" b="1" dirty="0">
                 <a:latin typeface="나눔고딕" pitchFamily="50" charset="-127"/>
                 <a:ea typeface="나눔고딕" pitchFamily="50" charset="-127"/>
               </a:rPr>
               <a:t>은 무엇인가</a:t>
             </a:r>
             <a:r>
-              <a:rPr lang="en-US" altLang="ko-KR" b="1" dirty="0" smtClean="0">
+              <a:rPr lang="en-US" altLang="ko-KR" b="1" dirty="0">
                 <a:latin typeface="나눔고딕" pitchFamily="50" charset="-127"/>
                 <a:ea typeface="나눔고딕" pitchFamily="50" charset="-127"/>
               </a:rPr>
               <a:t>?: </a:t>
             </a:r>
             <a:r>
-              <a:rPr lang="ko-KR" altLang="en-US" b="1" dirty="0" smtClean="0">
+              <a:rPr lang="ko-KR" altLang="en-US" b="1" dirty="0">
                 <a:latin typeface="나눔고딕" pitchFamily="50" charset="-127"/>
                 <a:ea typeface="나눔고딕" pitchFamily="50" charset="-127"/>
               </a:rPr>
               <a:t>서양철학의 전통은 이에 대해 </a:t>
             </a:r>
             <a:r>
-              <a:rPr lang="en-US" altLang="ko-KR" b="1" dirty="0" smtClean="0">
+              <a:rPr lang="en-US" altLang="ko-KR" b="1" dirty="0">
                 <a:latin typeface="나눔고딕" pitchFamily="50" charset="-127"/>
                 <a:ea typeface="나눔고딕" pitchFamily="50" charset="-127"/>
               </a:rPr>
               <a:t>(</a:t>
             </a:r>
             <a:r>
-              <a:rPr lang="ko-KR" altLang="en-US" b="1" dirty="0" smtClean="0">
+              <a:rPr lang="ko-KR" altLang="en-US" b="1" dirty="0">
                 <a:latin typeface="나눔고딕" pitchFamily="50" charset="-127"/>
                 <a:ea typeface="나눔고딕" pitchFamily="50" charset="-127"/>
               </a:rPr>
               <a:t>육체가 아니라</a:t>
             </a:r>
             <a:r>
-              <a:rPr lang="en-US" altLang="ko-KR" b="1" dirty="0" smtClean="0">
+              <a:rPr lang="en-US" altLang="ko-KR" b="1" dirty="0">
                 <a:latin typeface="나눔고딕" pitchFamily="50" charset="-127"/>
                 <a:ea typeface="나눔고딕" pitchFamily="50" charset="-127"/>
               </a:rPr>
               <a:t>)</a:t>
             </a:r>
             <a:r>
-              <a:rPr lang="ko-KR" altLang="en-US" b="1" dirty="0" smtClean="0">
+              <a:rPr lang="ko-KR" altLang="en-US" b="1" dirty="0">
                 <a:latin typeface="나눔고딕" pitchFamily="50" charset="-127"/>
                 <a:ea typeface="나눔고딕" pitchFamily="50" charset="-127"/>
               </a:rPr>
               <a:t> </a:t>
             </a:r>
             <a:r>
-              <a:rPr lang="ko-KR" altLang="en-US" b="1" dirty="0" smtClean="0">
+              <a:rPr lang="ko-KR" altLang="en-US" b="1" dirty="0">
                 <a:solidFill>
                   <a:srgbClr val="FF0000"/>
                 </a:solidFill>
@@ -11717,14 +11532,14 @@
               <a:t>영혼</a:t>
             </a:r>
             <a:r>
-              <a:rPr lang="ko-KR" altLang="en-US" b="1" dirty="0" smtClean="0">
+              <a:rPr lang="ko-KR" altLang="en-US" b="1" dirty="0">
                 <a:latin typeface="나눔고딕" pitchFamily="50" charset="-127"/>
                 <a:ea typeface="나눔고딕" pitchFamily="50" charset="-127"/>
               </a:rPr>
               <a:t>이라고 대답한다</a:t>
             </a:r>
             <a:r>
-              <a:rPr lang="en-US" altLang="ko-KR" b="1" dirty="0" smtClean="0">
+              <a:rPr lang="en-US" altLang="ko-KR" b="1" dirty="0">
                 <a:latin typeface="나눔고딕" pitchFamily="50" charset="-127"/>
                 <a:ea typeface="나눔고딕" pitchFamily="50" charset="-127"/>
               </a:rPr>
@@ -11738,56 +11553,56 @@
               </a:lnSpc>
             </a:pPr>
             <a:r>
-              <a:rPr lang="ko-KR" altLang="en-US" b="1" dirty="0" smtClean="0">
+              <a:rPr lang="ko-KR" altLang="en-US" b="1" dirty="0">
                 <a:latin typeface="나눔고딕" pitchFamily="50" charset="-127"/>
                 <a:ea typeface="나눔고딕" pitchFamily="50" charset="-127"/>
               </a:rPr>
               <a:t>영혼은 인간과 인간 아닌 것</a:t>
             </a:r>
             <a:r>
-              <a:rPr lang="en-US" altLang="ko-KR" b="1" dirty="0" smtClean="0">
+              <a:rPr lang="en-US" altLang="ko-KR" b="1" dirty="0">
                 <a:latin typeface="나눔고딕" pitchFamily="50" charset="-127"/>
                 <a:ea typeface="나눔고딕" pitchFamily="50" charset="-127"/>
               </a:rPr>
               <a:t>(</a:t>
             </a:r>
             <a:r>
-              <a:rPr lang="ko-KR" altLang="en-US" b="1" dirty="0" smtClean="0">
+              <a:rPr lang="ko-KR" altLang="en-US" b="1" dirty="0">
                 <a:latin typeface="나눔고딕" pitchFamily="50" charset="-127"/>
                 <a:ea typeface="나눔고딕" pitchFamily="50" charset="-127"/>
               </a:rPr>
               <a:t>동물</a:t>
             </a:r>
             <a:r>
-              <a:rPr lang="en-US" altLang="ko-KR" b="1" dirty="0" smtClean="0">
+              <a:rPr lang="en-US" altLang="ko-KR" b="1" dirty="0">
                 <a:latin typeface="나눔고딕" pitchFamily="50" charset="-127"/>
                 <a:ea typeface="나눔고딕" pitchFamily="50" charset="-127"/>
               </a:rPr>
               <a:t>/</a:t>
             </a:r>
             <a:r>
-              <a:rPr lang="ko-KR" altLang="en-US" b="1" dirty="0" smtClean="0">
+              <a:rPr lang="ko-KR" altLang="en-US" b="1" dirty="0">
                 <a:latin typeface="나눔고딕" pitchFamily="50" charset="-127"/>
                 <a:ea typeface="나눔고딕" pitchFamily="50" charset="-127"/>
               </a:rPr>
               <a:t>기계</a:t>
             </a:r>
             <a:r>
-              <a:rPr lang="en-US" altLang="ko-KR" b="1" dirty="0" smtClean="0">
+              <a:rPr lang="en-US" altLang="ko-KR" b="1" dirty="0">
                 <a:latin typeface="나눔고딕" pitchFamily="50" charset="-127"/>
                 <a:ea typeface="나눔고딕" pitchFamily="50" charset="-127"/>
               </a:rPr>
               <a:t>)</a:t>
             </a:r>
             <a:r>
-              <a:rPr lang="ko-KR" altLang="en-US" b="1" dirty="0" smtClean="0">
+              <a:rPr lang="ko-KR" altLang="en-US" b="1" dirty="0">
                 <a:latin typeface="나눔고딕" pitchFamily="50" charset="-127"/>
                 <a:ea typeface="나눔고딕" pitchFamily="50" charset="-127"/>
               </a:rPr>
               <a:t>을 구별시켜 주는 것</a:t>
             </a:r>
             <a:r>
-              <a:rPr lang="en-US" altLang="ko-KR" b="1" dirty="0" smtClean="0">
+              <a:rPr lang="en-US" altLang="ko-KR" b="1" dirty="0">
                 <a:latin typeface="나눔고딕" pitchFamily="50" charset="-127"/>
                 <a:ea typeface="나눔고딕" pitchFamily="50" charset="-127"/>
               </a:rPr>
@@ -11801,14 +11616,14 @@
               </a:lnSpc>
             </a:pPr>
             <a:r>
-              <a:rPr lang="en-US" altLang="ko-KR" b="1" dirty="0" smtClean="0">
+              <a:rPr lang="en-US" altLang="ko-KR" b="1" dirty="0">
                 <a:latin typeface="나눔고딕" pitchFamily="50" charset="-127"/>
                 <a:ea typeface="나눔고딕" pitchFamily="50" charset="-127"/>
               </a:rPr>
               <a:t> </a:t>
             </a:r>
             <a:r>
-              <a:rPr lang="ko-KR" altLang="en-US" sz="3100" b="1" dirty="0" smtClean="0">
+              <a:rPr lang="ko-KR" altLang="en-US" sz="3100" b="1" dirty="0">
                 <a:solidFill>
                   <a:srgbClr val="FF0000"/>
                 </a:solidFill>
@@ -11818,56 +11633,56 @@
               <a:t>인간의 영혼</a:t>
             </a:r>
             <a:r>
-              <a:rPr lang="en-US" altLang="ko-KR" sz="3100" b="1" dirty="0" smtClean="0">
+              <a:rPr lang="en-US" altLang="ko-KR" sz="3100" b="1" dirty="0">
                 <a:latin typeface="나눔고딕" pitchFamily="50" charset="-127"/>
                 <a:ea typeface="나눔고딕" pitchFamily="50" charset="-127"/>
               </a:rPr>
               <a:t>(</a:t>
             </a:r>
             <a:r>
-              <a:rPr lang="ko-KR" altLang="en-US" sz="3100" b="1" dirty="0" smtClean="0">
+              <a:rPr lang="ko-KR" altLang="en-US" sz="3100" b="1" dirty="0">
                 <a:latin typeface="나눔고딕" pitchFamily="50" charset="-127"/>
                 <a:ea typeface="나눔고딕" pitchFamily="50" charset="-127"/>
               </a:rPr>
               <a:t>정신</a:t>
             </a:r>
             <a:r>
-              <a:rPr lang="en-US" altLang="ko-KR" sz="3100" b="1" dirty="0" smtClean="0">
+              <a:rPr lang="en-US" altLang="ko-KR" sz="3100" b="1" dirty="0">
                 <a:latin typeface="나눔고딕" pitchFamily="50" charset="-127"/>
                 <a:ea typeface="나눔고딕" pitchFamily="50" charset="-127"/>
               </a:rPr>
               <a:t>, </a:t>
             </a:r>
             <a:r>
-              <a:rPr lang="ko-KR" altLang="en-US" sz="3100" b="1" dirty="0" smtClean="0">
+              <a:rPr lang="ko-KR" altLang="en-US" sz="3100" b="1" dirty="0">
                 <a:latin typeface="나눔고딕" pitchFamily="50" charset="-127"/>
                 <a:ea typeface="나눔고딕" pitchFamily="50" charset="-127"/>
               </a:rPr>
               <a:t>이성</a:t>
             </a:r>
             <a:r>
-              <a:rPr lang="en-US" altLang="ko-KR" sz="3100" b="1" dirty="0" smtClean="0">
+              <a:rPr lang="en-US" altLang="ko-KR" sz="3100" b="1" dirty="0">
                 <a:latin typeface="나눔고딕" pitchFamily="50" charset="-127"/>
                 <a:ea typeface="나눔고딕" pitchFamily="50" charset="-127"/>
               </a:rPr>
               <a:t>, </a:t>
             </a:r>
             <a:r>
-              <a:rPr lang="ko-KR" altLang="en-US" sz="3100" b="1" dirty="0" smtClean="0">
+              <a:rPr lang="ko-KR" altLang="en-US" sz="3100" b="1" dirty="0">
                 <a:latin typeface="나눔고딕" pitchFamily="50" charset="-127"/>
                 <a:ea typeface="나눔고딕" pitchFamily="50" charset="-127"/>
               </a:rPr>
               <a:t>지성</a:t>
             </a:r>
             <a:r>
-              <a:rPr lang="en-US" altLang="ko-KR" sz="3100" b="1" dirty="0" smtClean="0">
+              <a:rPr lang="en-US" altLang="ko-KR" sz="3100" b="1" dirty="0">
                 <a:latin typeface="나눔고딕" pitchFamily="50" charset="-127"/>
                 <a:ea typeface="나눔고딕" pitchFamily="50" charset="-127"/>
               </a:rPr>
               <a:t>)</a:t>
             </a:r>
             <a:r>
-              <a:rPr lang="ko-KR" altLang="en-US" sz="3100" b="1" dirty="0" smtClean="0">
+              <a:rPr lang="ko-KR" altLang="en-US" sz="3100" b="1" dirty="0">
                 <a:solidFill>
                   <a:srgbClr val="FF0000"/>
                 </a:solidFill>
@@ -11877,7 +11692,7 @@
               <a:t>이란 무엇인가</a:t>
             </a:r>
             <a:r>
-              <a:rPr lang="en-US" altLang="ko-KR" sz="3100" b="1" dirty="0" smtClean="0">
+              <a:rPr lang="en-US" altLang="ko-KR" sz="3100" b="1" dirty="0">
                 <a:solidFill>
                   <a:srgbClr val="FF0000"/>
                 </a:solidFill>
@@ -11893,7 +11708,7 @@
                 <a:spcPct val="170000"/>
               </a:lnSpc>
             </a:pPr>
-            <a:endParaRPr lang="en-US" altLang="ko-KR" sz="3100" b="1" dirty="0" smtClean="0">
+            <a:endParaRPr lang="en-US" altLang="ko-KR" sz="3100" b="1" dirty="0">
               <a:solidFill>
                 <a:srgbClr val="FF0000"/>
               </a:solidFill>
@@ -11907,7 +11722,7 @@
                 <a:spcPct val="150000"/>
               </a:lnSpc>
             </a:pPr>
-            <a:endParaRPr lang="en-US" altLang="ko-KR" b="1" dirty="0" smtClean="0">
+            <a:endParaRPr lang="en-US" altLang="ko-KR" b="1" dirty="0">
               <a:latin typeface="나눔고딕" pitchFamily="50" charset="-127"/>
               <a:ea typeface="나눔고딕" pitchFamily="50" charset="-127"/>
             </a:endParaRPr>
@@ -11920,13 +11735,13 @@
               <a:buNone/>
             </a:pPr>
             <a:r>
-              <a:rPr lang="en-US" altLang="ko-KR" b="1" dirty="0" smtClean="0">
+              <a:rPr lang="en-US" altLang="ko-KR" b="1" dirty="0">
                 <a:latin typeface="나눔고딕" pitchFamily="50" charset="-127"/>
                 <a:ea typeface="나눔고딕" pitchFamily="50" charset="-127"/>
               </a:rPr>
               <a:t> </a:t>
             </a:r>
-            <a:endParaRPr lang="ko-KR" altLang="en-US" b="1" dirty="0" smtClean="0">
+            <a:endParaRPr lang="ko-KR" altLang="en-US" b="1" dirty="0">
               <a:latin typeface="나눔고딕" pitchFamily="50" charset="-127"/>
               <a:ea typeface="나눔고딕" pitchFamily="50" charset="-127"/>
             </a:endParaRPr>
@@ -11949,21 +11764,21 @@
           <a:lstStyle/>
           <a:p>
             <a:r>
-              <a:rPr lang="ko-KR" altLang="en-US" b="1" dirty="0" smtClean="0">
+              <a:rPr lang="ko-KR" altLang="en-US" b="1" dirty="0">
                 <a:latin typeface="나눔고딕" pitchFamily="50" charset="-127"/>
                 <a:ea typeface="나눔고딕" pitchFamily="50" charset="-127"/>
               </a:rPr>
               <a:t>인간과 동물</a:t>
             </a:r>
             <a:r>
-              <a:rPr lang="en-US" altLang="ko-KR" b="1" dirty="0" smtClean="0">
+              <a:rPr lang="en-US" altLang="ko-KR" b="1" dirty="0">
                 <a:latin typeface="나눔고딕" pitchFamily="50" charset="-127"/>
                 <a:ea typeface="나눔고딕" pitchFamily="50" charset="-127"/>
               </a:rPr>
               <a:t>/</a:t>
             </a:r>
             <a:r>
-              <a:rPr lang="ko-KR" altLang="en-US" b="1" dirty="0" smtClean="0">
+              <a:rPr lang="ko-KR" altLang="en-US" b="1" dirty="0">
                 <a:latin typeface="나눔고딕" pitchFamily="50" charset="-127"/>
                 <a:ea typeface="나눔고딕" pitchFamily="50" charset="-127"/>
               </a:rPr>
@@ -11978,13 +11793,6 @@
   <p:clrMapOvr>
     <a:masterClrMapping/>
   </p:clrMapOvr>
-  <p:timing>
-    <p:tnLst>
-      <p:par>
-        <p:cTn id="1" dur="indefinite" restart="never" nodeType="tmRoot"/>
-      </p:par>
-    </p:tnLst>
-  </p:timing>
 </p:sld>
 </file>
 
@@ -12028,27 +11836,27 @@
               </a:lnSpc>
             </a:pPr>
             <a:r>
-              <a:rPr lang="ko-KR" altLang="en-US" b="1" dirty="0" smtClean="0">
+              <a:rPr lang="ko-KR" altLang="en-US" b="1" dirty="0">
                 <a:latin typeface="나눔고딕" pitchFamily="50" charset="-127"/>
                 <a:ea typeface="나눔고딕" pitchFamily="50" charset="-127"/>
               </a:rPr>
               <a:t>플라톤</a:t>
             </a:r>
             <a:r>
-              <a:rPr lang="en-US" altLang="ko-KR" b="1" dirty="0" smtClean="0">
+              <a:rPr lang="en-US" altLang="ko-KR" b="1" dirty="0">
                 <a:latin typeface="나눔고딕" pitchFamily="50" charset="-127"/>
                 <a:ea typeface="나눔고딕" pitchFamily="50" charset="-127"/>
               </a:rPr>
               <a:t>:</a:t>
             </a:r>
             <a:r>
-              <a:rPr lang="ko-KR" altLang="en-US" b="1" dirty="0" smtClean="0">
+              <a:rPr lang="ko-KR" altLang="en-US" b="1" dirty="0">
                 <a:latin typeface="나눔고딕" pitchFamily="50" charset="-127"/>
                 <a:ea typeface="나눔고딕" pitchFamily="50" charset="-127"/>
               </a:rPr>
               <a:t> 현실과 이데아를 구별하는 이원론</a:t>
             </a:r>
-            <a:endParaRPr lang="en-US" altLang="ko-KR" b="1" dirty="0" smtClean="0">
+            <a:endParaRPr lang="en-US" altLang="ko-KR" b="1" dirty="0">
               <a:latin typeface="나눔고딕" pitchFamily="50" charset="-127"/>
               <a:ea typeface="나눔고딕" pitchFamily="50" charset="-127"/>
             </a:endParaRPr>
@@ -12060,42 +11868,42 @@
               </a:lnSpc>
             </a:pPr>
             <a:r>
-              <a:rPr lang="ko-KR" altLang="en-US" b="1" dirty="0" smtClean="0">
+              <a:rPr lang="ko-KR" altLang="en-US" b="1" dirty="0">
                 <a:latin typeface="나눔고딕" pitchFamily="50" charset="-127"/>
                 <a:ea typeface="나눔고딕" pitchFamily="50" charset="-127"/>
               </a:rPr>
               <a:t>이데아는 현실의 감각적 존재가 아니라</a:t>
             </a:r>
             <a:r>
-              <a:rPr lang="en-US" altLang="ko-KR" b="1" dirty="0" smtClean="0">
+              <a:rPr lang="en-US" altLang="ko-KR" b="1" dirty="0">
                 <a:latin typeface="나눔고딕" pitchFamily="50" charset="-127"/>
                 <a:ea typeface="나눔고딕" pitchFamily="50" charset="-127"/>
               </a:rPr>
               <a:t>, </a:t>
             </a:r>
             <a:r>
-              <a:rPr lang="ko-KR" altLang="en-US" b="1" dirty="0" smtClean="0">
+              <a:rPr lang="ko-KR" altLang="en-US" b="1" dirty="0">
                 <a:latin typeface="나눔고딕" pitchFamily="50" charset="-127"/>
                 <a:ea typeface="나눔고딕" pitchFamily="50" charset="-127"/>
               </a:rPr>
               <a:t>초감각적 존재이므로</a:t>
             </a:r>
             <a:r>
-              <a:rPr lang="en-US" altLang="ko-KR" b="1" dirty="0" smtClean="0">
+              <a:rPr lang="en-US" altLang="ko-KR" b="1" dirty="0">
                 <a:latin typeface="나눔고딕" pitchFamily="50" charset="-127"/>
                 <a:ea typeface="나눔고딕" pitchFamily="50" charset="-127"/>
               </a:rPr>
               <a:t>, </a:t>
             </a:r>
             <a:r>
-              <a:rPr lang="ko-KR" altLang="en-US" b="1" dirty="0" smtClean="0">
+              <a:rPr lang="ko-KR" altLang="en-US" b="1" dirty="0">
                 <a:latin typeface="나눔고딕" pitchFamily="50" charset="-127"/>
                 <a:ea typeface="나눔고딕" pitchFamily="50" charset="-127"/>
               </a:rPr>
               <a:t>이데아의 인식은 </a:t>
             </a:r>
             <a:r>
-              <a:rPr lang="ko-KR" altLang="en-US" b="1" dirty="0" smtClean="0">
+              <a:rPr lang="ko-KR" altLang="en-US" b="1" dirty="0">
                 <a:solidFill>
                   <a:srgbClr val="FF0000"/>
                 </a:solidFill>
@@ -12105,14 +11913,14 @@
               <a:t>감각</a:t>
             </a:r>
             <a:r>
-              <a:rPr lang="ko-KR" altLang="en-US" b="1" dirty="0" smtClean="0">
+              <a:rPr lang="ko-KR" altLang="en-US" b="1" dirty="0">
                 <a:latin typeface="나눔고딕" pitchFamily="50" charset="-127"/>
                 <a:ea typeface="나눔고딕" pitchFamily="50" charset="-127"/>
               </a:rPr>
               <a:t>이 아니라 </a:t>
             </a:r>
             <a:r>
-              <a:rPr lang="ko-KR" altLang="en-US" b="1" dirty="0" smtClean="0">
+              <a:rPr lang="ko-KR" altLang="en-US" b="1" dirty="0">
                 <a:solidFill>
                   <a:srgbClr val="FF0000"/>
                 </a:solidFill>
@@ -12122,111 +11930,111 @@
               <a:t>이성</a:t>
             </a:r>
             <a:r>
-              <a:rPr lang="ko-KR" altLang="en-US" b="1" dirty="0" smtClean="0">
+              <a:rPr lang="ko-KR" altLang="en-US" b="1" dirty="0">
                 <a:latin typeface="나눔고딕" pitchFamily="50" charset="-127"/>
                 <a:ea typeface="나눔고딕" pitchFamily="50" charset="-127"/>
               </a:rPr>
               <a:t>을 통해 이루어진다</a:t>
             </a:r>
             <a:r>
-              <a:rPr lang="en-US" altLang="ko-KR" b="1" dirty="0" smtClean="0">
+              <a:rPr lang="en-US" altLang="ko-KR" b="1" dirty="0">
                 <a:latin typeface="나눔고딕" pitchFamily="50" charset="-127"/>
                 <a:ea typeface="나눔고딕" pitchFamily="50" charset="-127"/>
               </a:rPr>
               <a:t>(</a:t>
             </a:r>
             <a:r>
-              <a:rPr lang="ko-KR" altLang="en-US" b="1" dirty="0" smtClean="0">
+              <a:rPr lang="ko-KR" altLang="en-US" b="1" dirty="0">
                 <a:latin typeface="나눔고딕" pitchFamily="50" charset="-127"/>
                 <a:ea typeface="나눔고딕" pitchFamily="50" charset="-127"/>
               </a:rPr>
               <a:t>육체의 눈이 아니라 </a:t>
             </a:r>
             <a:r>
-              <a:rPr lang="en-US" altLang="ko-KR" b="1" dirty="0" smtClean="0">
+              <a:rPr lang="en-US" altLang="ko-KR" b="1" dirty="0">
                 <a:latin typeface="나눔고딕" pitchFamily="50" charset="-127"/>
                 <a:ea typeface="나눔고딕" pitchFamily="50" charset="-127"/>
               </a:rPr>
               <a:t>‘</a:t>
             </a:r>
             <a:r>
-              <a:rPr lang="ko-KR" altLang="en-US" b="1" dirty="0" smtClean="0">
+              <a:rPr lang="ko-KR" altLang="en-US" b="1" dirty="0">
                 <a:latin typeface="나눔고딕" pitchFamily="50" charset="-127"/>
                 <a:ea typeface="나눔고딕" pitchFamily="50" charset="-127"/>
               </a:rPr>
               <a:t>영혼의 눈</a:t>
             </a:r>
             <a:r>
-              <a:rPr lang="en-US" altLang="ko-KR" b="1" dirty="0" smtClean="0">
+              <a:rPr lang="en-US" altLang="ko-KR" b="1" dirty="0">
                 <a:latin typeface="나눔고딕" pitchFamily="50" charset="-127"/>
                 <a:ea typeface="나눔고딕" pitchFamily="50" charset="-127"/>
               </a:rPr>
               <a:t>’)</a:t>
             </a:r>
             <a:r>
-              <a:rPr lang="ko-KR" altLang="en-US" b="1" dirty="0" smtClean="0">
+              <a:rPr lang="ko-KR" altLang="en-US" b="1" dirty="0">
                 <a:latin typeface="나눔고딕" pitchFamily="50" charset="-127"/>
                 <a:ea typeface="나눔고딕" pitchFamily="50" charset="-127"/>
               </a:rPr>
               <a:t> </a:t>
             </a:r>
             <a:r>
-              <a:rPr lang="ko-KR" altLang="en-US" b="1" dirty="0" smtClean="0">
+              <a:rPr lang="ko-KR" altLang="en-US" b="1" dirty="0">
                 <a:latin typeface="나눔고딕"/>
                 <a:ea typeface="나눔고딕"/>
               </a:rPr>
               <a:t>→ 이데아를 인식할 수 있기 위해서는 영혼이 </a:t>
             </a:r>
             <a:r>
-              <a:rPr lang="ko-KR" altLang="en-US" b="1" dirty="0" smtClean="0">
+              <a:rPr lang="ko-KR" altLang="en-US" b="1" dirty="0">
                 <a:latin typeface="나눔고딕" pitchFamily="50" charset="-127"/>
                 <a:ea typeface="나눔고딕" pitchFamily="50" charset="-127"/>
               </a:rPr>
               <a:t>감각으로부터 </a:t>
             </a:r>
             <a:r>
-              <a:rPr lang="en-US" altLang="ko-KR" b="1" dirty="0" smtClean="0">
+              <a:rPr lang="en-US" altLang="ko-KR" b="1" dirty="0">
                 <a:latin typeface="나눔고딕" pitchFamily="50" charset="-127"/>
                 <a:ea typeface="나눔고딕" pitchFamily="50" charset="-127"/>
               </a:rPr>
               <a:t>‘</a:t>
             </a:r>
             <a:r>
-              <a:rPr lang="ko-KR" altLang="en-US" b="1" dirty="0" smtClean="0">
+              <a:rPr lang="ko-KR" altLang="en-US" b="1" dirty="0">
                 <a:latin typeface="나눔고딕" pitchFamily="50" charset="-127"/>
                 <a:ea typeface="나눔고딕" pitchFamily="50" charset="-127"/>
               </a:rPr>
               <a:t>정화</a:t>
             </a:r>
             <a:r>
-              <a:rPr lang="en-US" altLang="ko-KR" b="1" dirty="0" smtClean="0">
+              <a:rPr lang="en-US" altLang="ko-KR" b="1" dirty="0">
                 <a:latin typeface="나눔고딕" pitchFamily="50" charset="-127"/>
                 <a:ea typeface="나눔고딕" pitchFamily="50" charset="-127"/>
               </a:rPr>
               <a:t>’</a:t>
             </a:r>
             <a:r>
-              <a:rPr lang="ko-KR" altLang="en-US" b="1" dirty="0" smtClean="0">
+              <a:rPr lang="ko-KR" altLang="en-US" b="1" dirty="0">
                 <a:latin typeface="나눔고딕" pitchFamily="50" charset="-127"/>
                 <a:ea typeface="나눔고딕" pitchFamily="50" charset="-127"/>
               </a:rPr>
               <a:t>되어야 한다</a:t>
             </a:r>
             <a:r>
-              <a:rPr lang="en-US" altLang="ko-KR" b="1" dirty="0" smtClean="0">
+              <a:rPr lang="en-US" altLang="ko-KR" b="1" dirty="0">
                 <a:latin typeface="나눔고딕" pitchFamily="50" charset="-127"/>
                 <a:ea typeface="나눔고딕" pitchFamily="50" charset="-127"/>
               </a:rPr>
               <a:t>.</a:t>
             </a:r>
             <a:r>
-              <a:rPr lang="ko-KR" altLang="en-US" b="1" dirty="0" smtClean="0">
+              <a:rPr lang="ko-KR" altLang="en-US" b="1" dirty="0">
                 <a:latin typeface="나눔고딕" pitchFamily="50" charset="-127"/>
                 <a:ea typeface="나눔고딕" pitchFamily="50" charset="-127"/>
               </a:rPr>
               <a:t> </a:t>
             </a:r>
-            <a:endParaRPr lang="en-US" altLang="ko-KR" b="1" dirty="0" smtClean="0">
+            <a:endParaRPr lang="en-US" altLang="ko-KR" b="1" dirty="0">
               <a:latin typeface="나눔고딕" pitchFamily="50" charset="-127"/>
               <a:ea typeface="나눔고딕" pitchFamily="50" charset="-127"/>
             </a:endParaRPr>
@@ -12238,35 +12046,35 @@
               </a:lnSpc>
             </a:pPr>
             <a:r>
-              <a:rPr lang="ko-KR" altLang="en-US" b="1" dirty="0" smtClean="0">
+              <a:rPr lang="ko-KR" altLang="en-US" b="1" dirty="0">
                 <a:latin typeface="나눔고딕" pitchFamily="50" charset="-127"/>
                 <a:ea typeface="나눔고딕" pitchFamily="50" charset="-127"/>
               </a:rPr>
               <a:t>인간은 육체를 가지고 있는 한 감각으로부터 완전히 해방될 수 없다 </a:t>
             </a:r>
             <a:r>
-              <a:rPr lang="ko-KR" altLang="en-US" b="1" dirty="0" smtClean="0">
+              <a:rPr lang="ko-KR" altLang="en-US" b="1" dirty="0">
                 <a:latin typeface="나눔고딕"/>
                 <a:ea typeface="나눔고딕"/>
               </a:rPr>
               <a:t>→</a:t>
             </a:r>
             <a:r>
-              <a:rPr lang="en-US" altLang="ko-KR" b="1" dirty="0" smtClean="0">
+              <a:rPr lang="en-US" altLang="ko-KR" b="1" dirty="0">
                 <a:latin typeface="나눔고딕" pitchFamily="50" charset="-127"/>
                 <a:ea typeface="나눔고딕" pitchFamily="50" charset="-127"/>
               </a:rPr>
               <a:t> </a:t>
             </a:r>
             <a:r>
-              <a:rPr lang="ko-KR" altLang="en-US" b="1" dirty="0" smtClean="0">
+              <a:rPr lang="ko-KR" altLang="en-US" b="1" dirty="0">
                 <a:latin typeface="나눔고딕" pitchFamily="50" charset="-127"/>
                 <a:ea typeface="나눔고딕" pitchFamily="50" charset="-127"/>
               </a:rPr>
               <a:t>이데아의 완전한 인식은 육체로부터 벗어날 때 비로소 가능하다</a:t>
             </a:r>
             <a:r>
-              <a:rPr lang="en-US" altLang="ko-KR" b="1" dirty="0" smtClean="0">
+              <a:rPr lang="en-US" altLang="ko-KR" b="1" dirty="0">
                 <a:latin typeface="나눔고딕" pitchFamily="50" charset="-127"/>
                 <a:ea typeface="나눔고딕" pitchFamily="50" charset="-127"/>
               </a:rPr>
@@ -12280,91 +12088,91 @@
               </a:lnSpc>
             </a:pPr>
             <a:r>
-              <a:rPr lang="en-US" altLang="ko-KR" b="1" dirty="0" smtClean="0">
+              <a:rPr lang="en-US" altLang="ko-KR" b="1" dirty="0">
                 <a:latin typeface="나눔고딕" pitchFamily="50" charset="-127"/>
                 <a:ea typeface="나눔고딕" pitchFamily="50" charset="-127"/>
               </a:rPr>
               <a:t>“</a:t>
             </a:r>
             <a:r>
-              <a:rPr lang="ko-KR" altLang="en-US" b="1" dirty="0" smtClean="0">
+              <a:rPr lang="ko-KR" altLang="en-US" b="1" dirty="0">
                 <a:latin typeface="나눔고딕" pitchFamily="50" charset="-127"/>
                 <a:ea typeface="나눔고딕" pitchFamily="50" charset="-127"/>
               </a:rPr>
               <a:t>육체는 영혼의 감옥</a:t>
             </a:r>
             <a:r>
-              <a:rPr lang="en-US" altLang="ko-KR" b="1" dirty="0" smtClean="0">
+              <a:rPr lang="en-US" altLang="ko-KR" b="1" dirty="0">
                 <a:latin typeface="나눔고딕" pitchFamily="50" charset="-127"/>
                 <a:ea typeface="나눔고딕" pitchFamily="50" charset="-127"/>
               </a:rPr>
               <a:t>”, “</a:t>
             </a:r>
             <a:r>
-              <a:rPr lang="ko-KR" altLang="en-US" b="1" dirty="0" smtClean="0">
+              <a:rPr lang="ko-KR" altLang="en-US" b="1" dirty="0">
                 <a:latin typeface="나눔고딕" pitchFamily="50" charset="-127"/>
                 <a:ea typeface="나눔고딕" pitchFamily="50" charset="-127"/>
               </a:rPr>
               <a:t>철학은 죽음의 연습</a:t>
             </a:r>
             <a:r>
-              <a:rPr lang="en-US" altLang="ko-KR" b="1" dirty="0" smtClean="0">
+              <a:rPr lang="en-US" altLang="ko-KR" b="1" dirty="0">
                 <a:latin typeface="나눔고딕" pitchFamily="50" charset="-127"/>
                 <a:ea typeface="나눔고딕" pitchFamily="50" charset="-127"/>
               </a:rPr>
               <a:t>”</a:t>
             </a:r>
             <a:r>
-              <a:rPr lang="ko-KR" altLang="en-US" b="1" dirty="0" smtClean="0">
+              <a:rPr lang="ko-KR" altLang="en-US" b="1" dirty="0">
                 <a:latin typeface="나눔고딕" pitchFamily="50" charset="-127"/>
                 <a:ea typeface="나눔고딕" pitchFamily="50" charset="-127"/>
               </a:rPr>
               <a:t> </a:t>
             </a:r>
             <a:r>
-              <a:rPr lang="en-US" altLang="ko-KR" b="1" dirty="0" smtClean="0">
+              <a:rPr lang="en-US" altLang="ko-KR" b="1" dirty="0">
                 <a:latin typeface="나눔고딕" pitchFamily="50" charset="-127"/>
                 <a:ea typeface="나눔고딕" pitchFamily="50" charset="-127"/>
               </a:rPr>
               <a:t>(</a:t>
             </a:r>
             <a:r>
-              <a:rPr lang="ko-KR" altLang="en-US" b="1" dirty="0" smtClean="0">
+              <a:rPr lang="ko-KR" altLang="en-US" b="1" dirty="0">
                 <a:latin typeface="나눔고딕" pitchFamily="50" charset="-127"/>
                 <a:ea typeface="나눔고딕" pitchFamily="50" charset="-127"/>
               </a:rPr>
               <a:t>플라톤</a:t>
             </a:r>
             <a:r>
-              <a:rPr lang="en-US" altLang="ko-KR" b="1" dirty="0" smtClean="0">
+              <a:rPr lang="en-US" altLang="ko-KR" b="1" dirty="0">
                 <a:latin typeface="나눔고딕" pitchFamily="50" charset="-127"/>
                 <a:ea typeface="나눔고딕" pitchFamily="50" charset="-127"/>
               </a:rPr>
               <a:t>, </a:t>
             </a:r>
             <a:r>
-              <a:rPr lang="en-US" altLang="ko-KR" b="1" dirty="0" smtClean="0">
+              <a:rPr lang="en-US" altLang="ko-KR" b="1" dirty="0">
                 <a:latin typeface="나눔고딕"/>
                 <a:ea typeface="나눔고딕"/>
               </a:rPr>
               <a:t>『</a:t>
             </a:r>
             <a:r>
-              <a:rPr lang="ko-KR" altLang="en-US" b="1" dirty="0" err="1" smtClean="0">
+              <a:rPr lang="ko-KR" altLang="en-US" b="1" dirty="0" err="1">
                 <a:latin typeface="나눔고딕" pitchFamily="50" charset="-127"/>
                 <a:ea typeface="나눔고딕" pitchFamily="50" charset="-127"/>
               </a:rPr>
               <a:t>파이돈</a:t>
             </a:r>
             <a:r>
-              <a:rPr lang="en-US" altLang="ko-KR" b="1" dirty="0" smtClean="0">
+              <a:rPr lang="en-US" altLang="ko-KR" b="1" dirty="0">
                 <a:latin typeface="나눔고딕"/>
                 <a:ea typeface="나눔고딕"/>
               </a:rPr>
               <a:t>』</a:t>
             </a:r>
             <a:r>
-              <a:rPr lang="en-US" altLang="ko-KR" b="1" dirty="0" smtClean="0">
+              <a:rPr lang="en-US" altLang="ko-KR" b="1" dirty="0">
                 <a:latin typeface="나눔고딕" pitchFamily="50" charset="-127"/>
                 <a:ea typeface="나눔고딕" pitchFamily="50" charset="-127"/>
               </a:rPr>
@@ -12379,7 +12187,7 @@
               <a:buNone/>
             </a:pPr>
             <a:r>
-              <a:rPr lang="en-US" altLang="ko-KR" b="1" dirty="0" smtClean="0">
+              <a:rPr lang="en-US" altLang="ko-KR" b="1" dirty="0">
                 <a:latin typeface="Times New Roman"/>
                 <a:ea typeface="나눔고딕" pitchFamily="50" charset="-127"/>
                 <a:cs typeface="Times New Roman"/>
@@ -12387,14 +12195,14 @@
               <a:t>→</a:t>
             </a:r>
             <a:r>
-              <a:rPr lang="ko-KR" altLang="en-US" b="1" dirty="0" smtClean="0">
+              <a:rPr lang="ko-KR" altLang="en-US" b="1" dirty="0">
                 <a:latin typeface="나눔고딕" pitchFamily="50" charset="-127"/>
                 <a:ea typeface="나눔고딕" pitchFamily="50" charset="-127"/>
               </a:rPr>
               <a:t> 플라톤의 철학은 육체에 대해서 </a:t>
             </a:r>
             <a:r>
-              <a:rPr lang="ko-KR" altLang="en-US" b="1" dirty="0" smtClean="0">
+              <a:rPr lang="ko-KR" altLang="en-US" b="1" dirty="0">
                 <a:solidFill>
                   <a:srgbClr val="FF0000"/>
                 </a:solidFill>
@@ -12404,21 +12212,21 @@
               <a:t>영혼</a:t>
             </a:r>
             <a:r>
-              <a:rPr lang="en-US" altLang="ko-KR" b="1" dirty="0" smtClean="0">
+              <a:rPr lang="en-US" altLang="ko-KR" b="1" dirty="0">
                 <a:latin typeface="나눔고딕" pitchFamily="50" charset="-127"/>
                 <a:ea typeface="나눔고딕" pitchFamily="50" charset="-127"/>
               </a:rPr>
               <a:t>, </a:t>
             </a:r>
             <a:r>
-              <a:rPr lang="ko-KR" altLang="en-US" b="1" dirty="0" smtClean="0">
+              <a:rPr lang="ko-KR" altLang="en-US" b="1" dirty="0">
                 <a:latin typeface="나눔고딕" pitchFamily="50" charset="-127"/>
                 <a:ea typeface="나눔고딕" pitchFamily="50" charset="-127"/>
               </a:rPr>
               <a:t>감각에 대해서 </a:t>
             </a:r>
             <a:r>
-              <a:rPr lang="ko-KR" altLang="en-US" b="1" dirty="0" smtClean="0">
+              <a:rPr lang="ko-KR" altLang="en-US" b="1" dirty="0">
                 <a:solidFill>
                   <a:srgbClr val="FF0000"/>
                 </a:solidFill>
@@ -12428,16 +12236,12 @@
               <a:t>이성</a:t>
             </a:r>
             <a:r>
-              <a:rPr lang="ko-KR" altLang="en-US" b="1" dirty="0" smtClean="0">
+              <a:rPr lang="ko-KR" altLang="en-US" b="1" dirty="0">
                 <a:latin typeface="나눔고딕" pitchFamily="50" charset="-127"/>
                 <a:ea typeface="나눔고딕" pitchFamily="50" charset="-127"/>
               </a:rPr>
               <a:t>에게 특권을 부여하는 철학</a:t>
             </a:r>
-            <a:endParaRPr lang="ko-KR" altLang="en-US" b="1" dirty="0">
-              <a:latin typeface="나눔고딕" pitchFamily="50" charset="-127"/>
-              <a:ea typeface="나눔고딕" pitchFamily="50" charset="-127"/>
-            </a:endParaRPr>
           </a:p>
         </p:txBody>
       </p:sp>
@@ -12457,16 +12261,12 @@
           <a:lstStyle/>
           <a:p>
             <a:r>
-              <a:rPr lang="ko-KR" altLang="en-US" dirty="0" smtClean="0">
+              <a:rPr lang="ko-KR" altLang="en-US" dirty="0">
                 <a:latin typeface="나눔고딕" pitchFamily="50" charset="-127"/>
                 <a:ea typeface="나눔고딕" pitchFamily="50" charset="-127"/>
               </a:rPr>
               <a:t>이데아의 인식</a:t>
             </a:r>
-            <a:endParaRPr lang="ko-KR" altLang="en-US" dirty="0">
-              <a:latin typeface="나눔고딕" pitchFamily="50" charset="-127"/>
-              <a:ea typeface="나눔고딕" pitchFamily="50" charset="-127"/>
-            </a:endParaRPr>
           </a:p>
         </p:txBody>
       </p:sp>
@@ -12475,13 +12275,6 @@
   <p:clrMapOvr>
     <a:masterClrMapping/>
   </p:clrMapOvr>
-  <p:timing>
-    <p:tnLst>
-      <p:par>
-        <p:cTn id="1" dur="indefinite" restart="never" nodeType="tmRoot"/>
-      </p:par>
-    </p:tnLst>
-  </p:timing>
 </p:sld>
 </file>
 
@@ -12549,13 +12342,6 @@
   <p:clrMapOvr>
     <a:masterClrMapping/>
   </p:clrMapOvr>
-  <p:timing>
-    <p:tnLst>
-      <p:par>
-        <p:cTn id="1" dur="indefinite" restart="never" nodeType="tmRoot"/>
-      </p:par>
-    </p:tnLst>
-  </p:timing>
 </p:sld>
 </file>
 
@@ -12597,53 +12383,53 @@
               </a:lnSpc>
             </a:pPr>
             <a:r>
-              <a:rPr lang="en-US" altLang="ko-KR" dirty="0" smtClean="0"/>
+              <a:rPr lang="en-US" altLang="ko-KR" dirty="0"/>
               <a:t> </a:t>
             </a:r>
             <a:r>
-              <a:rPr lang="ko-KR" altLang="en-US" b="1" dirty="0" smtClean="0">
+              <a:rPr lang="ko-KR" altLang="en-US" b="1" dirty="0">
                 <a:latin typeface="나눔고딕" pitchFamily="50" charset="-127"/>
                 <a:ea typeface="나눔고딕" pitchFamily="50" charset="-127"/>
               </a:rPr>
               <a:t>현실 세계는</a:t>
             </a:r>
             <a:r>
-              <a:rPr lang="en-US" altLang="ko-KR" b="1" dirty="0" smtClean="0">
+              <a:rPr lang="en-US" altLang="ko-KR" b="1" dirty="0">
                 <a:latin typeface="나눔고딕" pitchFamily="50" charset="-127"/>
                 <a:ea typeface="나눔고딕" pitchFamily="50" charset="-127"/>
               </a:rPr>
               <a:t> </a:t>
             </a:r>
             <a:r>
-              <a:rPr lang="ko-KR" altLang="en-US" b="1" dirty="0" smtClean="0">
+              <a:rPr lang="ko-KR" altLang="en-US" b="1" dirty="0">
                 <a:latin typeface="나눔고딕" pitchFamily="50" charset="-127"/>
                 <a:ea typeface="나눔고딕" pitchFamily="50" charset="-127"/>
               </a:rPr>
               <a:t>감옥</a:t>
             </a:r>
             <a:r>
-              <a:rPr lang="en-US" altLang="ko-KR" b="1" dirty="0" smtClean="0">
+              <a:rPr lang="en-US" altLang="ko-KR" b="1" dirty="0">
                 <a:latin typeface="나눔고딕" pitchFamily="50" charset="-127"/>
                 <a:ea typeface="나눔고딕" pitchFamily="50" charset="-127"/>
               </a:rPr>
               <a:t>: </a:t>
             </a:r>
             <a:r>
-              <a:rPr lang="ko-KR" altLang="en-US" b="1" dirty="0" smtClean="0">
+              <a:rPr lang="ko-KR" altLang="en-US" b="1" dirty="0">
                 <a:latin typeface="나눔고딕" pitchFamily="50" charset="-127"/>
                 <a:ea typeface="나눔고딕" pitchFamily="50" charset="-127"/>
               </a:rPr>
               <a:t>무엇에 갇혀 있나</a:t>
             </a:r>
             <a:r>
-              <a:rPr lang="en-US" altLang="ko-KR" b="1" dirty="0" smtClean="0">
+              <a:rPr lang="en-US" altLang="ko-KR" b="1" dirty="0">
                 <a:latin typeface="나눔고딕" pitchFamily="50" charset="-127"/>
                 <a:ea typeface="나눔고딕" pitchFamily="50" charset="-127"/>
               </a:rPr>
               <a:t>? </a:t>
             </a:r>
             <a:r>
-              <a:rPr lang="en-US" altLang="ko-KR" b="1" dirty="0" smtClean="0">
+              <a:rPr lang="en-US" altLang="ko-KR" b="1" dirty="0">
                 <a:latin typeface="Times New Roman"/>
                 <a:ea typeface="나눔고딕" pitchFamily="50" charset="-127"/>
                 <a:cs typeface="Times New Roman"/>
@@ -12651,7 +12437,7 @@
               <a:t>→ </a:t>
             </a:r>
             <a:r>
-              <a:rPr lang="ko-KR" altLang="en-US" b="1" dirty="0" smtClean="0">
+              <a:rPr lang="ko-KR" altLang="en-US" b="1" dirty="0">
                 <a:latin typeface="Times New Roman"/>
                 <a:ea typeface="나눔고딕" pitchFamily="50" charset="-127"/>
                 <a:cs typeface="Times New Roman"/>
@@ -12659,7 +12445,7 @@
               <a:t>감각에 갇힘</a:t>
             </a:r>
             <a:r>
-              <a:rPr lang="en-US" altLang="ko-KR" b="1" dirty="0" smtClean="0">
+              <a:rPr lang="en-US" altLang="ko-KR" b="1" dirty="0">
                 <a:latin typeface="나눔고딕" pitchFamily="50" charset="-127"/>
                 <a:ea typeface="나눔고딕" pitchFamily="50" charset="-127"/>
               </a:rPr>
@@ -12673,34 +12459,34 @@
               </a:lnSpc>
             </a:pPr>
             <a:r>
-              <a:rPr lang="en-US" altLang="ko-KR" b="1" dirty="0" smtClean="0">
+              <a:rPr lang="en-US" altLang="ko-KR" b="1" dirty="0">
                 <a:latin typeface="나눔고딕" pitchFamily="50" charset="-127"/>
                 <a:ea typeface="나눔고딕" pitchFamily="50" charset="-127"/>
               </a:rPr>
               <a:t> </a:t>
             </a:r>
             <a:r>
-              <a:rPr lang="ko-KR" altLang="en-US" b="1" dirty="0" smtClean="0">
+              <a:rPr lang="ko-KR" altLang="en-US" b="1" dirty="0">
                 <a:latin typeface="나눔고딕" pitchFamily="50" charset="-127"/>
                 <a:ea typeface="나눔고딕" pitchFamily="50" charset="-127"/>
               </a:rPr>
               <a:t>현실의 인간은</a:t>
             </a:r>
             <a:r>
-              <a:rPr lang="en-US" altLang="ko-KR" b="1" dirty="0" smtClean="0">
+              <a:rPr lang="en-US" altLang="ko-KR" b="1" dirty="0">
                 <a:latin typeface="나눔고딕" pitchFamily="50" charset="-127"/>
                 <a:ea typeface="나눔고딕" pitchFamily="50" charset="-127"/>
               </a:rPr>
               <a:t> </a:t>
             </a:r>
             <a:r>
-              <a:rPr lang="ko-KR" altLang="en-US" b="1" dirty="0" smtClean="0">
+              <a:rPr lang="ko-KR" altLang="en-US" b="1" dirty="0">
                 <a:latin typeface="나눔고딕" pitchFamily="50" charset="-127"/>
                 <a:ea typeface="나눔고딕" pitchFamily="50" charset="-127"/>
               </a:rPr>
               <a:t>감각에 묶여 있는 수인</a:t>
             </a:r>
-            <a:endParaRPr lang="en-US" altLang="ko-KR" b="1" dirty="0" smtClean="0">
+            <a:endParaRPr lang="en-US" altLang="ko-KR" b="1" dirty="0">
               <a:latin typeface="나눔고딕" pitchFamily="50" charset="-127"/>
               <a:ea typeface="나눔고딕" pitchFamily="50" charset="-127"/>
             </a:endParaRPr>
@@ -12712,35 +12498,35 @@
               </a:lnSpc>
             </a:pPr>
             <a:r>
-              <a:rPr lang="en-US" altLang="ko-KR" b="1" dirty="0" smtClean="0">
+              <a:rPr lang="en-US" altLang="ko-KR" b="1" dirty="0">
                 <a:latin typeface="나눔고딕" pitchFamily="50" charset="-127"/>
                 <a:ea typeface="나눔고딕" pitchFamily="50" charset="-127"/>
               </a:rPr>
               <a:t> </a:t>
             </a:r>
             <a:r>
-              <a:rPr lang="ko-KR" altLang="en-US" b="1" dirty="0" smtClean="0">
+              <a:rPr lang="ko-KR" altLang="en-US" b="1" dirty="0">
                 <a:latin typeface="나눔고딕" pitchFamily="50" charset="-127"/>
                 <a:ea typeface="나눔고딕" pitchFamily="50" charset="-127"/>
               </a:rPr>
               <a:t>현실의 인간이 보는 것은</a:t>
             </a:r>
             <a:r>
-              <a:rPr lang="en-US" altLang="ko-KR" b="1" dirty="0" smtClean="0">
+              <a:rPr lang="en-US" altLang="ko-KR" b="1" dirty="0">
                 <a:latin typeface="나눔고딕" pitchFamily="50" charset="-127"/>
                 <a:ea typeface="나눔고딕" pitchFamily="50" charset="-127"/>
               </a:rPr>
               <a:t> </a:t>
             </a:r>
             <a:r>
-              <a:rPr lang="ko-KR" altLang="en-US" b="1" dirty="0" smtClean="0">
+              <a:rPr lang="ko-KR" altLang="en-US" b="1" dirty="0">
                 <a:latin typeface="나눔고딕" pitchFamily="50" charset="-127"/>
                 <a:ea typeface="나눔고딕" pitchFamily="50" charset="-127"/>
               </a:rPr>
               <a:t>이데아의 그림자</a:t>
             </a:r>
             <a:r>
-              <a:rPr lang="en-US" altLang="ko-KR" b="1" dirty="0" smtClean="0">
+              <a:rPr lang="en-US" altLang="ko-KR" b="1" dirty="0">
                 <a:latin typeface="나눔고딕" pitchFamily="50" charset="-127"/>
                 <a:ea typeface="나눔고딕" pitchFamily="50" charset="-127"/>
               </a:rPr>
@@ -12754,70 +12540,70 @@
               </a:lnSpc>
             </a:pPr>
             <a:r>
-              <a:rPr lang="en-US" altLang="ko-KR" b="1" dirty="0" smtClean="0">
+              <a:rPr lang="en-US" altLang="ko-KR" b="1" dirty="0">
                 <a:latin typeface="나눔고딕" pitchFamily="50" charset="-127"/>
                 <a:ea typeface="나눔고딕" pitchFamily="50" charset="-127"/>
               </a:rPr>
               <a:t> </a:t>
             </a:r>
             <a:r>
-              <a:rPr lang="ko-KR" altLang="en-US" b="1" dirty="0" smtClean="0">
+              <a:rPr lang="ko-KR" altLang="en-US" b="1" dirty="0">
                 <a:latin typeface="나눔고딕" pitchFamily="50" charset="-127"/>
                 <a:ea typeface="나눔고딕" pitchFamily="50" charset="-127"/>
               </a:rPr>
               <a:t>동굴 밖의 세계</a:t>
             </a:r>
             <a:r>
-              <a:rPr lang="en-US" altLang="ko-KR" b="1" dirty="0" smtClean="0">
+              <a:rPr lang="en-US" altLang="ko-KR" b="1" dirty="0">
                 <a:latin typeface="나눔고딕" pitchFamily="50" charset="-127"/>
                 <a:ea typeface="나눔고딕" pitchFamily="50" charset="-127"/>
               </a:rPr>
               <a:t>(= </a:t>
             </a:r>
             <a:r>
-              <a:rPr lang="ko-KR" altLang="en-US" b="1" dirty="0" smtClean="0">
+              <a:rPr lang="ko-KR" altLang="en-US" b="1" dirty="0">
                 <a:latin typeface="나눔고딕" pitchFamily="50" charset="-127"/>
                 <a:ea typeface="나눔고딕" pitchFamily="50" charset="-127"/>
               </a:rPr>
               <a:t>이데아의 세계</a:t>
             </a:r>
             <a:r>
-              <a:rPr lang="en-US" altLang="ko-KR" b="1" dirty="0" smtClean="0">
+              <a:rPr lang="en-US" altLang="ko-KR" b="1" dirty="0">
                 <a:latin typeface="나눔고딕" pitchFamily="50" charset="-127"/>
                 <a:ea typeface="나눔고딕" pitchFamily="50" charset="-127"/>
               </a:rPr>
               <a:t>)</a:t>
             </a:r>
             <a:r>
-              <a:rPr lang="ko-KR" altLang="en-US" b="1" dirty="0" smtClean="0">
+              <a:rPr lang="ko-KR" altLang="en-US" b="1" dirty="0">
                 <a:latin typeface="나눔고딕" pitchFamily="50" charset="-127"/>
                 <a:ea typeface="나눔고딕" pitchFamily="50" charset="-127"/>
               </a:rPr>
               <a:t>로 나간 사람은 </a:t>
             </a:r>
             <a:r>
-              <a:rPr lang="en-US" altLang="ko-KR" b="1" dirty="0" smtClean="0">
+              <a:rPr lang="en-US" altLang="ko-KR" b="1" dirty="0">
                 <a:latin typeface="나눔고딕" pitchFamily="50" charset="-127"/>
                 <a:ea typeface="나눔고딕" pitchFamily="50" charset="-127"/>
               </a:rPr>
               <a:t>‘</a:t>
             </a:r>
             <a:r>
-              <a:rPr lang="ko-KR" altLang="en-US" b="1" dirty="0" smtClean="0">
+              <a:rPr lang="ko-KR" altLang="en-US" b="1" dirty="0">
                 <a:latin typeface="나눔고딕" pitchFamily="50" charset="-127"/>
                 <a:ea typeface="나눔고딕" pitchFamily="50" charset="-127"/>
               </a:rPr>
               <a:t>영혼의 눈</a:t>
             </a:r>
             <a:r>
-              <a:rPr lang="en-US" altLang="ko-KR" b="1" dirty="0" smtClean="0">
+              <a:rPr lang="en-US" altLang="ko-KR" b="1" dirty="0">
                 <a:latin typeface="나눔고딕" pitchFamily="50" charset="-127"/>
                 <a:ea typeface="나눔고딕" pitchFamily="50" charset="-127"/>
               </a:rPr>
               <a:t>’</a:t>
             </a:r>
             <a:r>
-              <a:rPr lang="ko-KR" altLang="en-US" b="1" dirty="0" smtClean="0">
+              <a:rPr lang="ko-KR" altLang="en-US" b="1" dirty="0">
                 <a:latin typeface="나눔고딕" pitchFamily="50" charset="-127"/>
                 <a:ea typeface="나눔고딕" pitchFamily="50" charset="-127"/>
               </a:rPr>
@@ -12845,56 +12631,56 @@
           <a:lstStyle/>
           <a:p>
             <a:r>
-              <a:rPr lang="ko-KR" altLang="en-US" dirty="0" smtClean="0">
+              <a:rPr lang="ko-KR" altLang="en-US" dirty="0">
                 <a:latin typeface="나눔고딕" pitchFamily="50" charset="-127"/>
                 <a:ea typeface="나눔고딕" pitchFamily="50" charset="-127"/>
               </a:rPr>
               <a:t>동굴의 비유</a:t>
             </a:r>
             <a:r>
-              <a:rPr lang="en-US" altLang="ko-KR" dirty="0" smtClean="0">
+              <a:rPr lang="en-US" altLang="ko-KR" dirty="0">
                 <a:latin typeface="나눔고딕" pitchFamily="50" charset="-127"/>
                 <a:ea typeface="나눔고딕" pitchFamily="50" charset="-127"/>
               </a:rPr>
               <a:t>(</a:t>
             </a:r>
             <a:r>
-              <a:rPr lang="ko-KR" altLang="en-US" dirty="0" smtClean="0">
+              <a:rPr lang="ko-KR" altLang="en-US" dirty="0">
                 <a:latin typeface="나눔고딕" pitchFamily="50" charset="-127"/>
                 <a:ea typeface="나눔고딕" pitchFamily="50" charset="-127"/>
               </a:rPr>
               <a:t>플라톤</a:t>
             </a:r>
             <a:r>
-              <a:rPr lang="en-US" altLang="ko-KR" dirty="0" smtClean="0">
+              <a:rPr lang="en-US" altLang="ko-KR" dirty="0">
                 <a:latin typeface="나눔고딕" pitchFamily="50" charset="-127"/>
                 <a:ea typeface="나눔고딕" pitchFamily="50" charset="-127"/>
               </a:rPr>
               <a:t>, 『</a:t>
             </a:r>
             <a:r>
-              <a:rPr lang="ko-KR" altLang="en-US" dirty="0" smtClean="0">
+              <a:rPr lang="ko-KR" altLang="en-US" dirty="0">
                 <a:latin typeface="나눔고딕" pitchFamily="50" charset="-127"/>
                 <a:ea typeface="나눔고딕" pitchFamily="50" charset="-127"/>
               </a:rPr>
               <a:t>국가</a:t>
             </a:r>
             <a:r>
-              <a:rPr lang="en-US" altLang="ko-KR" dirty="0" smtClean="0">
+              <a:rPr lang="en-US" altLang="ko-KR" dirty="0">
                 <a:latin typeface="나눔고딕" pitchFamily="50" charset="-127"/>
                 <a:ea typeface="나눔고딕" pitchFamily="50" charset="-127"/>
               </a:rPr>
               <a:t>』 7</a:t>
             </a:r>
             <a:r>
-              <a:rPr lang="ko-KR" altLang="en-US" dirty="0" smtClean="0">
+              <a:rPr lang="ko-KR" altLang="en-US" dirty="0">
                 <a:latin typeface="나눔고딕" pitchFamily="50" charset="-127"/>
                 <a:ea typeface="나눔고딕" pitchFamily="50" charset="-127"/>
               </a:rPr>
               <a:t>권</a:t>
             </a:r>
             <a:r>
-              <a:rPr lang="en-US" altLang="ko-KR" dirty="0" smtClean="0">
+              <a:rPr lang="en-US" altLang="ko-KR" dirty="0">
                 <a:latin typeface="나눔고딕" pitchFamily="50" charset="-127"/>
                 <a:ea typeface="나눔고딕" pitchFamily="50" charset="-127"/>
               </a:rPr>
@@ -12952,34 +12738,34 @@
               </a:lnSpc>
             </a:pPr>
             <a:r>
-              <a:rPr lang="en-US" altLang="ko-KR" b="1" dirty="0" smtClean="0">
+              <a:rPr lang="en-US" altLang="ko-KR" b="1" dirty="0">
                 <a:latin typeface="나눔고딕" pitchFamily="50" charset="-127"/>
                 <a:ea typeface="나눔고딕" pitchFamily="50" charset="-127"/>
               </a:rPr>
               <a:t> </a:t>
             </a:r>
             <a:r>
-              <a:rPr lang="ko-KR" altLang="en-US" b="1" dirty="0" smtClean="0">
+              <a:rPr lang="ko-KR" altLang="en-US" b="1" dirty="0">
                 <a:latin typeface="나눔고딕" pitchFamily="50" charset="-127"/>
                 <a:ea typeface="나눔고딕" pitchFamily="50" charset="-127"/>
               </a:rPr>
               <a:t>인간의 육체는 사멸하지만</a:t>
             </a:r>
             <a:r>
-              <a:rPr lang="en-US" altLang="ko-KR" b="1" dirty="0" smtClean="0">
+              <a:rPr lang="en-US" altLang="ko-KR" b="1" dirty="0">
                 <a:latin typeface="나눔고딕" pitchFamily="50" charset="-127"/>
                 <a:ea typeface="나눔고딕" pitchFamily="50" charset="-127"/>
               </a:rPr>
               <a:t>, </a:t>
             </a:r>
             <a:r>
-              <a:rPr lang="ko-KR" altLang="en-US" b="1" dirty="0" smtClean="0">
+              <a:rPr lang="ko-KR" altLang="en-US" b="1" dirty="0">
                 <a:latin typeface="나눔고딕" pitchFamily="50" charset="-127"/>
                 <a:ea typeface="나눔고딕" pitchFamily="50" charset="-127"/>
               </a:rPr>
               <a:t>인간의 영혼은 불멸</a:t>
             </a:r>
-            <a:endParaRPr lang="en-US" altLang="ko-KR" b="1" dirty="0" smtClean="0">
+            <a:endParaRPr lang="en-US" altLang="ko-KR" b="1" dirty="0">
               <a:latin typeface="나눔고딕" pitchFamily="50" charset="-127"/>
               <a:ea typeface="나눔고딕" pitchFamily="50" charset="-127"/>
             </a:endParaRPr>
@@ -12991,63 +12777,63 @@
               </a:lnSpc>
             </a:pPr>
             <a:r>
-              <a:rPr lang="en-US" altLang="ko-KR" b="1" dirty="0" smtClean="0">
+              <a:rPr lang="en-US" altLang="ko-KR" b="1" dirty="0">
                 <a:latin typeface="나눔고딕" pitchFamily="50" charset="-127"/>
                 <a:ea typeface="나눔고딕" pitchFamily="50" charset="-127"/>
               </a:rPr>
               <a:t> </a:t>
             </a:r>
             <a:r>
-              <a:rPr lang="ko-KR" altLang="en-US" b="1" dirty="0" smtClean="0">
+              <a:rPr lang="ko-KR" altLang="en-US" b="1" dirty="0">
                 <a:latin typeface="나눔고딕" pitchFamily="50" charset="-127"/>
                 <a:ea typeface="나눔고딕" pitchFamily="50" charset="-127"/>
               </a:rPr>
               <a:t>육체의 죽음 이후 영혼은 </a:t>
             </a:r>
             <a:r>
-              <a:rPr lang="en-US" altLang="ko-KR" b="1" dirty="0" smtClean="0">
+              <a:rPr lang="en-US" altLang="ko-KR" b="1" dirty="0">
                 <a:latin typeface="나눔고딕" pitchFamily="50" charset="-127"/>
                 <a:ea typeface="나눔고딕" pitchFamily="50" charset="-127"/>
               </a:rPr>
               <a:t>‘</a:t>
             </a:r>
             <a:r>
-              <a:rPr lang="ko-KR" altLang="en-US" b="1" dirty="0" smtClean="0">
+              <a:rPr lang="ko-KR" altLang="en-US" b="1" dirty="0">
                 <a:latin typeface="나눔고딕" pitchFamily="50" charset="-127"/>
                 <a:ea typeface="나눔고딕" pitchFamily="50" charset="-127"/>
               </a:rPr>
               <a:t>영혼의 눈</a:t>
             </a:r>
             <a:r>
-              <a:rPr lang="en-US" altLang="ko-KR" b="1" dirty="0" smtClean="0">
+              <a:rPr lang="en-US" altLang="ko-KR" b="1" dirty="0">
                 <a:latin typeface="나눔고딕" pitchFamily="50" charset="-127"/>
                 <a:ea typeface="나눔고딕" pitchFamily="50" charset="-127"/>
               </a:rPr>
               <a:t>’</a:t>
             </a:r>
             <a:r>
-              <a:rPr lang="ko-KR" altLang="en-US" b="1" dirty="0" smtClean="0">
+              <a:rPr lang="ko-KR" altLang="en-US" b="1" dirty="0">
                 <a:latin typeface="나눔고딕" pitchFamily="50" charset="-127"/>
                 <a:ea typeface="나눔고딕" pitchFamily="50" charset="-127"/>
               </a:rPr>
               <a:t>으로 이데아를 </a:t>
             </a:r>
             <a:r>
-              <a:rPr lang="en-US" altLang="ko-KR" b="1" dirty="0" smtClean="0">
+              <a:rPr lang="en-US" altLang="ko-KR" b="1" dirty="0">
                 <a:latin typeface="나눔고딕" pitchFamily="50" charset="-127"/>
                 <a:ea typeface="나눔고딕" pitchFamily="50" charset="-127"/>
               </a:rPr>
               <a:t>‘</a:t>
             </a:r>
             <a:r>
-              <a:rPr lang="ko-KR" altLang="en-US" b="1" dirty="0" smtClean="0">
+              <a:rPr lang="ko-KR" altLang="en-US" b="1" dirty="0">
                 <a:latin typeface="나눔고딕" pitchFamily="50" charset="-127"/>
                 <a:ea typeface="나눔고딕" pitchFamily="50" charset="-127"/>
               </a:rPr>
               <a:t>관조</a:t>
             </a:r>
             <a:r>
-              <a:rPr lang="en-US" altLang="ko-KR" b="1" dirty="0" smtClean="0">
+              <a:rPr lang="en-US" altLang="ko-KR" b="1" dirty="0">
                 <a:latin typeface="나눔고딕" pitchFamily="50" charset="-127"/>
                 <a:ea typeface="나눔고딕" pitchFamily="50" charset="-127"/>
               </a:rPr>
@@ -13061,90 +12847,90 @@
               </a:lnSpc>
             </a:pPr>
             <a:r>
-              <a:rPr lang="en-US" altLang="ko-KR" b="1" dirty="0" smtClean="0">
+              <a:rPr lang="en-US" altLang="ko-KR" b="1" dirty="0">
                 <a:latin typeface="나눔고딕" pitchFamily="50" charset="-127"/>
                 <a:ea typeface="나눔고딕" pitchFamily="50" charset="-127"/>
               </a:rPr>
               <a:t> </a:t>
             </a:r>
             <a:r>
-              <a:rPr lang="ko-KR" altLang="en-US" b="1" dirty="0" smtClean="0">
+              <a:rPr lang="ko-KR" altLang="en-US" b="1" dirty="0">
                 <a:latin typeface="나눔고딕" pitchFamily="50" charset="-127"/>
                 <a:ea typeface="나눔고딕" pitchFamily="50" charset="-127"/>
               </a:rPr>
               <a:t>다시 육체를 얻어 </a:t>
             </a:r>
             <a:r>
-              <a:rPr lang="en-US" altLang="ko-KR" b="1" dirty="0" smtClean="0">
+              <a:rPr lang="en-US" altLang="ko-KR" b="1" dirty="0">
                 <a:latin typeface="나눔고딕" pitchFamily="50" charset="-127"/>
                 <a:ea typeface="나눔고딕" pitchFamily="50" charset="-127"/>
               </a:rPr>
               <a:t>‘</a:t>
             </a:r>
             <a:r>
-              <a:rPr lang="ko-KR" altLang="en-US" b="1" dirty="0" smtClean="0">
+              <a:rPr lang="ko-KR" altLang="en-US" b="1" dirty="0">
                 <a:latin typeface="나눔고딕" pitchFamily="50" charset="-127"/>
                 <a:ea typeface="나눔고딕" pitchFamily="50" charset="-127"/>
               </a:rPr>
               <a:t>태어나기</a:t>
             </a:r>
             <a:r>
-              <a:rPr lang="en-US" altLang="ko-KR" b="1" dirty="0" smtClean="0">
+              <a:rPr lang="en-US" altLang="ko-KR" b="1" dirty="0">
                 <a:latin typeface="나눔고딕" pitchFamily="50" charset="-127"/>
                 <a:ea typeface="나눔고딕" pitchFamily="50" charset="-127"/>
               </a:rPr>
               <a:t>’ </a:t>
             </a:r>
             <a:r>
-              <a:rPr lang="ko-KR" altLang="en-US" b="1" dirty="0" smtClean="0">
+              <a:rPr lang="ko-KR" altLang="en-US" b="1" dirty="0">
                 <a:latin typeface="나눔고딕" pitchFamily="50" charset="-127"/>
                 <a:ea typeface="나눔고딕" pitchFamily="50" charset="-127"/>
               </a:rPr>
               <a:t>전 망각의 강</a:t>
             </a:r>
             <a:r>
-              <a:rPr lang="en-US" altLang="ko-KR" b="1" dirty="0" smtClean="0">
+              <a:rPr lang="en-US" altLang="ko-KR" b="1" dirty="0">
                 <a:latin typeface="나눔고딕" pitchFamily="50" charset="-127"/>
                 <a:ea typeface="나눔고딕" pitchFamily="50" charset="-127"/>
               </a:rPr>
               <a:t>(</a:t>
             </a:r>
             <a:r>
-              <a:rPr lang="en-US" altLang="ko-KR" b="1" dirty="0" err="1" smtClean="0">
+              <a:rPr lang="en-US" altLang="ko-KR" b="1" dirty="0" err="1">
                 <a:latin typeface="나눔고딕" pitchFamily="50" charset="-127"/>
                 <a:ea typeface="나눔고딕" pitchFamily="50" charset="-127"/>
               </a:rPr>
               <a:t>lethe</a:t>
             </a:r>
             <a:r>
-              <a:rPr lang="en-US" altLang="ko-KR" b="1" dirty="0" smtClean="0">
+              <a:rPr lang="en-US" altLang="ko-KR" b="1" dirty="0">
                 <a:latin typeface="나눔고딕" pitchFamily="50" charset="-127"/>
                 <a:ea typeface="나눔고딕" pitchFamily="50" charset="-127"/>
               </a:rPr>
               <a:t>)</a:t>
             </a:r>
             <a:r>
-              <a:rPr lang="ko-KR" altLang="en-US" b="1" dirty="0" smtClean="0">
+              <a:rPr lang="ko-KR" altLang="en-US" b="1" dirty="0">
                 <a:latin typeface="나눔고딕" pitchFamily="50" charset="-127"/>
                 <a:ea typeface="나눔고딕" pitchFamily="50" charset="-127"/>
               </a:rPr>
               <a:t>을</a:t>
             </a:r>
             <a:r>
-              <a:rPr lang="en-US" altLang="ko-KR" b="1" dirty="0" smtClean="0">
+              <a:rPr lang="en-US" altLang="ko-KR" b="1" dirty="0">
                 <a:latin typeface="나눔고딕" pitchFamily="50" charset="-127"/>
                 <a:ea typeface="나눔고딕" pitchFamily="50" charset="-127"/>
               </a:rPr>
               <a:t> </a:t>
             </a:r>
             <a:r>
-              <a:rPr lang="ko-KR" altLang="en-US" b="1" dirty="0" smtClean="0">
+              <a:rPr lang="ko-KR" altLang="en-US" b="1" dirty="0">
                 <a:latin typeface="나눔고딕" pitchFamily="50" charset="-127"/>
                 <a:ea typeface="나눔고딕" pitchFamily="50" charset="-127"/>
               </a:rPr>
               <a:t>건넘</a:t>
             </a:r>
-            <a:endParaRPr lang="en-US" altLang="ko-KR" b="1" dirty="0" smtClean="0">
+            <a:endParaRPr lang="en-US" altLang="ko-KR" b="1" dirty="0">
               <a:latin typeface="나눔고딕" pitchFamily="50" charset="-127"/>
               <a:ea typeface="나눔고딕" pitchFamily="50" charset="-127"/>
             </a:endParaRPr>
@@ -13156,20 +12942,20 @@
               </a:lnSpc>
             </a:pPr>
             <a:r>
-              <a:rPr lang="en-US" altLang="ko-KR" b="1" dirty="0" smtClean="0">
+              <a:rPr lang="en-US" altLang="ko-KR" b="1" dirty="0">
                 <a:latin typeface="나눔고딕" pitchFamily="50" charset="-127"/>
                 <a:ea typeface="나눔고딕" pitchFamily="50" charset="-127"/>
               </a:rPr>
               <a:t> </a:t>
             </a:r>
             <a:r>
-              <a:rPr lang="ko-KR" altLang="en-US" b="1" dirty="0" smtClean="0">
+              <a:rPr lang="ko-KR" altLang="en-US" b="1" dirty="0">
                 <a:latin typeface="나눔고딕" pitchFamily="50" charset="-127"/>
                 <a:ea typeface="나눔고딕" pitchFamily="50" charset="-127"/>
               </a:rPr>
               <a:t>이 강을 건너면서 관조했던 이데아를 망각</a:t>
             </a:r>
-            <a:endParaRPr lang="en-US" altLang="ko-KR" b="1" dirty="0" smtClean="0">
+            <a:endParaRPr lang="en-US" altLang="ko-KR" b="1" dirty="0">
               <a:latin typeface="나눔고딕" pitchFamily="50" charset="-127"/>
               <a:ea typeface="나눔고딕" pitchFamily="50" charset="-127"/>
             </a:endParaRPr>
@@ -13181,35 +12967,35 @@
               </a:lnSpc>
             </a:pPr>
             <a:r>
-              <a:rPr lang="en-US" altLang="ko-KR" b="1" dirty="0" smtClean="0">
+              <a:rPr lang="en-US" altLang="ko-KR" b="1" dirty="0">
                 <a:latin typeface="나눔고딕" pitchFamily="50" charset="-127"/>
                 <a:ea typeface="나눔고딕" pitchFamily="50" charset="-127"/>
               </a:rPr>
               <a:t> </a:t>
             </a:r>
             <a:r>
-              <a:rPr lang="ko-KR" altLang="en-US" b="1" dirty="0" smtClean="0">
+              <a:rPr lang="ko-KR" altLang="en-US" b="1" dirty="0">
                 <a:latin typeface="나눔고딕" pitchFamily="50" charset="-127"/>
                 <a:ea typeface="나눔고딕" pitchFamily="50" charset="-127"/>
               </a:rPr>
               <a:t>따라서 이데아에 대한 인식</a:t>
             </a:r>
             <a:r>
-              <a:rPr lang="en-US" altLang="ko-KR" b="1" dirty="0" smtClean="0">
+              <a:rPr lang="en-US" altLang="ko-KR" b="1" dirty="0">
                 <a:latin typeface="나눔고딕" pitchFamily="50" charset="-127"/>
                 <a:ea typeface="나눔고딕" pitchFamily="50" charset="-127"/>
               </a:rPr>
               <a:t>=</a:t>
             </a:r>
             <a:r>
-              <a:rPr lang="ko-KR" altLang="en-US" b="1" dirty="0" smtClean="0">
+              <a:rPr lang="ko-KR" altLang="en-US" b="1" dirty="0">
                 <a:latin typeface="나눔고딕" pitchFamily="50" charset="-127"/>
                 <a:ea typeface="나눔고딕" pitchFamily="50" charset="-127"/>
               </a:rPr>
               <a:t> 망각했던 이데아에 대한 상기</a:t>
             </a:r>
             <a:r>
-              <a:rPr lang="en-US" altLang="ko-KR" b="1" dirty="0" smtClean="0">
+              <a:rPr lang="en-US" altLang="ko-KR" b="1" dirty="0">
                 <a:latin typeface="Times New Roman"/>
                 <a:ea typeface="나눔고딕" pitchFamily="50" charset="-127"/>
                 <a:cs typeface="Times New Roman"/>
@@ -13217,16 +13003,12 @@
               <a:t>·</a:t>
             </a:r>
             <a:r>
-              <a:rPr lang="ko-KR" altLang="en-US" b="1" dirty="0" smtClean="0">
+              <a:rPr lang="ko-KR" altLang="en-US" b="1" dirty="0">
                 <a:latin typeface="나눔고딕" pitchFamily="50" charset="-127"/>
                 <a:ea typeface="나눔고딕" pitchFamily="50" charset="-127"/>
               </a:rPr>
               <a:t>회상</a:t>
             </a:r>
-            <a:endParaRPr lang="ko-KR" altLang="en-US" b="1" dirty="0">
-              <a:latin typeface="나눔고딕" pitchFamily="50" charset="-127"/>
-              <a:ea typeface="나눔고딕" pitchFamily="50" charset="-127"/>
-            </a:endParaRPr>
           </a:p>
         </p:txBody>
       </p:sp>
@@ -13246,14 +13028,14 @@
           <a:lstStyle/>
           <a:p>
             <a:r>
-              <a:rPr lang="ko-KR" altLang="en-US" dirty="0" smtClean="0">
+              <a:rPr lang="ko-KR" altLang="en-US" dirty="0">
                 <a:latin typeface="나눔고딕" pitchFamily="50" charset="-127"/>
                 <a:ea typeface="나눔고딕" pitchFamily="50" charset="-127"/>
               </a:rPr>
               <a:t>영혼불멸론 </a:t>
             </a:r>
             <a:r>
-              <a:rPr lang="en-US" altLang="ko-KR" dirty="0" smtClean="0">
+              <a:rPr lang="en-US" altLang="ko-KR" dirty="0">
                 <a:latin typeface="나눔고딕" pitchFamily="50" charset="-127"/>
                 <a:ea typeface="나눔고딕" pitchFamily="50" charset="-127"/>
                 <a:cs typeface="Times New Roman"/>
@@ -13261,7 +13043,7 @@
               <a:t>+ </a:t>
             </a:r>
             <a:r>
-              <a:rPr lang="ko-KR" altLang="en-US" dirty="0" smtClean="0">
+              <a:rPr lang="ko-KR" altLang="en-US" dirty="0">
                 <a:latin typeface="나눔고딕" pitchFamily="50" charset="-127"/>
                 <a:ea typeface="나눔고딕" pitchFamily="50" charset="-127"/>
                 <a:cs typeface="Times New Roman"/>
@@ -13269,7 +13051,7 @@
               <a:t>윤회론 </a:t>
             </a:r>
             <a:r>
-              <a:rPr lang="en-US" altLang="ko-KR" dirty="0" smtClean="0">
+              <a:rPr lang="en-US" altLang="ko-KR" dirty="0">
                 <a:latin typeface="Times New Roman"/>
                 <a:ea typeface="나눔고딕" pitchFamily="50" charset="-127"/>
                 <a:cs typeface="Times New Roman"/>
@@ -13277,7 +13059,7 @@
               <a:t>+ </a:t>
             </a:r>
             <a:r>
-              <a:rPr lang="ko-KR" altLang="en-US" dirty="0" smtClean="0">
+              <a:rPr lang="ko-KR" altLang="en-US" dirty="0">
                 <a:latin typeface="나눔고딕" pitchFamily="50" charset="-127"/>
                 <a:ea typeface="나눔고딕" pitchFamily="50" charset="-127"/>
                 <a:cs typeface="Times New Roman"/>
@@ -13332,25 +13114,25 @@
           <a:lstStyle/>
           <a:p>
             <a:r>
-              <a:rPr lang="en-US" altLang="ko-KR" dirty="0" smtClean="0"/>
+              <a:rPr lang="en-US" altLang="ko-KR" dirty="0"/>
               <a:t> </a:t>
             </a:r>
             <a:r>
-              <a:rPr lang="ko-KR" altLang="en-US" b="1" dirty="0" err="1" smtClean="0">
+              <a:rPr lang="ko-KR" altLang="en-US" b="1" dirty="0" err="1">
                 <a:latin typeface="나눔고딕" pitchFamily="50" charset="-127"/>
                 <a:ea typeface="나눔고딕" pitchFamily="50" charset="-127"/>
               </a:rPr>
               <a:t>워쇼스키</a:t>
             </a:r>
             <a:r>
-              <a:rPr lang="ko-KR" altLang="en-US" b="1" dirty="0" smtClean="0">
+              <a:rPr lang="ko-KR" altLang="en-US" b="1" dirty="0">
                 <a:latin typeface="나눔고딕" pitchFamily="50" charset="-127"/>
                 <a:ea typeface="나눔고딕" pitchFamily="50" charset="-127"/>
               </a:rPr>
               <a:t> 형제 </a:t>
             </a:r>
             <a:r>
-              <a:rPr lang="ko-KR" altLang="en-US" b="1" dirty="0" smtClean="0">
+              <a:rPr lang="ko-KR" altLang="en-US" b="1" dirty="0">
                 <a:latin typeface="나눔고딕" pitchFamily="50" charset="-127"/>
                 <a:ea typeface="나눔고딕" pitchFamily="50" charset="-127"/>
                 <a:cs typeface="Times New Roman"/>
@@ -13358,28 +13140,28 @@
               <a:t>→</a:t>
             </a:r>
             <a:r>
-              <a:rPr lang="ko-KR" altLang="en-US" b="1" dirty="0" smtClean="0">
+              <a:rPr lang="ko-KR" altLang="en-US" b="1" dirty="0">
                 <a:latin typeface="나눔고딕" pitchFamily="50" charset="-127"/>
                 <a:ea typeface="나눔고딕" pitchFamily="50" charset="-127"/>
               </a:rPr>
               <a:t> </a:t>
             </a:r>
             <a:r>
-              <a:rPr lang="ko-KR" altLang="en-US" b="1" dirty="0" err="1" smtClean="0">
+              <a:rPr lang="ko-KR" altLang="en-US" b="1" dirty="0" err="1">
                 <a:latin typeface="나눔고딕" pitchFamily="50" charset="-127"/>
                 <a:ea typeface="나눔고딕" pitchFamily="50" charset="-127"/>
               </a:rPr>
               <a:t>워쇼스키</a:t>
             </a:r>
             <a:r>
-              <a:rPr lang="ko-KR" altLang="en-US" b="1" dirty="0" smtClean="0">
+              <a:rPr lang="ko-KR" altLang="en-US" b="1" dirty="0">
                 <a:latin typeface="나눔고딕" pitchFamily="50" charset="-127"/>
                 <a:ea typeface="나눔고딕" pitchFamily="50" charset="-127"/>
               </a:rPr>
               <a:t> 남매 </a:t>
             </a:r>
             <a:r>
-              <a:rPr lang="ko-KR" altLang="en-US" b="1" dirty="0" smtClean="0">
+              <a:rPr lang="ko-KR" altLang="en-US" b="1" dirty="0">
                 <a:latin typeface="나눔고딕" pitchFamily="50" charset="-127"/>
                 <a:ea typeface="나눔고딕" pitchFamily="50" charset="-127"/>
                 <a:cs typeface="Times New Roman"/>
@@ -13387,23 +13169,19 @@
               <a:t>→ </a:t>
             </a:r>
             <a:r>
-              <a:rPr lang="ko-KR" altLang="en-US" b="1" dirty="0" err="1" smtClean="0">
+              <a:rPr lang="ko-KR" altLang="en-US" b="1" dirty="0" err="1">
                 <a:latin typeface="나눔고딕" pitchFamily="50" charset="-127"/>
                 <a:ea typeface="나눔고딕" pitchFamily="50" charset="-127"/>
               </a:rPr>
               <a:t>워쇼스키</a:t>
             </a:r>
             <a:r>
-              <a:rPr lang="ko-KR" altLang="en-US" b="1" dirty="0" smtClean="0">
+              <a:rPr lang="ko-KR" altLang="en-US" b="1" dirty="0">
                 <a:latin typeface="나눔고딕" pitchFamily="50" charset="-127"/>
                 <a:ea typeface="나눔고딕" pitchFamily="50" charset="-127"/>
               </a:rPr>
               <a:t> 자매 </a:t>
             </a:r>
-            <a:endParaRPr lang="ko-KR" altLang="en-US" b="1" dirty="0">
-              <a:latin typeface="나눔고딕" pitchFamily="50" charset="-127"/>
-              <a:ea typeface="나눔고딕" pitchFamily="50" charset="-127"/>
-            </a:endParaRPr>
           </a:p>
         </p:txBody>
       </p:sp>
@@ -13423,35 +13201,35 @@
           <a:lstStyle/>
           <a:p>
             <a:r>
-              <a:rPr lang="ko-KR" altLang="en-US" dirty="0" smtClean="0">
+              <a:rPr lang="ko-KR" altLang="en-US" dirty="0">
                 <a:latin typeface="나눔고딕" pitchFamily="50" charset="-127"/>
                 <a:ea typeface="나눔고딕" pitchFamily="50" charset="-127"/>
               </a:rPr>
               <a:t>매트릭스</a:t>
             </a:r>
             <a:r>
-              <a:rPr lang="en-US" altLang="ko-KR" dirty="0" smtClean="0">
+              <a:rPr lang="en-US" altLang="ko-KR" dirty="0">
                 <a:latin typeface="나눔고딕" pitchFamily="50" charset="-127"/>
                 <a:ea typeface="나눔고딕" pitchFamily="50" charset="-127"/>
               </a:rPr>
               <a:t>(</a:t>
             </a:r>
             <a:r>
-              <a:rPr lang="ko-KR" altLang="en-US" dirty="0" err="1" smtClean="0">
+              <a:rPr lang="ko-KR" altLang="en-US" dirty="0" err="1">
                 <a:latin typeface="나눔고딕" pitchFamily="50" charset="-127"/>
                 <a:ea typeface="나눔고딕" pitchFamily="50" charset="-127"/>
               </a:rPr>
               <a:t>워쇼스키</a:t>
             </a:r>
             <a:r>
-              <a:rPr lang="ko-KR" altLang="en-US" dirty="0" smtClean="0">
+              <a:rPr lang="ko-KR" altLang="en-US" dirty="0">
                 <a:latin typeface="나눔고딕" pitchFamily="50" charset="-127"/>
                 <a:ea typeface="나눔고딕" pitchFamily="50" charset="-127"/>
               </a:rPr>
               <a:t> 자매</a:t>
             </a:r>
             <a:r>
-              <a:rPr lang="en-US" altLang="ko-KR" dirty="0" smtClean="0">
+              <a:rPr lang="en-US" altLang="ko-KR" dirty="0">
                 <a:latin typeface="나눔고딕" pitchFamily="50" charset="-127"/>
                 <a:ea typeface="나눔고딕" pitchFamily="50" charset="-127"/>
               </a:rPr>
@@ -13584,14 +13362,14 @@
               </a:lnSpc>
             </a:pPr>
             <a:r>
-              <a:rPr lang="ko-KR" altLang="en-US" b="1" dirty="0" smtClean="0">
+              <a:rPr lang="ko-KR" altLang="en-US" b="1" dirty="0">
                 <a:latin typeface="나눔고딕" pitchFamily="50" charset="-127"/>
                 <a:ea typeface="나눔고딕" pitchFamily="50" charset="-127"/>
               </a:rPr>
               <a:t>인간과 기계의 전쟁 </a:t>
             </a:r>
             <a:r>
-              <a:rPr lang="ko-KR" altLang="en-US" b="1" dirty="0" smtClean="0">
+              <a:rPr lang="ko-KR" altLang="en-US" b="1" dirty="0">
                 <a:latin typeface="나눔고딕" pitchFamily="50" charset="-127"/>
                 <a:ea typeface="나눔고딕" pitchFamily="50" charset="-127"/>
                 <a:cs typeface="Times New Roman"/>
@@ -13599,7 +13377,7 @@
               <a:t>→ 기계의 승리</a:t>
             </a:r>
             <a:r>
-              <a:rPr lang="en-US" altLang="ko-KR" b="1" dirty="0" smtClean="0">
+              <a:rPr lang="en-US" altLang="ko-KR" b="1" dirty="0">
                 <a:latin typeface="나눔고딕" pitchFamily="50" charset="-127"/>
                 <a:ea typeface="나눔고딕" pitchFamily="50" charset="-127"/>
                 <a:cs typeface="Times New Roman"/>
@@ -13607,14 +13385,14 @@
               <a:t>, </a:t>
             </a:r>
             <a:r>
-              <a:rPr lang="ko-KR" altLang="en-US" b="1" dirty="0" smtClean="0">
+              <a:rPr lang="ko-KR" altLang="en-US" b="1" dirty="0">
                 <a:latin typeface="나눔고딕" pitchFamily="50" charset="-127"/>
                 <a:ea typeface="나눔고딕" pitchFamily="50" charset="-127"/>
                 <a:cs typeface="Times New Roman"/>
               </a:rPr>
               <a:t>인류문명 파괴</a:t>
             </a:r>
-            <a:endParaRPr lang="en-US" altLang="ko-KR" b="1" dirty="0" smtClean="0">
+            <a:endParaRPr lang="en-US" altLang="ko-KR" b="1" dirty="0">
               <a:latin typeface="나눔고딕" pitchFamily="50" charset="-127"/>
               <a:ea typeface="나눔고딕" pitchFamily="50" charset="-127"/>
             </a:endParaRPr>
@@ -13626,13 +13404,13 @@
               </a:lnSpc>
             </a:pPr>
             <a:r>
-              <a:rPr lang="ko-KR" altLang="en-US" b="1" dirty="0" smtClean="0">
+              <a:rPr lang="ko-KR" altLang="en-US" b="1" dirty="0">
                 <a:latin typeface="나눔고딕" pitchFamily="50" charset="-127"/>
                 <a:ea typeface="나눔고딕" pitchFamily="50" charset="-127"/>
               </a:rPr>
               <a:t>우리가 사는 현실</a:t>
             </a:r>
-            <a:endParaRPr lang="en-US" altLang="ko-KR" b="1" dirty="0" smtClean="0">
+            <a:endParaRPr lang="en-US" altLang="ko-KR" b="1" dirty="0">
               <a:latin typeface="나눔고딕" pitchFamily="50" charset="-127"/>
               <a:ea typeface="나눔고딕" pitchFamily="50" charset="-127"/>
             </a:endParaRPr>
@@ -13646,20 +13424,20 @@
               <a:buChar char="-"/>
             </a:pPr>
             <a:r>
-              <a:rPr lang="en-US" altLang="ko-KR" b="1" dirty="0" smtClean="0">
+              <a:rPr lang="en-US" altLang="ko-KR" b="1" dirty="0">
                 <a:latin typeface="나눔고딕" pitchFamily="50" charset="-127"/>
                 <a:ea typeface="나눔고딕" pitchFamily="50" charset="-127"/>
               </a:rPr>
               <a:t> </a:t>
             </a:r>
             <a:r>
-              <a:rPr lang="ko-KR" altLang="en-US" b="1" dirty="0" smtClean="0">
+              <a:rPr lang="ko-KR" altLang="en-US" b="1" dirty="0">
                 <a:latin typeface="나눔고딕" pitchFamily="50" charset="-127"/>
                 <a:ea typeface="나눔고딕" pitchFamily="50" charset="-127"/>
               </a:rPr>
               <a:t>꿈</a:t>
             </a:r>
-            <a:endParaRPr lang="en-US" altLang="ko-KR" b="1" dirty="0" smtClean="0">
+            <a:endParaRPr lang="en-US" altLang="ko-KR" b="1" dirty="0">
               <a:latin typeface="나눔고딕" pitchFamily="50" charset="-127"/>
               <a:ea typeface="나눔고딕" pitchFamily="50" charset="-127"/>
             </a:endParaRPr>
@@ -13673,20 +13451,20 @@
               <a:buChar char="-"/>
             </a:pPr>
             <a:r>
-              <a:rPr lang="en-US" altLang="ko-KR" b="1" dirty="0" smtClean="0">
+              <a:rPr lang="en-US" altLang="ko-KR" b="1" dirty="0">
                 <a:latin typeface="나눔고딕" pitchFamily="50" charset="-127"/>
                 <a:ea typeface="나눔고딕" pitchFamily="50" charset="-127"/>
               </a:rPr>
               <a:t> </a:t>
             </a:r>
             <a:r>
-              <a:rPr lang="ko-KR" altLang="en-US" b="1" dirty="0" smtClean="0">
+              <a:rPr lang="ko-KR" altLang="en-US" b="1" dirty="0">
                 <a:latin typeface="나눔고딕" pitchFamily="50" charset="-127"/>
                 <a:ea typeface="나눔고딕" pitchFamily="50" charset="-127"/>
               </a:rPr>
               <a:t>기계에 의해 주입된 가상 현실</a:t>
             </a:r>
-            <a:endParaRPr lang="en-US" altLang="ko-KR" b="1" dirty="0" smtClean="0">
+            <a:endParaRPr lang="en-US" altLang="ko-KR" b="1" dirty="0">
               <a:latin typeface="나눔고딕" pitchFamily="50" charset="-127"/>
               <a:ea typeface="나눔고딕" pitchFamily="50" charset="-127"/>
             </a:endParaRPr>
@@ -13700,55 +13478,55 @@
               <a:buChar char="-"/>
             </a:pPr>
             <a:r>
-              <a:rPr lang="ko-KR" altLang="en-US" b="1" dirty="0" smtClean="0">
+              <a:rPr lang="ko-KR" altLang="en-US" b="1" dirty="0">
                 <a:latin typeface="나눔고딕" pitchFamily="50" charset="-127"/>
                 <a:ea typeface="나눔고딕" pitchFamily="50" charset="-127"/>
               </a:rPr>
               <a:t>‘매트릭스’</a:t>
             </a:r>
             <a:r>
-              <a:rPr lang="en-US" altLang="ko-KR" b="1" dirty="0" smtClean="0">
+              <a:rPr lang="en-US" altLang="ko-KR" b="1" dirty="0">
                 <a:latin typeface="나눔고딕" pitchFamily="50" charset="-127"/>
                 <a:ea typeface="나눔고딕" pitchFamily="50" charset="-127"/>
               </a:rPr>
               <a:t>: </a:t>
             </a:r>
             <a:r>
-              <a:rPr lang="ko-KR" altLang="en-US" b="1" dirty="0" smtClean="0">
+              <a:rPr lang="ko-KR" altLang="en-US" b="1" dirty="0">
                 <a:latin typeface="나눔고딕" pitchFamily="50" charset="-127"/>
                 <a:ea typeface="나눔고딕" pitchFamily="50" charset="-127"/>
               </a:rPr>
               <a:t>뇌가 </a:t>
             </a:r>
             <a:r>
-              <a:rPr lang="ko-KR" altLang="en-US" b="1" dirty="0" err="1" smtClean="0">
+              <a:rPr lang="ko-KR" altLang="en-US" b="1" dirty="0" err="1">
                 <a:latin typeface="나눔고딕" pitchFamily="50" charset="-127"/>
                 <a:ea typeface="나눔고딕" pitchFamily="50" charset="-127"/>
               </a:rPr>
               <a:t>입력받는</a:t>
             </a:r>
             <a:r>
-              <a:rPr lang="ko-KR" altLang="en-US" b="1" dirty="0" smtClean="0">
+              <a:rPr lang="ko-KR" altLang="en-US" b="1" dirty="0">
                 <a:latin typeface="나눔고딕" pitchFamily="50" charset="-127"/>
                 <a:ea typeface="나눔고딕" pitchFamily="50" charset="-127"/>
               </a:rPr>
               <a:t> 전기신호</a:t>
             </a:r>
             <a:r>
-              <a:rPr lang="en-US" altLang="ko-KR" b="1" dirty="0" smtClean="0">
+              <a:rPr lang="en-US" altLang="ko-KR" b="1" dirty="0">
                 <a:latin typeface="나눔고딕" pitchFamily="50" charset="-127"/>
                 <a:ea typeface="나눔고딕" pitchFamily="50" charset="-127"/>
               </a:rPr>
               <a:t>, </a:t>
             </a:r>
             <a:r>
-              <a:rPr lang="ko-KR" altLang="en-US" b="1" dirty="0" smtClean="0">
+              <a:rPr lang="ko-KR" altLang="en-US" b="1" dirty="0">
                 <a:latin typeface="나눔고딕" pitchFamily="50" charset="-127"/>
                 <a:ea typeface="나눔고딕" pitchFamily="50" charset="-127"/>
               </a:rPr>
               <a:t>가상현실 체제</a:t>
             </a:r>
-            <a:endParaRPr lang="en-US" altLang="ko-KR" b="1" dirty="0" smtClean="0">
+            <a:endParaRPr lang="en-US" altLang="ko-KR" b="1" dirty="0">
               <a:latin typeface="나눔고딕" pitchFamily="50" charset="-127"/>
               <a:ea typeface="나눔고딕" pitchFamily="50" charset="-127"/>
             </a:endParaRPr>
@@ -13760,13 +13538,13 @@
               </a:lnSpc>
             </a:pPr>
             <a:r>
-              <a:rPr lang="ko-KR" altLang="en-US" b="1" dirty="0" smtClean="0">
+              <a:rPr lang="ko-KR" altLang="en-US" b="1" dirty="0">
                 <a:latin typeface="나눔고딕" pitchFamily="50" charset="-127"/>
                 <a:ea typeface="나눔고딕" pitchFamily="50" charset="-127"/>
               </a:rPr>
               <a:t>진짜 현실</a:t>
             </a:r>
-            <a:endParaRPr lang="en-US" altLang="ko-KR" b="1" dirty="0" smtClean="0">
+            <a:endParaRPr lang="en-US" altLang="ko-KR" b="1" dirty="0">
               <a:latin typeface="나눔고딕" pitchFamily="50" charset="-127"/>
               <a:ea typeface="나눔고딕" pitchFamily="50" charset="-127"/>
             </a:endParaRPr>
@@ -13780,41 +13558,41 @@
               <a:buChar char="-"/>
             </a:pPr>
             <a:r>
-              <a:rPr lang="ko-KR" altLang="en-US" b="1" dirty="0" smtClean="0">
+              <a:rPr lang="ko-KR" altLang="en-US" b="1" dirty="0">
                 <a:latin typeface="나눔고딕" pitchFamily="50" charset="-127"/>
                 <a:ea typeface="나눔고딕" pitchFamily="50" charset="-127"/>
               </a:rPr>
               <a:t>기계에 의해 </a:t>
             </a:r>
             <a:r>
-              <a:rPr lang="en-US" altLang="ko-KR" b="1" dirty="0" smtClean="0">
+              <a:rPr lang="en-US" altLang="ko-KR" b="1" dirty="0">
                 <a:latin typeface="나눔고딕" pitchFamily="50" charset="-127"/>
                 <a:ea typeface="나눔고딕" pitchFamily="50" charset="-127"/>
               </a:rPr>
               <a:t>‘</a:t>
             </a:r>
             <a:r>
-              <a:rPr lang="ko-KR" altLang="en-US" b="1" dirty="0" smtClean="0">
+              <a:rPr lang="ko-KR" altLang="en-US" b="1" dirty="0">
                 <a:latin typeface="나눔고딕" pitchFamily="50" charset="-127"/>
                 <a:ea typeface="나눔고딕" pitchFamily="50" charset="-127"/>
               </a:rPr>
               <a:t>재배</a:t>
             </a:r>
             <a:r>
-              <a:rPr lang="en-US" altLang="ko-KR" b="1" dirty="0" smtClean="0">
+              <a:rPr lang="en-US" altLang="ko-KR" b="1" dirty="0">
                 <a:latin typeface="나눔고딕" pitchFamily="50" charset="-127"/>
                 <a:ea typeface="나눔고딕" pitchFamily="50" charset="-127"/>
               </a:rPr>
               <a:t>’</a:t>
             </a:r>
             <a:r>
-              <a:rPr lang="ko-KR" altLang="en-US" b="1" dirty="0" smtClean="0">
+              <a:rPr lang="ko-KR" altLang="en-US" b="1" dirty="0">
                 <a:latin typeface="나눔고딕" pitchFamily="50" charset="-127"/>
                 <a:ea typeface="나눔고딕" pitchFamily="50" charset="-127"/>
               </a:rPr>
               <a:t>되는 인간들은 진짜 현실을 인식하지 못함</a:t>
             </a:r>
-            <a:endParaRPr lang="en-US" altLang="ko-KR" b="1" dirty="0" smtClean="0">
+            <a:endParaRPr lang="en-US" altLang="ko-KR" b="1" dirty="0">
               <a:latin typeface="나눔고딕" pitchFamily="50" charset="-127"/>
               <a:ea typeface="나눔고딕" pitchFamily="50" charset="-127"/>
             </a:endParaRPr>
@@ -13826,28 +13604,28 @@
               </a:lnSpc>
             </a:pPr>
             <a:r>
-              <a:rPr lang="ko-KR" altLang="en-US" b="1" dirty="0" smtClean="0">
+              <a:rPr lang="ko-KR" altLang="en-US" b="1" dirty="0">
                 <a:latin typeface="나눔고딕" pitchFamily="50" charset="-127"/>
                 <a:ea typeface="나눔고딕" pitchFamily="50" charset="-127"/>
               </a:rPr>
               <a:t>진짜 현실을 알게 된 자들이 </a:t>
             </a:r>
             <a:r>
-              <a:rPr lang="en-US" altLang="ko-KR" b="1" dirty="0" smtClean="0">
+              <a:rPr lang="en-US" altLang="ko-KR" b="1" dirty="0">
                 <a:latin typeface="나눔고딕" pitchFamily="50" charset="-127"/>
                 <a:ea typeface="나눔고딕" pitchFamily="50" charset="-127"/>
               </a:rPr>
               <a:t>‘</a:t>
             </a:r>
             <a:r>
-              <a:rPr lang="ko-KR" altLang="en-US" b="1" dirty="0" smtClean="0">
+              <a:rPr lang="ko-KR" altLang="en-US" b="1" dirty="0">
                 <a:latin typeface="나눔고딕" pitchFamily="50" charset="-127"/>
                 <a:ea typeface="나눔고딕" pitchFamily="50" charset="-127"/>
               </a:rPr>
               <a:t>매트릭스’에 침투</a:t>
             </a:r>
             <a:r>
-              <a:rPr lang="en-US" altLang="ko-KR" b="1" dirty="0" smtClean="0">
+              <a:rPr lang="en-US" altLang="ko-KR" b="1" dirty="0">
                 <a:latin typeface="나눔고딕" pitchFamily="50" charset="-127"/>
                 <a:ea typeface="나눔고딕" pitchFamily="50" charset="-127"/>
                 <a:cs typeface="Times New Roman"/>
@@ -13855,16 +13633,12 @@
               <a:t>·</a:t>
             </a:r>
             <a:r>
-              <a:rPr lang="ko-KR" altLang="en-US" b="1" dirty="0" smtClean="0">
+              <a:rPr lang="ko-KR" altLang="en-US" b="1" dirty="0">
                 <a:latin typeface="나눔고딕" pitchFamily="50" charset="-127"/>
                 <a:ea typeface="나눔고딕" pitchFamily="50" charset="-127"/>
               </a:rPr>
               <a:t>저항</a:t>
             </a:r>
-            <a:endParaRPr lang="ko-KR" altLang="en-US" b="1" dirty="0">
-              <a:latin typeface="나눔고딕" pitchFamily="50" charset="-127"/>
-              <a:ea typeface="나눔고딕" pitchFamily="50" charset="-127"/>
-            </a:endParaRPr>
           </a:p>
         </p:txBody>
       </p:sp>
@@ -13884,35 +13658,35 @@
           <a:lstStyle/>
           <a:p>
             <a:r>
-              <a:rPr lang="ko-KR" altLang="en-US" dirty="0" smtClean="0">
+              <a:rPr lang="ko-KR" altLang="en-US" dirty="0">
                 <a:latin typeface="나눔고딕" pitchFamily="50" charset="-127"/>
                 <a:ea typeface="나눔고딕" pitchFamily="50" charset="-127"/>
               </a:rPr>
               <a:t>매트릭스</a:t>
             </a:r>
             <a:r>
-              <a:rPr lang="en-US" altLang="ko-KR" dirty="0" smtClean="0">
+              <a:rPr lang="en-US" altLang="ko-KR" dirty="0">
                 <a:latin typeface="나눔고딕" pitchFamily="50" charset="-127"/>
                 <a:ea typeface="나눔고딕" pitchFamily="50" charset="-127"/>
               </a:rPr>
               <a:t>(</a:t>
             </a:r>
             <a:r>
-              <a:rPr lang="ko-KR" altLang="en-US" dirty="0" err="1" smtClean="0">
+              <a:rPr lang="ko-KR" altLang="en-US" dirty="0" err="1">
                 <a:latin typeface="나눔고딕" pitchFamily="50" charset="-127"/>
                 <a:ea typeface="나눔고딕" pitchFamily="50" charset="-127"/>
               </a:rPr>
               <a:t>워쇼스키</a:t>
             </a:r>
             <a:r>
-              <a:rPr lang="ko-KR" altLang="en-US" dirty="0" smtClean="0">
+              <a:rPr lang="ko-KR" altLang="en-US" dirty="0">
                 <a:latin typeface="나눔고딕" pitchFamily="50" charset="-127"/>
                 <a:ea typeface="나눔고딕" pitchFamily="50" charset="-127"/>
               </a:rPr>
               <a:t> 자매</a:t>
             </a:r>
             <a:r>
-              <a:rPr lang="en-US" altLang="ko-KR" dirty="0" smtClean="0">
+              <a:rPr lang="en-US" altLang="ko-KR" dirty="0">
                 <a:latin typeface="나눔고딕" pitchFamily="50" charset="-127"/>
                 <a:ea typeface="나눔고딕" pitchFamily="50" charset="-127"/>
               </a:rPr>

--- a/윤리와철학/6주%28플라톤 데카르트 매트릭스%29.pptx
+++ b/윤리와철학/6주%28플라톤 데카르트 매트릭스%29.pptx
@@ -237,7 +237,7 @@
             <a:fld id="{1C885000-15BD-479A-A859-8D5B63139DE8}" type="datetimeFigureOut">
               <a:rPr lang="ko-KR" altLang="en-US" smtClean="0"/>
               <a:pPr/>
-              <a:t>2018-04-06</a:t>
+              <a:t>2018-04-13</a:t>
             </a:fld>
             <a:endParaRPr lang="ko-KR" altLang="en-US"/>
           </a:p>
@@ -1120,7 +1120,7 @@
             <a:fld id="{9B5DD853-9EB0-4B86-B059-915FAC920841}" type="datetimeFigureOut">
               <a:rPr lang="ko-KR" altLang="en-US" smtClean="0"/>
               <a:pPr/>
-              <a:t>2018-04-06</a:t>
+              <a:t>2018-04-13</a:t>
             </a:fld>
             <a:endParaRPr lang="ko-KR" altLang="en-US"/>
           </a:p>
@@ -1312,7 +1312,7 @@
             <a:fld id="{9B5DD853-9EB0-4B86-B059-915FAC920841}" type="datetimeFigureOut">
               <a:rPr lang="ko-KR" altLang="en-US" smtClean="0"/>
               <a:pPr/>
-              <a:t>2018-04-06</a:t>
+              <a:t>2018-04-13</a:t>
             </a:fld>
             <a:endParaRPr lang="ko-KR" altLang="en-US"/>
           </a:p>
@@ -1489,7 +1489,7 @@
             <a:fld id="{9B5DD853-9EB0-4B86-B059-915FAC920841}" type="datetimeFigureOut">
               <a:rPr lang="ko-KR" altLang="en-US" smtClean="0"/>
               <a:pPr/>
-              <a:t>2018-04-06</a:t>
+              <a:t>2018-04-13</a:t>
             </a:fld>
             <a:endParaRPr lang="ko-KR" altLang="en-US"/>
           </a:p>
@@ -1633,7 +1633,7 @@
             <a:fld id="{9B5DD853-9EB0-4B86-B059-915FAC920841}" type="datetimeFigureOut">
               <a:rPr lang="ko-KR" altLang="en-US" smtClean="0"/>
               <a:pPr/>
-              <a:t>2018-04-06</a:t>
+              <a:t>2018-04-13</a:t>
             </a:fld>
             <a:endParaRPr lang="ko-KR" altLang="en-US"/>
           </a:p>
@@ -1882,7 +1882,7 @@
             <a:fld id="{9B5DD853-9EB0-4B86-B059-915FAC920841}" type="datetimeFigureOut">
               <a:rPr lang="ko-KR" altLang="en-US" smtClean="0"/>
               <a:pPr/>
-              <a:t>2018-04-06</a:t>
+              <a:t>2018-04-13</a:t>
             </a:fld>
             <a:endParaRPr lang="ko-KR" altLang="en-US"/>
           </a:p>
@@ -2283,7 +2283,7 @@
             <a:fld id="{9B5DD853-9EB0-4B86-B059-915FAC920841}" type="datetimeFigureOut">
               <a:rPr lang="ko-KR" altLang="en-US" smtClean="0"/>
               <a:pPr/>
-              <a:t>2018-04-06</a:t>
+              <a:t>2018-04-13</a:t>
             </a:fld>
             <a:endParaRPr lang="ko-KR" altLang="en-US"/>
           </a:p>
@@ -2723,7 +2723,7 @@
             <a:fld id="{9B5DD853-9EB0-4B86-B059-915FAC920841}" type="datetimeFigureOut">
               <a:rPr lang="ko-KR" altLang="en-US" smtClean="0"/>
               <a:pPr/>
-              <a:t>2018-04-06</a:t>
+              <a:t>2018-04-13</a:t>
             </a:fld>
             <a:endParaRPr lang="ko-KR" altLang="en-US"/>
           </a:p>
@@ -2820,7 +2820,7 @@
             <a:fld id="{9B5DD853-9EB0-4B86-B059-915FAC920841}" type="datetimeFigureOut">
               <a:rPr lang="ko-KR" altLang="en-US" smtClean="0"/>
               <a:pPr/>
-              <a:t>2018-04-06</a:t>
+              <a:t>2018-04-13</a:t>
             </a:fld>
             <a:endParaRPr lang="ko-KR" altLang="en-US"/>
           </a:p>
@@ -2935,7 +2935,7 @@
             <a:fld id="{9B5DD853-9EB0-4B86-B059-915FAC920841}" type="datetimeFigureOut">
               <a:rPr lang="ko-KR" altLang="en-US" smtClean="0"/>
               <a:pPr/>
-              <a:t>2018-04-06</a:t>
+              <a:t>2018-04-13</a:t>
             </a:fld>
             <a:endParaRPr lang="ko-KR" altLang="en-US"/>
           </a:p>
@@ -3205,7 +3205,7 @@
             <a:fld id="{9B5DD853-9EB0-4B86-B059-915FAC920841}" type="datetimeFigureOut">
               <a:rPr lang="ko-KR" altLang="en-US" smtClean="0"/>
               <a:pPr/>
-              <a:t>2018-04-06</a:t>
+              <a:t>2018-04-13</a:t>
             </a:fld>
             <a:endParaRPr lang="ko-KR" altLang="en-US"/>
           </a:p>
@@ -3408,7 +3408,7 @@
             <a:fld id="{9B5DD853-9EB0-4B86-B059-915FAC920841}" type="datetimeFigureOut">
               <a:rPr lang="ko-KR" altLang="en-US" smtClean="0"/>
               <a:pPr/>
-              <a:t>2018-04-06</a:t>
+              <a:t>2018-04-13</a:t>
             </a:fld>
             <a:endParaRPr lang="ko-KR" altLang="en-US"/>
           </a:p>
@@ -4499,7 +4499,7 @@
             <a:fld id="{9B5DD853-9EB0-4B86-B059-915FAC920841}" type="datetimeFigureOut">
               <a:rPr lang="ko-KR" altLang="en-US" smtClean="0"/>
               <a:pPr/>
-              <a:t>2018-04-06</a:t>
+              <a:t>2018-04-13</a:t>
             </a:fld>
             <a:endParaRPr lang="ko-KR" altLang="en-US"/>
           </a:p>
@@ -5132,7 +5132,7 @@
         </p:nvGraphicFramePr>
         <p:xfrm>
           <a:off x="1259632" y="2420888"/>
-          <a:ext cx="6456040" cy="2758688"/>
+          <a:ext cx="6456040" cy="2989908"/>
         </p:xfrm>
         <a:graphic>
           <a:graphicData uri="http://schemas.openxmlformats.org/drawingml/2006/table">
@@ -6437,7 +6437,7 @@
         <p:spPr/>
         <p:txBody>
           <a:bodyPr>
-            <a:normAutofit/>
+            <a:normAutofit fontScale="92500"/>
           </a:bodyPr>
           <a:lstStyle/>
           <a:p>
@@ -7015,7 +7015,7 @@
         <p:spPr/>
         <p:txBody>
           <a:bodyPr>
-            <a:normAutofit fontScale="70000" lnSpcReduction="20000"/>
+            <a:normAutofit fontScale="62500" lnSpcReduction="20000"/>
           </a:bodyPr>
           <a:lstStyle/>
           <a:p>
@@ -7912,6 +7912,85 @@
           </a:p>
         </p:txBody>
       </p:sp>
+      <p:cxnSp>
+        <p:nvCxnSpPr>
+          <p:cNvPr id="5" name="직선 화살표 연결선 4">
+            <a:extLst>
+              <a:ext uri="{FF2B5EF4-FFF2-40B4-BE49-F238E27FC236}">
+                <a16:creationId xmlns:a16="http://schemas.microsoft.com/office/drawing/2014/main" id="{0085FF0C-E117-420D-9100-0E002D32E5CD}"/>
+              </a:ext>
+            </a:extLst>
+          </p:cNvPr>
+          <p:cNvCxnSpPr/>
+          <p:nvPr/>
+        </p:nvCxnSpPr>
+        <p:spPr>
+          <a:xfrm>
+            <a:off x="5148064" y="1052736"/>
+            <a:ext cx="1008112" cy="144016"/>
+          </a:xfrm>
+          <a:prstGeom prst="straightConnector1">
+            <a:avLst/>
+          </a:prstGeom>
+          <a:ln>
+            <a:tailEnd type="triangle"/>
+          </a:ln>
+        </p:spPr>
+        <p:style>
+          <a:lnRef idx="1">
+            <a:schemeClr val="accent1"/>
+          </a:lnRef>
+          <a:fillRef idx="0">
+            <a:schemeClr val="accent1"/>
+          </a:fillRef>
+          <a:effectRef idx="0">
+            <a:schemeClr val="accent1"/>
+          </a:effectRef>
+          <a:fontRef idx="minor">
+            <a:schemeClr val="tx1"/>
+          </a:fontRef>
+        </p:style>
+      </p:cxnSp>
+      <p:sp>
+        <p:nvSpPr>
+          <p:cNvPr id="6" name="TextBox 5">
+            <a:extLst>
+              <a:ext uri="{FF2B5EF4-FFF2-40B4-BE49-F238E27FC236}">
+                <a16:creationId xmlns:a16="http://schemas.microsoft.com/office/drawing/2014/main" id="{8ED16D0F-8C64-4A69-A573-A93F3006FA7E}"/>
+              </a:ext>
+            </a:extLst>
+          </p:cNvPr>
+          <p:cNvSpPr txBox="1"/>
+          <p:nvPr/>
+        </p:nvSpPr>
+        <p:spPr>
+          <a:xfrm>
+            <a:off x="6588224" y="1073831"/>
+            <a:ext cx="3096344" cy="646331"/>
+          </a:xfrm>
+          <a:prstGeom prst="rect">
+            <a:avLst/>
+          </a:prstGeom>
+          <a:noFill/>
+        </p:spPr>
+        <p:txBody>
+          <a:bodyPr wrap="square" rtlCol="0">
+            <a:spAutoFit/>
+          </a:bodyPr>
+          <a:lstStyle/>
+          <a:p>
+            <a:r>
+              <a:rPr lang="ko-KR" altLang="en-US"/>
+              <a:t>확고한 의식의 세계가 아니게 </a:t>
+            </a:r>
+            <a:r>
+              <a:rPr lang="ko-KR" altLang="en-US" dirty="0" err="1"/>
+              <a:t>되어짐</a:t>
+            </a:r>
+            <a:endParaRPr lang="ko-KR" altLang="en-US" dirty="0"/>
+          </a:p>
+        </p:txBody>
+      </p:sp>
     </p:spTree>
   </p:cSld>
   <p:clrMapOvr>
@@ -7950,7 +8029,7 @@
         <p:spPr/>
         <p:txBody>
           <a:bodyPr>
-            <a:normAutofit fontScale="92500" lnSpcReduction="10000"/>
+            <a:normAutofit fontScale="85000" lnSpcReduction="10000"/>
           </a:bodyPr>
           <a:lstStyle/>
           <a:p>
@@ -8145,6 +8224,1194 @@
               <a:t>악령의 가설</a:t>
             </a:r>
             <a:endParaRPr lang="ko-KR" altLang="en-US" dirty="0"/>
+          </a:p>
+        </p:txBody>
+      </p:sp>
+      <p:sp>
+        <p:nvSpPr>
+          <p:cNvPr id="4" name="자유형: 도형 3">
+            <a:extLst>
+              <a:ext uri="{FF2B5EF4-FFF2-40B4-BE49-F238E27FC236}">
+                <a16:creationId xmlns:a16="http://schemas.microsoft.com/office/drawing/2014/main" id="{798BCF9E-EF9D-4B9C-9E89-C9A7EF5E05AB}"/>
+              </a:ext>
+            </a:extLst>
+          </p:cNvPr>
+          <p:cNvSpPr/>
+          <p:nvPr/>
+        </p:nvSpPr>
+        <p:spPr>
+          <a:xfrm>
+            <a:off x="719209" y="1124744"/>
+            <a:ext cx="7940614" cy="2008301"/>
+          </a:xfrm>
+          <a:custGeom>
+            <a:avLst/>
+            <a:gdLst>
+              <a:gd name="connsiteX0" fmla="*/ 5673275 w 7940614"/>
+              <a:gd name="connsiteY0" fmla="*/ 802432 h 2008301"/>
+              <a:gd name="connsiteX1" fmla="*/ 5626622 w 7940614"/>
+              <a:gd name="connsiteY1" fmla="*/ 793102 h 2008301"/>
+              <a:gd name="connsiteX2" fmla="*/ 5598630 w 7940614"/>
+              <a:gd name="connsiteY2" fmla="*/ 718457 h 2008301"/>
+              <a:gd name="connsiteX3" fmla="*/ 5561308 w 7940614"/>
+              <a:gd name="connsiteY3" fmla="*/ 485192 h 2008301"/>
+              <a:gd name="connsiteX4" fmla="*/ 5570638 w 7940614"/>
+              <a:gd name="connsiteY4" fmla="*/ 177281 h 2008301"/>
+              <a:gd name="connsiteX5" fmla="*/ 5589300 w 7940614"/>
+              <a:gd name="connsiteY5" fmla="*/ 158620 h 2008301"/>
+              <a:gd name="connsiteX6" fmla="*/ 5607961 w 7940614"/>
+              <a:gd name="connsiteY6" fmla="*/ 130628 h 2008301"/>
+              <a:gd name="connsiteX7" fmla="*/ 5635953 w 7940614"/>
+              <a:gd name="connsiteY7" fmla="*/ 121298 h 2008301"/>
+              <a:gd name="connsiteX8" fmla="*/ 5747920 w 7940614"/>
+              <a:gd name="connsiteY8" fmla="*/ 93306 h 2008301"/>
+              <a:gd name="connsiteX9" fmla="*/ 5775912 w 7940614"/>
+              <a:gd name="connsiteY9" fmla="*/ 83975 h 2008301"/>
+              <a:gd name="connsiteX10" fmla="*/ 5822565 w 7940614"/>
+              <a:gd name="connsiteY10" fmla="*/ 74645 h 2008301"/>
+              <a:gd name="connsiteX11" fmla="*/ 5906540 w 7940614"/>
+              <a:gd name="connsiteY11" fmla="*/ 55983 h 2008301"/>
+              <a:gd name="connsiteX12" fmla="*/ 6037169 w 7940614"/>
+              <a:gd name="connsiteY12" fmla="*/ 46653 h 2008301"/>
+              <a:gd name="connsiteX13" fmla="*/ 6317087 w 7940614"/>
+              <a:gd name="connsiteY13" fmla="*/ 27992 h 2008301"/>
+              <a:gd name="connsiteX14" fmla="*/ 6606336 w 7940614"/>
+              <a:gd name="connsiteY14" fmla="*/ 0 h 2008301"/>
+              <a:gd name="connsiteX15" fmla="*/ 6792949 w 7940614"/>
+              <a:gd name="connsiteY15" fmla="*/ 9330 h 2008301"/>
+              <a:gd name="connsiteX16" fmla="*/ 6886255 w 7940614"/>
+              <a:gd name="connsiteY16" fmla="*/ 46653 h 2008301"/>
+              <a:gd name="connsiteX17" fmla="*/ 6979561 w 7940614"/>
+              <a:gd name="connsiteY17" fmla="*/ 65314 h 2008301"/>
+              <a:gd name="connsiteX18" fmla="*/ 7100859 w 7940614"/>
+              <a:gd name="connsiteY18" fmla="*/ 121298 h 2008301"/>
+              <a:gd name="connsiteX19" fmla="*/ 7156842 w 7940614"/>
+              <a:gd name="connsiteY19" fmla="*/ 149290 h 2008301"/>
+              <a:gd name="connsiteX20" fmla="*/ 7259479 w 7940614"/>
+              <a:gd name="connsiteY20" fmla="*/ 195943 h 2008301"/>
+              <a:gd name="connsiteX21" fmla="*/ 7287471 w 7940614"/>
+              <a:gd name="connsiteY21" fmla="*/ 214604 h 2008301"/>
+              <a:gd name="connsiteX22" fmla="*/ 7324793 w 7940614"/>
+              <a:gd name="connsiteY22" fmla="*/ 233265 h 2008301"/>
+              <a:gd name="connsiteX23" fmla="*/ 7399438 w 7940614"/>
+              <a:gd name="connsiteY23" fmla="*/ 289249 h 2008301"/>
+              <a:gd name="connsiteX24" fmla="*/ 7427430 w 7940614"/>
+              <a:gd name="connsiteY24" fmla="*/ 307910 h 2008301"/>
+              <a:gd name="connsiteX25" fmla="*/ 7464753 w 7940614"/>
+              <a:gd name="connsiteY25" fmla="*/ 335902 h 2008301"/>
+              <a:gd name="connsiteX26" fmla="*/ 7520736 w 7940614"/>
+              <a:gd name="connsiteY26" fmla="*/ 354563 h 2008301"/>
+              <a:gd name="connsiteX27" fmla="*/ 7660695 w 7940614"/>
+              <a:gd name="connsiteY27" fmla="*/ 475861 h 2008301"/>
+              <a:gd name="connsiteX28" fmla="*/ 7707349 w 7940614"/>
+              <a:gd name="connsiteY28" fmla="*/ 503853 h 2008301"/>
+              <a:gd name="connsiteX29" fmla="*/ 7735340 w 7940614"/>
+              <a:gd name="connsiteY29" fmla="*/ 531845 h 2008301"/>
+              <a:gd name="connsiteX30" fmla="*/ 7763332 w 7940614"/>
+              <a:gd name="connsiteY30" fmla="*/ 550506 h 2008301"/>
+              <a:gd name="connsiteX31" fmla="*/ 7791324 w 7940614"/>
+              <a:gd name="connsiteY31" fmla="*/ 587828 h 2008301"/>
+              <a:gd name="connsiteX32" fmla="*/ 7837977 w 7940614"/>
+              <a:gd name="connsiteY32" fmla="*/ 634481 h 2008301"/>
+              <a:gd name="connsiteX33" fmla="*/ 7875300 w 7940614"/>
+              <a:gd name="connsiteY33" fmla="*/ 671804 h 2008301"/>
+              <a:gd name="connsiteX34" fmla="*/ 7903291 w 7940614"/>
+              <a:gd name="connsiteY34" fmla="*/ 699796 h 2008301"/>
+              <a:gd name="connsiteX35" fmla="*/ 7921953 w 7940614"/>
+              <a:gd name="connsiteY35" fmla="*/ 718457 h 2008301"/>
+              <a:gd name="connsiteX36" fmla="*/ 7940614 w 7940614"/>
+              <a:gd name="connsiteY36" fmla="*/ 746449 h 2008301"/>
+              <a:gd name="connsiteX37" fmla="*/ 7931283 w 7940614"/>
+              <a:gd name="connsiteY37" fmla="*/ 867747 h 2008301"/>
+              <a:gd name="connsiteX38" fmla="*/ 7865969 w 7940614"/>
+              <a:gd name="connsiteY38" fmla="*/ 951722 h 2008301"/>
+              <a:gd name="connsiteX39" fmla="*/ 7837977 w 7940614"/>
+              <a:gd name="connsiteY39" fmla="*/ 989045 h 2008301"/>
+              <a:gd name="connsiteX40" fmla="*/ 7781993 w 7940614"/>
+              <a:gd name="connsiteY40" fmla="*/ 1073020 h 2008301"/>
+              <a:gd name="connsiteX41" fmla="*/ 7735340 w 7940614"/>
+              <a:gd name="connsiteY41" fmla="*/ 1129004 h 2008301"/>
+              <a:gd name="connsiteX42" fmla="*/ 7688687 w 7940614"/>
+              <a:gd name="connsiteY42" fmla="*/ 1156996 h 2008301"/>
+              <a:gd name="connsiteX43" fmla="*/ 7651365 w 7940614"/>
+              <a:gd name="connsiteY43" fmla="*/ 1203649 h 2008301"/>
+              <a:gd name="connsiteX44" fmla="*/ 7623373 w 7940614"/>
+              <a:gd name="connsiteY44" fmla="*/ 1222310 h 2008301"/>
+              <a:gd name="connsiteX45" fmla="*/ 7586051 w 7940614"/>
+              <a:gd name="connsiteY45" fmla="*/ 1250302 h 2008301"/>
+              <a:gd name="connsiteX46" fmla="*/ 7492744 w 7940614"/>
+              <a:gd name="connsiteY46" fmla="*/ 1306286 h 2008301"/>
+              <a:gd name="connsiteX47" fmla="*/ 7427430 w 7940614"/>
+              <a:gd name="connsiteY47" fmla="*/ 1352939 h 2008301"/>
+              <a:gd name="connsiteX48" fmla="*/ 7362116 w 7940614"/>
+              <a:gd name="connsiteY48" fmla="*/ 1390261 h 2008301"/>
+              <a:gd name="connsiteX49" fmla="*/ 7259479 w 7940614"/>
+              <a:gd name="connsiteY49" fmla="*/ 1427583 h 2008301"/>
+              <a:gd name="connsiteX50" fmla="*/ 7222157 w 7940614"/>
+              <a:gd name="connsiteY50" fmla="*/ 1446245 h 2008301"/>
+              <a:gd name="connsiteX51" fmla="*/ 7138181 w 7940614"/>
+              <a:gd name="connsiteY51" fmla="*/ 1474237 h 2008301"/>
+              <a:gd name="connsiteX52" fmla="*/ 7054206 w 7940614"/>
+              <a:gd name="connsiteY52" fmla="*/ 1502228 h 2008301"/>
+              <a:gd name="connsiteX53" fmla="*/ 7026214 w 7940614"/>
+              <a:gd name="connsiteY53" fmla="*/ 1511559 h 2008301"/>
+              <a:gd name="connsiteX54" fmla="*/ 6942238 w 7940614"/>
+              <a:gd name="connsiteY54" fmla="*/ 1530220 h 2008301"/>
+              <a:gd name="connsiteX55" fmla="*/ 6914246 w 7940614"/>
+              <a:gd name="connsiteY55" fmla="*/ 1539551 h 2008301"/>
+              <a:gd name="connsiteX56" fmla="*/ 6867593 w 7940614"/>
+              <a:gd name="connsiteY56" fmla="*/ 1558212 h 2008301"/>
+              <a:gd name="connsiteX57" fmla="*/ 6764957 w 7940614"/>
+              <a:gd name="connsiteY57" fmla="*/ 1567543 h 2008301"/>
+              <a:gd name="connsiteX58" fmla="*/ 6671651 w 7940614"/>
+              <a:gd name="connsiteY58" fmla="*/ 1586204 h 2008301"/>
+              <a:gd name="connsiteX59" fmla="*/ 6401063 w 7940614"/>
+              <a:gd name="connsiteY59" fmla="*/ 1642188 h 2008301"/>
+              <a:gd name="connsiteX60" fmla="*/ 6298426 w 7940614"/>
+              <a:gd name="connsiteY60" fmla="*/ 1651518 h 2008301"/>
+              <a:gd name="connsiteX61" fmla="*/ 6139806 w 7940614"/>
+              <a:gd name="connsiteY61" fmla="*/ 1670179 h 2008301"/>
+              <a:gd name="connsiteX62" fmla="*/ 6074491 w 7940614"/>
+              <a:gd name="connsiteY62" fmla="*/ 1688841 h 2008301"/>
+              <a:gd name="connsiteX63" fmla="*/ 5990516 w 7940614"/>
+              <a:gd name="connsiteY63" fmla="*/ 1698171 h 2008301"/>
+              <a:gd name="connsiteX64" fmla="*/ 5803904 w 7940614"/>
+              <a:gd name="connsiteY64" fmla="*/ 1716832 h 2008301"/>
+              <a:gd name="connsiteX65" fmla="*/ 5738589 w 7940614"/>
+              <a:gd name="connsiteY65" fmla="*/ 1735494 h 2008301"/>
+              <a:gd name="connsiteX66" fmla="*/ 5533316 w 7940614"/>
+              <a:gd name="connsiteY66" fmla="*/ 1754155 h 2008301"/>
+              <a:gd name="connsiteX67" fmla="*/ 5374695 w 7940614"/>
+              <a:gd name="connsiteY67" fmla="*/ 1791477 h 2008301"/>
+              <a:gd name="connsiteX68" fmla="*/ 5197414 w 7940614"/>
+              <a:gd name="connsiteY68" fmla="*/ 1810139 h 2008301"/>
+              <a:gd name="connsiteX69" fmla="*/ 5113438 w 7940614"/>
+              <a:gd name="connsiteY69" fmla="*/ 1828800 h 2008301"/>
+              <a:gd name="connsiteX70" fmla="*/ 4926826 w 7940614"/>
+              <a:gd name="connsiteY70" fmla="*/ 1847461 h 2008301"/>
+              <a:gd name="connsiteX71" fmla="*/ 4861512 w 7940614"/>
+              <a:gd name="connsiteY71" fmla="*/ 1856792 h 2008301"/>
+              <a:gd name="connsiteX72" fmla="*/ 4385651 w 7940614"/>
+              <a:gd name="connsiteY72" fmla="*/ 1875453 h 2008301"/>
+              <a:gd name="connsiteX73" fmla="*/ 4255022 w 7940614"/>
+              <a:gd name="connsiteY73" fmla="*/ 1884783 h 2008301"/>
+              <a:gd name="connsiteX74" fmla="*/ 3377944 w 7940614"/>
+              <a:gd name="connsiteY74" fmla="*/ 1894114 h 2008301"/>
+              <a:gd name="connsiteX75" fmla="*/ 3144679 w 7940614"/>
+              <a:gd name="connsiteY75" fmla="*/ 1931437 h 2008301"/>
+              <a:gd name="connsiteX76" fmla="*/ 2930075 w 7940614"/>
+              <a:gd name="connsiteY76" fmla="*/ 1950098 h 2008301"/>
+              <a:gd name="connsiteX77" fmla="*/ 746712 w 7940614"/>
+              <a:gd name="connsiteY77" fmla="*/ 1959428 h 2008301"/>
+              <a:gd name="connsiteX78" fmla="*/ 690728 w 7940614"/>
+              <a:gd name="connsiteY78" fmla="*/ 1950098 h 2008301"/>
+              <a:gd name="connsiteX79" fmla="*/ 625414 w 7940614"/>
+              <a:gd name="connsiteY79" fmla="*/ 1931437 h 2008301"/>
+              <a:gd name="connsiteX80" fmla="*/ 541438 w 7940614"/>
+              <a:gd name="connsiteY80" fmla="*/ 1912775 h 2008301"/>
+              <a:gd name="connsiteX81" fmla="*/ 457463 w 7940614"/>
+              <a:gd name="connsiteY81" fmla="*/ 1866122 h 2008301"/>
+              <a:gd name="connsiteX82" fmla="*/ 382818 w 7940614"/>
+              <a:gd name="connsiteY82" fmla="*/ 1800808 h 2008301"/>
+              <a:gd name="connsiteX83" fmla="*/ 317504 w 7940614"/>
+              <a:gd name="connsiteY83" fmla="*/ 1688841 h 2008301"/>
+              <a:gd name="connsiteX84" fmla="*/ 224198 w 7940614"/>
+              <a:gd name="connsiteY84" fmla="*/ 1586204 h 2008301"/>
+              <a:gd name="connsiteX85" fmla="*/ 168214 w 7940614"/>
+              <a:gd name="connsiteY85" fmla="*/ 1492898 h 2008301"/>
+              <a:gd name="connsiteX86" fmla="*/ 130891 w 7940614"/>
+              <a:gd name="connsiteY86" fmla="*/ 1408922 h 2008301"/>
+              <a:gd name="connsiteX87" fmla="*/ 93569 w 7940614"/>
+              <a:gd name="connsiteY87" fmla="*/ 1390261 h 2008301"/>
+              <a:gd name="connsiteX88" fmla="*/ 65577 w 7940614"/>
+              <a:gd name="connsiteY88" fmla="*/ 1352939 h 2008301"/>
+              <a:gd name="connsiteX89" fmla="*/ 9593 w 7940614"/>
+              <a:gd name="connsiteY89" fmla="*/ 1296955 h 2008301"/>
+              <a:gd name="connsiteX90" fmla="*/ 263 w 7940614"/>
+              <a:gd name="connsiteY90" fmla="*/ 1259632 h 2008301"/>
+              <a:gd name="connsiteX91" fmla="*/ 37585 w 7940614"/>
+              <a:gd name="connsiteY91" fmla="*/ 1101012 h 2008301"/>
+              <a:gd name="connsiteX92" fmla="*/ 130891 w 7940614"/>
+              <a:gd name="connsiteY92" fmla="*/ 1054359 h 2008301"/>
+              <a:gd name="connsiteX93" fmla="*/ 448132 w 7940614"/>
+              <a:gd name="connsiteY93" fmla="*/ 1045028 h 2008301"/>
+              <a:gd name="connsiteX94" fmla="*/ 541438 w 7940614"/>
+              <a:gd name="connsiteY94" fmla="*/ 1035698 h 2008301"/>
+              <a:gd name="connsiteX95" fmla="*/ 644075 w 7940614"/>
+              <a:gd name="connsiteY95" fmla="*/ 1017037 h 2008301"/>
+              <a:gd name="connsiteX96" fmla="*/ 840018 w 7940614"/>
+              <a:gd name="connsiteY96" fmla="*/ 1007706 h 2008301"/>
+              <a:gd name="connsiteX97" fmla="*/ 961316 w 7940614"/>
+              <a:gd name="connsiteY97" fmla="*/ 989045 h 2008301"/>
+              <a:gd name="connsiteX98" fmla="*/ 1334540 w 7940614"/>
+              <a:gd name="connsiteY98" fmla="*/ 979714 h 2008301"/>
+              <a:gd name="connsiteX99" fmla="*/ 1605128 w 7940614"/>
+              <a:gd name="connsiteY99" fmla="*/ 951722 h 2008301"/>
+              <a:gd name="connsiteX100" fmla="*/ 1754418 w 7940614"/>
+              <a:gd name="connsiteY100" fmla="*/ 942392 h 2008301"/>
+              <a:gd name="connsiteX101" fmla="*/ 2164965 w 7940614"/>
+              <a:gd name="connsiteY101" fmla="*/ 923730 h 2008301"/>
+              <a:gd name="connsiteX102" fmla="*/ 2304924 w 7940614"/>
+              <a:gd name="connsiteY102" fmla="*/ 905069 h 2008301"/>
+              <a:gd name="connsiteX103" fmla="*/ 2743463 w 7940614"/>
+              <a:gd name="connsiteY103" fmla="*/ 877077 h 2008301"/>
+              <a:gd name="connsiteX104" fmla="*/ 3424598 w 7940614"/>
+              <a:gd name="connsiteY104" fmla="*/ 895739 h 2008301"/>
+              <a:gd name="connsiteX105" fmla="*/ 4115063 w 7940614"/>
+              <a:gd name="connsiteY105" fmla="*/ 923730 h 2008301"/>
+              <a:gd name="connsiteX106" fmla="*/ 5094777 w 7940614"/>
+              <a:gd name="connsiteY106" fmla="*/ 914400 h 2008301"/>
+              <a:gd name="connsiteX107" fmla="*/ 5188083 w 7940614"/>
+              <a:gd name="connsiteY107" fmla="*/ 886408 h 2008301"/>
+              <a:gd name="connsiteX108" fmla="*/ 5244067 w 7940614"/>
+              <a:gd name="connsiteY108" fmla="*/ 867747 h 2008301"/>
+              <a:gd name="connsiteX109" fmla="*/ 5290720 w 7940614"/>
+              <a:gd name="connsiteY109" fmla="*/ 849086 h 2008301"/>
+              <a:gd name="connsiteX110" fmla="*/ 5421349 w 7940614"/>
+              <a:gd name="connsiteY110" fmla="*/ 839755 h 2008301"/>
+              <a:gd name="connsiteX111" fmla="*/ 5579969 w 7940614"/>
+              <a:gd name="connsiteY111" fmla="*/ 821094 h 2008301"/>
+              <a:gd name="connsiteX112" fmla="*/ 5607961 w 7940614"/>
+              <a:gd name="connsiteY112" fmla="*/ 802432 h 2008301"/>
+              <a:gd name="connsiteX113" fmla="*/ 5645283 w 7940614"/>
+              <a:gd name="connsiteY113" fmla="*/ 783771 h 2008301"/>
+              <a:gd name="connsiteX114" fmla="*/ 5682606 w 7940614"/>
+              <a:gd name="connsiteY114" fmla="*/ 727788 h 2008301"/>
+            </a:gdLst>
+            <a:ahLst/>
+            <a:cxnLst>
+              <a:cxn ang="0">
+                <a:pos x="connsiteX0" y="connsiteY0"/>
+              </a:cxn>
+              <a:cxn ang="0">
+                <a:pos x="connsiteX1" y="connsiteY1"/>
+              </a:cxn>
+              <a:cxn ang="0">
+                <a:pos x="connsiteX2" y="connsiteY2"/>
+              </a:cxn>
+              <a:cxn ang="0">
+                <a:pos x="connsiteX3" y="connsiteY3"/>
+              </a:cxn>
+              <a:cxn ang="0">
+                <a:pos x="connsiteX4" y="connsiteY4"/>
+              </a:cxn>
+              <a:cxn ang="0">
+                <a:pos x="connsiteX5" y="connsiteY5"/>
+              </a:cxn>
+              <a:cxn ang="0">
+                <a:pos x="connsiteX6" y="connsiteY6"/>
+              </a:cxn>
+              <a:cxn ang="0">
+                <a:pos x="connsiteX7" y="connsiteY7"/>
+              </a:cxn>
+              <a:cxn ang="0">
+                <a:pos x="connsiteX8" y="connsiteY8"/>
+              </a:cxn>
+              <a:cxn ang="0">
+                <a:pos x="connsiteX9" y="connsiteY9"/>
+              </a:cxn>
+              <a:cxn ang="0">
+                <a:pos x="connsiteX10" y="connsiteY10"/>
+              </a:cxn>
+              <a:cxn ang="0">
+                <a:pos x="connsiteX11" y="connsiteY11"/>
+              </a:cxn>
+              <a:cxn ang="0">
+                <a:pos x="connsiteX12" y="connsiteY12"/>
+              </a:cxn>
+              <a:cxn ang="0">
+                <a:pos x="connsiteX13" y="connsiteY13"/>
+              </a:cxn>
+              <a:cxn ang="0">
+                <a:pos x="connsiteX14" y="connsiteY14"/>
+              </a:cxn>
+              <a:cxn ang="0">
+                <a:pos x="connsiteX15" y="connsiteY15"/>
+              </a:cxn>
+              <a:cxn ang="0">
+                <a:pos x="connsiteX16" y="connsiteY16"/>
+              </a:cxn>
+              <a:cxn ang="0">
+                <a:pos x="connsiteX17" y="connsiteY17"/>
+              </a:cxn>
+              <a:cxn ang="0">
+                <a:pos x="connsiteX18" y="connsiteY18"/>
+              </a:cxn>
+              <a:cxn ang="0">
+                <a:pos x="connsiteX19" y="connsiteY19"/>
+              </a:cxn>
+              <a:cxn ang="0">
+                <a:pos x="connsiteX20" y="connsiteY20"/>
+              </a:cxn>
+              <a:cxn ang="0">
+                <a:pos x="connsiteX21" y="connsiteY21"/>
+              </a:cxn>
+              <a:cxn ang="0">
+                <a:pos x="connsiteX22" y="connsiteY22"/>
+              </a:cxn>
+              <a:cxn ang="0">
+                <a:pos x="connsiteX23" y="connsiteY23"/>
+              </a:cxn>
+              <a:cxn ang="0">
+                <a:pos x="connsiteX24" y="connsiteY24"/>
+              </a:cxn>
+              <a:cxn ang="0">
+                <a:pos x="connsiteX25" y="connsiteY25"/>
+              </a:cxn>
+              <a:cxn ang="0">
+                <a:pos x="connsiteX26" y="connsiteY26"/>
+              </a:cxn>
+              <a:cxn ang="0">
+                <a:pos x="connsiteX27" y="connsiteY27"/>
+              </a:cxn>
+              <a:cxn ang="0">
+                <a:pos x="connsiteX28" y="connsiteY28"/>
+              </a:cxn>
+              <a:cxn ang="0">
+                <a:pos x="connsiteX29" y="connsiteY29"/>
+              </a:cxn>
+              <a:cxn ang="0">
+                <a:pos x="connsiteX30" y="connsiteY30"/>
+              </a:cxn>
+              <a:cxn ang="0">
+                <a:pos x="connsiteX31" y="connsiteY31"/>
+              </a:cxn>
+              <a:cxn ang="0">
+                <a:pos x="connsiteX32" y="connsiteY32"/>
+              </a:cxn>
+              <a:cxn ang="0">
+                <a:pos x="connsiteX33" y="connsiteY33"/>
+              </a:cxn>
+              <a:cxn ang="0">
+                <a:pos x="connsiteX34" y="connsiteY34"/>
+              </a:cxn>
+              <a:cxn ang="0">
+                <a:pos x="connsiteX35" y="connsiteY35"/>
+              </a:cxn>
+              <a:cxn ang="0">
+                <a:pos x="connsiteX36" y="connsiteY36"/>
+              </a:cxn>
+              <a:cxn ang="0">
+                <a:pos x="connsiteX37" y="connsiteY37"/>
+              </a:cxn>
+              <a:cxn ang="0">
+                <a:pos x="connsiteX38" y="connsiteY38"/>
+              </a:cxn>
+              <a:cxn ang="0">
+                <a:pos x="connsiteX39" y="connsiteY39"/>
+              </a:cxn>
+              <a:cxn ang="0">
+                <a:pos x="connsiteX40" y="connsiteY40"/>
+              </a:cxn>
+              <a:cxn ang="0">
+                <a:pos x="connsiteX41" y="connsiteY41"/>
+              </a:cxn>
+              <a:cxn ang="0">
+                <a:pos x="connsiteX42" y="connsiteY42"/>
+              </a:cxn>
+              <a:cxn ang="0">
+                <a:pos x="connsiteX43" y="connsiteY43"/>
+              </a:cxn>
+              <a:cxn ang="0">
+                <a:pos x="connsiteX44" y="connsiteY44"/>
+              </a:cxn>
+              <a:cxn ang="0">
+                <a:pos x="connsiteX45" y="connsiteY45"/>
+              </a:cxn>
+              <a:cxn ang="0">
+                <a:pos x="connsiteX46" y="connsiteY46"/>
+              </a:cxn>
+              <a:cxn ang="0">
+                <a:pos x="connsiteX47" y="connsiteY47"/>
+              </a:cxn>
+              <a:cxn ang="0">
+                <a:pos x="connsiteX48" y="connsiteY48"/>
+              </a:cxn>
+              <a:cxn ang="0">
+                <a:pos x="connsiteX49" y="connsiteY49"/>
+              </a:cxn>
+              <a:cxn ang="0">
+                <a:pos x="connsiteX50" y="connsiteY50"/>
+              </a:cxn>
+              <a:cxn ang="0">
+                <a:pos x="connsiteX51" y="connsiteY51"/>
+              </a:cxn>
+              <a:cxn ang="0">
+                <a:pos x="connsiteX52" y="connsiteY52"/>
+              </a:cxn>
+              <a:cxn ang="0">
+                <a:pos x="connsiteX53" y="connsiteY53"/>
+              </a:cxn>
+              <a:cxn ang="0">
+                <a:pos x="connsiteX54" y="connsiteY54"/>
+              </a:cxn>
+              <a:cxn ang="0">
+                <a:pos x="connsiteX55" y="connsiteY55"/>
+              </a:cxn>
+              <a:cxn ang="0">
+                <a:pos x="connsiteX56" y="connsiteY56"/>
+              </a:cxn>
+              <a:cxn ang="0">
+                <a:pos x="connsiteX57" y="connsiteY57"/>
+              </a:cxn>
+              <a:cxn ang="0">
+                <a:pos x="connsiteX58" y="connsiteY58"/>
+              </a:cxn>
+              <a:cxn ang="0">
+                <a:pos x="connsiteX59" y="connsiteY59"/>
+              </a:cxn>
+              <a:cxn ang="0">
+                <a:pos x="connsiteX60" y="connsiteY60"/>
+              </a:cxn>
+              <a:cxn ang="0">
+                <a:pos x="connsiteX61" y="connsiteY61"/>
+              </a:cxn>
+              <a:cxn ang="0">
+                <a:pos x="connsiteX62" y="connsiteY62"/>
+              </a:cxn>
+              <a:cxn ang="0">
+                <a:pos x="connsiteX63" y="connsiteY63"/>
+              </a:cxn>
+              <a:cxn ang="0">
+                <a:pos x="connsiteX64" y="connsiteY64"/>
+              </a:cxn>
+              <a:cxn ang="0">
+                <a:pos x="connsiteX65" y="connsiteY65"/>
+              </a:cxn>
+              <a:cxn ang="0">
+                <a:pos x="connsiteX66" y="connsiteY66"/>
+              </a:cxn>
+              <a:cxn ang="0">
+                <a:pos x="connsiteX67" y="connsiteY67"/>
+              </a:cxn>
+              <a:cxn ang="0">
+                <a:pos x="connsiteX68" y="connsiteY68"/>
+              </a:cxn>
+              <a:cxn ang="0">
+                <a:pos x="connsiteX69" y="connsiteY69"/>
+              </a:cxn>
+              <a:cxn ang="0">
+                <a:pos x="connsiteX70" y="connsiteY70"/>
+              </a:cxn>
+              <a:cxn ang="0">
+                <a:pos x="connsiteX71" y="connsiteY71"/>
+              </a:cxn>
+              <a:cxn ang="0">
+                <a:pos x="connsiteX72" y="connsiteY72"/>
+              </a:cxn>
+              <a:cxn ang="0">
+                <a:pos x="connsiteX73" y="connsiteY73"/>
+              </a:cxn>
+              <a:cxn ang="0">
+                <a:pos x="connsiteX74" y="connsiteY74"/>
+              </a:cxn>
+              <a:cxn ang="0">
+                <a:pos x="connsiteX75" y="connsiteY75"/>
+              </a:cxn>
+              <a:cxn ang="0">
+                <a:pos x="connsiteX76" y="connsiteY76"/>
+              </a:cxn>
+              <a:cxn ang="0">
+                <a:pos x="connsiteX77" y="connsiteY77"/>
+              </a:cxn>
+              <a:cxn ang="0">
+                <a:pos x="connsiteX78" y="connsiteY78"/>
+              </a:cxn>
+              <a:cxn ang="0">
+                <a:pos x="connsiteX79" y="connsiteY79"/>
+              </a:cxn>
+              <a:cxn ang="0">
+                <a:pos x="connsiteX80" y="connsiteY80"/>
+              </a:cxn>
+              <a:cxn ang="0">
+                <a:pos x="connsiteX81" y="connsiteY81"/>
+              </a:cxn>
+              <a:cxn ang="0">
+                <a:pos x="connsiteX82" y="connsiteY82"/>
+              </a:cxn>
+              <a:cxn ang="0">
+                <a:pos x="connsiteX83" y="connsiteY83"/>
+              </a:cxn>
+              <a:cxn ang="0">
+                <a:pos x="connsiteX84" y="connsiteY84"/>
+              </a:cxn>
+              <a:cxn ang="0">
+                <a:pos x="connsiteX85" y="connsiteY85"/>
+              </a:cxn>
+              <a:cxn ang="0">
+                <a:pos x="connsiteX86" y="connsiteY86"/>
+              </a:cxn>
+              <a:cxn ang="0">
+                <a:pos x="connsiteX87" y="connsiteY87"/>
+              </a:cxn>
+              <a:cxn ang="0">
+                <a:pos x="connsiteX88" y="connsiteY88"/>
+              </a:cxn>
+              <a:cxn ang="0">
+                <a:pos x="connsiteX89" y="connsiteY89"/>
+              </a:cxn>
+              <a:cxn ang="0">
+                <a:pos x="connsiteX90" y="connsiteY90"/>
+              </a:cxn>
+              <a:cxn ang="0">
+                <a:pos x="connsiteX91" y="connsiteY91"/>
+              </a:cxn>
+              <a:cxn ang="0">
+                <a:pos x="connsiteX92" y="connsiteY92"/>
+              </a:cxn>
+              <a:cxn ang="0">
+                <a:pos x="connsiteX93" y="connsiteY93"/>
+              </a:cxn>
+              <a:cxn ang="0">
+                <a:pos x="connsiteX94" y="connsiteY94"/>
+              </a:cxn>
+              <a:cxn ang="0">
+                <a:pos x="connsiteX95" y="connsiteY95"/>
+              </a:cxn>
+              <a:cxn ang="0">
+                <a:pos x="connsiteX96" y="connsiteY96"/>
+              </a:cxn>
+              <a:cxn ang="0">
+                <a:pos x="connsiteX97" y="connsiteY97"/>
+              </a:cxn>
+              <a:cxn ang="0">
+                <a:pos x="connsiteX98" y="connsiteY98"/>
+              </a:cxn>
+              <a:cxn ang="0">
+                <a:pos x="connsiteX99" y="connsiteY99"/>
+              </a:cxn>
+              <a:cxn ang="0">
+                <a:pos x="connsiteX100" y="connsiteY100"/>
+              </a:cxn>
+              <a:cxn ang="0">
+                <a:pos x="connsiteX101" y="connsiteY101"/>
+              </a:cxn>
+              <a:cxn ang="0">
+                <a:pos x="connsiteX102" y="connsiteY102"/>
+              </a:cxn>
+              <a:cxn ang="0">
+                <a:pos x="connsiteX103" y="connsiteY103"/>
+              </a:cxn>
+              <a:cxn ang="0">
+                <a:pos x="connsiteX104" y="connsiteY104"/>
+              </a:cxn>
+              <a:cxn ang="0">
+                <a:pos x="connsiteX105" y="connsiteY105"/>
+              </a:cxn>
+              <a:cxn ang="0">
+                <a:pos x="connsiteX106" y="connsiteY106"/>
+              </a:cxn>
+              <a:cxn ang="0">
+                <a:pos x="connsiteX107" y="connsiteY107"/>
+              </a:cxn>
+              <a:cxn ang="0">
+                <a:pos x="connsiteX108" y="connsiteY108"/>
+              </a:cxn>
+              <a:cxn ang="0">
+                <a:pos x="connsiteX109" y="connsiteY109"/>
+              </a:cxn>
+              <a:cxn ang="0">
+                <a:pos x="connsiteX110" y="connsiteY110"/>
+              </a:cxn>
+              <a:cxn ang="0">
+                <a:pos x="connsiteX111" y="connsiteY111"/>
+              </a:cxn>
+              <a:cxn ang="0">
+                <a:pos x="connsiteX112" y="connsiteY112"/>
+              </a:cxn>
+              <a:cxn ang="0">
+                <a:pos x="connsiteX113" y="connsiteY113"/>
+              </a:cxn>
+              <a:cxn ang="0">
+                <a:pos x="connsiteX114" y="connsiteY114"/>
+              </a:cxn>
+            </a:cxnLst>
+            <a:rect l="l" t="t" r="r" b="b"/>
+            <a:pathLst>
+              <a:path w="7940614" h="2008301">
+                <a:moveTo>
+                  <a:pt x="5673275" y="802432"/>
+                </a:moveTo>
+                <a:cubicBezTo>
+                  <a:pt x="5657724" y="799322"/>
+                  <a:pt x="5639527" y="802320"/>
+                  <a:pt x="5626622" y="793102"/>
+                </a:cubicBezTo>
+                <a:cubicBezTo>
+                  <a:pt x="5612940" y="783329"/>
+                  <a:pt x="5601457" y="733299"/>
+                  <a:pt x="5598630" y="718457"/>
+                </a:cubicBezTo>
+                <a:cubicBezTo>
+                  <a:pt x="5571181" y="574354"/>
+                  <a:pt x="5575008" y="594800"/>
+                  <a:pt x="5561308" y="485192"/>
+                </a:cubicBezTo>
+                <a:cubicBezTo>
+                  <a:pt x="5564418" y="382555"/>
+                  <a:pt x="5561869" y="279590"/>
+                  <a:pt x="5570638" y="177281"/>
+                </a:cubicBezTo>
+                <a:cubicBezTo>
+                  <a:pt x="5571389" y="168516"/>
+                  <a:pt x="5583804" y="165489"/>
+                  <a:pt x="5589300" y="158620"/>
+                </a:cubicBezTo>
+                <a:cubicBezTo>
+                  <a:pt x="5596305" y="149863"/>
+                  <a:pt x="5599204" y="137633"/>
+                  <a:pt x="5607961" y="130628"/>
+                </a:cubicBezTo>
+                <a:cubicBezTo>
+                  <a:pt x="5615641" y="124484"/>
+                  <a:pt x="5626622" y="124408"/>
+                  <a:pt x="5635953" y="121298"/>
+                </a:cubicBezTo>
+                <a:cubicBezTo>
+                  <a:pt x="5691586" y="84209"/>
+                  <a:pt x="5642230" y="110922"/>
+                  <a:pt x="5747920" y="93306"/>
+                </a:cubicBezTo>
+                <a:cubicBezTo>
+                  <a:pt x="5757622" y="91689"/>
+                  <a:pt x="5766370" y="86360"/>
+                  <a:pt x="5775912" y="83975"/>
+                </a:cubicBezTo>
+                <a:cubicBezTo>
+                  <a:pt x="5791297" y="80129"/>
+                  <a:pt x="5807058" y="77968"/>
+                  <a:pt x="5822565" y="74645"/>
+                </a:cubicBezTo>
+                <a:cubicBezTo>
+                  <a:pt x="5850603" y="68637"/>
+                  <a:pt x="5878106" y="59692"/>
+                  <a:pt x="5906540" y="55983"/>
+                </a:cubicBezTo>
+                <a:cubicBezTo>
+                  <a:pt x="5949827" y="50337"/>
+                  <a:pt x="5993626" y="49763"/>
+                  <a:pt x="6037169" y="46653"/>
+                </a:cubicBezTo>
+                <a:cubicBezTo>
+                  <a:pt x="6172538" y="19578"/>
+                  <a:pt x="6007083" y="50135"/>
+                  <a:pt x="6317087" y="27992"/>
+                </a:cubicBezTo>
+                <a:cubicBezTo>
+                  <a:pt x="6413708" y="21091"/>
+                  <a:pt x="6509920" y="9331"/>
+                  <a:pt x="6606336" y="0"/>
+                </a:cubicBezTo>
+                <a:cubicBezTo>
+                  <a:pt x="6668540" y="3110"/>
+                  <a:pt x="6731514" y="-909"/>
+                  <a:pt x="6792949" y="9330"/>
+                </a:cubicBezTo>
+                <a:cubicBezTo>
+                  <a:pt x="6825991" y="14837"/>
+                  <a:pt x="6854709" y="35386"/>
+                  <a:pt x="6886255" y="46653"/>
+                </a:cubicBezTo>
+                <a:cubicBezTo>
+                  <a:pt x="6910608" y="55351"/>
+                  <a:pt x="6957139" y="61577"/>
+                  <a:pt x="6979561" y="65314"/>
+                </a:cubicBezTo>
+                <a:cubicBezTo>
+                  <a:pt x="7120519" y="135794"/>
+                  <a:pt x="6943947" y="48877"/>
+                  <a:pt x="7100859" y="121298"/>
+                </a:cubicBezTo>
+                <a:cubicBezTo>
+                  <a:pt x="7119802" y="130041"/>
+                  <a:pt x="7137848" y="140656"/>
+                  <a:pt x="7156842" y="149290"/>
+                </a:cubicBezTo>
+                <a:cubicBezTo>
+                  <a:pt x="7227195" y="181269"/>
+                  <a:pt x="7183123" y="153523"/>
+                  <a:pt x="7259479" y="195943"/>
+                </a:cubicBezTo>
+                <a:cubicBezTo>
+                  <a:pt x="7269282" y="201389"/>
+                  <a:pt x="7277734" y="209040"/>
+                  <a:pt x="7287471" y="214604"/>
+                </a:cubicBezTo>
+                <a:cubicBezTo>
+                  <a:pt x="7299547" y="221505"/>
+                  <a:pt x="7313220" y="225550"/>
+                  <a:pt x="7324793" y="233265"/>
+                </a:cubicBezTo>
+                <a:cubicBezTo>
+                  <a:pt x="7350672" y="250517"/>
+                  <a:pt x="7373559" y="271997"/>
+                  <a:pt x="7399438" y="289249"/>
+                </a:cubicBezTo>
+                <a:cubicBezTo>
+                  <a:pt x="7408769" y="295469"/>
+                  <a:pt x="7418305" y="301392"/>
+                  <a:pt x="7427430" y="307910"/>
+                </a:cubicBezTo>
+                <a:cubicBezTo>
+                  <a:pt x="7440085" y="316949"/>
+                  <a:pt x="7450844" y="328947"/>
+                  <a:pt x="7464753" y="335902"/>
+                </a:cubicBezTo>
+                <a:cubicBezTo>
+                  <a:pt x="7482347" y="344699"/>
+                  <a:pt x="7502075" y="348343"/>
+                  <a:pt x="7520736" y="354563"/>
+                </a:cubicBezTo>
+                <a:cubicBezTo>
+                  <a:pt x="7567128" y="400955"/>
+                  <a:pt x="7602471" y="440927"/>
+                  <a:pt x="7660695" y="475861"/>
+                </a:cubicBezTo>
+                <a:cubicBezTo>
+                  <a:pt x="7676246" y="485192"/>
+                  <a:pt x="7692840" y="492972"/>
+                  <a:pt x="7707349" y="503853"/>
+                </a:cubicBezTo>
+                <a:cubicBezTo>
+                  <a:pt x="7717905" y="511770"/>
+                  <a:pt x="7725203" y="523398"/>
+                  <a:pt x="7735340" y="531845"/>
+                </a:cubicBezTo>
+                <a:cubicBezTo>
+                  <a:pt x="7743955" y="539024"/>
+                  <a:pt x="7755402" y="542577"/>
+                  <a:pt x="7763332" y="550506"/>
+                </a:cubicBezTo>
+                <a:cubicBezTo>
+                  <a:pt x="7774328" y="561502"/>
+                  <a:pt x="7780992" y="576205"/>
+                  <a:pt x="7791324" y="587828"/>
+                </a:cubicBezTo>
+                <a:cubicBezTo>
+                  <a:pt x="7805935" y="604265"/>
+                  <a:pt x="7822426" y="618930"/>
+                  <a:pt x="7837977" y="634481"/>
+                </a:cubicBezTo>
+                <a:lnTo>
+                  <a:pt x="7875300" y="671804"/>
+                </a:lnTo>
+                <a:lnTo>
+                  <a:pt x="7903291" y="699796"/>
+                </a:lnTo>
+                <a:cubicBezTo>
+                  <a:pt x="7909512" y="706017"/>
+                  <a:pt x="7917073" y="711137"/>
+                  <a:pt x="7921953" y="718457"/>
+                </a:cubicBezTo>
+                <a:lnTo>
+                  <a:pt x="7940614" y="746449"/>
+                </a:lnTo>
+                <a:cubicBezTo>
+                  <a:pt x="7937504" y="786882"/>
+                  <a:pt x="7945141" y="829636"/>
+                  <a:pt x="7931283" y="867747"/>
+                </a:cubicBezTo>
+                <a:cubicBezTo>
+                  <a:pt x="7919164" y="901074"/>
+                  <a:pt x="7887590" y="923614"/>
+                  <a:pt x="7865969" y="951722"/>
+                </a:cubicBezTo>
+                <a:cubicBezTo>
+                  <a:pt x="7856487" y="964048"/>
+                  <a:pt x="7837977" y="989045"/>
+                  <a:pt x="7837977" y="989045"/>
+                </a:cubicBezTo>
+                <a:cubicBezTo>
+                  <a:pt x="7819892" y="1043298"/>
+                  <a:pt x="7837590" y="1001538"/>
+                  <a:pt x="7781993" y="1073020"/>
+                </a:cubicBezTo>
+                <a:cubicBezTo>
+                  <a:pt x="7759865" y="1101470"/>
+                  <a:pt x="7766728" y="1105463"/>
+                  <a:pt x="7735340" y="1129004"/>
+                </a:cubicBezTo>
+                <a:cubicBezTo>
+                  <a:pt x="7720832" y="1139885"/>
+                  <a:pt x="7704238" y="1147665"/>
+                  <a:pt x="7688687" y="1156996"/>
+                </a:cubicBezTo>
+                <a:cubicBezTo>
+                  <a:pt x="7676246" y="1172547"/>
+                  <a:pt x="7665447" y="1189567"/>
+                  <a:pt x="7651365" y="1203649"/>
+                </a:cubicBezTo>
+                <a:cubicBezTo>
+                  <a:pt x="7643436" y="1211578"/>
+                  <a:pt x="7632498" y="1215792"/>
+                  <a:pt x="7623373" y="1222310"/>
+                </a:cubicBezTo>
+                <a:cubicBezTo>
+                  <a:pt x="7610719" y="1231349"/>
+                  <a:pt x="7599132" y="1241893"/>
+                  <a:pt x="7586051" y="1250302"/>
+                </a:cubicBezTo>
+                <a:cubicBezTo>
+                  <a:pt x="7555540" y="1269916"/>
+                  <a:pt x="7518392" y="1280638"/>
+                  <a:pt x="7492744" y="1306286"/>
+                </a:cubicBezTo>
+                <a:cubicBezTo>
+                  <a:pt x="7439386" y="1359644"/>
+                  <a:pt x="7492928" y="1312003"/>
+                  <a:pt x="7427430" y="1352939"/>
+                </a:cubicBezTo>
+                <a:cubicBezTo>
+                  <a:pt x="7362873" y="1393287"/>
+                  <a:pt x="7417109" y="1371929"/>
+                  <a:pt x="7362116" y="1390261"/>
+                </a:cubicBezTo>
+                <a:cubicBezTo>
+                  <a:pt x="7291668" y="1443097"/>
+                  <a:pt x="7362152" y="1399581"/>
+                  <a:pt x="7259479" y="1427583"/>
+                </a:cubicBezTo>
+                <a:cubicBezTo>
+                  <a:pt x="7246060" y="1431243"/>
+                  <a:pt x="7234867" y="1440596"/>
+                  <a:pt x="7222157" y="1446245"/>
+                </a:cubicBezTo>
+                <a:cubicBezTo>
+                  <a:pt x="7176986" y="1466321"/>
+                  <a:pt x="7181501" y="1463407"/>
+                  <a:pt x="7138181" y="1474237"/>
+                </a:cubicBezTo>
+                <a:cubicBezTo>
+                  <a:pt x="7089479" y="1506704"/>
+                  <a:pt x="7129632" y="1485467"/>
+                  <a:pt x="7054206" y="1502228"/>
+                </a:cubicBezTo>
+                <a:cubicBezTo>
+                  <a:pt x="7044605" y="1504362"/>
+                  <a:pt x="7035671" y="1508857"/>
+                  <a:pt x="7026214" y="1511559"/>
+                </a:cubicBezTo>
+                <a:cubicBezTo>
+                  <a:pt x="6959159" y="1530718"/>
+                  <a:pt x="7019208" y="1510978"/>
+                  <a:pt x="6942238" y="1530220"/>
+                </a:cubicBezTo>
+                <a:cubicBezTo>
+                  <a:pt x="6932696" y="1532605"/>
+                  <a:pt x="6923455" y="1536098"/>
+                  <a:pt x="6914246" y="1539551"/>
+                </a:cubicBezTo>
+                <a:cubicBezTo>
+                  <a:pt x="6898564" y="1545432"/>
+                  <a:pt x="6884055" y="1555125"/>
+                  <a:pt x="6867593" y="1558212"/>
+                </a:cubicBezTo>
+                <a:cubicBezTo>
+                  <a:pt x="6833828" y="1564543"/>
+                  <a:pt x="6799169" y="1564433"/>
+                  <a:pt x="6764957" y="1567543"/>
+                </a:cubicBezTo>
+                <a:cubicBezTo>
+                  <a:pt x="6733855" y="1573763"/>
+                  <a:pt x="6702614" y="1579323"/>
+                  <a:pt x="6671651" y="1586204"/>
+                </a:cubicBezTo>
+                <a:cubicBezTo>
+                  <a:pt x="6567752" y="1609292"/>
+                  <a:pt x="6530819" y="1630393"/>
+                  <a:pt x="6401063" y="1642188"/>
+                </a:cubicBezTo>
+                <a:lnTo>
+                  <a:pt x="6298426" y="1651518"/>
+                </a:lnTo>
+                <a:cubicBezTo>
+                  <a:pt x="6237970" y="1657564"/>
+                  <a:pt x="6199269" y="1662747"/>
+                  <a:pt x="6139806" y="1670179"/>
+                </a:cubicBezTo>
+                <a:cubicBezTo>
+                  <a:pt x="6118904" y="1677147"/>
+                  <a:pt x="6096249" y="1685494"/>
+                  <a:pt x="6074491" y="1688841"/>
+                </a:cubicBezTo>
+                <a:cubicBezTo>
+                  <a:pt x="6046655" y="1693123"/>
+                  <a:pt x="6018540" y="1695369"/>
+                  <a:pt x="5990516" y="1698171"/>
+                </a:cubicBezTo>
+                <a:cubicBezTo>
+                  <a:pt x="5752907" y="1721932"/>
+                  <a:pt x="6009681" y="1693969"/>
+                  <a:pt x="5803904" y="1716832"/>
+                </a:cubicBezTo>
+                <a:cubicBezTo>
+                  <a:pt x="5782132" y="1723053"/>
+                  <a:pt x="5760792" y="1731053"/>
+                  <a:pt x="5738589" y="1735494"/>
+                </a:cubicBezTo>
+                <a:cubicBezTo>
+                  <a:pt x="5689448" y="1745322"/>
+                  <a:pt x="5569146" y="1751596"/>
+                  <a:pt x="5533316" y="1754155"/>
+                </a:cubicBezTo>
+                <a:cubicBezTo>
+                  <a:pt x="5533293" y="1754161"/>
+                  <a:pt x="5406583" y="1787726"/>
+                  <a:pt x="5374695" y="1791477"/>
+                </a:cubicBezTo>
+                <a:cubicBezTo>
+                  <a:pt x="5286474" y="1801856"/>
+                  <a:pt x="5272990" y="1795969"/>
+                  <a:pt x="5197414" y="1810139"/>
+                </a:cubicBezTo>
+                <a:cubicBezTo>
+                  <a:pt x="5169230" y="1815423"/>
+                  <a:pt x="5141723" y="1824086"/>
+                  <a:pt x="5113438" y="1828800"/>
+                </a:cubicBezTo>
+                <a:cubicBezTo>
+                  <a:pt x="5074493" y="1835291"/>
+                  <a:pt x="4960938" y="1843671"/>
+                  <a:pt x="4926826" y="1847461"/>
+                </a:cubicBezTo>
+                <a:cubicBezTo>
+                  <a:pt x="4904968" y="1849890"/>
+                  <a:pt x="4883475" y="1855656"/>
+                  <a:pt x="4861512" y="1856792"/>
+                </a:cubicBezTo>
+                <a:cubicBezTo>
+                  <a:pt x="4702982" y="1864992"/>
+                  <a:pt x="4544224" y="1868134"/>
+                  <a:pt x="4385651" y="1875453"/>
+                </a:cubicBezTo>
+                <a:cubicBezTo>
+                  <a:pt x="4342043" y="1877466"/>
+                  <a:pt x="4298668" y="1883975"/>
+                  <a:pt x="4255022" y="1884783"/>
+                </a:cubicBezTo>
+                <a:lnTo>
+                  <a:pt x="3377944" y="1894114"/>
+                </a:lnTo>
+                <a:cubicBezTo>
+                  <a:pt x="3106156" y="1912234"/>
+                  <a:pt x="3351822" y="1885406"/>
+                  <a:pt x="3144679" y="1931437"/>
+                </a:cubicBezTo>
+                <a:cubicBezTo>
+                  <a:pt x="3099296" y="1941522"/>
+                  <a:pt x="2953979" y="1948504"/>
+                  <a:pt x="2930075" y="1950098"/>
+                </a:cubicBezTo>
+                <a:cubicBezTo>
+                  <a:pt x="2125895" y="2064979"/>
+                  <a:pt x="2783947" y="1977456"/>
+                  <a:pt x="746712" y="1959428"/>
+                </a:cubicBezTo>
+                <a:cubicBezTo>
+                  <a:pt x="727794" y="1959261"/>
+                  <a:pt x="709162" y="1954352"/>
+                  <a:pt x="690728" y="1950098"/>
+                </a:cubicBezTo>
+                <a:cubicBezTo>
+                  <a:pt x="668665" y="1945007"/>
+                  <a:pt x="647259" y="1937395"/>
+                  <a:pt x="625414" y="1931437"/>
+                </a:cubicBezTo>
+                <a:cubicBezTo>
+                  <a:pt x="589174" y="1921553"/>
+                  <a:pt x="580299" y="1920548"/>
+                  <a:pt x="541438" y="1912775"/>
+                </a:cubicBezTo>
+                <a:cubicBezTo>
+                  <a:pt x="415098" y="1818019"/>
+                  <a:pt x="599999" y="1951642"/>
+                  <a:pt x="457463" y="1866122"/>
+                </a:cubicBezTo>
+                <a:cubicBezTo>
+                  <a:pt x="438199" y="1854564"/>
+                  <a:pt x="399917" y="1820349"/>
+                  <a:pt x="382818" y="1800808"/>
+                </a:cubicBezTo>
+                <a:cubicBezTo>
+                  <a:pt x="310946" y="1718669"/>
+                  <a:pt x="376832" y="1792667"/>
+                  <a:pt x="317504" y="1688841"/>
+                </a:cubicBezTo>
+                <a:cubicBezTo>
+                  <a:pt x="262250" y="1592145"/>
+                  <a:pt x="289530" y="1651536"/>
+                  <a:pt x="224198" y="1586204"/>
+                </a:cubicBezTo>
+                <a:cubicBezTo>
+                  <a:pt x="200776" y="1562782"/>
+                  <a:pt x="180234" y="1521747"/>
+                  <a:pt x="168214" y="1492898"/>
+                </a:cubicBezTo>
+                <a:cubicBezTo>
+                  <a:pt x="159574" y="1472162"/>
+                  <a:pt x="152730" y="1427121"/>
+                  <a:pt x="130891" y="1408922"/>
+                </a:cubicBezTo>
+                <a:cubicBezTo>
+                  <a:pt x="120206" y="1400018"/>
+                  <a:pt x="106010" y="1396481"/>
+                  <a:pt x="93569" y="1390261"/>
+                </a:cubicBezTo>
+                <a:cubicBezTo>
+                  <a:pt x="84238" y="1377820"/>
+                  <a:pt x="75980" y="1364498"/>
+                  <a:pt x="65577" y="1352939"/>
+                </a:cubicBezTo>
+                <a:cubicBezTo>
+                  <a:pt x="47922" y="1333323"/>
+                  <a:pt x="9593" y="1296955"/>
+                  <a:pt x="9593" y="1296955"/>
+                </a:cubicBezTo>
+                <a:cubicBezTo>
+                  <a:pt x="6483" y="1284514"/>
+                  <a:pt x="-1551" y="1272327"/>
+                  <a:pt x="263" y="1259632"/>
+                </a:cubicBezTo>
+                <a:cubicBezTo>
+                  <a:pt x="7945" y="1205861"/>
+                  <a:pt x="21977" y="1153038"/>
+                  <a:pt x="37585" y="1101012"/>
+                </a:cubicBezTo>
+                <a:cubicBezTo>
+                  <a:pt x="49727" y="1060539"/>
+                  <a:pt x="92814" y="1055479"/>
+                  <a:pt x="130891" y="1054359"/>
+                </a:cubicBezTo>
+                <a:lnTo>
+                  <a:pt x="448132" y="1045028"/>
+                </a:lnTo>
+                <a:cubicBezTo>
+                  <a:pt x="479234" y="1041918"/>
+                  <a:pt x="510495" y="1040118"/>
+                  <a:pt x="541438" y="1035698"/>
+                </a:cubicBezTo>
+                <a:cubicBezTo>
+                  <a:pt x="575862" y="1030780"/>
+                  <a:pt x="609454" y="1020283"/>
+                  <a:pt x="644075" y="1017037"/>
+                </a:cubicBezTo>
+                <a:cubicBezTo>
+                  <a:pt x="709178" y="1010934"/>
+                  <a:pt x="774704" y="1010816"/>
+                  <a:pt x="840018" y="1007706"/>
+                </a:cubicBezTo>
+                <a:cubicBezTo>
+                  <a:pt x="889867" y="995243"/>
+                  <a:pt x="897092" y="991666"/>
+                  <a:pt x="961316" y="989045"/>
+                </a:cubicBezTo>
+                <a:cubicBezTo>
+                  <a:pt x="1085659" y="983970"/>
+                  <a:pt x="1210132" y="982824"/>
+                  <a:pt x="1334540" y="979714"/>
+                </a:cubicBezTo>
+                <a:lnTo>
+                  <a:pt x="1605128" y="951722"/>
+                </a:lnTo>
+                <a:cubicBezTo>
+                  <a:pt x="1654793" y="947307"/>
+                  <a:pt x="1704620" y="944882"/>
+                  <a:pt x="1754418" y="942392"/>
+                </a:cubicBezTo>
+                <a:lnTo>
+                  <a:pt x="2164965" y="923730"/>
+                </a:lnTo>
+                <a:cubicBezTo>
+                  <a:pt x="2192025" y="919864"/>
+                  <a:pt x="2280376" y="906854"/>
+                  <a:pt x="2304924" y="905069"/>
+                </a:cubicBezTo>
+                <a:lnTo>
+                  <a:pt x="2743463" y="877077"/>
+                </a:lnTo>
+                <a:lnTo>
+                  <a:pt x="3424598" y="895739"/>
+                </a:lnTo>
+                <a:cubicBezTo>
+                  <a:pt x="4159771" y="930747"/>
+                  <a:pt x="3144552" y="901674"/>
+                  <a:pt x="4115063" y="923730"/>
+                </a:cubicBezTo>
+                <a:lnTo>
+                  <a:pt x="5094777" y="914400"/>
+                </a:lnTo>
+                <a:cubicBezTo>
+                  <a:pt x="5130771" y="913746"/>
+                  <a:pt x="5155308" y="898326"/>
+                  <a:pt x="5188083" y="886408"/>
+                </a:cubicBezTo>
+                <a:cubicBezTo>
+                  <a:pt x="5206569" y="879686"/>
+                  <a:pt x="5225803" y="875052"/>
+                  <a:pt x="5244067" y="867747"/>
+                </a:cubicBezTo>
+                <a:cubicBezTo>
+                  <a:pt x="5259618" y="861527"/>
+                  <a:pt x="5274176" y="851698"/>
+                  <a:pt x="5290720" y="849086"/>
+                </a:cubicBezTo>
+                <a:cubicBezTo>
+                  <a:pt x="5333840" y="842278"/>
+                  <a:pt x="5377859" y="843537"/>
+                  <a:pt x="5421349" y="839755"/>
+                </a:cubicBezTo>
+                <a:cubicBezTo>
+                  <a:pt x="5461078" y="836300"/>
+                  <a:pt x="5538960" y="826220"/>
+                  <a:pt x="5579969" y="821094"/>
+                </a:cubicBezTo>
+                <a:cubicBezTo>
+                  <a:pt x="5589300" y="814873"/>
+                  <a:pt x="5598224" y="807996"/>
+                  <a:pt x="5607961" y="802432"/>
+                </a:cubicBezTo>
+                <a:cubicBezTo>
+                  <a:pt x="5620037" y="795531"/>
+                  <a:pt x="5635448" y="793606"/>
+                  <a:pt x="5645283" y="783771"/>
+                </a:cubicBezTo>
+                <a:cubicBezTo>
+                  <a:pt x="5661142" y="767912"/>
+                  <a:pt x="5682606" y="727788"/>
+                  <a:pt x="5682606" y="727788"/>
+                </a:cubicBezTo>
+              </a:path>
+            </a:pathLst>
+          </a:custGeom>
+          <a:noFill/>
+          <a:ln>
+            <a:solidFill>
+              <a:schemeClr val="accent2"/>
+            </a:solidFill>
+          </a:ln>
+        </p:spPr>
+        <p:style>
+          <a:lnRef idx="2">
+            <a:schemeClr val="accent1">
+              <a:shade val="50000"/>
+            </a:schemeClr>
+          </a:lnRef>
+          <a:fillRef idx="1">
+            <a:schemeClr val="accent1"/>
+          </a:fillRef>
+          <a:effectRef idx="0">
+            <a:schemeClr val="accent1"/>
+          </a:effectRef>
+          <a:fontRef idx="minor">
+            <a:schemeClr val="lt1"/>
+          </a:fontRef>
+        </p:style>
+        <p:txBody>
+          <a:bodyPr rtlCol="0" anchor="ctr"/>
+          <a:lstStyle/>
+          <a:p>
+            <a:pPr algn="ctr"/>
+            <a:endParaRPr lang="ko-KR" altLang="en-US"/>
           </a:p>
         </p:txBody>
       </p:sp>
@@ -9092,6 +10359,46 @@
           </a:p>
         </p:txBody>
       </p:sp>
+      <p:sp>
+        <p:nvSpPr>
+          <p:cNvPr id="4" name="TextBox 3">
+            <a:extLst>
+              <a:ext uri="{FF2B5EF4-FFF2-40B4-BE49-F238E27FC236}">
+                <a16:creationId xmlns:a16="http://schemas.microsoft.com/office/drawing/2014/main" id="{0ED404BC-F67F-4B53-8798-F4ADCF9FAA5A}"/>
+              </a:ext>
+            </a:extLst>
+          </p:cNvPr>
+          <p:cNvSpPr txBox="1"/>
+          <p:nvPr/>
+        </p:nvSpPr>
+        <p:spPr>
+          <a:xfrm>
+            <a:off x="5004048" y="6309320"/>
+            <a:ext cx="3240360" cy="369332"/>
+          </a:xfrm>
+          <a:prstGeom prst="rect">
+            <a:avLst/>
+          </a:prstGeom>
+          <a:noFill/>
+        </p:spPr>
+        <p:txBody>
+          <a:bodyPr wrap="square" rtlCol="0">
+            <a:spAutoFit/>
+          </a:bodyPr>
+          <a:lstStyle/>
+          <a:p>
+            <a:r>
+              <a:rPr lang="ko-KR" altLang="en-US" dirty="0"/>
+              <a:t>속일 대상이 있어야 속이지</a:t>
+            </a:r>
+            <a:r>
+              <a:rPr lang="en-US" altLang="ko-KR" dirty="0"/>
+              <a:t>!</a:t>
+            </a:r>
+            <a:endParaRPr lang="ko-KR" altLang="en-US" dirty="0"/>
+          </a:p>
+        </p:txBody>
+      </p:sp>
     </p:spTree>
   </p:cSld>
   <p:clrMapOvr>
@@ -10077,6 +11384,393 @@
           </a:p>
         </p:txBody>
       </p:sp>
+      <p:sp>
+        <p:nvSpPr>
+          <p:cNvPr id="6" name="자유형: 도형 5">
+            <a:extLst>
+              <a:ext uri="{FF2B5EF4-FFF2-40B4-BE49-F238E27FC236}">
+                <a16:creationId xmlns:a16="http://schemas.microsoft.com/office/drawing/2014/main" id="{2D1CD789-260A-40C7-896A-CC61B2FE5CF6}"/>
+              </a:ext>
+            </a:extLst>
+          </p:cNvPr>
+          <p:cNvSpPr/>
+          <p:nvPr/>
+        </p:nvSpPr>
+        <p:spPr>
+          <a:xfrm>
+            <a:off x="447869" y="5131837"/>
+            <a:ext cx="382555" cy="387012"/>
+          </a:xfrm>
+          <a:custGeom>
+            <a:avLst/>
+            <a:gdLst>
+              <a:gd name="connsiteX0" fmla="*/ 270588 w 382555"/>
+              <a:gd name="connsiteY0" fmla="*/ 0 h 387012"/>
+              <a:gd name="connsiteX1" fmla="*/ 186613 w 382555"/>
+              <a:gd name="connsiteY1" fmla="*/ 83975 h 387012"/>
+              <a:gd name="connsiteX2" fmla="*/ 158621 w 382555"/>
+              <a:gd name="connsiteY2" fmla="*/ 111967 h 387012"/>
+              <a:gd name="connsiteX3" fmla="*/ 93307 w 382555"/>
+              <a:gd name="connsiteY3" fmla="*/ 177281 h 387012"/>
+              <a:gd name="connsiteX4" fmla="*/ 74645 w 382555"/>
+              <a:gd name="connsiteY4" fmla="*/ 214604 h 387012"/>
+              <a:gd name="connsiteX5" fmla="*/ 55984 w 382555"/>
+              <a:gd name="connsiteY5" fmla="*/ 242596 h 387012"/>
+              <a:gd name="connsiteX6" fmla="*/ 27992 w 382555"/>
+              <a:gd name="connsiteY6" fmla="*/ 298579 h 387012"/>
+              <a:gd name="connsiteX7" fmla="*/ 261258 w 382555"/>
+              <a:gd name="connsiteY7" fmla="*/ 317241 h 387012"/>
+              <a:gd name="connsiteX8" fmla="*/ 345233 w 382555"/>
+              <a:gd name="connsiteY8" fmla="*/ 279918 h 387012"/>
+              <a:gd name="connsiteX9" fmla="*/ 382555 w 382555"/>
+              <a:gd name="connsiteY9" fmla="*/ 242596 h 387012"/>
+              <a:gd name="connsiteX10" fmla="*/ 354564 w 382555"/>
+              <a:gd name="connsiteY10" fmla="*/ 233265 h 387012"/>
+              <a:gd name="connsiteX11" fmla="*/ 317241 w 382555"/>
+              <a:gd name="connsiteY11" fmla="*/ 223934 h 387012"/>
+              <a:gd name="connsiteX12" fmla="*/ 261258 w 382555"/>
+              <a:gd name="connsiteY12" fmla="*/ 186612 h 387012"/>
+              <a:gd name="connsiteX13" fmla="*/ 130629 w 382555"/>
+              <a:gd name="connsiteY13" fmla="*/ 167951 h 387012"/>
+              <a:gd name="connsiteX14" fmla="*/ 83976 w 382555"/>
+              <a:gd name="connsiteY14" fmla="*/ 158620 h 387012"/>
+              <a:gd name="connsiteX15" fmla="*/ 0 w 382555"/>
+              <a:gd name="connsiteY15" fmla="*/ 102636 h 387012"/>
+              <a:gd name="connsiteX16" fmla="*/ 27992 w 382555"/>
+              <a:gd name="connsiteY16" fmla="*/ 93306 h 387012"/>
+              <a:gd name="connsiteX17" fmla="*/ 121298 w 382555"/>
+              <a:gd name="connsiteY17" fmla="*/ 139959 h 387012"/>
+              <a:gd name="connsiteX18" fmla="*/ 186613 w 382555"/>
+              <a:gd name="connsiteY18" fmla="*/ 158620 h 387012"/>
+              <a:gd name="connsiteX19" fmla="*/ 223935 w 382555"/>
+              <a:gd name="connsiteY19" fmla="*/ 205273 h 387012"/>
+              <a:gd name="connsiteX20" fmla="*/ 251927 w 382555"/>
+              <a:gd name="connsiteY20" fmla="*/ 214604 h 387012"/>
+              <a:gd name="connsiteX21" fmla="*/ 270588 w 382555"/>
+              <a:gd name="connsiteY21" fmla="*/ 242596 h 387012"/>
+              <a:gd name="connsiteX22" fmla="*/ 298580 w 382555"/>
+              <a:gd name="connsiteY22" fmla="*/ 270587 h 387012"/>
+              <a:gd name="connsiteX23" fmla="*/ 317241 w 382555"/>
+              <a:gd name="connsiteY23" fmla="*/ 382555 h 387012"/>
+              <a:gd name="connsiteX24" fmla="*/ 307911 w 382555"/>
+              <a:gd name="connsiteY24" fmla="*/ 317241 h 387012"/>
+              <a:gd name="connsiteX25" fmla="*/ 270588 w 382555"/>
+              <a:gd name="connsiteY25" fmla="*/ 55983 h 387012"/>
+            </a:gdLst>
+            <a:ahLst/>
+            <a:cxnLst>
+              <a:cxn ang="0">
+                <a:pos x="connsiteX0" y="connsiteY0"/>
+              </a:cxn>
+              <a:cxn ang="0">
+                <a:pos x="connsiteX1" y="connsiteY1"/>
+              </a:cxn>
+              <a:cxn ang="0">
+                <a:pos x="connsiteX2" y="connsiteY2"/>
+              </a:cxn>
+              <a:cxn ang="0">
+                <a:pos x="connsiteX3" y="connsiteY3"/>
+              </a:cxn>
+              <a:cxn ang="0">
+                <a:pos x="connsiteX4" y="connsiteY4"/>
+              </a:cxn>
+              <a:cxn ang="0">
+                <a:pos x="connsiteX5" y="connsiteY5"/>
+              </a:cxn>
+              <a:cxn ang="0">
+                <a:pos x="connsiteX6" y="connsiteY6"/>
+              </a:cxn>
+              <a:cxn ang="0">
+                <a:pos x="connsiteX7" y="connsiteY7"/>
+              </a:cxn>
+              <a:cxn ang="0">
+                <a:pos x="connsiteX8" y="connsiteY8"/>
+              </a:cxn>
+              <a:cxn ang="0">
+                <a:pos x="connsiteX9" y="connsiteY9"/>
+              </a:cxn>
+              <a:cxn ang="0">
+                <a:pos x="connsiteX10" y="connsiteY10"/>
+              </a:cxn>
+              <a:cxn ang="0">
+                <a:pos x="connsiteX11" y="connsiteY11"/>
+              </a:cxn>
+              <a:cxn ang="0">
+                <a:pos x="connsiteX12" y="connsiteY12"/>
+              </a:cxn>
+              <a:cxn ang="0">
+                <a:pos x="connsiteX13" y="connsiteY13"/>
+              </a:cxn>
+              <a:cxn ang="0">
+                <a:pos x="connsiteX14" y="connsiteY14"/>
+              </a:cxn>
+              <a:cxn ang="0">
+                <a:pos x="connsiteX15" y="connsiteY15"/>
+              </a:cxn>
+              <a:cxn ang="0">
+                <a:pos x="connsiteX16" y="connsiteY16"/>
+              </a:cxn>
+              <a:cxn ang="0">
+                <a:pos x="connsiteX17" y="connsiteY17"/>
+              </a:cxn>
+              <a:cxn ang="0">
+                <a:pos x="connsiteX18" y="connsiteY18"/>
+              </a:cxn>
+              <a:cxn ang="0">
+                <a:pos x="connsiteX19" y="connsiteY19"/>
+              </a:cxn>
+              <a:cxn ang="0">
+                <a:pos x="connsiteX20" y="connsiteY20"/>
+              </a:cxn>
+              <a:cxn ang="0">
+                <a:pos x="connsiteX21" y="connsiteY21"/>
+              </a:cxn>
+              <a:cxn ang="0">
+                <a:pos x="connsiteX22" y="connsiteY22"/>
+              </a:cxn>
+              <a:cxn ang="0">
+                <a:pos x="connsiteX23" y="connsiteY23"/>
+              </a:cxn>
+              <a:cxn ang="0">
+                <a:pos x="connsiteX24" y="connsiteY24"/>
+              </a:cxn>
+              <a:cxn ang="0">
+                <a:pos x="connsiteX25" y="connsiteY25"/>
+              </a:cxn>
+            </a:cxnLst>
+            <a:rect l="l" t="t" r="r" b="b"/>
+            <a:pathLst>
+              <a:path w="382555" h="387012">
+                <a:moveTo>
+                  <a:pt x="270588" y="0"/>
+                </a:moveTo>
+                <a:lnTo>
+                  <a:pt x="186613" y="83975"/>
+                </a:lnTo>
+                <a:cubicBezTo>
+                  <a:pt x="177282" y="93306"/>
+                  <a:pt x="169600" y="104648"/>
+                  <a:pt x="158621" y="111967"/>
+                </a:cubicBezTo>
+                <a:cubicBezTo>
+                  <a:pt x="121546" y="136683"/>
+                  <a:pt x="124337" y="130736"/>
+                  <a:pt x="93307" y="177281"/>
+                </a:cubicBezTo>
+                <a:cubicBezTo>
+                  <a:pt x="85591" y="188854"/>
+                  <a:pt x="81546" y="202527"/>
+                  <a:pt x="74645" y="214604"/>
+                </a:cubicBezTo>
+                <a:cubicBezTo>
+                  <a:pt x="69081" y="224340"/>
+                  <a:pt x="60999" y="232566"/>
+                  <a:pt x="55984" y="242596"/>
+                </a:cubicBezTo>
+                <a:cubicBezTo>
+                  <a:pt x="17353" y="319856"/>
+                  <a:pt x="81473" y="218357"/>
+                  <a:pt x="27992" y="298579"/>
+                </a:cubicBezTo>
+                <a:cubicBezTo>
+                  <a:pt x="60370" y="395709"/>
+                  <a:pt x="31895" y="340177"/>
+                  <a:pt x="261258" y="317241"/>
+                </a:cubicBezTo>
+                <a:cubicBezTo>
+                  <a:pt x="287771" y="314590"/>
+                  <a:pt x="323740" y="298341"/>
+                  <a:pt x="345233" y="279918"/>
+                </a:cubicBezTo>
+                <a:cubicBezTo>
+                  <a:pt x="358591" y="268468"/>
+                  <a:pt x="370114" y="255037"/>
+                  <a:pt x="382555" y="242596"/>
+                </a:cubicBezTo>
+                <a:cubicBezTo>
+                  <a:pt x="373225" y="239486"/>
+                  <a:pt x="364021" y="235967"/>
+                  <a:pt x="354564" y="233265"/>
+                </a:cubicBezTo>
+                <a:cubicBezTo>
+                  <a:pt x="342234" y="229742"/>
+                  <a:pt x="328711" y="229669"/>
+                  <a:pt x="317241" y="223934"/>
+                </a:cubicBezTo>
+                <a:cubicBezTo>
+                  <a:pt x="297181" y="213904"/>
+                  <a:pt x="283016" y="192052"/>
+                  <a:pt x="261258" y="186612"/>
+                </a:cubicBezTo>
+                <a:cubicBezTo>
+                  <a:pt x="193611" y="169700"/>
+                  <a:pt x="236695" y="178557"/>
+                  <a:pt x="130629" y="167951"/>
+                </a:cubicBezTo>
+                <a:cubicBezTo>
+                  <a:pt x="115078" y="164841"/>
+                  <a:pt x="99021" y="163635"/>
+                  <a:pt x="83976" y="158620"/>
+                </a:cubicBezTo>
+                <a:cubicBezTo>
+                  <a:pt x="48529" y="146804"/>
+                  <a:pt x="29324" y="126095"/>
+                  <a:pt x="0" y="102636"/>
+                </a:cubicBezTo>
+                <a:cubicBezTo>
+                  <a:pt x="9331" y="99526"/>
+                  <a:pt x="18157" y="93306"/>
+                  <a:pt x="27992" y="93306"/>
+                </a:cubicBezTo>
+                <a:cubicBezTo>
+                  <a:pt x="68112" y="93306"/>
+                  <a:pt x="87807" y="121353"/>
+                  <a:pt x="121298" y="139959"/>
+                </a:cubicBezTo>
+                <a:cubicBezTo>
+                  <a:pt x="132253" y="146045"/>
+                  <a:pt x="177824" y="156423"/>
+                  <a:pt x="186613" y="158620"/>
+                </a:cubicBezTo>
+                <a:cubicBezTo>
+                  <a:pt x="199054" y="174171"/>
+                  <a:pt x="208815" y="192312"/>
+                  <a:pt x="223935" y="205273"/>
+                </a:cubicBezTo>
+                <a:cubicBezTo>
+                  <a:pt x="231403" y="211674"/>
+                  <a:pt x="244247" y="208460"/>
+                  <a:pt x="251927" y="214604"/>
+                </a:cubicBezTo>
+                <a:cubicBezTo>
+                  <a:pt x="260684" y="221609"/>
+                  <a:pt x="263409" y="233981"/>
+                  <a:pt x="270588" y="242596"/>
+                </a:cubicBezTo>
+                <a:cubicBezTo>
+                  <a:pt x="279035" y="252733"/>
+                  <a:pt x="289249" y="261257"/>
+                  <a:pt x="298580" y="270587"/>
+                </a:cubicBezTo>
+                <a:cubicBezTo>
+                  <a:pt x="313180" y="314386"/>
+                  <a:pt x="317241" y="320051"/>
+                  <a:pt x="317241" y="382555"/>
+                </a:cubicBezTo>
+                <a:cubicBezTo>
+                  <a:pt x="317241" y="404547"/>
+                  <a:pt x="309844" y="339148"/>
+                  <a:pt x="307911" y="317241"/>
+                </a:cubicBezTo>
+                <a:cubicBezTo>
+                  <a:pt x="284901" y="56461"/>
+                  <a:pt x="364881" y="103132"/>
+                  <a:pt x="270588" y="55983"/>
+                </a:cubicBezTo>
+              </a:path>
+            </a:pathLst>
+          </a:custGeom>
+          <a:noFill/>
+        </p:spPr>
+        <p:style>
+          <a:lnRef idx="2">
+            <a:schemeClr val="accent1">
+              <a:shade val="50000"/>
+            </a:schemeClr>
+          </a:lnRef>
+          <a:fillRef idx="1">
+            <a:schemeClr val="accent1"/>
+          </a:fillRef>
+          <a:effectRef idx="0">
+            <a:schemeClr val="accent1"/>
+          </a:effectRef>
+          <a:fontRef idx="minor">
+            <a:schemeClr val="lt1"/>
+          </a:fontRef>
+        </p:style>
+        <p:txBody>
+          <a:bodyPr rtlCol="0" anchor="ctr"/>
+          <a:lstStyle/>
+          <a:p>
+            <a:pPr algn="ctr"/>
+            <a:endParaRPr lang="ko-KR" altLang="en-US"/>
+          </a:p>
+        </p:txBody>
+      </p:sp>
+      <p:sp>
+        <p:nvSpPr>
+          <p:cNvPr id="7" name="TextBox 6">
+            <a:extLst>
+              <a:ext uri="{FF2B5EF4-FFF2-40B4-BE49-F238E27FC236}">
+                <a16:creationId xmlns:a16="http://schemas.microsoft.com/office/drawing/2014/main" id="{A6D01F9A-119A-48C0-9E69-57A2F599D5FC}"/>
+              </a:ext>
+            </a:extLst>
+          </p:cNvPr>
+          <p:cNvSpPr txBox="1"/>
+          <p:nvPr/>
+        </p:nvSpPr>
+        <p:spPr>
+          <a:xfrm>
+            <a:off x="6948264" y="6018448"/>
+            <a:ext cx="1944216" cy="369332"/>
+          </a:xfrm>
+          <a:prstGeom prst="rect">
+            <a:avLst/>
+          </a:prstGeom>
+          <a:noFill/>
+        </p:spPr>
+        <p:txBody>
+          <a:bodyPr wrap="square" rtlCol="0">
+            <a:spAutoFit/>
+          </a:bodyPr>
+          <a:lstStyle/>
+          <a:p>
+            <a:r>
+              <a:rPr lang="ko-KR" altLang="en-US"/>
+              <a:t>생각하는 나는 참</a:t>
+            </a:r>
+          </a:p>
+        </p:txBody>
+      </p:sp>
+      <p:sp>
+        <p:nvSpPr>
+          <p:cNvPr id="8" name="TextBox 7">
+            <a:extLst>
+              <a:ext uri="{FF2B5EF4-FFF2-40B4-BE49-F238E27FC236}">
+                <a16:creationId xmlns:a16="http://schemas.microsoft.com/office/drawing/2014/main" id="{99FF4128-9C0C-4679-A3B7-BB4ACE98EE30}"/>
+              </a:ext>
+            </a:extLst>
+          </p:cNvPr>
+          <p:cNvSpPr txBox="1"/>
+          <p:nvPr/>
+        </p:nvSpPr>
+        <p:spPr>
+          <a:xfrm>
+            <a:off x="3347864" y="6007291"/>
+            <a:ext cx="1656184" cy="923330"/>
+          </a:xfrm>
+          <a:prstGeom prst="rect">
+            <a:avLst/>
+          </a:prstGeom>
+          <a:noFill/>
+        </p:spPr>
+        <p:txBody>
+          <a:bodyPr wrap="square" rtlCol="0">
+            <a:spAutoFit/>
+          </a:bodyPr>
+          <a:lstStyle/>
+          <a:p>
+            <a:r>
+              <a:rPr lang="ko-KR" altLang="en-US" dirty="0"/>
+              <a:t>인간의 본질은 각</a:t>
+            </a:r>
+            <a:endParaRPr lang="en-US" altLang="ko-KR" dirty="0"/>
+          </a:p>
+          <a:p>
+            <a:endParaRPr lang="ko-KR" altLang="en-US" dirty="0"/>
+          </a:p>
+        </p:txBody>
+      </p:sp>
     </p:spTree>
   </p:cSld>
   <p:clrMapOvr>
@@ -10450,7 +12144,7 @@
         <p:spPr/>
         <p:txBody>
           <a:bodyPr>
-            <a:normAutofit lnSpcReduction="10000"/>
+            <a:normAutofit fontScale="92500"/>
           </a:bodyPr>
           <a:lstStyle/>
           <a:p>
@@ -10714,6 +12408,49 @@
                 <a:ea typeface="나눔고딕" pitchFamily="50" charset="-127"/>
               </a:rPr>
               <a:t>플라톤</a:t>
+            </a:r>
+          </a:p>
+        </p:txBody>
+      </p:sp>
+      <p:sp>
+        <p:nvSpPr>
+          <p:cNvPr id="5" name="TextBox 4">
+            <a:extLst>
+              <a:ext uri="{FF2B5EF4-FFF2-40B4-BE49-F238E27FC236}">
+                <a16:creationId xmlns:a16="http://schemas.microsoft.com/office/drawing/2014/main" id="{CE6C4B65-AA66-4F91-8FA9-045545EB47F1}"/>
+              </a:ext>
+            </a:extLst>
+          </p:cNvPr>
+          <p:cNvSpPr txBox="1"/>
+          <p:nvPr/>
+        </p:nvSpPr>
+        <p:spPr>
+          <a:xfrm>
+            <a:off x="5580112" y="6381328"/>
+            <a:ext cx="2016224" cy="369332"/>
+          </a:xfrm>
+          <a:prstGeom prst="rect">
+            <a:avLst/>
+          </a:prstGeom>
+          <a:noFill/>
+        </p:spPr>
+        <p:txBody>
+          <a:bodyPr wrap="square" rtlCol="0">
+            <a:spAutoFit/>
+          </a:bodyPr>
+          <a:lstStyle/>
+          <a:p>
+            <a:r>
+              <a:rPr lang="ko-KR" altLang="en-US" dirty="0"/>
+              <a:t>고대 </a:t>
+            </a:r>
+            <a:r>
+              <a:rPr lang="en-US" altLang="ko-KR" dirty="0"/>
+              <a:t>: </a:t>
+            </a:r>
+            <a:r>
+              <a:rPr lang="ko-KR" altLang="en-US" dirty="0"/>
+              <a:t>존재론</a:t>
             </a:r>
           </a:p>
         </p:txBody>
@@ -10933,6 +12670,67 @@
               <a:t>데카르트</a:t>
             </a:r>
             <a:endParaRPr lang="ko-KR" altLang="en-US" sz="4000" dirty="0"/>
+          </a:p>
+        </p:txBody>
+      </p:sp>
+      <p:sp>
+        <p:nvSpPr>
+          <p:cNvPr id="4" name="TextBox 3">
+            <a:extLst>
+              <a:ext uri="{FF2B5EF4-FFF2-40B4-BE49-F238E27FC236}">
+                <a16:creationId xmlns:a16="http://schemas.microsoft.com/office/drawing/2014/main" id="{07D2843C-4FA7-4744-A80A-25C2508385B3}"/>
+              </a:ext>
+            </a:extLst>
+          </p:cNvPr>
+          <p:cNvSpPr txBox="1"/>
+          <p:nvPr/>
+        </p:nvSpPr>
+        <p:spPr>
+          <a:xfrm>
+            <a:off x="4211960" y="5229200"/>
+            <a:ext cx="3312368" cy="923330"/>
+          </a:xfrm>
+          <a:prstGeom prst="rect">
+            <a:avLst/>
+          </a:prstGeom>
+          <a:noFill/>
+        </p:spPr>
+        <p:txBody>
+          <a:bodyPr wrap="square" rtlCol="0">
+            <a:spAutoFit/>
+          </a:bodyPr>
+          <a:lstStyle/>
+          <a:p>
+            <a:r>
+              <a:rPr lang="ko-KR" altLang="en-US" dirty="0"/>
+              <a:t>영혼의 관념 세계 </a:t>
+            </a:r>
+            <a:r>
+              <a:rPr lang="en-US" altLang="ko-KR" dirty="0"/>
+              <a:t>:  </a:t>
+            </a:r>
+            <a:r>
+              <a:rPr lang="ko-KR" altLang="en-US" dirty="0"/>
+              <a:t>이성</a:t>
+            </a:r>
+            <a:endParaRPr lang="en-US" altLang="ko-KR" dirty="0"/>
+          </a:p>
+          <a:p>
+            <a:endParaRPr lang="en-US" altLang="ko-KR" dirty="0"/>
+          </a:p>
+          <a:p>
+            <a:r>
+              <a:rPr lang="ko-KR" altLang="en-US" dirty="0"/>
+              <a:t>물질의 관념 세계 </a:t>
+            </a:r>
+            <a:r>
+              <a:rPr lang="en-US" altLang="ko-KR" dirty="0"/>
+              <a:t>:  </a:t>
+            </a:r>
+            <a:r>
+              <a:rPr lang="ko-KR" altLang="en-US" dirty="0"/>
+              <a:t>감각</a:t>
+            </a:r>
           </a:p>
         </p:txBody>
       </p:sp>
@@ -12728,7 +14526,7 @@
         <p:spPr/>
         <p:txBody>
           <a:bodyPr>
-            <a:normAutofit fontScale="92500"/>
+            <a:normAutofit fontScale="92500" lnSpcReduction="10000"/>
           </a:bodyPr>
           <a:lstStyle/>
           <a:p>
@@ -13352,7 +15150,7 @@
         <p:spPr/>
         <p:txBody>
           <a:bodyPr>
-            <a:normAutofit fontScale="85000" lnSpcReduction="10000"/>
+            <a:normAutofit fontScale="85000" lnSpcReduction="20000"/>
           </a:bodyPr>
           <a:lstStyle/>
           <a:p>
